--- a/curriculum.pptx
+++ b/curriculum.pptx
@@ -7,8 +7,12 @@
   <p:sldIdLst>
     <p:sldId id="256" r:id="rId2"/>
     <p:sldId id="257" r:id="rId3"/>
-    <p:sldId id="258" r:id="rId4"/>
-    <p:sldId id="259" r:id="rId5"/>
+    <p:sldId id="264" r:id="rId4"/>
+    <p:sldId id="258" r:id="rId5"/>
+    <p:sldId id="259" r:id="rId6"/>
+    <p:sldId id="260" r:id="rId7"/>
+    <p:sldId id="261" r:id="rId8"/>
+    <p:sldId id="263" r:id="rId9"/>
   </p:sldIdLst>
   <p:sldSz cx="12192000" cy="6858000"/>
   <p:notesSz cx="6858000" cy="9144000"/>
@@ -3193,7 +3197,7 @@
           <a:p>
             <a:r>
               <a:rPr lang="en-US" dirty="0" smtClean="0"/>
-              <a:t>Writing your first test</a:t>
+              <a:t>Test Driven Development Cycle</a:t>
             </a:r>
             <a:endParaRPr lang="en-US" dirty="0"/>
           </a:p>
@@ -3201,76 +3205,458 @@
       </p:sp>
       <p:sp>
         <p:nvSpPr>
-          <p:cNvPr id="3" name="Content Placeholder 2"/>
-          <p:cNvSpPr>
-            <a:spLocks noGrp="1"/>
-          </p:cNvSpPr>
-          <p:nvPr>
-            <p:ph idx="1"/>
-          </p:nvPr>
-        </p:nvSpPr>
-        <p:spPr/>
-        <p:txBody>
-          <a:bodyPr>
-            <a:normAutofit/>
+          <p:cNvPr id="4" name="TextBox 3"/>
+          <p:cNvSpPr txBox="1"/>
+          <p:nvPr/>
+        </p:nvSpPr>
+        <p:spPr>
+          <a:xfrm>
+            <a:off x="4085617" y="2055974"/>
+            <a:ext cx="1149225" cy="369332"/>
+          </a:xfrm>
+          <a:prstGeom prst="rect">
+            <a:avLst/>
+          </a:prstGeom>
+          <a:noFill/>
+        </p:spPr>
+        <p:txBody>
+          <a:bodyPr wrap="none" rtlCol="0">
+            <a:spAutoFit/>
           </a:bodyPr>
           <a:lstStyle/>
           <a:p>
-            <a:r>
-              <a:rPr lang="en-US" dirty="0" smtClean="0"/>
-              <a:t>Begin with the simplest test case possible</a:t>
-            </a:r>
-          </a:p>
-          <a:p>
-            <a:r>
-              <a:rPr lang="en-US" dirty="0" smtClean="0"/>
-              <a:t>Write the test code first</a:t>
-            </a:r>
-          </a:p>
-          <a:p>
-            <a:r>
-              <a:rPr lang="en-US" dirty="0" smtClean="0"/>
-              <a:t>Complete the test first, then create necessary production code</a:t>
-            </a:r>
-          </a:p>
-          <a:p>
-            <a:r>
-              <a:rPr lang="en-US" dirty="0" smtClean="0"/>
-              <a:t>Get the test to a state where it can run:</a:t>
-            </a:r>
-          </a:p>
-          <a:p>
-            <a:pPr lvl="1"/>
-            <a:r>
-              <a:rPr lang="en-US" dirty="0" smtClean="0"/>
-              <a:t>For static languages you’ll need to ensure the tests compile</a:t>
-            </a:r>
-          </a:p>
-          <a:p>
-            <a:pPr lvl="1"/>
-            <a:r>
-              <a:rPr lang="en-US" dirty="0" smtClean="0"/>
-              <a:t>Dynamic languages don’t require production code before they run</a:t>
-            </a:r>
-          </a:p>
-          <a:p>
-            <a:r>
-              <a:rPr lang="en-US" dirty="0" smtClean="0"/>
-              <a:t>Run the test and ensure you see it fail</a:t>
-            </a:r>
-          </a:p>
-          <a:p>
-            <a:r>
-              <a:rPr lang="en-US" dirty="0" smtClean="0"/>
-              <a:t>Assuming tasks are being tracked on index cards, rip the card up when a task is complete</a:t>
-            </a:r>
-          </a:p>
-        </p:txBody>
-      </p:sp>
+            <a:pPr algn="ctr"/>
+            <a:r>
+              <a:rPr lang="en-US" dirty="0" smtClean="0"/>
+              <a:t>Add a Test</a:t>
+            </a:r>
+          </a:p>
+        </p:txBody>
+      </p:sp>
+      <p:sp>
+        <p:nvSpPr>
+          <p:cNvPr id="5" name="TextBox 4"/>
+          <p:cNvSpPr txBox="1"/>
+          <p:nvPr/>
+        </p:nvSpPr>
+        <p:spPr>
+          <a:xfrm>
+            <a:off x="3987833" y="2928382"/>
+            <a:ext cx="1344792" cy="369332"/>
+          </a:xfrm>
+          <a:prstGeom prst="rect">
+            <a:avLst/>
+          </a:prstGeom>
+          <a:noFill/>
+        </p:spPr>
+        <p:txBody>
+          <a:bodyPr wrap="none" rtlCol="0">
+            <a:spAutoFit/>
+          </a:bodyPr>
+          <a:lstStyle/>
+          <a:p>
+            <a:pPr algn="ctr"/>
+            <a:r>
+              <a:rPr lang="en-US" dirty="0" smtClean="0"/>
+              <a:t>Run the Test</a:t>
+            </a:r>
+            <a:endParaRPr lang="en-US" dirty="0"/>
+          </a:p>
+        </p:txBody>
+      </p:sp>
+      <p:sp>
+        <p:nvSpPr>
+          <p:cNvPr id="6" name="TextBox 5"/>
+          <p:cNvSpPr txBox="1"/>
+          <p:nvPr/>
+        </p:nvSpPr>
+        <p:spPr>
+          <a:xfrm>
+            <a:off x="3588269" y="3800790"/>
+            <a:ext cx="2143920" cy="369332"/>
+          </a:xfrm>
+          <a:prstGeom prst="rect">
+            <a:avLst/>
+          </a:prstGeom>
+          <a:noFill/>
+        </p:spPr>
+        <p:txBody>
+          <a:bodyPr wrap="none" rtlCol="0">
+            <a:spAutoFit/>
+          </a:bodyPr>
+          <a:lstStyle/>
+          <a:p>
+            <a:pPr algn="ctr"/>
+            <a:r>
+              <a:rPr lang="en-US" dirty="0" smtClean="0"/>
+              <a:t>Make a Little Change</a:t>
+            </a:r>
+          </a:p>
+        </p:txBody>
+      </p:sp>
+      <p:sp>
+        <p:nvSpPr>
+          <p:cNvPr id="7" name="TextBox 6"/>
+          <p:cNvSpPr txBox="1"/>
+          <p:nvPr/>
+        </p:nvSpPr>
+        <p:spPr>
+          <a:xfrm>
+            <a:off x="3987833" y="4868555"/>
+            <a:ext cx="1344792" cy="369332"/>
+          </a:xfrm>
+          <a:prstGeom prst="rect">
+            <a:avLst/>
+          </a:prstGeom>
+          <a:noFill/>
+        </p:spPr>
+        <p:txBody>
+          <a:bodyPr wrap="none" rtlCol="0">
+            <a:spAutoFit/>
+          </a:bodyPr>
+          <a:lstStyle/>
+          <a:p>
+            <a:pPr algn="ctr"/>
+            <a:r>
+              <a:rPr lang="en-US" dirty="0" smtClean="0"/>
+              <a:t>Run the Test</a:t>
+            </a:r>
+            <a:endParaRPr lang="en-US" dirty="0"/>
+          </a:p>
+        </p:txBody>
+      </p:sp>
+      <p:sp>
+        <p:nvSpPr>
+          <p:cNvPr id="9" name="TextBox 8"/>
+          <p:cNvSpPr txBox="1"/>
+          <p:nvPr/>
+        </p:nvSpPr>
+        <p:spPr>
+          <a:xfrm>
+            <a:off x="4105752" y="5936320"/>
+            <a:ext cx="1108953" cy="369651"/>
+          </a:xfrm>
+          <a:prstGeom prst="rect">
+            <a:avLst/>
+          </a:prstGeom>
+          <a:noFill/>
+        </p:spPr>
+        <p:txBody>
+          <a:bodyPr wrap="square" rtlCol="0">
+            <a:spAutoFit/>
+          </a:bodyPr>
+          <a:lstStyle/>
+          <a:p>
+            <a:pPr algn="ctr"/>
+            <a:r>
+              <a:rPr lang="en-US" smtClean="0"/>
+              <a:t>Refactor</a:t>
+            </a:r>
+            <a:endParaRPr lang="en-US"/>
+          </a:p>
+        </p:txBody>
+      </p:sp>
+      <p:cxnSp>
+        <p:nvCxnSpPr>
+          <p:cNvPr id="11" name="Straight Arrow Connector 10"/>
+          <p:cNvCxnSpPr>
+            <a:stCxn id="4" idx="2"/>
+            <a:endCxn id="5" idx="0"/>
+          </p:cNvCxnSpPr>
+          <p:nvPr/>
+        </p:nvCxnSpPr>
+        <p:spPr>
+          <a:xfrm flipH="1">
+            <a:off x="4660229" y="2425306"/>
+            <a:ext cx="1" cy="503076"/>
+          </a:xfrm>
+          <a:prstGeom prst="straightConnector1">
+            <a:avLst/>
+          </a:prstGeom>
+          <a:ln>
+            <a:tailEnd type="triangle"/>
+          </a:ln>
+        </p:spPr>
+        <p:style>
+          <a:lnRef idx="1">
+            <a:schemeClr val="accent1"/>
+          </a:lnRef>
+          <a:fillRef idx="0">
+            <a:schemeClr val="accent1"/>
+          </a:fillRef>
+          <a:effectRef idx="0">
+            <a:schemeClr val="accent1"/>
+          </a:effectRef>
+          <a:fontRef idx="minor">
+            <a:schemeClr val="tx1"/>
+          </a:fontRef>
+        </p:style>
+      </p:cxnSp>
+      <p:cxnSp>
+        <p:nvCxnSpPr>
+          <p:cNvPr id="13" name="Straight Arrow Connector 12"/>
+          <p:cNvCxnSpPr>
+            <a:stCxn id="5" idx="2"/>
+            <a:endCxn id="6" idx="0"/>
+          </p:cNvCxnSpPr>
+          <p:nvPr/>
+        </p:nvCxnSpPr>
+        <p:spPr>
+          <a:xfrm>
+            <a:off x="4660229" y="3297714"/>
+            <a:ext cx="0" cy="503076"/>
+          </a:xfrm>
+          <a:prstGeom prst="straightConnector1">
+            <a:avLst/>
+          </a:prstGeom>
+          <a:ln>
+            <a:tailEnd type="triangle"/>
+          </a:ln>
+        </p:spPr>
+        <p:style>
+          <a:lnRef idx="1">
+            <a:schemeClr val="accent1"/>
+          </a:lnRef>
+          <a:fillRef idx="0">
+            <a:schemeClr val="accent1"/>
+          </a:fillRef>
+          <a:effectRef idx="0">
+            <a:schemeClr val="accent1"/>
+          </a:effectRef>
+          <a:fontRef idx="minor">
+            <a:schemeClr val="tx1"/>
+          </a:fontRef>
+        </p:style>
+      </p:cxnSp>
+      <p:cxnSp>
+        <p:nvCxnSpPr>
+          <p:cNvPr id="15" name="Straight Arrow Connector 14"/>
+          <p:cNvCxnSpPr>
+            <a:stCxn id="6" idx="2"/>
+            <a:endCxn id="7" idx="0"/>
+          </p:cNvCxnSpPr>
+          <p:nvPr/>
+        </p:nvCxnSpPr>
+        <p:spPr>
+          <a:xfrm>
+            <a:off x="4660229" y="4170122"/>
+            <a:ext cx="0" cy="698433"/>
+          </a:xfrm>
+          <a:prstGeom prst="straightConnector1">
+            <a:avLst/>
+          </a:prstGeom>
+          <a:ln>
+            <a:tailEnd type="triangle"/>
+          </a:ln>
+        </p:spPr>
+        <p:style>
+          <a:lnRef idx="1">
+            <a:schemeClr val="accent1"/>
+          </a:lnRef>
+          <a:fillRef idx="0">
+            <a:schemeClr val="accent1"/>
+          </a:fillRef>
+          <a:effectRef idx="0">
+            <a:schemeClr val="accent1"/>
+          </a:effectRef>
+          <a:fontRef idx="minor">
+            <a:schemeClr val="tx1"/>
+          </a:fontRef>
+        </p:style>
+      </p:cxnSp>
+      <p:cxnSp>
+        <p:nvCxnSpPr>
+          <p:cNvPr id="17" name="Straight Arrow Connector 16"/>
+          <p:cNvCxnSpPr>
+            <a:stCxn id="7" idx="2"/>
+            <a:endCxn id="9" idx="0"/>
+          </p:cNvCxnSpPr>
+          <p:nvPr/>
+        </p:nvCxnSpPr>
+        <p:spPr>
+          <a:xfrm>
+            <a:off x="4660229" y="5237887"/>
+            <a:ext cx="0" cy="698433"/>
+          </a:xfrm>
+          <a:prstGeom prst="straightConnector1">
+            <a:avLst/>
+          </a:prstGeom>
+          <a:ln>
+            <a:tailEnd type="triangle"/>
+          </a:ln>
+        </p:spPr>
+        <p:style>
+          <a:lnRef idx="1">
+            <a:schemeClr val="accent1"/>
+          </a:lnRef>
+          <a:fillRef idx="0">
+            <a:schemeClr val="accent1"/>
+          </a:fillRef>
+          <a:effectRef idx="0">
+            <a:schemeClr val="accent1"/>
+          </a:effectRef>
+          <a:fontRef idx="minor">
+            <a:schemeClr val="tx1"/>
+          </a:fontRef>
+        </p:style>
+      </p:cxnSp>
+      <p:cxnSp>
+        <p:nvCxnSpPr>
+          <p:cNvPr id="19" name="Elbow Connector 18"/>
+          <p:cNvCxnSpPr>
+            <a:endCxn id="4" idx="0"/>
+          </p:cNvCxnSpPr>
+          <p:nvPr/>
+        </p:nvCxnSpPr>
+        <p:spPr>
+          <a:xfrm rot="16200000" flipV="1">
+            <a:off x="2558716" y="4157489"/>
+            <a:ext cx="4206239" cy="3210"/>
+          </a:xfrm>
+          <a:prstGeom prst="bentConnector5">
+            <a:avLst>
+              <a:gd name="adj1" fmla="val -7066"/>
+              <a:gd name="adj2" fmla="val -54503769"/>
+              <a:gd name="adj3" fmla="val 105435"/>
+            </a:avLst>
+          </a:prstGeom>
+          <a:ln>
+            <a:tailEnd type="triangle"/>
+          </a:ln>
+        </p:spPr>
+        <p:style>
+          <a:lnRef idx="1">
+            <a:schemeClr val="accent1"/>
+          </a:lnRef>
+          <a:fillRef idx="0">
+            <a:schemeClr val="accent1"/>
+          </a:fillRef>
+          <a:effectRef idx="0">
+            <a:schemeClr val="accent1"/>
+          </a:effectRef>
+          <a:fontRef idx="minor">
+            <a:schemeClr val="tx1"/>
+          </a:fontRef>
+        </p:style>
+      </p:cxnSp>
+      <p:cxnSp>
+        <p:nvCxnSpPr>
+          <p:cNvPr id="35" name="Elbow Connector 34"/>
+          <p:cNvCxnSpPr>
+            <a:stCxn id="5" idx="1"/>
+            <a:endCxn id="4" idx="1"/>
+          </p:cNvCxnSpPr>
+          <p:nvPr/>
+        </p:nvCxnSpPr>
+        <p:spPr>
+          <a:xfrm rot="10800000" flipH="1">
+            <a:off x="3987833" y="2240640"/>
+            <a:ext cx="97784" cy="872408"/>
+          </a:xfrm>
+          <a:prstGeom prst="bentConnector3">
+            <a:avLst>
+              <a:gd name="adj1" fmla="val -233781"/>
+            </a:avLst>
+          </a:prstGeom>
+          <a:ln>
+            <a:tailEnd type="triangle"/>
+          </a:ln>
+        </p:spPr>
+        <p:style>
+          <a:lnRef idx="1">
+            <a:schemeClr val="accent1"/>
+          </a:lnRef>
+          <a:fillRef idx="0">
+            <a:schemeClr val="accent1"/>
+          </a:fillRef>
+          <a:effectRef idx="0">
+            <a:schemeClr val="accent1"/>
+          </a:effectRef>
+          <a:fontRef idx="minor">
+            <a:schemeClr val="tx1"/>
+          </a:fontRef>
+        </p:style>
+      </p:cxnSp>
+      <p:cxnSp>
+        <p:nvCxnSpPr>
+          <p:cNvPr id="37" name="Elbow Connector 36"/>
+          <p:cNvCxnSpPr>
+            <a:stCxn id="9" idx="1"/>
+            <a:endCxn id="7" idx="1"/>
+          </p:cNvCxnSpPr>
+          <p:nvPr/>
+        </p:nvCxnSpPr>
+        <p:spPr>
+          <a:xfrm rot="10800000">
+            <a:off x="3987834" y="5053222"/>
+            <a:ext cx="117919" cy="1067925"/>
+          </a:xfrm>
+          <a:prstGeom prst="bentConnector3">
+            <a:avLst>
+              <a:gd name="adj1" fmla="val 293862"/>
+            </a:avLst>
+          </a:prstGeom>
+          <a:ln>
+            <a:tailEnd type="triangle"/>
+          </a:ln>
+        </p:spPr>
+        <p:style>
+          <a:lnRef idx="1">
+            <a:schemeClr val="accent1"/>
+          </a:lnRef>
+          <a:fillRef idx="0">
+            <a:schemeClr val="accent1"/>
+          </a:fillRef>
+          <a:effectRef idx="0">
+            <a:schemeClr val="accent1"/>
+          </a:effectRef>
+          <a:fontRef idx="minor">
+            <a:schemeClr val="tx1"/>
+          </a:fontRef>
+        </p:style>
+      </p:cxnSp>
+      <p:cxnSp>
+        <p:nvCxnSpPr>
+          <p:cNvPr id="39" name="Elbow Connector 38"/>
+          <p:cNvCxnSpPr>
+            <a:stCxn id="7" idx="3"/>
+            <a:endCxn id="6" idx="3"/>
+          </p:cNvCxnSpPr>
+          <p:nvPr/>
+        </p:nvCxnSpPr>
+        <p:spPr>
+          <a:xfrm flipV="1">
+            <a:off x="5332625" y="3985456"/>
+            <a:ext cx="399564" cy="1067765"/>
+          </a:xfrm>
+          <a:prstGeom prst="bentConnector3">
+            <a:avLst>
+              <a:gd name="adj1" fmla="val 157212"/>
+            </a:avLst>
+          </a:prstGeom>
+          <a:ln>
+            <a:tailEnd type="triangle"/>
+          </a:ln>
+        </p:spPr>
+        <p:style>
+          <a:lnRef idx="1">
+            <a:schemeClr val="accent1"/>
+          </a:lnRef>
+          <a:fillRef idx="0">
+            <a:schemeClr val="accent1"/>
+          </a:fillRef>
+          <a:effectRef idx="0">
+            <a:schemeClr val="accent1"/>
+          </a:effectRef>
+          <a:fontRef idx="minor">
+            <a:schemeClr val="tx1"/>
+          </a:fontRef>
+        </p:style>
+      </p:cxnSp>
     </p:spTree>
     <p:extLst>
       <p:ext uri="{BB962C8B-B14F-4D97-AF65-F5344CB8AC3E}">
-        <p14:creationId xmlns:p14="http://schemas.microsoft.com/office/powerpoint/2010/main" val="1831453230"/>
+        <p14:creationId xmlns:p14="http://schemas.microsoft.com/office/powerpoint/2010/main" val="1740341565"/>
       </p:ext>
     </p:extLst>
   </p:cSld>
@@ -3314,6 +3700,121 @@
           <a:p>
             <a:r>
               <a:rPr lang="en-US" dirty="0" smtClean="0"/>
+              <a:t>Writing your first test</a:t>
+            </a:r>
+            <a:endParaRPr lang="en-US" dirty="0"/>
+          </a:p>
+        </p:txBody>
+      </p:sp>
+      <p:sp>
+        <p:nvSpPr>
+          <p:cNvPr id="3" name="Content Placeholder 2"/>
+          <p:cNvSpPr>
+            <a:spLocks noGrp="1"/>
+          </p:cNvSpPr>
+          <p:nvPr>
+            <p:ph idx="1"/>
+          </p:nvPr>
+        </p:nvSpPr>
+        <p:spPr/>
+        <p:txBody>
+          <a:bodyPr>
+            <a:normAutofit/>
+          </a:bodyPr>
+          <a:lstStyle/>
+          <a:p>
+            <a:r>
+              <a:rPr lang="en-US" dirty="0" smtClean="0"/>
+              <a:t>Begin with the simplest test case possible</a:t>
+            </a:r>
+          </a:p>
+          <a:p>
+            <a:r>
+              <a:rPr lang="en-US" dirty="0" smtClean="0"/>
+              <a:t>Write the test code first</a:t>
+            </a:r>
+          </a:p>
+          <a:p>
+            <a:r>
+              <a:rPr lang="en-US" dirty="0" smtClean="0"/>
+              <a:t>Complete the test first, then create necessary production code</a:t>
+            </a:r>
+          </a:p>
+          <a:p>
+            <a:r>
+              <a:rPr lang="en-US" dirty="0" smtClean="0"/>
+              <a:t>Get the test to a state where it can run:</a:t>
+            </a:r>
+          </a:p>
+          <a:p>
+            <a:pPr lvl="1"/>
+            <a:r>
+              <a:rPr lang="en-US" dirty="0" smtClean="0"/>
+              <a:t>For static languages you’ll need to ensure the tests compile</a:t>
+            </a:r>
+          </a:p>
+          <a:p>
+            <a:pPr lvl="1"/>
+            <a:r>
+              <a:rPr lang="en-US" dirty="0" smtClean="0"/>
+              <a:t>Dynamic languages don’t require production code before they run</a:t>
+            </a:r>
+          </a:p>
+          <a:p>
+            <a:r>
+              <a:rPr lang="en-US" dirty="0" smtClean="0"/>
+              <a:t>Run the test and ensure you see it fail</a:t>
+            </a:r>
+          </a:p>
+        </p:txBody>
+      </p:sp>
+    </p:spTree>
+    <p:extLst>
+      <p:ext uri="{BB962C8B-B14F-4D97-AF65-F5344CB8AC3E}">
+        <p14:creationId xmlns:p14="http://schemas.microsoft.com/office/powerpoint/2010/main" val="1831453230"/>
+      </p:ext>
+    </p:extLst>
+  </p:cSld>
+  <p:clrMapOvr>
+    <a:masterClrMapping/>
+  </p:clrMapOvr>
+</p:sld>
+</file>
+
+<file path=ppt/slides/slide5.xml><?xml version="1.0" encoding="utf-8"?>
+<p:sld xmlns:a="http://schemas.openxmlformats.org/drawingml/2006/main" xmlns:r="http://schemas.openxmlformats.org/officeDocument/2006/relationships" xmlns:p="http://schemas.openxmlformats.org/presentationml/2006/main">
+  <p:cSld>
+    <p:spTree>
+      <p:nvGrpSpPr>
+        <p:cNvPr id="1" name=""/>
+        <p:cNvGrpSpPr/>
+        <p:nvPr/>
+      </p:nvGrpSpPr>
+      <p:grpSpPr>
+        <a:xfrm>
+          <a:off x="0" y="0"/>
+          <a:ext cx="0" cy="0"/>
+          <a:chOff x="0" y="0"/>
+          <a:chExt cx="0" cy="0"/>
+        </a:xfrm>
+      </p:grpSpPr>
+      <p:sp>
+        <p:nvSpPr>
+          <p:cNvPr id="2" name="Title 1"/>
+          <p:cNvSpPr>
+            <a:spLocks noGrp="1"/>
+          </p:cNvSpPr>
+          <p:nvPr>
+            <p:ph type="title"/>
+          </p:nvPr>
+        </p:nvSpPr>
+        <p:spPr/>
+        <p:txBody>
+          <a:bodyPr/>
+          <a:lstStyle/>
+          <a:p>
+            <a:r>
+              <a:rPr lang="en-US" dirty="0" smtClean="0"/>
               <a:t>Making your first test pass</a:t>
             </a:r>
             <a:endParaRPr lang="en-US" dirty="0"/>
@@ -3337,11 +3838,40 @@
           <a:p>
             <a:r>
               <a:rPr lang="en-US" dirty="0" smtClean="0"/>
-              <a:t>Do the least amount of work you can to make your first </a:t>
-            </a:r>
-            <a:r>
-              <a:rPr lang="en-US" smtClean="0"/>
-              <a:t>test pass</a:t>
+              <a:t>Before making the test pass, ensure it fails</a:t>
+            </a:r>
+          </a:p>
+          <a:p>
+            <a:pPr lvl="1"/>
+            <a:r>
+              <a:rPr lang="en-US" dirty="0" smtClean="0"/>
+              <a:t>Without doing so it becomes impossible to know if a test is correctly implemented</a:t>
+            </a:r>
+          </a:p>
+          <a:p>
+            <a:r>
+              <a:rPr lang="en-US" dirty="0" smtClean="0"/>
+              <a:t>Do the least work possible to make the test pass</a:t>
+            </a:r>
+          </a:p>
+          <a:p>
+            <a:pPr lvl="1"/>
+            <a:r>
+              <a:rPr lang="en-US" dirty="0" smtClean="0"/>
+              <a:t>Hard coding the result if necessary</a:t>
+            </a:r>
+          </a:p>
+          <a:p>
+            <a:r>
+              <a:rPr lang="en-US" dirty="0" smtClean="0"/>
+              <a:t>Run the test and see it pass (go green)</a:t>
+            </a:r>
+          </a:p>
+          <a:p>
+            <a:pPr lvl="1"/>
+            <a:r>
+              <a:rPr lang="en-US" dirty="0" smtClean="0"/>
+              <a:t>If the test doesn’t pass change something so it does</a:t>
             </a:r>
             <a:endParaRPr lang="en-US" dirty="0" smtClean="0"/>
           </a:p>
@@ -3351,6 +3881,285 @@
     <p:extLst>
       <p:ext uri="{BB962C8B-B14F-4D97-AF65-F5344CB8AC3E}">
         <p14:creationId xmlns:p14="http://schemas.microsoft.com/office/powerpoint/2010/main" val="459009621"/>
+      </p:ext>
+    </p:extLst>
+  </p:cSld>
+  <p:clrMapOvr>
+    <a:masterClrMapping/>
+  </p:clrMapOvr>
+</p:sld>
+</file>
+
+<file path=ppt/slides/slide6.xml><?xml version="1.0" encoding="utf-8"?>
+<p:sld xmlns:a="http://schemas.openxmlformats.org/drawingml/2006/main" xmlns:r="http://schemas.openxmlformats.org/officeDocument/2006/relationships" xmlns:p="http://schemas.openxmlformats.org/presentationml/2006/main">
+  <p:cSld>
+    <p:spTree>
+      <p:nvGrpSpPr>
+        <p:cNvPr id="1" name=""/>
+        <p:cNvGrpSpPr/>
+        <p:nvPr/>
+      </p:nvGrpSpPr>
+      <p:grpSpPr>
+        <a:xfrm>
+          <a:off x="0" y="0"/>
+          <a:ext cx="0" cy="0"/>
+          <a:chOff x="0" y="0"/>
+          <a:chExt cx="0" cy="0"/>
+        </a:xfrm>
+      </p:grpSpPr>
+      <p:sp>
+        <p:nvSpPr>
+          <p:cNvPr id="2" name="Title 1"/>
+          <p:cNvSpPr>
+            <a:spLocks noGrp="1"/>
+          </p:cNvSpPr>
+          <p:nvPr>
+            <p:ph type="title"/>
+          </p:nvPr>
+        </p:nvSpPr>
+        <p:spPr/>
+        <p:txBody>
+          <a:bodyPr/>
+          <a:lstStyle/>
+          <a:p>
+            <a:r>
+              <a:rPr lang="en-US" dirty="0" smtClean="0"/>
+              <a:t>Work in small increments</a:t>
+            </a:r>
+            <a:endParaRPr lang="en-US" dirty="0"/>
+          </a:p>
+        </p:txBody>
+      </p:sp>
+      <p:sp>
+        <p:nvSpPr>
+          <p:cNvPr id="3" name="Content Placeholder 2"/>
+          <p:cNvSpPr>
+            <a:spLocks noGrp="1"/>
+          </p:cNvSpPr>
+          <p:nvPr>
+            <p:ph idx="1"/>
+          </p:nvPr>
+        </p:nvSpPr>
+        <p:spPr/>
+        <p:txBody>
+          <a:bodyPr/>
+          <a:lstStyle/>
+          <a:p>
+            <a:r>
+              <a:rPr lang="en-US" dirty="0" smtClean="0"/>
+              <a:t>Aim for small, concise commits</a:t>
+            </a:r>
+          </a:p>
+          <a:p>
+            <a:r>
+              <a:rPr lang="en-US" dirty="0" smtClean="0"/>
+              <a:t>Check in after having done small amounts of work</a:t>
+            </a:r>
+          </a:p>
+          <a:p>
+            <a:r>
+              <a:rPr lang="en-US" dirty="0" smtClean="0"/>
+              <a:t>Small commits result in less lost code when new functionality breaks existing tests unexpectedly</a:t>
+            </a:r>
+            <a:endParaRPr lang="en-US" dirty="0"/>
+          </a:p>
+        </p:txBody>
+      </p:sp>
+    </p:spTree>
+    <p:extLst>
+      <p:ext uri="{BB962C8B-B14F-4D97-AF65-F5344CB8AC3E}">
+        <p14:creationId xmlns:p14="http://schemas.microsoft.com/office/powerpoint/2010/main" val="1636712731"/>
+      </p:ext>
+    </p:extLst>
+  </p:cSld>
+  <p:clrMapOvr>
+    <a:masterClrMapping/>
+  </p:clrMapOvr>
+</p:sld>
+</file>
+
+<file path=ppt/slides/slide7.xml><?xml version="1.0" encoding="utf-8"?>
+<p:sld xmlns:a="http://schemas.openxmlformats.org/drawingml/2006/main" xmlns:r="http://schemas.openxmlformats.org/officeDocument/2006/relationships" xmlns:p="http://schemas.openxmlformats.org/presentationml/2006/main">
+  <p:cSld>
+    <p:spTree>
+      <p:nvGrpSpPr>
+        <p:cNvPr id="1" name=""/>
+        <p:cNvGrpSpPr/>
+        <p:nvPr/>
+      </p:nvGrpSpPr>
+      <p:grpSpPr>
+        <a:xfrm>
+          <a:off x="0" y="0"/>
+          <a:ext cx="0" cy="0"/>
+          <a:chOff x="0" y="0"/>
+          <a:chExt cx="0" cy="0"/>
+        </a:xfrm>
+      </p:grpSpPr>
+      <p:sp>
+        <p:nvSpPr>
+          <p:cNvPr id="2" name="Title 1"/>
+          <p:cNvSpPr>
+            <a:spLocks noGrp="1"/>
+          </p:cNvSpPr>
+          <p:nvPr>
+            <p:ph type="title"/>
+          </p:nvPr>
+        </p:nvSpPr>
+        <p:spPr/>
+        <p:txBody>
+          <a:bodyPr/>
+          <a:lstStyle/>
+          <a:p>
+            <a:r>
+              <a:rPr lang="en-US" dirty="0" smtClean="0"/>
+              <a:t>Completing a task</a:t>
+            </a:r>
+            <a:endParaRPr lang="en-US" dirty="0"/>
+          </a:p>
+        </p:txBody>
+      </p:sp>
+      <p:sp>
+        <p:nvSpPr>
+          <p:cNvPr id="3" name="Content Placeholder 2"/>
+          <p:cNvSpPr>
+            <a:spLocks noGrp="1"/>
+          </p:cNvSpPr>
+          <p:nvPr>
+            <p:ph idx="1"/>
+          </p:nvPr>
+        </p:nvSpPr>
+        <p:spPr/>
+        <p:txBody>
+          <a:bodyPr/>
+          <a:lstStyle/>
+          <a:p>
+            <a:r>
+              <a:rPr lang="en-US" dirty="0" smtClean="0"/>
+              <a:t>Add enough tests to ensure the test is well tested</a:t>
+            </a:r>
+          </a:p>
+          <a:p>
+            <a:r>
+              <a:rPr lang="en-US" dirty="0" smtClean="0"/>
+              <a:t>It is entirely possible that a single test is enough to test a task entirely</a:t>
+            </a:r>
+          </a:p>
+          <a:p>
+            <a:r>
+              <a:rPr lang="en-US" dirty="0" smtClean="0"/>
+              <a:t>When the task is complete, tear up the respective index card</a:t>
+            </a:r>
+          </a:p>
+          <a:p>
+            <a:r>
+              <a:rPr lang="en-US" dirty="0" smtClean="0"/>
+              <a:t>For now don’t refactor the tests</a:t>
+            </a:r>
+          </a:p>
+        </p:txBody>
+      </p:sp>
+    </p:spTree>
+    <p:extLst>
+      <p:ext uri="{BB962C8B-B14F-4D97-AF65-F5344CB8AC3E}">
+        <p14:creationId xmlns:p14="http://schemas.microsoft.com/office/powerpoint/2010/main" val="1773368376"/>
+      </p:ext>
+    </p:extLst>
+  </p:cSld>
+  <p:clrMapOvr>
+    <a:masterClrMapping/>
+  </p:clrMapOvr>
+</p:sld>
+</file>
+
+<file path=ppt/slides/slide8.xml><?xml version="1.0" encoding="utf-8"?>
+<p:sld xmlns:a="http://schemas.openxmlformats.org/drawingml/2006/main" xmlns:r="http://schemas.openxmlformats.org/officeDocument/2006/relationships" xmlns:p="http://schemas.openxmlformats.org/presentationml/2006/main">
+  <p:cSld>
+    <p:spTree>
+      <p:nvGrpSpPr>
+        <p:cNvPr id="1" name=""/>
+        <p:cNvGrpSpPr/>
+        <p:nvPr/>
+      </p:nvGrpSpPr>
+      <p:grpSpPr>
+        <a:xfrm>
+          <a:off x="0" y="0"/>
+          <a:ext cx="0" cy="0"/>
+          <a:chOff x="0" y="0"/>
+          <a:chExt cx="0" cy="0"/>
+        </a:xfrm>
+      </p:grpSpPr>
+      <p:sp>
+        <p:nvSpPr>
+          <p:cNvPr id="2" name="Title 1"/>
+          <p:cNvSpPr>
+            <a:spLocks noGrp="1"/>
+          </p:cNvSpPr>
+          <p:nvPr>
+            <p:ph type="title"/>
+          </p:nvPr>
+        </p:nvSpPr>
+        <p:spPr/>
+        <p:txBody>
+          <a:bodyPr/>
+          <a:lstStyle/>
+          <a:p>
+            <a:r>
+              <a:rPr lang="en-US" dirty="0" smtClean="0"/>
+              <a:t>Red-Green-Refactor</a:t>
+            </a:r>
+            <a:endParaRPr lang="en-US" dirty="0"/>
+          </a:p>
+        </p:txBody>
+      </p:sp>
+      <p:sp>
+        <p:nvSpPr>
+          <p:cNvPr id="3" name="Content Placeholder 2"/>
+          <p:cNvSpPr>
+            <a:spLocks noGrp="1"/>
+          </p:cNvSpPr>
+          <p:nvPr>
+            <p:ph idx="1"/>
+          </p:nvPr>
+        </p:nvSpPr>
+        <p:spPr/>
+        <p:txBody>
+          <a:bodyPr/>
+          <a:lstStyle/>
+          <a:p>
+            <a:r>
+              <a:rPr lang="en-US" dirty="0" smtClean="0"/>
+              <a:t>Red: make a newly written test fail</a:t>
+            </a:r>
+          </a:p>
+          <a:p>
+            <a:r>
+              <a:rPr lang="en-US" dirty="0" smtClean="0"/>
+              <a:t>Green: add just enough code to make the test pass</a:t>
+            </a:r>
+          </a:p>
+          <a:p>
+            <a:r>
+              <a:rPr lang="en-US" dirty="0" smtClean="0"/>
+              <a:t>Refactor: clean the code</a:t>
+            </a:r>
+          </a:p>
+          <a:p>
+            <a:pPr lvl="1"/>
+            <a:r>
+              <a:rPr lang="en-US" dirty="0" smtClean="0"/>
+              <a:t>Remove duplication</a:t>
+            </a:r>
+          </a:p>
+          <a:p>
+            <a:pPr lvl="1"/>
+            <a:endParaRPr lang="en-US" dirty="0"/>
+          </a:p>
+        </p:txBody>
+      </p:sp>
+    </p:spTree>
+    <p:extLst>
+      <p:ext uri="{BB962C8B-B14F-4D97-AF65-F5344CB8AC3E}">
+        <p14:creationId xmlns:p14="http://schemas.microsoft.com/office/powerpoint/2010/main" val="1777416559"/>
       </p:ext>
     </p:extLst>
   </p:cSld>

--- a/curriculum.pptx
+++ b/curriculum.pptx
@@ -4,15 +4,28 @@
   <p:sldMasterIdLst>
     <p:sldMasterId id="2147483648" r:id="rId1"/>
   </p:sldMasterIdLst>
+  <p:notesMasterIdLst>
+    <p:notesMasterId r:id="rId20"/>
+  </p:notesMasterIdLst>
   <p:sldIdLst>
     <p:sldId id="256" r:id="rId2"/>
-    <p:sldId id="257" r:id="rId3"/>
-    <p:sldId id="264" r:id="rId4"/>
-    <p:sldId id="258" r:id="rId5"/>
-    <p:sldId id="259" r:id="rId6"/>
-    <p:sldId id="260" r:id="rId7"/>
-    <p:sldId id="261" r:id="rId8"/>
-    <p:sldId id="263" r:id="rId9"/>
+    <p:sldId id="265" r:id="rId3"/>
+    <p:sldId id="266" r:id="rId4"/>
+    <p:sldId id="257" r:id="rId5"/>
+    <p:sldId id="264" r:id="rId6"/>
+    <p:sldId id="258" r:id="rId7"/>
+    <p:sldId id="259" r:id="rId8"/>
+    <p:sldId id="260" r:id="rId9"/>
+    <p:sldId id="261" r:id="rId10"/>
+    <p:sldId id="268" r:id="rId11"/>
+    <p:sldId id="267" r:id="rId12"/>
+    <p:sldId id="269" r:id="rId13"/>
+    <p:sldId id="270" r:id="rId14"/>
+    <p:sldId id="276" r:id="rId15"/>
+    <p:sldId id="271" r:id="rId16"/>
+    <p:sldId id="272" r:id="rId17"/>
+    <p:sldId id="273" r:id="rId18"/>
+    <p:sldId id="274" r:id="rId19"/>
   </p:sldIdLst>
   <p:sldSz cx="12192000" cy="6858000"/>
   <p:notesSz cx="6858000" cy="9144000"/>
@@ -111,7 +124,446 @@
       </a:defRPr>
     </a:lvl9pPr>
   </p:defaultTextStyle>
+  <p:extLst>
+    <p:ext uri="{EFAFB233-063F-42B5-8137-9DF3F51BA10A}">
+      <p15:sldGuideLst xmlns:p15="http://schemas.microsoft.com/office/powerpoint/2012/main"/>
+    </p:ext>
+  </p:extLst>
 </p:presentation>
+</file>
+
+<file path=ppt/notesMasters/notesMaster1.xml><?xml version="1.0" encoding="utf-8"?>
+<p:notesMaster xmlns:a="http://schemas.openxmlformats.org/drawingml/2006/main" xmlns:r="http://schemas.openxmlformats.org/officeDocument/2006/relationships" xmlns:p="http://schemas.openxmlformats.org/presentationml/2006/main">
+  <p:cSld>
+    <p:bg>
+      <p:bgRef idx="1001">
+        <a:schemeClr val="bg1"/>
+      </p:bgRef>
+    </p:bg>
+    <p:spTree>
+      <p:nvGrpSpPr>
+        <p:cNvPr id="1" name=""/>
+        <p:cNvGrpSpPr/>
+        <p:nvPr/>
+      </p:nvGrpSpPr>
+      <p:grpSpPr>
+        <a:xfrm>
+          <a:off x="0" y="0"/>
+          <a:ext cx="0" cy="0"/>
+          <a:chOff x="0" y="0"/>
+          <a:chExt cx="0" cy="0"/>
+        </a:xfrm>
+      </p:grpSpPr>
+      <p:sp>
+        <p:nvSpPr>
+          <p:cNvPr id="2" name="Header Placeholder 1"/>
+          <p:cNvSpPr>
+            <a:spLocks noGrp="1"/>
+          </p:cNvSpPr>
+          <p:nvPr>
+            <p:ph type="hdr" sz="quarter"/>
+          </p:nvPr>
+        </p:nvSpPr>
+        <p:spPr>
+          <a:xfrm>
+            <a:off x="0" y="0"/>
+            <a:ext cx="2971800" cy="458788"/>
+          </a:xfrm>
+          <a:prstGeom prst="rect">
+            <a:avLst/>
+          </a:prstGeom>
+        </p:spPr>
+        <p:txBody>
+          <a:bodyPr vert="horz" lIns="91440" tIns="45720" rIns="91440" bIns="45720" rtlCol="0"/>
+          <a:lstStyle>
+            <a:lvl1pPr algn="l">
+              <a:defRPr sz="1200"/>
+            </a:lvl1pPr>
+          </a:lstStyle>
+          <a:p>
+            <a:endParaRPr lang="en-US"/>
+          </a:p>
+        </p:txBody>
+      </p:sp>
+      <p:sp>
+        <p:nvSpPr>
+          <p:cNvPr id="3" name="Date Placeholder 2"/>
+          <p:cNvSpPr>
+            <a:spLocks noGrp="1"/>
+          </p:cNvSpPr>
+          <p:nvPr>
+            <p:ph type="dt" idx="1"/>
+          </p:nvPr>
+        </p:nvSpPr>
+        <p:spPr>
+          <a:xfrm>
+            <a:off x="3884613" y="0"/>
+            <a:ext cx="2971800" cy="458788"/>
+          </a:xfrm>
+          <a:prstGeom prst="rect">
+            <a:avLst/>
+          </a:prstGeom>
+        </p:spPr>
+        <p:txBody>
+          <a:bodyPr vert="horz" lIns="91440" tIns="45720" rIns="91440" bIns="45720" rtlCol="0"/>
+          <a:lstStyle>
+            <a:lvl1pPr algn="r">
+              <a:defRPr sz="1200"/>
+            </a:lvl1pPr>
+          </a:lstStyle>
+          <a:p>
+            <a:fld id="{7747C2EB-1C02-BB41-B2A0-F35794E62498}" type="datetimeFigureOut">
+              <a:rPr lang="en-US" smtClean="0"/>
+              <a:t>6/21/16</a:t>
+            </a:fld>
+            <a:endParaRPr lang="en-US"/>
+          </a:p>
+        </p:txBody>
+      </p:sp>
+      <p:sp>
+        <p:nvSpPr>
+          <p:cNvPr id="4" name="Slide Image Placeholder 3"/>
+          <p:cNvSpPr>
+            <a:spLocks noGrp="1" noRot="1" noChangeAspect="1"/>
+          </p:cNvSpPr>
+          <p:nvPr>
+            <p:ph type="sldImg" idx="2"/>
+          </p:nvPr>
+        </p:nvSpPr>
+        <p:spPr>
+          <a:xfrm>
+            <a:off x="685800" y="1143000"/>
+            <a:ext cx="5486400" cy="3086100"/>
+          </a:xfrm>
+          <a:prstGeom prst="rect">
+            <a:avLst/>
+          </a:prstGeom>
+          <a:noFill/>
+          <a:ln w="12700">
+            <a:solidFill>
+              <a:prstClr val="black"/>
+            </a:solidFill>
+          </a:ln>
+        </p:spPr>
+        <p:txBody>
+          <a:bodyPr vert="horz" lIns="91440" tIns="45720" rIns="91440" bIns="45720" rtlCol="0" anchor="ctr"/>
+          <a:lstStyle/>
+          <a:p>
+            <a:endParaRPr lang="en-US"/>
+          </a:p>
+        </p:txBody>
+      </p:sp>
+      <p:sp>
+        <p:nvSpPr>
+          <p:cNvPr id="5" name="Notes Placeholder 4"/>
+          <p:cNvSpPr>
+            <a:spLocks noGrp="1"/>
+          </p:cNvSpPr>
+          <p:nvPr>
+            <p:ph type="body" sz="quarter" idx="3"/>
+          </p:nvPr>
+        </p:nvSpPr>
+        <p:spPr>
+          <a:xfrm>
+            <a:off x="685800" y="4400550"/>
+            <a:ext cx="5486400" cy="3600450"/>
+          </a:xfrm>
+          <a:prstGeom prst="rect">
+            <a:avLst/>
+          </a:prstGeom>
+        </p:spPr>
+        <p:txBody>
+          <a:bodyPr vert="horz" lIns="91440" tIns="45720" rIns="91440" bIns="45720" rtlCol="0"/>
+          <a:lstStyle/>
+          <a:p>
+            <a:pPr lvl="0"/>
+            <a:r>
+              <a:rPr lang="en-US" smtClean="0"/>
+              <a:t>Click to edit Master text styles</a:t>
+            </a:r>
+          </a:p>
+          <a:p>
+            <a:pPr lvl="1"/>
+            <a:r>
+              <a:rPr lang="en-US" smtClean="0"/>
+              <a:t>Second level</a:t>
+            </a:r>
+          </a:p>
+          <a:p>
+            <a:pPr lvl="2"/>
+            <a:r>
+              <a:rPr lang="en-US" smtClean="0"/>
+              <a:t>Third level</a:t>
+            </a:r>
+          </a:p>
+          <a:p>
+            <a:pPr lvl="3"/>
+            <a:r>
+              <a:rPr lang="en-US" smtClean="0"/>
+              <a:t>Fourth level</a:t>
+            </a:r>
+          </a:p>
+          <a:p>
+            <a:pPr lvl="4"/>
+            <a:r>
+              <a:rPr lang="en-US" smtClean="0"/>
+              <a:t>Fifth level</a:t>
+            </a:r>
+            <a:endParaRPr lang="en-US"/>
+          </a:p>
+        </p:txBody>
+      </p:sp>
+      <p:sp>
+        <p:nvSpPr>
+          <p:cNvPr id="6" name="Footer Placeholder 5"/>
+          <p:cNvSpPr>
+            <a:spLocks noGrp="1"/>
+          </p:cNvSpPr>
+          <p:nvPr>
+            <p:ph type="ftr" sz="quarter" idx="4"/>
+          </p:nvPr>
+        </p:nvSpPr>
+        <p:spPr>
+          <a:xfrm>
+            <a:off x="0" y="8685213"/>
+            <a:ext cx="2971800" cy="458787"/>
+          </a:xfrm>
+          <a:prstGeom prst="rect">
+            <a:avLst/>
+          </a:prstGeom>
+        </p:spPr>
+        <p:txBody>
+          <a:bodyPr vert="horz" lIns="91440" tIns="45720" rIns="91440" bIns="45720" rtlCol="0" anchor="b"/>
+          <a:lstStyle>
+            <a:lvl1pPr algn="l">
+              <a:defRPr sz="1200"/>
+            </a:lvl1pPr>
+          </a:lstStyle>
+          <a:p>
+            <a:endParaRPr lang="en-US"/>
+          </a:p>
+        </p:txBody>
+      </p:sp>
+      <p:sp>
+        <p:nvSpPr>
+          <p:cNvPr id="7" name="Slide Number Placeholder 6"/>
+          <p:cNvSpPr>
+            <a:spLocks noGrp="1"/>
+          </p:cNvSpPr>
+          <p:nvPr>
+            <p:ph type="sldNum" sz="quarter" idx="5"/>
+          </p:nvPr>
+        </p:nvSpPr>
+        <p:spPr>
+          <a:xfrm>
+            <a:off x="3884613" y="8685213"/>
+            <a:ext cx="2971800" cy="458787"/>
+          </a:xfrm>
+          <a:prstGeom prst="rect">
+            <a:avLst/>
+          </a:prstGeom>
+        </p:spPr>
+        <p:txBody>
+          <a:bodyPr vert="horz" lIns="91440" tIns="45720" rIns="91440" bIns="45720" rtlCol="0" anchor="b"/>
+          <a:lstStyle>
+            <a:lvl1pPr algn="r">
+              <a:defRPr sz="1200"/>
+            </a:lvl1pPr>
+          </a:lstStyle>
+          <a:p>
+            <a:fld id="{4A6644CB-F724-B24C-9691-E0FC2876BF00}" type="slidenum">
+              <a:rPr lang="en-US" smtClean="0"/>
+              <a:t>‹#›</a:t>
+            </a:fld>
+            <a:endParaRPr lang="en-US"/>
+          </a:p>
+        </p:txBody>
+      </p:sp>
+    </p:spTree>
+    <p:extLst>
+      <p:ext uri="{BB962C8B-B14F-4D97-AF65-F5344CB8AC3E}">
+        <p14:creationId xmlns:p14="http://schemas.microsoft.com/office/powerpoint/2010/main" val="854489757"/>
+      </p:ext>
+    </p:extLst>
+  </p:cSld>
+  <p:clrMap bg1="lt1" tx1="dk1" bg2="lt2" tx2="dk2" accent1="accent1" accent2="accent2" accent3="accent3" accent4="accent4" accent5="accent5" accent6="accent6" hlink="hlink" folHlink="folHlink"/>
+  <p:notesStyle>
+    <a:lvl1pPr marL="0" algn="l" defTabSz="914400" rtl="0" eaLnBrk="1" latinLnBrk="0" hangingPunct="1">
+      <a:defRPr sz="1200" kern="1200">
+        <a:solidFill>
+          <a:schemeClr val="tx1"/>
+        </a:solidFill>
+        <a:latin typeface="+mn-lt"/>
+        <a:ea typeface="+mn-ea"/>
+        <a:cs typeface="+mn-cs"/>
+      </a:defRPr>
+    </a:lvl1pPr>
+    <a:lvl2pPr marL="457200" algn="l" defTabSz="914400" rtl="0" eaLnBrk="1" latinLnBrk="0" hangingPunct="1">
+      <a:defRPr sz="1200" kern="1200">
+        <a:solidFill>
+          <a:schemeClr val="tx1"/>
+        </a:solidFill>
+        <a:latin typeface="+mn-lt"/>
+        <a:ea typeface="+mn-ea"/>
+        <a:cs typeface="+mn-cs"/>
+      </a:defRPr>
+    </a:lvl2pPr>
+    <a:lvl3pPr marL="914400" algn="l" defTabSz="914400" rtl="0" eaLnBrk="1" latinLnBrk="0" hangingPunct="1">
+      <a:defRPr sz="1200" kern="1200">
+        <a:solidFill>
+          <a:schemeClr val="tx1"/>
+        </a:solidFill>
+        <a:latin typeface="+mn-lt"/>
+        <a:ea typeface="+mn-ea"/>
+        <a:cs typeface="+mn-cs"/>
+      </a:defRPr>
+    </a:lvl3pPr>
+    <a:lvl4pPr marL="1371600" algn="l" defTabSz="914400" rtl="0" eaLnBrk="1" latinLnBrk="0" hangingPunct="1">
+      <a:defRPr sz="1200" kern="1200">
+        <a:solidFill>
+          <a:schemeClr val="tx1"/>
+        </a:solidFill>
+        <a:latin typeface="+mn-lt"/>
+        <a:ea typeface="+mn-ea"/>
+        <a:cs typeface="+mn-cs"/>
+      </a:defRPr>
+    </a:lvl4pPr>
+    <a:lvl5pPr marL="1828800" algn="l" defTabSz="914400" rtl="0" eaLnBrk="1" latinLnBrk="0" hangingPunct="1">
+      <a:defRPr sz="1200" kern="1200">
+        <a:solidFill>
+          <a:schemeClr val="tx1"/>
+        </a:solidFill>
+        <a:latin typeface="+mn-lt"/>
+        <a:ea typeface="+mn-ea"/>
+        <a:cs typeface="+mn-cs"/>
+      </a:defRPr>
+    </a:lvl5pPr>
+    <a:lvl6pPr marL="2286000" algn="l" defTabSz="914400" rtl="0" eaLnBrk="1" latinLnBrk="0" hangingPunct="1">
+      <a:defRPr sz="1200" kern="1200">
+        <a:solidFill>
+          <a:schemeClr val="tx1"/>
+        </a:solidFill>
+        <a:latin typeface="+mn-lt"/>
+        <a:ea typeface="+mn-ea"/>
+        <a:cs typeface="+mn-cs"/>
+      </a:defRPr>
+    </a:lvl6pPr>
+    <a:lvl7pPr marL="2743200" algn="l" defTabSz="914400" rtl="0" eaLnBrk="1" latinLnBrk="0" hangingPunct="1">
+      <a:defRPr sz="1200" kern="1200">
+        <a:solidFill>
+          <a:schemeClr val="tx1"/>
+        </a:solidFill>
+        <a:latin typeface="+mn-lt"/>
+        <a:ea typeface="+mn-ea"/>
+        <a:cs typeface="+mn-cs"/>
+      </a:defRPr>
+    </a:lvl7pPr>
+    <a:lvl8pPr marL="3200400" algn="l" defTabSz="914400" rtl="0" eaLnBrk="1" latinLnBrk="0" hangingPunct="1">
+      <a:defRPr sz="1200" kern="1200">
+        <a:solidFill>
+          <a:schemeClr val="tx1"/>
+        </a:solidFill>
+        <a:latin typeface="+mn-lt"/>
+        <a:ea typeface="+mn-ea"/>
+        <a:cs typeface="+mn-cs"/>
+      </a:defRPr>
+    </a:lvl8pPr>
+    <a:lvl9pPr marL="3657600" algn="l" defTabSz="914400" rtl="0" eaLnBrk="1" latinLnBrk="0" hangingPunct="1">
+      <a:defRPr sz="1200" kern="1200">
+        <a:solidFill>
+          <a:schemeClr val="tx1"/>
+        </a:solidFill>
+        <a:latin typeface="+mn-lt"/>
+        <a:ea typeface="+mn-ea"/>
+        <a:cs typeface="+mn-cs"/>
+      </a:defRPr>
+    </a:lvl9pPr>
+  </p:notesStyle>
+</p:notesMaster>
+</file>
+
+<file path=ppt/notesSlides/notesSlide1.xml><?xml version="1.0" encoding="utf-8"?>
+<p:notes xmlns:a="http://schemas.openxmlformats.org/drawingml/2006/main" xmlns:r="http://schemas.openxmlformats.org/officeDocument/2006/relationships" xmlns:p="http://schemas.openxmlformats.org/presentationml/2006/main">
+  <p:cSld>
+    <p:spTree>
+      <p:nvGrpSpPr>
+        <p:cNvPr id="1" name=""/>
+        <p:cNvGrpSpPr/>
+        <p:nvPr/>
+      </p:nvGrpSpPr>
+      <p:grpSpPr>
+        <a:xfrm>
+          <a:off x="0" y="0"/>
+          <a:ext cx="0" cy="0"/>
+          <a:chOff x="0" y="0"/>
+          <a:chExt cx="0" cy="0"/>
+        </a:xfrm>
+      </p:grpSpPr>
+      <p:sp>
+        <p:nvSpPr>
+          <p:cNvPr id="2" name="Slide Image Placeholder 1"/>
+          <p:cNvSpPr>
+            <a:spLocks noGrp="1" noRot="1" noChangeAspect="1"/>
+          </p:cNvSpPr>
+          <p:nvPr>
+            <p:ph type="sldImg"/>
+          </p:nvPr>
+        </p:nvSpPr>
+        <p:spPr/>
+      </p:sp>
+      <p:sp>
+        <p:nvSpPr>
+          <p:cNvPr id="3" name="Notes Placeholder 2"/>
+          <p:cNvSpPr>
+            <a:spLocks noGrp="1"/>
+          </p:cNvSpPr>
+          <p:nvPr>
+            <p:ph type="body" idx="1"/>
+          </p:nvPr>
+        </p:nvSpPr>
+        <p:spPr/>
+        <p:txBody>
+          <a:bodyPr/>
+          <a:lstStyle/>
+          <a:p>
+            <a:endParaRPr lang="en-US"/>
+          </a:p>
+        </p:txBody>
+      </p:sp>
+      <p:sp>
+        <p:nvSpPr>
+          <p:cNvPr id="4" name="Slide Number Placeholder 3"/>
+          <p:cNvSpPr>
+            <a:spLocks noGrp="1"/>
+          </p:cNvSpPr>
+          <p:nvPr>
+            <p:ph type="sldNum" sz="quarter" idx="10"/>
+          </p:nvPr>
+        </p:nvSpPr>
+        <p:spPr/>
+        <p:txBody>
+          <a:bodyPr/>
+          <a:lstStyle/>
+          <a:p>
+            <a:fld id="{4A6644CB-F724-B24C-9691-E0FC2876BF00}" type="slidenum">
+              <a:rPr lang="en-US" smtClean="0"/>
+              <a:t>14</a:t>
+            </a:fld>
+            <a:endParaRPr lang="en-US"/>
+          </a:p>
+        </p:txBody>
+      </p:sp>
+    </p:spTree>
+    <p:extLst>
+      <p:ext uri="{BB962C8B-B14F-4D97-AF65-F5344CB8AC3E}">
+        <p14:creationId xmlns:p14="http://schemas.microsoft.com/office/powerpoint/2010/main" val="1186198410"/>
+      </p:ext>
+    </p:extLst>
+  </p:cSld>
+  <p:clrMapOvr>
+    <a:masterClrMapping/>
+  </p:clrMapOvr>
+</p:notes>
 </file>
 
 <file path=ppt/slideLayouts/slideLayout1.xml><?xml version="1.0" encoding="utf-8"?>
@@ -245,7 +697,7 @@
           <a:p>
             <a:fld id="{0D50D4C8-D66A-4A43-95BB-6CDF8ACF7EFD}" type="datetimeFigureOut">
               <a:rPr lang="en-US" smtClean="0"/>
-              <a:t>6/10/16</a:t>
+              <a:t>6/21/16</a:t>
             </a:fld>
             <a:endParaRPr lang="en-US"/>
           </a:p>
@@ -415,7 +867,7 @@
           <a:p>
             <a:fld id="{0D50D4C8-D66A-4A43-95BB-6CDF8ACF7EFD}" type="datetimeFigureOut">
               <a:rPr lang="en-US" smtClean="0"/>
-              <a:t>6/10/16</a:t>
+              <a:t>6/21/16</a:t>
             </a:fld>
             <a:endParaRPr lang="en-US"/>
           </a:p>
@@ -595,7 +1047,7 @@
           <a:p>
             <a:fld id="{0D50D4C8-D66A-4A43-95BB-6CDF8ACF7EFD}" type="datetimeFigureOut">
               <a:rPr lang="en-US" smtClean="0"/>
-              <a:t>6/10/16</a:t>
+              <a:t>6/21/16</a:t>
             </a:fld>
             <a:endParaRPr lang="en-US"/>
           </a:p>
@@ -765,7 +1217,7 @@
           <a:p>
             <a:fld id="{0D50D4C8-D66A-4A43-95BB-6CDF8ACF7EFD}" type="datetimeFigureOut">
               <a:rPr lang="en-US" smtClean="0"/>
-              <a:t>6/10/16</a:t>
+              <a:t>6/21/16</a:t>
             </a:fld>
             <a:endParaRPr lang="en-US"/>
           </a:p>
@@ -1011,7 +1463,7 @@
           <a:p>
             <a:fld id="{0D50D4C8-D66A-4A43-95BB-6CDF8ACF7EFD}" type="datetimeFigureOut">
               <a:rPr lang="en-US" smtClean="0"/>
-              <a:t>6/10/16</a:t>
+              <a:t>6/21/16</a:t>
             </a:fld>
             <a:endParaRPr lang="en-US"/>
           </a:p>
@@ -1243,7 +1695,7 @@
           <a:p>
             <a:fld id="{0D50D4C8-D66A-4A43-95BB-6CDF8ACF7EFD}" type="datetimeFigureOut">
               <a:rPr lang="en-US" smtClean="0"/>
-              <a:t>6/10/16</a:t>
+              <a:t>6/21/16</a:t>
             </a:fld>
             <a:endParaRPr lang="en-US"/>
           </a:p>
@@ -1610,7 +2062,7 @@
           <a:p>
             <a:fld id="{0D50D4C8-D66A-4A43-95BB-6CDF8ACF7EFD}" type="datetimeFigureOut">
               <a:rPr lang="en-US" smtClean="0"/>
-              <a:t>6/10/16</a:t>
+              <a:t>6/21/16</a:t>
             </a:fld>
             <a:endParaRPr lang="en-US"/>
           </a:p>
@@ -1728,7 +2180,7 @@
           <a:p>
             <a:fld id="{0D50D4C8-D66A-4A43-95BB-6CDF8ACF7EFD}" type="datetimeFigureOut">
               <a:rPr lang="en-US" smtClean="0"/>
-              <a:t>6/10/16</a:t>
+              <a:t>6/21/16</a:t>
             </a:fld>
             <a:endParaRPr lang="en-US"/>
           </a:p>
@@ -1823,7 +2275,7 @@
           <a:p>
             <a:fld id="{0D50D4C8-D66A-4A43-95BB-6CDF8ACF7EFD}" type="datetimeFigureOut">
               <a:rPr lang="en-US" smtClean="0"/>
-              <a:t>6/10/16</a:t>
+              <a:t>6/21/16</a:t>
             </a:fld>
             <a:endParaRPr lang="en-US"/>
           </a:p>
@@ -2100,7 +2552,7 @@
           <a:p>
             <a:fld id="{0D50D4C8-D66A-4A43-95BB-6CDF8ACF7EFD}" type="datetimeFigureOut">
               <a:rPr lang="en-US" smtClean="0"/>
-              <a:t>6/10/16</a:t>
+              <a:t>6/21/16</a:t>
             </a:fld>
             <a:endParaRPr lang="en-US"/>
           </a:p>
@@ -2353,7 +2805,7 @@
           <a:p>
             <a:fld id="{0D50D4C8-D66A-4A43-95BB-6CDF8ACF7EFD}" type="datetimeFigureOut">
               <a:rPr lang="en-US" smtClean="0"/>
-              <a:t>6/10/16</a:t>
+              <a:t>6/21/16</a:t>
             </a:fld>
             <a:endParaRPr lang="en-US"/>
           </a:p>
@@ -2566,7 +3018,7 @@
           <a:p>
             <a:fld id="{0D50D4C8-D66A-4A43-95BB-6CDF8ACF7EFD}" type="datetimeFigureOut">
               <a:rPr lang="en-US" smtClean="0"/>
-              <a:t>6/10/16</a:t>
+              <a:t>6/21/16</a:t>
             </a:fld>
             <a:endParaRPr lang="en-US"/>
           </a:p>
@@ -2983,12 +3435,14 @@
         </p:nvSpPr>
         <p:spPr/>
         <p:txBody>
-          <a:bodyPr/>
-          <a:lstStyle/>
-          <a:p>
-            <a:r>
-              <a:rPr lang="en-US" dirty="0" smtClean="0"/>
-              <a:t>Fundamentals of High Discipline TDD</a:t>
+          <a:bodyPr>
+            <a:normAutofit fontScale="90000"/>
+          </a:bodyPr>
+          <a:lstStyle/>
+          <a:p>
+            <a:r>
+              <a:rPr lang="en-US" dirty="0" smtClean="0"/>
+              <a:t>Fundamentals of High Discipline Test Driven Development</a:t>
             </a:r>
             <a:endParaRPr lang="en-US" dirty="0"/>
           </a:p>
@@ -3017,6 +3471,3612 @@
     <p:extLst>
       <p:ext uri="{BB962C8B-B14F-4D97-AF65-F5344CB8AC3E}">
         <p14:creationId xmlns:p14="http://schemas.microsoft.com/office/powerpoint/2010/main" val="86620148"/>
+      </p:ext>
+    </p:extLst>
+  </p:cSld>
+  <p:clrMapOvr>
+    <a:masterClrMapping/>
+  </p:clrMapOvr>
+</p:sld>
+</file>
+
+<file path=ppt/slides/slide10.xml><?xml version="1.0" encoding="utf-8"?>
+<p:sld xmlns:a="http://schemas.openxmlformats.org/drawingml/2006/main" xmlns:r="http://schemas.openxmlformats.org/officeDocument/2006/relationships" xmlns:p="http://schemas.openxmlformats.org/presentationml/2006/main">
+  <p:cSld>
+    <p:spTree>
+      <p:nvGrpSpPr>
+        <p:cNvPr id="1" name=""/>
+        <p:cNvGrpSpPr/>
+        <p:nvPr/>
+      </p:nvGrpSpPr>
+      <p:grpSpPr>
+        <a:xfrm>
+          <a:off x="0" y="0"/>
+          <a:ext cx="0" cy="0"/>
+          <a:chOff x="0" y="0"/>
+          <a:chExt cx="0" cy="0"/>
+        </a:xfrm>
+      </p:grpSpPr>
+      <p:sp>
+        <p:nvSpPr>
+          <p:cNvPr id="2" name="Title 1"/>
+          <p:cNvSpPr>
+            <a:spLocks noGrp="1"/>
+          </p:cNvSpPr>
+          <p:nvPr>
+            <p:ph type="title"/>
+          </p:nvPr>
+        </p:nvSpPr>
+        <p:spPr/>
+        <p:txBody>
+          <a:bodyPr/>
+          <a:lstStyle/>
+          <a:p>
+            <a:r>
+              <a:rPr lang="en-US" dirty="0" smtClean="0"/>
+              <a:t>Refactor</a:t>
+            </a:r>
+            <a:endParaRPr lang="en-US" dirty="0"/>
+          </a:p>
+        </p:txBody>
+      </p:sp>
+      <p:sp>
+        <p:nvSpPr>
+          <p:cNvPr id="3" name="Content Placeholder 2"/>
+          <p:cNvSpPr>
+            <a:spLocks noGrp="1"/>
+          </p:cNvSpPr>
+          <p:nvPr>
+            <p:ph idx="1"/>
+          </p:nvPr>
+        </p:nvSpPr>
+        <p:spPr>
+          <a:xfrm>
+            <a:off x="838200" y="1825625"/>
+            <a:ext cx="9612882" cy="4351338"/>
+          </a:xfrm>
+        </p:spPr>
+        <p:txBody>
+          <a:bodyPr/>
+          <a:lstStyle/>
+          <a:p>
+            <a:r>
+              <a:rPr lang="en-US" dirty="0" smtClean="0"/>
+              <a:t>When starting out there will be little refactoring to do</a:t>
+            </a:r>
+          </a:p>
+          <a:p>
+            <a:r>
+              <a:rPr lang="en-US" dirty="0" smtClean="0"/>
+              <a:t>For the time being we will skip this step, be aware of its existence</a:t>
+            </a:r>
+          </a:p>
+        </p:txBody>
+      </p:sp>
+      <p:sp>
+        <p:nvSpPr>
+          <p:cNvPr id="4" name="TextBox 3"/>
+          <p:cNvSpPr txBox="1"/>
+          <p:nvPr/>
+        </p:nvSpPr>
+        <p:spPr>
+          <a:xfrm>
+            <a:off x="10717782" y="91414"/>
+            <a:ext cx="1131977" cy="369332"/>
+          </a:xfrm>
+          <a:prstGeom prst="rect">
+            <a:avLst/>
+          </a:prstGeom>
+          <a:noFill/>
+          <a:ln>
+            <a:solidFill>
+              <a:schemeClr val="accent1"/>
+            </a:solidFill>
+          </a:ln>
+        </p:spPr>
+        <p:txBody>
+          <a:bodyPr wrap="none" rtlCol="0">
+            <a:spAutoFit/>
+          </a:bodyPr>
+          <a:lstStyle/>
+          <a:p>
+            <a:pPr algn="ctr"/>
+            <a:r>
+              <a:rPr lang="en-US" dirty="0" smtClean="0"/>
+              <a:t>Add a test</a:t>
+            </a:r>
+            <a:endParaRPr lang="en-US" dirty="0" smtClean="0"/>
+          </a:p>
+        </p:txBody>
+      </p:sp>
+      <p:sp>
+        <p:nvSpPr>
+          <p:cNvPr id="5" name="TextBox 4"/>
+          <p:cNvSpPr txBox="1"/>
+          <p:nvPr/>
+        </p:nvSpPr>
+        <p:spPr>
+          <a:xfrm>
+            <a:off x="11012250" y="799272"/>
+            <a:ext cx="543034" cy="369332"/>
+          </a:xfrm>
+          <a:prstGeom prst="rect">
+            <a:avLst/>
+          </a:prstGeom>
+          <a:noFill/>
+          <a:ln>
+            <a:solidFill>
+              <a:schemeClr val="accent1"/>
+            </a:solidFill>
+          </a:ln>
+        </p:spPr>
+        <p:txBody>
+          <a:bodyPr wrap="none" rtlCol="0">
+            <a:spAutoFit/>
+          </a:bodyPr>
+          <a:lstStyle/>
+          <a:p>
+            <a:pPr algn="ctr"/>
+            <a:r>
+              <a:rPr lang="en-US" dirty="0" smtClean="0"/>
+              <a:t>Red</a:t>
+            </a:r>
+            <a:endParaRPr lang="en-US" dirty="0"/>
+          </a:p>
+        </p:txBody>
+      </p:sp>
+      <p:sp>
+        <p:nvSpPr>
+          <p:cNvPr id="6" name="TextBox 5"/>
+          <p:cNvSpPr txBox="1"/>
+          <p:nvPr/>
+        </p:nvSpPr>
+        <p:spPr>
+          <a:xfrm>
+            <a:off x="10903600" y="1500699"/>
+            <a:ext cx="760337" cy="369332"/>
+          </a:xfrm>
+          <a:prstGeom prst="rect">
+            <a:avLst/>
+          </a:prstGeom>
+          <a:noFill/>
+          <a:ln>
+            <a:solidFill>
+              <a:schemeClr val="accent1"/>
+            </a:solidFill>
+          </a:ln>
+        </p:spPr>
+        <p:txBody>
+          <a:bodyPr wrap="none" rtlCol="0">
+            <a:spAutoFit/>
+          </a:bodyPr>
+          <a:lstStyle/>
+          <a:p>
+            <a:pPr algn="ctr"/>
+            <a:r>
+              <a:rPr lang="en-US" dirty="0" smtClean="0"/>
+              <a:t>Green</a:t>
+            </a:r>
+            <a:endParaRPr lang="en-US" dirty="0" smtClean="0"/>
+          </a:p>
+        </p:txBody>
+      </p:sp>
+      <p:sp>
+        <p:nvSpPr>
+          <p:cNvPr id="7" name="TextBox 6"/>
+          <p:cNvSpPr txBox="1"/>
+          <p:nvPr/>
+        </p:nvSpPr>
+        <p:spPr>
+          <a:xfrm>
+            <a:off x="10819543" y="2224061"/>
+            <a:ext cx="928460" cy="369332"/>
+          </a:xfrm>
+          <a:prstGeom prst="rect">
+            <a:avLst/>
+          </a:prstGeom>
+          <a:noFill/>
+          <a:ln>
+            <a:solidFill>
+              <a:schemeClr val="accent1"/>
+            </a:solidFill>
+          </a:ln>
+        </p:spPr>
+        <p:txBody>
+          <a:bodyPr wrap="none" rtlCol="0">
+            <a:spAutoFit/>
+          </a:bodyPr>
+          <a:lstStyle/>
+          <a:p>
+            <a:pPr algn="ctr"/>
+            <a:r>
+              <a:rPr lang="en-US" dirty="0" smtClean="0"/>
+              <a:t>Commit</a:t>
+            </a:r>
+            <a:endParaRPr lang="en-US" dirty="0"/>
+          </a:p>
+        </p:txBody>
+      </p:sp>
+      <p:cxnSp>
+        <p:nvCxnSpPr>
+          <p:cNvPr id="8" name="Straight Arrow Connector 7"/>
+          <p:cNvCxnSpPr/>
+          <p:nvPr/>
+        </p:nvCxnSpPr>
+        <p:spPr>
+          <a:xfrm flipH="1">
+            <a:off x="11283767" y="460746"/>
+            <a:ext cx="4" cy="338526"/>
+          </a:xfrm>
+          <a:prstGeom prst="straightConnector1">
+            <a:avLst/>
+          </a:prstGeom>
+          <a:ln>
+            <a:tailEnd type="triangle"/>
+          </a:ln>
+        </p:spPr>
+        <p:style>
+          <a:lnRef idx="1">
+            <a:schemeClr val="accent1"/>
+          </a:lnRef>
+          <a:fillRef idx="0">
+            <a:schemeClr val="accent1"/>
+          </a:fillRef>
+          <a:effectRef idx="0">
+            <a:schemeClr val="accent1"/>
+          </a:effectRef>
+          <a:fontRef idx="minor">
+            <a:schemeClr val="tx1"/>
+          </a:fontRef>
+        </p:style>
+      </p:cxnSp>
+      <p:cxnSp>
+        <p:nvCxnSpPr>
+          <p:cNvPr id="9" name="Straight Arrow Connector 8"/>
+          <p:cNvCxnSpPr/>
+          <p:nvPr/>
+        </p:nvCxnSpPr>
+        <p:spPr>
+          <a:xfrm flipH="1">
+            <a:off x="11283761" y="1165539"/>
+            <a:ext cx="4" cy="338526"/>
+          </a:xfrm>
+          <a:prstGeom prst="straightConnector1">
+            <a:avLst/>
+          </a:prstGeom>
+          <a:ln>
+            <a:tailEnd type="triangle"/>
+          </a:ln>
+        </p:spPr>
+        <p:style>
+          <a:lnRef idx="1">
+            <a:schemeClr val="accent1"/>
+          </a:lnRef>
+          <a:fillRef idx="0">
+            <a:schemeClr val="accent1"/>
+          </a:fillRef>
+          <a:effectRef idx="0">
+            <a:schemeClr val="accent1"/>
+          </a:effectRef>
+          <a:fontRef idx="minor">
+            <a:schemeClr val="tx1"/>
+          </a:fontRef>
+        </p:style>
+      </p:cxnSp>
+      <p:cxnSp>
+        <p:nvCxnSpPr>
+          <p:cNvPr id="10" name="Straight Arrow Connector 9"/>
+          <p:cNvCxnSpPr/>
+          <p:nvPr/>
+        </p:nvCxnSpPr>
+        <p:spPr>
+          <a:xfrm flipH="1">
+            <a:off x="11283757" y="1876673"/>
+            <a:ext cx="4" cy="338526"/>
+          </a:xfrm>
+          <a:prstGeom prst="straightConnector1">
+            <a:avLst/>
+          </a:prstGeom>
+          <a:ln>
+            <a:tailEnd type="triangle"/>
+          </a:ln>
+        </p:spPr>
+        <p:style>
+          <a:lnRef idx="1">
+            <a:schemeClr val="accent1"/>
+          </a:lnRef>
+          <a:fillRef idx="0">
+            <a:schemeClr val="accent1"/>
+          </a:fillRef>
+          <a:effectRef idx="0">
+            <a:schemeClr val="accent1"/>
+          </a:effectRef>
+          <a:fontRef idx="minor">
+            <a:schemeClr val="tx1"/>
+          </a:fontRef>
+        </p:style>
+      </p:cxnSp>
+      <p:cxnSp>
+        <p:nvCxnSpPr>
+          <p:cNvPr id="11" name="Straight Arrow Connector 10"/>
+          <p:cNvCxnSpPr/>
+          <p:nvPr/>
+        </p:nvCxnSpPr>
+        <p:spPr>
+          <a:xfrm flipH="1">
+            <a:off x="11295481" y="2591777"/>
+            <a:ext cx="4" cy="338526"/>
+          </a:xfrm>
+          <a:prstGeom prst="straightConnector1">
+            <a:avLst/>
+          </a:prstGeom>
+          <a:ln>
+            <a:tailEnd type="triangle"/>
+          </a:ln>
+        </p:spPr>
+        <p:style>
+          <a:lnRef idx="1">
+            <a:schemeClr val="accent1"/>
+          </a:lnRef>
+          <a:fillRef idx="0">
+            <a:schemeClr val="accent1"/>
+          </a:fillRef>
+          <a:effectRef idx="0">
+            <a:schemeClr val="accent1"/>
+          </a:effectRef>
+          <a:fontRef idx="minor">
+            <a:schemeClr val="tx1"/>
+          </a:fontRef>
+        </p:style>
+      </p:cxnSp>
+      <p:sp>
+        <p:nvSpPr>
+          <p:cNvPr id="12" name="TextBox 11"/>
+          <p:cNvSpPr txBox="1"/>
+          <p:nvPr/>
+        </p:nvSpPr>
+        <p:spPr>
+          <a:xfrm>
+            <a:off x="10821813" y="2920630"/>
+            <a:ext cx="970780" cy="369332"/>
+          </a:xfrm>
+          <a:prstGeom prst="rect">
+            <a:avLst/>
+          </a:prstGeom>
+          <a:solidFill>
+            <a:schemeClr val="accent4">
+              <a:lumMod val="20000"/>
+              <a:lumOff val="80000"/>
+            </a:schemeClr>
+          </a:solidFill>
+          <a:ln>
+            <a:solidFill>
+              <a:schemeClr val="accent1"/>
+            </a:solidFill>
+          </a:ln>
+        </p:spPr>
+        <p:txBody>
+          <a:bodyPr wrap="none" rtlCol="0">
+            <a:spAutoFit/>
+          </a:bodyPr>
+          <a:lstStyle/>
+          <a:p>
+            <a:pPr algn="ctr"/>
+            <a:r>
+              <a:rPr lang="en-US" dirty="0" smtClean="0"/>
+              <a:t>Refactor</a:t>
+            </a:r>
+            <a:endParaRPr lang="en-US" dirty="0"/>
+          </a:p>
+        </p:txBody>
+      </p:sp>
+      <p:cxnSp>
+        <p:nvCxnSpPr>
+          <p:cNvPr id="13" name="Elbow Connector 12"/>
+          <p:cNvCxnSpPr/>
+          <p:nvPr/>
+        </p:nvCxnSpPr>
+        <p:spPr>
+          <a:xfrm flipV="1">
+            <a:off x="11792593" y="276080"/>
+            <a:ext cx="57166" cy="2829216"/>
+          </a:xfrm>
+          <a:prstGeom prst="bentConnector3">
+            <a:avLst>
+              <a:gd name="adj1" fmla="val 499888"/>
+            </a:avLst>
+          </a:prstGeom>
+          <a:ln>
+            <a:tailEnd type="triangle"/>
+          </a:ln>
+        </p:spPr>
+        <p:style>
+          <a:lnRef idx="1">
+            <a:schemeClr val="accent1"/>
+          </a:lnRef>
+          <a:fillRef idx="0">
+            <a:schemeClr val="accent1"/>
+          </a:fillRef>
+          <a:effectRef idx="0">
+            <a:schemeClr val="accent1"/>
+          </a:effectRef>
+          <a:fontRef idx="minor">
+            <a:schemeClr val="tx1"/>
+          </a:fontRef>
+        </p:style>
+      </p:cxnSp>
+      <p:cxnSp>
+        <p:nvCxnSpPr>
+          <p:cNvPr id="14" name="Elbow Connector 13"/>
+          <p:cNvCxnSpPr/>
+          <p:nvPr/>
+        </p:nvCxnSpPr>
+        <p:spPr>
+          <a:xfrm rot="10800000" flipH="1">
+            <a:off x="10821812" y="1685366"/>
+            <a:ext cx="81787" cy="1419931"/>
+          </a:xfrm>
+          <a:prstGeom prst="bentConnector3">
+            <a:avLst>
+              <a:gd name="adj1" fmla="val -279507"/>
+            </a:avLst>
+          </a:prstGeom>
+          <a:ln>
+            <a:tailEnd type="triangle"/>
+          </a:ln>
+        </p:spPr>
+        <p:style>
+          <a:lnRef idx="1">
+            <a:schemeClr val="accent1"/>
+          </a:lnRef>
+          <a:fillRef idx="0">
+            <a:schemeClr val="accent1"/>
+          </a:fillRef>
+          <a:effectRef idx="0">
+            <a:schemeClr val="accent1"/>
+          </a:effectRef>
+          <a:fontRef idx="minor">
+            <a:schemeClr val="tx1"/>
+          </a:fontRef>
+        </p:style>
+      </p:cxnSp>
+    </p:spTree>
+    <p:extLst>
+      <p:ext uri="{BB962C8B-B14F-4D97-AF65-F5344CB8AC3E}">
+        <p14:creationId xmlns:p14="http://schemas.microsoft.com/office/powerpoint/2010/main" val="1605127008"/>
+      </p:ext>
+    </p:extLst>
+  </p:cSld>
+  <p:clrMapOvr>
+    <a:masterClrMapping/>
+  </p:clrMapOvr>
+</p:sld>
+</file>
+
+<file path=ppt/slides/slide11.xml><?xml version="1.0" encoding="utf-8"?>
+<p:sld xmlns:a="http://schemas.openxmlformats.org/drawingml/2006/main" xmlns:r="http://schemas.openxmlformats.org/officeDocument/2006/relationships" xmlns:p="http://schemas.openxmlformats.org/presentationml/2006/main">
+  <p:cSld>
+    <p:spTree>
+      <p:nvGrpSpPr>
+        <p:cNvPr id="1" name=""/>
+        <p:cNvGrpSpPr/>
+        <p:nvPr/>
+      </p:nvGrpSpPr>
+      <p:grpSpPr>
+        <a:xfrm>
+          <a:off x="0" y="0"/>
+          <a:ext cx="0" cy="0"/>
+          <a:chOff x="0" y="0"/>
+          <a:chExt cx="0" cy="0"/>
+        </a:xfrm>
+      </p:grpSpPr>
+      <p:sp>
+        <p:nvSpPr>
+          <p:cNvPr id="2" name="Title 1"/>
+          <p:cNvSpPr>
+            <a:spLocks noGrp="1"/>
+          </p:cNvSpPr>
+          <p:nvPr>
+            <p:ph type="title"/>
+          </p:nvPr>
+        </p:nvSpPr>
+        <p:spPr/>
+        <p:txBody>
+          <a:bodyPr/>
+          <a:lstStyle/>
+          <a:p>
+            <a:r>
+              <a:rPr lang="en-US" dirty="0" smtClean="0"/>
+              <a:t>YAGNI</a:t>
+            </a:r>
+            <a:endParaRPr lang="en-US" dirty="0"/>
+          </a:p>
+        </p:txBody>
+      </p:sp>
+      <p:sp>
+        <p:nvSpPr>
+          <p:cNvPr id="3" name="Content Placeholder 2"/>
+          <p:cNvSpPr>
+            <a:spLocks noGrp="1"/>
+          </p:cNvSpPr>
+          <p:nvPr>
+            <p:ph idx="1"/>
+          </p:nvPr>
+        </p:nvSpPr>
+        <p:spPr/>
+        <p:txBody>
+          <a:bodyPr/>
+          <a:lstStyle/>
+          <a:p>
+            <a:r>
+              <a:rPr lang="en-US" dirty="0" smtClean="0"/>
+              <a:t>You </a:t>
+            </a:r>
+            <a:r>
+              <a:rPr lang="en-US" dirty="0" err="1" smtClean="0"/>
+              <a:t>Aint</a:t>
+            </a:r>
+            <a:r>
+              <a:rPr lang="en-US" dirty="0" smtClean="0"/>
+              <a:t> </a:t>
+            </a:r>
+            <a:r>
+              <a:rPr lang="en-US" dirty="0" err="1" smtClean="0"/>
+              <a:t>Gonna</a:t>
+            </a:r>
+            <a:r>
+              <a:rPr lang="en-US" dirty="0" smtClean="0"/>
+              <a:t> Need It - YAGNI</a:t>
+            </a:r>
+          </a:p>
+          <a:p>
+            <a:r>
+              <a:rPr lang="en-US" dirty="0" smtClean="0"/>
+              <a:t>Add only enough code to make the new test pass</a:t>
+            </a:r>
+          </a:p>
+          <a:p>
+            <a:r>
+              <a:rPr lang="en-US" dirty="0" smtClean="0"/>
+              <a:t>Avoid Big Design Upfront</a:t>
+            </a:r>
+          </a:p>
+          <a:p>
+            <a:pPr lvl="1"/>
+            <a:r>
+              <a:rPr lang="en-US" dirty="0" smtClean="0"/>
+              <a:t>Allow your tasks to guide what is needed</a:t>
+            </a:r>
+          </a:p>
+          <a:p>
+            <a:r>
+              <a:rPr lang="en-US" dirty="0" smtClean="0"/>
+              <a:t>Don’t add features in anticipation of what may come</a:t>
+            </a:r>
+          </a:p>
+          <a:p>
+            <a:pPr lvl="1"/>
+            <a:r>
+              <a:rPr lang="is-IS" dirty="0" smtClean="0"/>
+              <a:t>…for it might not</a:t>
+            </a:r>
+            <a:endParaRPr lang="en-US" dirty="0" smtClean="0"/>
+          </a:p>
+          <a:p>
+            <a:endParaRPr lang="en-US" dirty="0"/>
+          </a:p>
+        </p:txBody>
+      </p:sp>
+    </p:spTree>
+    <p:extLst>
+      <p:ext uri="{BB962C8B-B14F-4D97-AF65-F5344CB8AC3E}">
+        <p14:creationId xmlns:p14="http://schemas.microsoft.com/office/powerpoint/2010/main" val="48914689"/>
+      </p:ext>
+    </p:extLst>
+  </p:cSld>
+  <p:clrMapOvr>
+    <a:masterClrMapping/>
+  </p:clrMapOvr>
+</p:sld>
+</file>
+
+<file path=ppt/slides/slide12.xml><?xml version="1.0" encoding="utf-8"?>
+<p:sld xmlns:a="http://schemas.openxmlformats.org/drawingml/2006/main" xmlns:r="http://schemas.openxmlformats.org/officeDocument/2006/relationships" xmlns:p="http://schemas.openxmlformats.org/presentationml/2006/main">
+  <p:cSld>
+    <p:spTree>
+      <p:nvGrpSpPr>
+        <p:cNvPr id="1" name=""/>
+        <p:cNvGrpSpPr/>
+        <p:nvPr/>
+      </p:nvGrpSpPr>
+      <p:grpSpPr>
+        <a:xfrm>
+          <a:off x="0" y="0"/>
+          <a:ext cx="0" cy="0"/>
+          <a:chOff x="0" y="0"/>
+          <a:chExt cx="0" cy="0"/>
+        </a:xfrm>
+      </p:grpSpPr>
+      <p:sp>
+        <p:nvSpPr>
+          <p:cNvPr id="2" name="Title 1"/>
+          <p:cNvSpPr>
+            <a:spLocks noGrp="1"/>
+          </p:cNvSpPr>
+          <p:nvPr>
+            <p:ph type="title"/>
+          </p:nvPr>
+        </p:nvSpPr>
+        <p:spPr/>
+        <p:txBody>
+          <a:bodyPr/>
+          <a:lstStyle/>
+          <a:p>
+            <a:r>
+              <a:rPr lang="en-US" dirty="0" smtClean="0"/>
+              <a:t>New Tasks</a:t>
+            </a:r>
+            <a:endParaRPr lang="en-US" dirty="0"/>
+          </a:p>
+        </p:txBody>
+      </p:sp>
+      <p:sp>
+        <p:nvSpPr>
+          <p:cNvPr id="3" name="Content Placeholder 2"/>
+          <p:cNvSpPr>
+            <a:spLocks noGrp="1"/>
+          </p:cNvSpPr>
+          <p:nvPr>
+            <p:ph idx="1"/>
+          </p:nvPr>
+        </p:nvSpPr>
+        <p:spPr/>
+        <p:txBody>
+          <a:bodyPr/>
+          <a:lstStyle/>
+          <a:p>
+            <a:r>
+              <a:rPr lang="en-US" dirty="0" smtClean="0"/>
+              <a:t>Reduce context switching and multi-tasking</a:t>
+            </a:r>
+          </a:p>
+          <a:p>
+            <a:r>
+              <a:rPr lang="en-US" dirty="0" smtClean="0"/>
+              <a:t>Capture new ideas on index cards as tasks when they come to mind</a:t>
+            </a:r>
+          </a:p>
+          <a:p>
+            <a:r>
+              <a:rPr lang="en-US" dirty="0" smtClean="0"/>
+              <a:t>Avoid distracting yourself with new tasks during a task</a:t>
+            </a:r>
+          </a:p>
+          <a:p>
+            <a:pPr lvl="1"/>
+            <a:r>
+              <a:rPr lang="en-US" dirty="0" smtClean="0"/>
+              <a:t>If you must take on a distraction, allow only a single distraction</a:t>
+            </a:r>
+          </a:p>
+        </p:txBody>
+      </p:sp>
+    </p:spTree>
+    <p:extLst>
+      <p:ext uri="{BB962C8B-B14F-4D97-AF65-F5344CB8AC3E}">
+        <p14:creationId xmlns:p14="http://schemas.microsoft.com/office/powerpoint/2010/main" val="1328937061"/>
+      </p:ext>
+    </p:extLst>
+  </p:cSld>
+  <p:clrMapOvr>
+    <a:masterClrMapping/>
+  </p:clrMapOvr>
+</p:sld>
+</file>
+
+<file path=ppt/slides/slide13.xml><?xml version="1.0" encoding="utf-8"?>
+<p:sld xmlns:a="http://schemas.openxmlformats.org/drawingml/2006/main" xmlns:r="http://schemas.openxmlformats.org/officeDocument/2006/relationships" xmlns:p="http://schemas.openxmlformats.org/presentationml/2006/main">
+  <p:cSld>
+    <p:spTree>
+      <p:nvGrpSpPr>
+        <p:cNvPr id="1" name=""/>
+        <p:cNvGrpSpPr/>
+        <p:nvPr/>
+      </p:nvGrpSpPr>
+      <p:grpSpPr>
+        <a:xfrm>
+          <a:off x="0" y="0"/>
+          <a:ext cx="0" cy="0"/>
+          <a:chOff x="0" y="0"/>
+          <a:chExt cx="0" cy="0"/>
+        </a:xfrm>
+      </p:grpSpPr>
+      <p:sp>
+        <p:nvSpPr>
+          <p:cNvPr id="2" name="Title 1"/>
+          <p:cNvSpPr>
+            <a:spLocks noGrp="1"/>
+          </p:cNvSpPr>
+          <p:nvPr>
+            <p:ph type="title"/>
+          </p:nvPr>
+        </p:nvSpPr>
+        <p:spPr/>
+        <p:txBody>
+          <a:bodyPr/>
+          <a:lstStyle/>
+          <a:p>
+            <a:r>
+              <a:rPr lang="en-US" dirty="0" smtClean="0"/>
+              <a:t>Add a test</a:t>
+            </a:r>
+            <a:endParaRPr lang="en-US" dirty="0"/>
+          </a:p>
+        </p:txBody>
+      </p:sp>
+      <p:sp>
+        <p:nvSpPr>
+          <p:cNvPr id="3" name="Content Placeholder 2"/>
+          <p:cNvSpPr>
+            <a:spLocks noGrp="1"/>
+          </p:cNvSpPr>
+          <p:nvPr>
+            <p:ph idx="1"/>
+          </p:nvPr>
+        </p:nvSpPr>
+        <p:spPr/>
+        <p:txBody>
+          <a:bodyPr>
+            <a:normAutofit/>
+          </a:bodyPr>
+          <a:lstStyle/>
+          <a:p>
+            <a:r>
+              <a:rPr lang="en-US" dirty="0" smtClean="0"/>
+              <a:t>Assuming your previous test was hard coded: triangulate</a:t>
+            </a:r>
+            <a:endParaRPr lang="en-US" dirty="0" smtClean="0"/>
+          </a:p>
+        </p:txBody>
+      </p:sp>
+      <p:sp>
+        <p:nvSpPr>
+          <p:cNvPr id="28" name="TextBox 27"/>
+          <p:cNvSpPr txBox="1"/>
+          <p:nvPr/>
+        </p:nvSpPr>
+        <p:spPr>
+          <a:xfrm>
+            <a:off x="10717781" y="91414"/>
+            <a:ext cx="1131977" cy="369332"/>
+          </a:xfrm>
+          <a:prstGeom prst="rect">
+            <a:avLst/>
+          </a:prstGeom>
+          <a:solidFill>
+            <a:schemeClr val="accent4">
+              <a:lumMod val="20000"/>
+              <a:lumOff val="80000"/>
+            </a:schemeClr>
+          </a:solidFill>
+          <a:ln>
+            <a:solidFill>
+              <a:schemeClr val="accent1"/>
+            </a:solidFill>
+          </a:ln>
+        </p:spPr>
+        <p:txBody>
+          <a:bodyPr wrap="none" rtlCol="0">
+            <a:spAutoFit/>
+          </a:bodyPr>
+          <a:lstStyle/>
+          <a:p>
+            <a:pPr algn="ctr"/>
+            <a:r>
+              <a:rPr lang="en-US" dirty="0" smtClean="0"/>
+              <a:t>Add a test</a:t>
+            </a:r>
+            <a:endParaRPr lang="en-US" dirty="0" smtClean="0"/>
+          </a:p>
+        </p:txBody>
+      </p:sp>
+      <p:sp>
+        <p:nvSpPr>
+          <p:cNvPr id="29" name="TextBox 28"/>
+          <p:cNvSpPr txBox="1"/>
+          <p:nvPr/>
+        </p:nvSpPr>
+        <p:spPr>
+          <a:xfrm>
+            <a:off x="11012249" y="799272"/>
+            <a:ext cx="543034" cy="369332"/>
+          </a:xfrm>
+          <a:prstGeom prst="rect">
+            <a:avLst/>
+          </a:prstGeom>
+          <a:noFill/>
+          <a:ln>
+            <a:solidFill>
+              <a:schemeClr val="accent1"/>
+            </a:solidFill>
+          </a:ln>
+        </p:spPr>
+        <p:txBody>
+          <a:bodyPr wrap="none" rtlCol="0">
+            <a:spAutoFit/>
+          </a:bodyPr>
+          <a:lstStyle/>
+          <a:p>
+            <a:pPr algn="ctr"/>
+            <a:r>
+              <a:rPr lang="en-US" dirty="0" smtClean="0"/>
+              <a:t>Red</a:t>
+            </a:r>
+            <a:endParaRPr lang="en-US" dirty="0"/>
+          </a:p>
+        </p:txBody>
+      </p:sp>
+      <p:sp>
+        <p:nvSpPr>
+          <p:cNvPr id="30" name="TextBox 29"/>
+          <p:cNvSpPr txBox="1"/>
+          <p:nvPr/>
+        </p:nvSpPr>
+        <p:spPr>
+          <a:xfrm>
+            <a:off x="10903599" y="1500699"/>
+            <a:ext cx="760337" cy="369332"/>
+          </a:xfrm>
+          <a:prstGeom prst="rect">
+            <a:avLst/>
+          </a:prstGeom>
+          <a:noFill/>
+          <a:ln>
+            <a:solidFill>
+              <a:schemeClr val="accent1"/>
+            </a:solidFill>
+          </a:ln>
+        </p:spPr>
+        <p:txBody>
+          <a:bodyPr wrap="none" rtlCol="0">
+            <a:spAutoFit/>
+          </a:bodyPr>
+          <a:lstStyle/>
+          <a:p>
+            <a:pPr algn="ctr"/>
+            <a:r>
+              <a:rPr lang="en-US" dirty="0" smtClean="0"/>
+              <a:t>Green</a:t>
+            </a:r>
+            <a:endParaRPr lang="en-US" dirty="0" smtClean="0"/>
+          </a:p>
+        </p:txBody>
+      </p:sp>
+      <p:sp>
+        <p:nvSpPr>
+          <p:cNvPr id="31" name="TextBox 30"/>
+          <p:cNvSpPr txBox="1"/>
+          <p:nvPr/>
+        </p:nvSpPr>
+        <p:spPr>
+          <a:xfrm>
+            <a:off x="10819542" y="2224061"/>
+            <a:ext cx="928460" cy="369332"/>
+          </a:xfrm>
+          <a:prstGeom prst="rect">
+            <a:avLst/>
+          </a:prstGeom>
+          <a:noFill/>
+          <a:ln>
+            <a:solidFill>
+              <a:schemeClr val="accent1"/>
+            </a:solidFill>
+          </a:ln>
+        </p:spPr>
+        <p:txBody>
+          <a:bodyPr wrap="none" rtlCol="0">
+            <a:spAutoFit/>
+          </a:bodyPr>
+          <a:lstStyle/>
+          <a:p>
+            <a:pPr algn="ctr"/>
+            <a:r>
+              <a:rPr lang="en-US" dirty="0" smtClean="0"/>
+              <a:t>Commit</a:t>
+            </a:r>
+            <a:endParaRPr lang="en-US" dirty="0"/>
+          </a:p>
+        </p:txBody>
+      </p:sp>
+      <p:cxnSp>
+        <p:nvCxnSpPr>
+          <p:cNvPr id="32" name="Straight Arrow Connector 31"/>
+          <p:cNvCxnSpPr/>
+          <p:nvPr/>
+        </p:nvCxnSpPr>
+        <p:spPr>
+          <a:xfrm flipH="1">
+            <a:off x="11283766" y="460746"/>
+            <a:ext cx="4" cy="338526"/>
+          </a:xfrm>
+          <a:prstGeom prst="straightConnector1">
+            <a:avLst/>
+          </a:prstGeom>
+          <a:ln>
+            <a:tailEnd type="triangle"/>
+          </a:ln>
+        </p:spPr>
+        <p:style>
+          <a:lnRef idx="1">
+            <a:schemeClr val="accent1"/>
+          </a:lnRef>
+          <a:fillRef idx="0">
+            <a:schemeClr val="accent1"/>
+          </a:fillRef>
+          <a:effectRef idx="0">
+            <a:schemeClr val="accent1"/>
+          </a:effectRef>
+          <a:fontRef idx="minor">
+            <a:schemeClr val="tx1"/>
+          </a:fontRef>
+        </p:style>
+      </p:cxnSp>
+      <p:cxnSp>
+        <p:nvCxnSpPr>
+          <p:cNvPr id="33" name="Straight Arrow Connector 32"/>
+          <p:cNvCxnSpPr/>
+          <p:nvPr/>
+        </p:nvCxnSpPr>
+        <p:spPr>
+          <a:xfrm flipH="1">
+            <a:off x="11283760" y="1165539"/>
+            <a:ext cx="4" cy="338526"/>
+          </a:xfrm>
+          <a:prstGeom prst="straightConnector1">
+            <a:avLst/>
+          </a:prstGeom>
+          <a:ln>
+            <a:tailEnd type="triangle"/>
+          </a:ln>
+        </p:spPr>
+        <p:style>
+          <a:lnRef idx="1">
+            <a:schemeClr val="accent1"/>
+          </a:lnRef>
+          <a:fillRef idx="0">
+            <a:schemeClr val="accent1"/>
+          </a:fillRef>
+          <a:effectRef idx="0">
+            <a:schemeClr val="accent1"/>
+          </a:effectRef>
+          <a:fontRef idx="minor">
+            <a:schemeClr val="tx1"/>
+          </a:fontRef>
+        </p:style>
+      </p:cxnSp>
+      <p:cxnSp>
+        <p:nvCxnSpPr>
+          <p:cNvPr id="34" name="Straight Arrow Connector 33"/>
+          <p:cNvCxnSpPr/>
+          <p:nvPr/>
+        </p:nvCxnSpPr>
+        <p:spPr>
+          <a:xfrm flipH="1">
+            <a:off x="11283756" y="1876673"/>
+            <a:ext cx="4" cy="338526"/>
+          </a:xfrm>
+          <a:prstGeom prst="straightConnector1">
+            <a:avLst/>
+          </a:prstGeom>
+          <a:ln>
+            <a:tailEnd type="triangle"/>
+          </a:ln>
+        </p:spPr>
+        <p:style>
+          <a:lnRef idx="1">
+            <a:schemeClr val="accent1"/>
+          </a:lnRef>
+          <a:fillRef idx="0">
+            <a:schemeClr val="accent1"/>
+          </a:fillRef>
+          <a:effectRef idx="0">
+            <a:schemeClr val="accent1"/>
+          </a:effectRef>
+          <a:fontRef idx="minor">
+            <a:schemeClr val="tx1"/>
+          </a:fontRef>
+        </p:style>
+      </p:cxnSp>
+      <p:cxnSp>
+        <p:nvCxnSpPr>
+          <p:cNvPr id="35" name="Straight Arrow Connector 34"/>
+          <p:cNvCxnSpPr/>
+          <p:nvPr/>
+        </p:nvCxnSpPr>
+        <p:spPr>
+          <a:xfrm flipH="1">
+            <a:off x="11295480" y="2591777"/>
+            <a:ext cx="4" cy="338526"/>
+          </a:xfrm>
+          <a:prstGeom prst="straightConnector1">
+            <a:avLst/>
+          </a:prstGeom>
+          <a:ln>
+            <a:tailEnd type="triangle"/>
+          </a:ln>
+        </p:spPr>
+        <p:style>
+          <a:lnRef idx="1">
+            <a:schemeClr val="accent1"/>
+          </a:lnRef>
+          <a:fillRef idx="0">
+            <a:schemeClr val="accent1"/>
+          </a:fillRef>
+          <a:effectRef idx="0">
+            <a:schemeClr val="accent1"/>
+          </a:effectRef>
+          <a:fontRef idx="minor">
+            <a:schemeClr val="tx1"/>
+          </a:fontRef>
+        </p:style>
+      </p:cxnSp>
+      <p:sp>
+        <p:nvSpPr>
+          <p:cNvPr id="36" name="TextBox 35"/>
+          <p:cNvSpPr txBox="1"/>
+          <p:nvPr/>
+        </p:nvSpPr>
+        <p:spPr>
+          <a:xfrm>
+            <a:off x="10821812" y="2920630"/>
+            <a:ext cx="970780" cy="369332"/>
+          </a:xfrm>
+          <a:prstGeom prst="rect">
+            <a:avLst/>
+          </a:prstGeom>
+          <a:noFill/>
+          <a:ln>
+            <a:solidFill>
+              <a:schemeClr val="accent1"/>
+            </a:solidFill>
+          </a:ln>
+        </p:spPr>
+        <p:txBody>
+          <a:bodyPr wrap="none" rtlCol="0">
+            <a:spAutoFit/>
+          </a:bodyPr>
+          <a:lstStyle/>
+          <a:p>
+            <a:pPr algn="ctr"/>
+            <a:r>
+              <a:rPr lang="en-US" smtClean="0"/>
+              <a:t>Refactor</a:t>
+            </a:r>
+            <a:endParaRPr lang="en-US" dirty="0"/>
+          </a:p>
+        </p:txBody>
+      </p:sp>
+      <p:cxnSp>
+        <p:nvCxnSpPr>
+          <p:cNvPr id="37" name="Elbow Connector 36"/>
+          <p:cNvCxnSpPr/>
+          <p:nvPr/>
+        </p:nvCxnSpPr>
+        <p:spPr>
+          <a:xfrm flipV="1">
+            <a:off x="11792592" y="276080"/>
+            <a:ext cx="57166" cy="2829216"/>
+          </a:xfrm>
+          <a:prstGeom prst="bentConnector3">
+            <a:avLst>
+              <a:gd name="adj1" fmla="val 499888"/>
+            </a:avLst>
+          </a:prstGeom>
+          <a:ln>
+            <a:tailEnd type="triangle"/>
+          </a:ln>
+        </p:spPr>
+        <p:style>
+          <a:lnRef idx="1">
+            <a:schemeClr val="accent1"/>
+          </a:lnRef>
+          <a:fillRef idx="0">
+            <a:schemeClr val="accent1"/>
+          </a:fillRef>
+          <a:effectRef idx="0">
+            <a:schemeClr val="accent1"/>
+          </a:effectRef>
+          <a:fontRef idx="minor">
+            <a:schemeClr val="tx1"/>
+          </a:fontRef>
+        </p:style>
+      </p:cxnSp>
+      <p:cxnSp>
+        <p:nvCxnSpPr>
+          <p:cNvPr id="38" name="Elbow Connector 37"/>
+          <p:cNvCxnSpPr/>
+          <p:nvPr/>
+        </p:nvCxnSpPr>
+        <p:spPr>
+          <a:xfrm rot="10800000" flipH="1">
+            <a:off x="10821811" y="1685366"/>
+            <a:ext cx="81787" cy="1419931"/>
+          </a:xfrm>
+          <a:prstGeom prst="bentConnector3">
+            <a:avLst>
+              <a:gd name="adj1" fmla="val -279507"/>
+            </a:avLst>
+          </a:prstGeom>
+          <a:ln>
+            <a:tailEnd type="triangle"/>
+          </a:ln>
+        </p:spPr>
+        <p:style>
+          <a:lnRef idx="1">
+            <a:schemeClr val="accent1"/>
+          </a:lnRef>
+          <a:fillRef idx="0">
+            <a:schemeClr val="accent1"/>
+          </a:fillRef>
+          <a:effectRef idx="0">
+            <a:schemeClr val="accent1"/>
+          </a:effectRef>
+          <a:fontRef idx="minor">
+            <a:schemeClr val="tx1"/>
+          </a:fontRef>
+        </p:style>
+      </p:cxnSp>
+    </p:spTree>
+    <p:extLst>
+      <p:ext uri="{BB962C8B-B14F-4D97-AF65-F5344CB8AC3E}">
+        <p14:creationId xmlns:p14="http://schemas.microsoft.com/office/powerpoint/2010/main" val="1942138552"/>
+      </p:ext>
+    </p:extLst>
+  </p:cSld>
+  <p:clrMapOvr>
+    <a:masterClrMapping/>
+  </p:clrMapOvr>
+</p:sld>
+</file>
+
+<file path=ppt/slides/slide14.xml><?xml version="1.0" encoding="utf-8"?>
+<p:sld xmlns:a="http://schemas.openxmlformats.org/drawingml/2006/main" xmlns:r="http://schemas.openxmlformats.org/officeDocument/2006/relationships" xmlns:p="http://schemas.openxmlformats.org/presentationml/2006/main">
+  <p:cSld>
+    <p:spTree>
+      <p:nvGrpSpPr>
+        <p:cNvPr id="1" name=""/>
+        <p:cNvGrpSpPr/>
+        <p:nvPr/>
+      </p:nvGrpSpPr>
+      <p:grpSpPr>
+        <a:xfrm>
+          <a:off x="0" y="0"/>
+          <a:ext cx="0" cy="0"/>
+          <a:chOff x="0" y="0"/>
+          <a:chExt cx="0" cy="0"/>
+        </a:xfrm>
+      </p:grpSpPr>
+      <p:sp>
+        <p:nvSpPr>
+          <p:cNvPr id="2" name="Title 1"/>
+          <p:cNvSpPr>
+            <a:spLocks noGrp="1"/>
+          </p:cNvSpPr>
+          <p:nvPr>
+            <p:ph type="title"/>
+          </p:nvPr>
+        </p:nvSpPr>
+        <p:spPr/>
+        <p:txBody>
+          <a:bodyPr/>
+          <a:lstStyle/>
+          <a:p>
+            <a:r>
+              <a:rPr lang="en-US" dirty="0" smtClean="0"/>
+              <a:t>Triangulation</a:t>
+            </a:r>
+            <a:endParaRPr lang="en-US" dirty="0"/>
+          </a:p>
+        </p:txBody>
+      </p:sp>
+      <p:sp>
+        <p:nvSpPr>
+          <p:cNvPr id="3" name="Content Placeholder 2"/>
+          <p:cNvSpPr>
+            <a:spLocks noGrp="1"/>
+          </p:cNvSpPr>
+          <p:nvPr>
+            <p:ph idx="1"/>
+          </p:nvPr>
+        </p:nvSpPr>
+        <p:spPr/>
+        <p:txBody>
+          <a:bodyPr>
+            <a:normAutofit/>
+          </a:bodyPr>
+          <a:lstStyle/>
+          <a:p>
+            <a:r>
+              <a:rPr lang="en-US" dirty="0" smtClean="0"/>
+              <a:t>First documented by Kent Beck</a:t>
+            </a:r>
+          </a:p>
+          <a:p>
+            <a:r>
+              <a:rPr lang="en-US" dirty="0" smtClean="0"/>
+              <a:t>Drawn from Radar Triangulation</a:t>
+            </a:r>
+          </a:p>
+          <a:p>
+            <a:pPr lvl="1"/>
+            <a:r>
+              <a:rPr lang="en-US" dirty="0" smtClean="0"/>
+              <a:t>Definition: </a:t>
+            </a:r>
+            <a:r>
+              <a:rPr lang="en-US" dirty="0" smtClean="0">
+                <a:hlinkClick r:id="rId3"/>
+              </a:rPr>
+              <a:t>http</a:t>
+            </a:r>
+            <a:r>
+              <a:rPr lang="en-US" dirty="0">
+                <a:hlinkClick r:id="rId3"/>
+              </a:rPr>
+              <a:t>://</a:t>
+            </a:r>
+            <a:r>
+              <a:rPr lang="en-US" dirty="0" smtClean="0">
+                <a:hlinkClick r:id="rId3"/>
+              </a:rPr>
+              <a:t>bit.ly/28NzyHS</a:t>
+            </a:r>
+            <a:endParaRPr lang="en-US" dirty="0" smtClean="0"/>
+          </a:p>
+          <a:p>
+            <a:r>
+              <a:rPr lang="en-US" dirty="0" smtClean="0"/>
+              <a:t>Start with obvious implementation</a:t>
+            </a:r>
+          </a:p>
+          <a:p>
+            <a:r>
+              <a:rPr lang="en-US" dirty="0" smtClean="0"/>
+              <a:t>Follow up with a </a:t>
+            </a:r>
+            <a:r>
+              <a:rPr lang="en-US" smtClean="0"/>
+              <a:t>general implementation</a:t>
+            </a:r>
+            <a:endParaRPr lang="en-US" dirty="0" smtClean="0"/>
+          </a:p>
+        </p:txBody>
+      </p:sp>
+      <p:sp>
+        <p:nvSpPr>
+          <p:cNvPr id="28" name="TextBox 27"/>
+          <p:cNvSpPr txBox="1"/>
+          <p:nvPr/>
+        </p:nvSpPr>
+        <p:spPr>
+          <a:xfrm>
+            <a:off x="10717781" y="91414"/>
+            <a:ext cx="1131977" cy="369332"/>
+          </a:xfrm>
+          <a:prstGeom prst="rect">
+            <a:avLst/>
+          </a:prstGeom>
+          <a:solidFill>
+            <a:schemeClr val="accent4">
+              <a:lumMod val="20000"/>
+              <a:lumOff val="80000"/>
+            </a:schemeClr>
+          </a:solidFill>
+          <a:ln>
+            <a:solidFill>
+              <a:schemeClr val="accent1"/>
+            </a:solidFill>
+          </a:ln>
+        </p:spPr>
+        <p:txBody>
+          <a:bodyPr wrap="none" rtlCol="0">
+            <a:spAutoFit/>
+          </a:bodyPr>
+          <a:lstStyle/>
+          <a:p>
+            <a:pPr algn="ctr"/>
+            <a:r>
+              <a:rPr lang="en-US" dirty="0" smtClean="0"/>
+              <a:t>Add a test</a:t>
+            </a:r>
+            <a:endParaRPr lang="en-US" dirty="0" smtClean="0"/>
+          </a:p>
+        </p:txBody>
+      </p:sp>
+      <p:sp>
+        <p:nvSpPr>
+          <p:cNvPr id="29" name="TextBox 28"/>
+          <p:cNvSpPr txBox="1"/>
+          <p:nvPr/>
+        </p:nvSpPr>
+        <p:spPr>
+          <a:xfrm>
+            <a:off x="11012249" y="799272"/>
+            <a:ext cx="543034" cy="369332"/>
+          </a:xfrm>
+          <a:prstGeom prst="rect">
+            <a:avLst/>
+          </a:prstGeom>
+          <a:noFill/>
+          <a:ln>
+            <a:solidFill>
+              <a:schemeClr val="accent1"/>
+            </a:solidFill>
+          </a:ln>
+        </p:spPr>
+        <p:txBody>
+          <a:bodyPr wrap="none" rtlCol="0">
+            <a:spAutoFit/>
+          </a:bodyPr>
+          <a:lstStyle/>
+          <a:p>
+            <a:pPr algn="ctr"/>
+            <a:r>
+              <a:rPr lang="en-US" dirty="0" smtClean="0"/>
+              <a:t>Red</a:t>
+            </a:r>
+            <a:endParaRPr lang="en-US" dirty="0"/>
+          </a:p>
+        </p:txBody>
+      </p:sp>
+      <p:sp>
+        <p:nvSpPr>
+          <p:cNvPr id="30" name="TextBox 29"/>
+          <p:cNvSpPr txBox="1"/>
+          <p:nvPr/>
+        </p:nvSpPr>
+        <p:spPr>
+          <a:xfrm>
+            <a:off x="10903599" y="1500699"/>
+            <a:ext cx="760337" cy="369332"/>
+          </a:xfrm>
+          <a:prstGeom prst="rect">
+            <a:avLst/>
+          </a:prstGeom>
+          <a:noFill/>
+          <a:ln>
+            <a:solidFill>
+              <a:schemeClr val="accent1"/>
+            </a:solidFill>
+          </a:ln>
+        </p:spPr>
+        <p:txBody>
+          <a:bodyPr wrap="none" rtlCol="0">
+            <a:spAutoFit/>
+          </a:bodyPr>
+          <a:lstStyle/>
+          <a:p>
+            <a:pPr algn="ctr"/>
+            <a:r>
+              <a:rPr lang="en-US" dirty="0" smtClean="0"/>
+              <a:t>Green</a:t>
+            </a:r>
+            <a:endParaRPr lang="en-US" dirty="0" smtClean="0"/>
+          </a:p>
+        </p:txBody>
+      </p:sp>
+      <p:sp>
+        <p:nvSpPr>
+          <p:cNvPr id="31" name="TextBox 30"/>
+          <p:cNvSpPr txBox="1"/>
+          <p:nvPr/>
+        </p:nvSpPr>
+        <p:spPr>
+          <a:xfrm>
+            <a:off x="10819542" y="2224061"/>
+            <a:ext cx="928460" cy="369332"/>
+          </a:xfrm>
+          <a:prstGeom prst="rect">
+            <a:avLst/>
+          </a:prstGeom>
+          <a:noFill/>
+          <a:ln>
+            <a:solidFill>
+              <a:schemeClr val="accent1"/>
+            </a:solidFill>
+          </a:ln>
+        </p:spPr>
+        <p:txBody>
+          <a:bodyPr wrap="none" rtlCol="0">
+            <a:spAutoFit/>
+          </a:bodyPr>
+          <a:lstStyle/>
+          <a:p>
+            <a:pPr algn="ctr"/>
+            <a:r>
+              <a:rPr lang="en-US" dirty="0" smtClean="0"/>
+              <a:t>Commit</a:t>
+            </a:r>
+            <a:endParaRPr lang="en-US" dirty="0"/>
+          </a:p>
+        </p:txBody>
+      </p:sp>
+      <p:cxnSp>
+        <p:nvCxnSpPr>
+          <p:cNvPr id="32" name="Straight Arrow Connector 31"/>
+          <p:cNvCxnSpPr/>
+          <p:nvPr/>
+        </p:nvCxnSpPr>
+        <p:spPr>
+          <a:xfrm flipH="1">
+            <a:off x="11283766" y="460746"/>
+            <a:ext cx="4" cy="338526"/>
+          </a:xfrm>
+          <a:prstGeom prst="straightConnector1">
+            <a:avLst/>
+          </a:prstGeom>
+          <a:ln>
+            <a:tailEnd type="triangle"/>
+          </a:ln>
+        </p:spPr>
+        <p:style>
+          <a:lnRef idx="1">
+            <a:schemeClr val="accent1"/>
+          </a:lnRef>
+          <a:fillRef idx="0">
+            <a:schemeClr val="accent1"/>
+          </a:fillRef>
+          <a:effectRef idx="0">
+            <a:schemeClr val="accent1"/>
+          </a:effectRef>
+          <a:fontRef idx="minor">
+            <a:schemeClr val="tx1"/>
+          </a:fontRef>
+        </p:style>
+      </p:cxnSp>
+      <p:cxnSp>
+        <p:nvCxnSpPr>
+          <p:cNvPr id="33" name="Straight Arrow Connector 32"/>
+          <p:cNvCxnSpPr/>
+          <p:nvPr/>
+        </p:nvCxnSpPr>
+        <p:spPr>
+          <a:xfrm flipH="1">
+            <a:off x="11283760" y="1165539"/>
+            <a:ext cx="4" cy="338526"/>
+          </a:xfrm>
+          <a:prstGeom prst="straightConnector1">
+            <a:avLst/>
+          </a:prstGeom>
+          <a:ln>
+            <a:tailEnd type="triangle"/>
+          </a:ln>
+        </p:spPr>
+        <p:style>
+          <a:lnRef idx="1">
+            <a:schemeClr val="accent1"/>
+          </a:lnRef>
+          <a:fillRef idx="0">
+            <a:schemeClr val="accent1"/>
+          </a:fillRef>
+          <a:effectRef idx="0">
+            <a:schemeClr val="accent1"/>
+          </a:effectRef>
+          <a:fontRef idx="minor">
+            <a:schemeClr val="tx1"/>
+          </a:fontRef>
+        </p:style>
+      </p:cxnSp>
+      <p:cxnSp>
+        <p:nvCxnSpPr>
+          <p:cNvPr id="34" name="Straight Arrow Connector 33"/>
+          <p:cNvCxnSpPr/>
+          <p:nvPr/>
+        </p:nvCxnSpPr>
+        <p:spPr>
+          <a:xfrm flipH="1">
+            <a:off x="11283756" y="1876673"/>
+            <a:ext cx="4" cy="338526"/>
+          </a:xfrm>
+          <a:prstGeom prst="straightConnector1">
+            <a:avLst/>
+          </a:prstGeom>
+          <a:ln>
+            <a:tailEnd type="triangle"/>
+          </a:ln>
+        </p:spPr>
+        <p:style>
+          <a:lnRef idx="1">
+            <a:schemeClr val="accent1"/>
+          </a:lnRef>
+          <a:fillRef idx="0">
+            <a:schemeClr val="accent1"/>
+          </a:fillRef>
+          <a:effectRef idx="0">
+            <a:schemeClr val="accent1"/>
+          </a:effectRef>
+          <a:fontRef idx="minor">
+            <a:schemeClr val="tx1"/>
+          </a:fontRef>
+        </p:style>
+      </p:cxnSp>
+      <p:cxnSp>
+        <p:nvCxnSpPr>
+          <p:cNvPr id="35" name="Straight Arrow Connector 34"/>
+          <p:cNvCxnSpPr/>
+          <p:nvPr/>
+        </p:nvCxnSpPr>
+        <p:spPr>
+          <a:xfrm flipH="1">
+            <a:off x="11295480" y="2591777"/>
+            <a:ext cx="4" cy="338526"/>
+          </a:xfrm>
+          <a:prstGeom prst="straightConnector1">
+            <a:avLst/>
+          </a:prstGeom>
+          <a:ln>
+            <a:tailEnd type="triangle"/>
+          </a:ln>
+        </p:spPr>
+        <p:style>
+          <a:lnRef idx="1">
+            <a:schemeClr val="accent1"/>
+          </a:lnRef>
+          <a:fillRef idx="0">
+            <a:schemeClr val="accent1"/>
+          </a:fillRef>
+          <a:effectRef idx="0">
+            <a:schemeClr val="accent1"/>
+          </a:effectRef>
+          <a:fontRef idx="minor">
+            <a:schemeClr val="tx1"/>
+          </a:fontRef>
+        </p:style>
+      </p:cxnSp>
+      <p:sp>
+        <p:nvSpPr>
+          <p:cNvPr id="36" name="TextBox 35"/>
+          <p:cNvSpPr txBox="1"/>
+          <p:nvPr/>
+        </p:nvSpPr>
+        <p:spPr>
+          <a:xfrm>
+            <a:off x="10821812" y="2920630"/>
+            <a:ext cx="970780" cy="369332"/>
+          </a:xfrm>
+          <a:prstGeom prst="rect">
+            <a:avLst/>
+          </a:prstGeom>
+          <a:noFill/>
+          <a:ln>
+            <a:solidFill>
+              <a:schemeClr val="accent1"/>
+            </a:solidFill>
+          </a:ln>
+        </p:spPr>
+        <p:txBody>
+          <a:bodyPr wrap="none" rtlCol="0">
+            <a:spAutoFit/>
+          </a:bodyPr>
+          <a:lstStyle/>
+          <a:p>
+            <a:pPr algn="ctr"/>
+            <a:r>
+              <a:rPr lang="en-US" smtClean="0"/>
+              <a:t>Refactor</a:t>
+            </a:r>
+            <a:endParaRPr lang="en-US" dirty="0"/>
+          </a:p>
+        </p:txBody>
+      </p:sp>
+      <p:cxnSp>
+        <p:nvCxnSpPr>
+          <p:cNvPr id="37" name="Elbow Connector 36"/>
+          <p:cNvCxnSpPr/>
+          <p:nvPr/>
+        </p:nvCxnSpPr>
+        <p:spPr>
+          <a:xfrm flipV="1">
+            <a:off x="11792592" y="276080"/>
+            <a:ext cx="57166" cy="2829216"/>
+          </a:xfrm>
+          <a:prstGeom prst="bentConnector3">
+            <a:avLst>
+              <a:gd name="adj1" fmla="val 499888"/>
+            </a:avLst>
+          </a:prstGeom>
+          <a:ln>
+            <a:tailEnd type="triangle"/>
+          </a:ln>
+        </p:spPr>
+        <p:style>
+          <a:lnRef idx="1">
+            <a:schemeClr val="accent1"/>
+          </a:lnRef>
+          <a:fillRef idx="0">
+            <a:schemeClr val="accent1"/>
+          </a:fillRef>
+          <a:effectRef idx="0">
+            <a:schemeClr val="accent1"/>
+          </a:effectRef>
+          <a:fontRef idx="minor">
+            <a:schemeClr val="tx1"/>
+          </a:fontRef>
+        </p:style>
+      </p:cxnSp>
+      <p:cxnSp>
+        <p:nvCxnSpPr>
+          <p:cNvPr id="38" name="Elbow Connector 37"/>
+          <p:cNvCxnSpPr/>
+          <p:nvPr/>
+        </p:nvCxnSpPr>
+        <p:spPr>
+          <a:xfrm rot="10800000" flipH="1">
+            <a:off x="10821811" y="1685366"/>
+            <a:ext cx="81787" cy="1419931"/>
+          </a:xfrm>
+          <a:prstGeom prst="bentConnector3">
+            <a:avLst>
+              <a:gd name="adj1" fmla="val -279507"/>
+            </a:avLst>
+          </a:prstGeom>
+          <a:ln>
+            <a:tailEnd type="triangle"/>
+          </a:ln>
+        </p:spPr>
+        <p:style>
+          <a:lnRef idx="1">
+            <a:schemeClr val="accent1"/>
+          </a:lnRef>
+          <a:fillRef idx="0">
+            <a:schemeClr val="accent1"/>
+          </a:fillRef>
+          <a:effectRef idx="0">
+            <a:schemeClr val="accent1"/>
+          </a:effectRef>
+          <a:fontRef idx="minor">
+            <a:schemeClr val="tx1"/>
+          </a:fontRef>
+        </p:style>
+      </p:cxnSp>
+    </p:spTree>
+    <p:extLst>
+      <p:ext uri="{BB962C8B-B14F-4D97-AF65-F5344CB8AC3E}">
+        <p14:creationId xmlns:p14="http://schemas.microsoft.com/office/powerpoint/2010/main" val="532588346"/>
+      </p:ext>
+    </p:extLst>
+  </p:cSld>
+  <p:clrMapOvr>
+    <a:masterClrMapping/>
+  </p:clrMapOvr>
+</p:sld>
+</file>
+
+<file path=ppt/slides/slide15.xml><?xml version="1.0" encoding="utf-8"?>
+<p:sld xmlns:a="http://schemas.openxmlformats.org/drawingml/2006/main" xmlns:r="http://schemas.openxmlformats.org/officeDocument/2006/relationships" xmlns:p="http://schemas.openxmlformats.org/presentationml/2006/main">
+  <p:cSld>
+    <p:spTree>
+      <p:nvGrpSpPr>
+        <p:cNvPr id="1" name=""/>
+        <p:cNvGrpSpPr/>
+        <p:nvPr/>
+      </p:nvGrpSpPr>
+      <p:grpSpPr>
+        <a:xfrm>
+          <a:off x="0" y="0"/>
+          <a:ext cx="0" cy="0"/>
+          <a:chOff x="0" y="0"/>
+          <a:chExt cx="0" cy="0"/>
+        </a:xfrm>
+      </p:grpSpPr>
+      <p:sp>
+        <p:nvSpPr>
+          <p:cNvPr id="2" name="Title 1"/>
+          <p:cNvSpPr>
+            <a:spLocks noGrp="1"/>
+          </p:cNvSpPr>
+          <p:nvPr>
+            <p:ph type="title"/>
+          </p:nvPr>
+        </p:nvSpPr>
+        <p:spPr/>
+        <p:txBody>
+          <a:bodyPr/>
+          <a:lstStyle/>
+          <a:p>
+            <a:r>
+              <a:rPr lang="en-US" dirty="0" smtClean="0"/>
+              <a:t>Red</a:t>
+            </a:r>
+            <a:endParaRPr lang="en-US" dirty="0"/>
+          </a:p>
+        </p:txBody>
+      </p:sp>
+      <p:sp>
+        <p:nvSpPr>
+          <p:cNvPr id="3" name="Content Placeholder 2"/>
+          <p:cNvSpPr>
+            <a:spLocks noGrp="1"/>
+          </p:cNvSpPr>
+          <p:nvPr>
+            <p:ph idx="1"/>
+          </p:nvPr>
+        </p:nvSpPr>
+        <p:spPr/>
+        <p:txBody>
+          <a:bodyPr/>
+          <a:lstStyle/>
+          <a:p>
+            <a:endParaRPr lang="en-US" dirty="0" smtClean="0"/>
+          </a:p>
+          <a:p>
+            <a:endParaRPr lang="en-US" dirty="0"/>
+          </a:p>
+          <a:p>
+            <a:endParaRPr lang="en-US" dirty="0" smtClean="0"/>
+          </a:p>
+          <a:p>
+            <a:r>
+              <a:rPr lang="en-US" dirty="0" smtClean="0"/>
+              <a:t>Run the test, ensure it fails</a:t>
+            </a:r>
+          </a:p>
+          <a:p>
+            <a:r>
+              <a:rPr lang="en-US" dirty="0" smtClean="0"/>
+              <a:t>At this stage a failing test is good</a:t>
+            </a:r>
+          </a:p>
+          <a:p>
+            <a:r>
+              <a:rPr lang="en-US" dirty="0" smtClean="0"/>
+              <a:t>Ensures there exists a test that can be made to pass</a:t>
+            </a:r>
+            <a:endParaRPr lang="en-US" dirty="0" smtClean="0"/>
+          </a:p>
+        </p:txBody>
+      </p:sp>
+      <p:sp>
+        <p:nvSpPr>
+          <p:cNvPr id="35" name="TextBox 34"/>
+          <p:cNvSpPr txBox="1"/>
+          <p:nvPr/>
+        </p:nvSpPr>
+        <p:spPr>
+          <a:xfrm>
+            <a:off x="10717782" y="91414"/>
+            <a:ext cx="1131977" cy="369332"/>
+          </a:xfrm>
+          <a:prstGeom prst="rect">
+            <a:avLst/>
+          </a:prstGeom>
+          <a:noFill/>
+          <a:ln>
+            <a:solidFill>
+              <a:schemeClr val="accent1"/>
+            </a:solidFill>
+          </a:ln>
+        </p:spPr>
+        <p:txBody>
+          <a:bodyPr wrap="none" rtlCol="0">
+            <a:spAutoFit/>
+          </a:bodyPr>
+          <a:lstStyle/>
+          <a:p>
+            <a:pPr algn="ctr"/>
+            <a:r>
+              <a:rPr lang="en-US" dirty="0" smtClean="0"/>
+              <a:t>Add a test</a:t>
+            </a:r>
+            <a:endParaRPr lang="en-US" dirty="0" smtClean="0"/>
+          </a:p>
+        </p:txBody>
+      </p:sp>
+      <p:sp>
+        <p:nvSpPr>
+          <p:cNvPr id="36" name="TextBox 35"/>
+          <p:cNvSpPr txBox="1"/>
+          <p:nvPr/>
+        </p:nvSpPr>
+        <p:spPr>
+          <a:xfrm>
+            <a:off x="11012250" y="799272"/>
+            <a:ext cx="543034" cy="369332"/>
+          </a:xfrm>
+          <a:prstGeom prst="rect">
+            <a:avLst/>
+          </a:prstGeom>
+          <a:solidFill>
+            <a:schemeClr val="accent4">
+              <a:lumMod val="20000"/>
+              <a:lumOff val="80000"/>
+            </a:schemeClr>
+          </a:solidFill>
+          <a:ln>
+            <a:solidFill>
+              <a:schemeClr val="accent1"/>
+            </a:solidFill>
+          </a:ln>
+        </p:spPr>
+        <p:txBody>
+          <a:bodyPr wrap="none" rtlCol="0">
+            <a:spAutoFit/>
+          </a:bodyPr>
+          <a:lstStyle/>
+          <a:p>
+            <a:pPr algn="ctr"/>
+            <a:r>
+              <a:rPr lang="en-US" dirty="0" smtClean="0"/>
+              <a:t>Red</a:t>
+            </a:r>
+            <a:endParaRPr lang="en-US" dirty="0"/>
+          </a:p>
+        </p:txBody>
+      </p:sp>
+      <p:sp>
+        <p:nvSpPr>
+          <p:cNvPr id="37" name="TextBox 36"/>
+          <p:cNvSpPr txBox="1"/>
+          <p:nvPr/>
+        </p:nvSpPr>
+        <p:spPr>
+          <a:xfrm>
+            <a:off x="10903600" y="1500699"/>
+            <a:ext cx="760337" cy="369332"/>
+          </a:xfrm>
+          <a:prstGeom prst="rect">
+            <a:avLst/>
+          </a:prstGeom>
+          <a:noFill/>
+          <a:ln>
+            <a:solidFill>
+              <a:schemeClr val="accent1"/>
+            </a:solidFill>
+          </a:ln>
+        </p:spPr>
+        <p:txBody>
+          <a:bodyPr wrap="none" rtlCol="0">
+            <a:spAutoFit/>
+          </a:bodyPr>
+          <a:lstStyle/>
+          <a:p>
+            <a:pPr algn="ctr"/>
+            <a:r>
+              <a:rPr lang="en-US" dirty="0" smtClean="0"/>
+              <a:t>Green</a:t>
+            </a:r>
+            <a:endParaRPr lang="en-US" dirty="0" smtClean="0"/>
+          </a:p>
+        </p:txBody>
+      </p:sp>
+      <p:sp>
+        <p:nvSpPr>
+          <p:cNvPr id="38" name="TextBox 37"/>
+          <p:cNvSpPr txBox="1"/>
+          <p:nvPr/>
+        </p:nvSpPr>
+        <p:spPr>
+          <a:xfrm>
+            <a:off x="10819543" y="2224061"/>
+            <a:ext cx="928460" cy="369332"/>
+          </a:xfrm>
+          <a:prstGeom prst="rect">
+            <a:avLst/>
+          </a:prstGeom>
+          <a:noFill/>
+          <a:ln>
+            <a:solidFill>
+              <a:schemeClr val="accent1"/>
+            </a:solidFill>
+          </a:ln>
+        </p:spPr>
+        <p:txBody>
+          <a:bodyPr wrap="none" rtlCol="0">
+            <a:spAutoFit/>
+          </a:bodyPr>
+          <a:lstStyle/>
+          <a:p>
+            <a:pPr algn="ctr"/>
+            <a:r>
+              <a:rPr lang="en-US" dirty="0" smtClean="0"/>
+              <a:t>Commit</a:t>
+            </a:r>
+            <a:endParaRPr lang="en-US" dirty="0"/>
+          </a:p>
+        </p:txBody>
+      </p:sp>
+      <p:cxnSp>
+        <p:nvCxnSpPr>
+          <p:cNvPr id="39" name="Straight Arrow Connector 38"/>
+          <p:cNvCxnSpPr/>
+          <p:nvPr/>
+        </p:nvCxnSpPr>
+        <p:spPr>
+          <a:xfrm flipH="1">
+            <a:off x="11283767" y="460746"/>
+            <a:ext cx="4" cy="338526"/>
+          </a:xfrm>
+          <a:prstGeom prst="straightConnector1">
+            <a:avLst/>
+          </a:prstGeom>
+          <a:ln>
+            <a:tailEnd type="triangle"/>
+          </a:ln>
+        </p:spPr>
+        <p:style>
+          <a:lnRef idx="1">
+            <a:schemeClr val="accent1"/>
+          </a:lnRef>
+          <a:fillRef idx="0">
+            <a:schemeClr val="accent1"/>
+          </a:fillRef>
+          <a:effectRef idx="0">
+            <a:schemeClr val="accent1"/>
+          </a:effectRef>
+          <a:fontRef idx="minor">
+            <a:schemeClr val="tx1"/>
+          </a:fontRef>
+        </p:style>
+      </p:cxnSp>
+      <p:cxnSp>
+        <p:nvCxnSpPr>
+          <p:cNvPr id="40" name="Straight Arrow Connector 39"/>
+          <p:cNvCxnSpPr/>
+          <p:nvPr/>
+        </p:nvCxnSpPr>
+        <p:spPr>
+          <a:xfrm flipH="1">
+            <a:off x="11283761" y="1165539"/>
+            <a:ext cx="4" cy="338526"/>
+          </a:xfrm>
+          <a:prstGeom prst="straightConnector1">
+            <a:avLst/>
+          </a:prstGeom>
+          <a:ln>
+            <a:tailEnd type="triangle"/>
+          </a:ln>
+        </p:spPr>
+        <p:style>
+          <a:lnRef idx="1">
+            <a:schemeClr val="accent1"/>
+          </a:lnRef>
+          <a:fillRef idx="0">
+            <a:schemeClr val="accent1"/>
+          </a:fillRef>
+          <a:effectRef idx="0">
+            <a:schemeClr val="accent1"/>
+          </a:effectRef>
+          <a:fontRef idx="minor">
+            <a:schemeClr val="tx1"/>
+          </a:fontRef>
+        </p:style>
+      </p:cxnSp>
+      <p:cxnSp>
+        <p:nvCxnSpPr>
+          <p:cNvPr id="41" name="Straight Arrow Connector 40"/>
+          <p:cNvCxnSpPr/>
+          <p:nvPr/>
+        </p:nvCxnSpPr>
+        <p:spPr>
+          <a:xfrm flipH="1">
+            <a:off x="11283757" y="1876673"/>
+            <a:ext cx="4" cy="338526"/>
+          </a:xfrm>
+          <a:prstGeom prst="straightConnector1">
+            <a:avLst/>
+          </a:prstGeom>
+          <a:ln>
+            <a:tailEnd type="triangle"/>
+          </a:ln>
+        </p:spPr>
+        <p:style>
+          <a:lnRef idx="1">
+            <a:schemeClr val="accent1"/>
+          </a:lnRef>
+          <a:fillRef idx="0">
+            <a:schemeClr val="accent1"/>
+          </a:fillRef>
+          <a:effectRef idx="0">
+            <a:schemeClr val="accent1"/>
+          </a:effectRef>
+          <a:fontRef idx="minor">
+            <a:schemeClr val="tx1"/>
+          </a:fontRef>
+        </p:style>
+      </p:cxnSp>
+      <p:cxnSp>
+        <p:nvCxnSpPr>
+          <p:cNvPr id="42" name="Straight Arrow Connector 41"/>
+          <p:cNvCxnSpPr/>
+          <p:nvPr/>
+        </p:nvCxnSpPr>
+        <p:spPr>
+          <a:xfrm flipH="1">
+            <a:off x="11295481" y="2591777"/>
+            <a:ext cx="4" cy="338526"/>
+          </a:xfrm>
+          <a:prstGeom prst="straightConnector1">
+            <a:avLst/>
+          </a:prstGeom>
+          <a:ln>
+            <a:tailEnd type="triangle"/>
+          </a:ln>
+        </p:spPr>
+        <p:style>
+          <a:lnRef idx="1">
+            <a:schemeClr val="accent1"/>
+          </a:lnRef>
+          <a:fillRef idx="0">
+            <a:schemeClr val="accent1"/>
+          </a:fillRef>
+          <a:effectRef idx="0">
+            <a:schemeClr val="accent1"/>
+          </a:effectRef>
+          <a:fontRef idx="minor">
+            <a:schemeClr val="tx1"/>
+          </a:fontRef>
+        </p:style>
+      </p:cxnSp>
+      <p:sp>
+        <p:nvSpPr>
+          <p:cNvPr id="43" name="TextBox 42"/>
+          <p:cNvSpPr txBox="1"/>
+          <p:nvPr/>
+        </p:nvSpPr>
+        <p:spPr>
+          <a:xfrm>
+            <a:off x="10821813" y="2920630"/>
+            <a:ext cx="970780" cy="369332"/>
+          </a:xfrm>
+          <a:prstGeom prst="rect">
+            <a:avLst/>
+          </a:prstGeom>
+          <a:noFill/>
+          <a:ln>
+            <a:solidFill>
+              <a:schemeClr val="accent1"/>
+            </a:solidFill>
+          </a:ln>
+        </p:spPr>
+        <p:txBody>
+          <a:bodyPr wrap="none" rtlCol="0">
+            <a:spAutoFit/>
+          </a:bodyPr>
+          <a:lstStyle/>
+          <a:p>
+            <a:pPr algn="ctr"/>
+            <a:r>
+              <a:rPr lang="en-US" smtClean="0"/>
+              <a:t>Refactor</a:t>
+            </a:r>
+            <a:endParaRPr lang="en-US" dirty="0"/>
+          </a:p>
+        </p:txBody>
+      </p:sp>
+      <p:cxnSp>
+        <p:nvCxnSpPr>
+          <p:cNvPr id="44" name="Elbow Connector 43"/>
+          <p:cNvCxnSpPr/>
+          <p:nvPr/>
+        </p:nvCxnSpPr>
+        <p:spPr>
+          <a:xfrm flipV="1">
+            <a:off x="11792593" y="276080"/>
+            <a:ext cx="57166" cy="2829216"/>
+          </a:xfrm>
+          <a:prstGeom prst="bentConnector3">
+            <a:avLst>
+              <a:gd name="adj1" fmla="val 499888"/>
+            </a:avLst>
+          </a:prstGeom>
+          <a:ln>
+            <a:tailEnd type="triangle"/>
+          </a:ln>
+        </p:spPr>
+        <p:style>
+          <a:lnRef idx="1">
+            <a:schemeClr val="accent1"/>
+          </a:lnRef>
+          <a:fillRef idx="0">
+            <a:schemeClr val="accent1"/>
+          </a:fillRef>
+          <a:effectRef idx="0">
+            <a:schemeClr val="accent1"/>
+          </a:effectRef>
+          <a:fontRef idx="minor">
+            <a:schemeClr val="tx1"/>
+          </a:fontRef>
+        </p:style>
+      </p:cxnSp>
+      <p:cxnSp>
+        <p:nvCxnSpPr>
+          <p:cNvPr id="45" name="Elbow Connector 44"/>
+          <p:cNvCxnSpPr/>
+          <p:nvPr/>
+        </p:nvCxnSpPr>
+        <p:spPr>
+          <a:xfrm rot="10800000" flipH="1">
+            <a:off x="10821812" y="1685366"/>
+            <a:ext cx="81787" cy="1419931"/>
+          </a:xfrm>
+          <a:prstGeom prst="bentConnector3">
+            <a:avLst>
+              <a:gd name="adj1" fmla="val -279507"/>
+            </a:avLst>
+          </a:prstGeom>
+          <a:ln>
+            <a:tailEnd type="triangle"/>
+          </a:ln>
+        </p:spPr>
+        <p:style>
+          <a:lnRef idx="1">
+            <a:schemeClr val="accent1"/>
+          </a:lnRef>
+          <a:fillRef idx="0">
+            <a:schemeClr val="accent1"/>
+          </a:fillRef>
+          <a:effectRef idx="0">
+            <a:schemeClr val="accent1"/>
+          </a:effectRef>
+          <a:fontRef idx="minor">
+            <a:schemeClr val="tx1"/>
+          </a:fontRef>
+        </p:style>
+      </p:cxnSp>
+    </p:spTree>
+    <p:extLst>
+      <p:ext uri="{BB962C8B-B14F-4D97-AF65-F5344CB8AC3E}">
+        <p14:creationId xmlns:p14="http://schemas.microsoft.com/office/powerpoint/2010/main" val="176814325"/>
+      </p:ext>
+    </p:extLst>
+  </p:cSld>
+  <p:clrMapOvr>
+    <a:masterClrMapping/>
+  </p:clrMapOvr>
+</p:sld>
+</file>
+
+<file path=ppt/slides/slide16.xml><?xml version="1.0" encoding="utf-8"?>
+<p:sld xmlns:a="http://schemas.openxmlformats.org/drawingml/2006/main" xmlns:r="http://schemas.openxmlformats.org/officeDocument/2006/relationships" xmlns:p="http://schemas.openxmlformats.org/presentationml/2006/main">
+  <p:cSld>
+    <p:spTree>
+      <p:nvGrpSpPr>
+        <p:cNvPr id="1" name=""/>
+        <p:cNvGrpSpPr/>
+        <p:nvPr/>
+      </p:nvGrpSpPr>
+      <p:grpSpPr>
+        <a:xfrm>
+          <a:off x="0" y="0"/>
+          <a:ext cx="0" cy="0"/>
+          <a:chOff x="0" y="0"/>
+          <a:chExt cx="0" cy="0"/>
+        </a:xfrm>
+      </p:grpSpPr>
+      <p:sp>
+        <p:nvSpPr>
+          <p:cNvPr id="2" name="Title 1"/>
+          <p:cNvSpPr>
+            <a:spLocks noGrp="1"/>
+          </p:cNvSpPr>
+          <p:nvPr>
+            <p:ph type="title"/>
+          </p:nvPr>
+        </p:nvSpPr>
+        <p:spPr/>
+        <p:txBody>
+          <a:bodyPr/>
+          <a:lstStyle/>
+          <a:p>
+            <a:r>
+              <a:rPr lang="en-US" dirty="0" smtClean="0"/>
+              <a:t>Green</a:t>
+            </a:r>
+            <a:endParaRPr lang="en-US" dirty="0"/>
+          </a:p>
+        </p:txBody>
+      </p:sp>
+      <p:sp>
+        <p:nvSpPr>
+          <p:cNvPr id="3" name="Content Placeholder 2"/>
+          <p:cNvSpPr>
+            <a:spLocks noGrp="1"/>
+          </p:cNvSpPr>
+          <p:nvPr>
+            <p:ph idx="1"/>
+          </p:nvPr>
+        </p:nvSpPr>
+        <p:spPr/>
+        <p:txBody>
+          <a:bodyPr>
+            <a:normAutofit/>
+          </a:bodyPr>
+          <a:lstStyle/>
+          <a:p>
+            <a:endParaRPr lang="en-US" dirty="0" smtClean="0"/>
+          </a:p>
+          <a:p>
+            <a:endParaRPr lang="en-US" dirty="0"/>
+          </a:p>
+          <a:p>
+            <a:endParaRPr lang="en-US" dirty="0" smtClean="0"/>
+          </a:p>
+          <a:p>
+            <a:r>
+              <a:rPr lang="en-US" dirty="0" smtClean="0"/>
+              <a:t>Make the test pass by adding the least amount of code possible</a:t>
+            </a:r>
+          </a:p>
+          <a:p>
+            <a:r>
+              <a:rPr lang="en-US" dirty="0" smtClean="0"/>
+              <a:t>If possible, consider a hard coded value</a:t>
+            </a:r>
+            <a:endParaRPr lang="en-US" dirty="0"/>
+          </a:p>
+          <a:p>
+            <a:r>
+              <a:rPr lang="en-US" dirty="0" smtClean="0"/>
+              <a:t>Don’t worry about the future too much</a:t>
+            </a:r>
+          </a:p>
+        </p:txBody>
+      </p:sp>
+      <p:sp>
+        <p:nvSpPr>
+          <p:cNvPr id="4" name="TextBox 3"/>
+          <p:cNvSpPr txBox="1"/>
+          <p:nvPr/>
+        </p:nvSpPr>
+        <p:spPr>
+          <a:xfrm>
+            <a:off x="10717782" y="91414"/>
+            <a:ext cx="1131977" cy="369332"/>
+          </a:xfrm>
+          <a:prstGeom prst="rect">
+            <a:avLst/>
+          </a:prstGeom>
+          <a:noFill/>
+          <a:ln>
+            <a:solidFill>
+              <a:schemeClr val="accent1"/>
+            </a:solidFill>
+          </a:ln>
+        </p:spPr>
+        <p:txBody>
+          <a:bodyPr wrap="none" rtlCol="0">
+            <a:spAutoFit/>
+          </a:bodyPr>
+          <a:lstStyle/>
+          <a:p>
+            <a:pPr algn="ctr"/>
+            <a:r>
+              <a:rPr lang="en-US" dirty="0" smtClean="0"/>
+              <a:t>Add a test</a:t>
+            </a:r>
+            <a:endParaRPr lang="en-US" dirty="0" smtClean="0"/>
+          </a:p>
+        </p:txBody>
+      </p:sp>
+      <p:sp>
+        <p:nvSpPr>
+          <p:cNvPr id="5" name="TextBox 4"/>
+          <p:cNvSpPr txBox="1"/>
+          <p:nvPr/>
+        </p:nvSpPr>
+        <p:spPr>
+          <a:xfrm>
+            <a:off x="11012250" y="799272"/>
+            <a:ext cx="543034" cy="369332"/>
+          </a:xfrm>
+          <a:prstGeom prst="rect">
+            <a:avLst/>
+          </a:prstGeom>
+          <a:noFill/>
+          <a:ln>
+            <a:solidFill>
+              <a:schemeClr val="accent1"/>
+            </a:solidFill>
+          </a:ln>
+        </p:spPr>
+        <p:txBody>
+          <a:bodyPr wrap="none" rtlCol="0">
+            <a:spAutoFit/>
+          </a:bodyPr>
+          <a:lstStyle/>
+          <a:p>
+            <a:pPr algn="ctr"/>
+            <a:r>
+              <a:rPr lang="en-US" dirty="0" smtClean="0"/>
+              <a:t>Red</a:t>
+            </a:r>
+            <a:endParaRPr lang="en-US" dirty="0"/>
+          </a:p>
+        </p:txBody>
+      </p:sp>
+      <p:sp>
+        <p:nvSpPr>
+          <p:cNvPr id="6" name="TextBox 5"/>
+          <p:cNvSpPr txBox="1"/>
+          <p:nvPr/>
+        </p:nvSpPr>
+        <p:spPr>
+          <a:xfrm>
+            <a:off x="10903600" y="1500699"/>
+            <a:ext cx="760337" cy="369332"/>
+          </a:xfrm>
+          <a:prstGeom prst="rect">
+            <a:avLst/>
+          </a:prstGeom>
+          <a:solidFill>
+            <a:schemeClr val="accent4">
+              <a:lumMod val="20000"/>
+              <a:lumOff val="80000"/>
+            </a:schemeClr>
+          </a:solidFill>
+          <a:ln>
+            <a:solidFill>
+              <a:schemeClr val="accent1"/>
+            </a:solidFill>
+          </a:ln>
+        </p:spPr>
+        <p:txBody>
+          <a:bodyPr wrap="none" rtlCol="0">
+            <a:spAutoFit/>
+          </a:bodyPr>
+          <a:lstStyle/>
+          <a:p>
+            <a:pPr algn="ctr"/>
+            <a:r>
+              <a:rPr lang="en-US" dirty="0" smtClean="0"/>
+              <a:t>Green</a:t>
+            </a:r>
+            <a:endParaRPr lang="en-US" dirty="0" smtClean="0"/>
+          </a:p>
+        </p:txBody>
+      </p:sp>
+      <p:sp>
+        <p:nvSpPr>
+          <p:cNvPr id="7" name="TextBox 6"/>
+          <p:cNvSpPr txBox="1"/>
+          <p:nvPr/>
+        </p:nvSpPr>
+        <p:spPr>
+          <a:xfrm>
+            <a:off x="10819543" y="2224061"/>
+            <a:ext cx="928460" cy="369332"/>
+          </a:xfrm>
+          <a:prstGeom prst="rect">
+            <a:avLst/>
+          </a:prstGeom>
+          <a:noFill/>
+          <a:ln>
+            <a:solidFill>
+              <a:schemeClr val="accent1"/>
+            </a:solidFill>
+          </a:ln>
+        </p:spPr>
+        <p:txBody>
+          <a:bodyPr wrap="none" rtlCol="0">
+            <a:spAutoFit/>
+          </a:bodyPr>
+          <a:lstStyle/>
+          <a:p>
+            <a:pPr algn="ctr"/>
+            <a:r>
+              <a:rPr lang="en-US" dirty="0" smtClean="0"/>
+              <a:t>Commit</a:t>
+            </a:r>
+            <a:endParaRPr lang="en-US" dirty="0"/>
+          </a:p>
+        </p:txBody>
+      </p:sp>
+      <p:cxnSp>
+        <p:nvCxnSpPr>
+          <p:cNvPr id="8" name="Straight Arrow Connector 7"/>
+          <p:cNvCxnSpPr/>
+          <p:nvPr/>
+        </p:nvCxnSpPr>
+        <p:spPr>
+          <a:xfrm flipH="1">
+            <a:off x="11283767" y="460746"/>
+            <a:ext cx="4" cy="338526"/>
+          </a:xfrm>
+          <a:prstGeom prst="straightConnector1">
+            <a:avLst/>
+          </a:prstGeom>
+          <a:ln>
+            <a:tailEnd type="triangle"/>
+          </a:ln>
+        </p:spPr>
+        <p:style>
+          <a:lnRef idx="1">
+            <a:schemeClr val="accent1"/>
+          </a:lnRef>
+          <a:fillRef idx="0">
+            <a:schemeClr val="accent1"/>
+          </a:fillRef>
+          <a:effectRef idx="0">
+            <a:schemeClr val="accent1"/>
+          </a:effectRef>
+          <a:fontRef idx="minor">
+            <a:schemeClr val="tx1"/>
+          </a:fontRef>
+        </p:style>
+      </p:cxnSp>
+      <p:cxnSp>
+        <p:nvCxnSpPr>
+          <p:cNvPr id="9" name="Straight Arrow Connector 8"/>
+          <p:cNvCxnSpPr/>
+          <p:nvPr/>
+        </p:nvCxnSpPr>
+        <p:spPr>
+          <a:xfrm flipH="1">
+            <a:off x="11283761" y="1165539"/>
+            <a:ext cx="4" cy="338526"/>
+          </a:xfrm>
+          <a:prstGeom prst="straightConnector1">
+            <a:avLst/>
+          </a:prstGeom>
+          <a:ln>
+            <a:tailEnd type="triangle"/>
+          </a:ln>
+        </p:spPr>
+        <p:style>
+          <a:lnRef idx="1">
+            <a:schemeClr val="accent1"/>
+          </a:lnRef>
+          <a:fillRef idx="0">
+            <a:schemeClr val="accent1"/>
+          </a:fillRef>
+          <a:effectRef idx="0">
+            <a:schemeClr val="accent1"/>
+          </a:effectRef>
+          <a:fontRef idx="minor">
+            <a:schemeClr val="tx1"/>
+          </a:fontRef>
+        </p:style>
+      </p:cxnSp>
+      <p:cxnSp>
+        <p:nvCxnSpPr>
+          <p:cNvPr id="10" name="Straight Arrow Connector 9"/>
+          <p:cNvCxnSpPr/>
+          <p:nvPr/>
+        </p:nvCxnSpPr>
+        <p:spPr>
+          <a:xfrm flipH="1">
+            <a:off x="11283757" y="1876673"/>
+            <a:ext cx="4" cy="338526"/>
+          </a:xfrm>
+          <a:prstGeom prst="straightConnector1">
+            <a:avLst/>
+          </a:prstGeom>
+          <a:ln>
+            <a:tailEnd type="triangle"/>
+          </a:ln>
+        </p:spPr>
+        <p:style>
+          <a:lnRef idx="1">
+            <a:schemeClr val="accent1"/>
+          </a:lnRef>
+          <a:fillRef idx="0">
+            <a:schemeClr val="accent1"/>
+          </a:fillRef>
+          <a:effectRef idx="0">
+            <a:schemeClr val="accent1"/>
+          </a:effectRef>
+          <a:fontRef idx="minor">
+            <a:schemeClr val="tx1"/>
+          </a:fontRef>
+        </p:style>
+      </p:cxnSp>
+      <p:cxnSp>
+        <p:nvCxnSpPr>
+          <p:cNvPr id="11" name="Straight Arrow Connector 10"/>
+          <p:cNvCxnSpPr/>
+          <p:nvPr/>
+        </p:nvCxnSpPr>
+        <p:spPr>
+          <a:xfrm flipH="1">
+            <a:off x="11295481" y="2591777"/>
+            <a:ext cx="4" cy="338526"/>
+          </a:xfrm>
+          <a:prstGeom prst="straightConnector1">
+            <a:avLst/>
+          </a:prstGeom>
+          <a:ln>
+            <a:tailEnd type="triangle"/>
+          </a:ln>
+        </p:spPr>
+        <p:style>
+          <a:lnRef idx="1">
+            <a:schemeClr val="accent1"/>
+          </a:lnRef>
+          <a:fillRef idx="0">
+            <a:schemeClr val="accent1"/>
+          </a:fillRef>
+          <a:effectRef idx="0">
+            <a:schemeClr val="accent1"/>
+          </a:effectRef>
+          <a:fontRef idx="minor">
+            <a:schemeClr val="tx1"/>
+          </a:fontRef>
+        </p:style>
+      </p:cxnSp>
+      <p:sp>
+        <p:nvSpPr>
+          <p:cNvPr id="12" name="TextBox 11"/>
+          <p:cNvSpPr txBox="1"/>
+          <p:nvPr/>
+        </p:nvSpPr>
+        <p:spPr>
+          <a:xfrm>
+            <a:off x="10821813" y="2920630"/>
+            <a:ext cx="970780" cy="369332"/>
+          </a:xfrm>
+          <a:prstGeom prst="rect">
+            <a:avLst/>
+          </a:prstGeom>
+          <a:noFill/>
+          <a:ln>
+            <a:solidFill>
+              <a:schemeClr val="accent1"/>
+            </a:solidFill>
+          </a:ln>
+        </p:spPr>
+        <p:txBody>
+          <a:bodyPr wrap="none" rtlCol="0">
+            <a:spAutoFit/>
+          </a:bodyPr>
+          <a:lstStyle/>
+          <a:p>
+            <a:pPr algn="ctr"/>
+            <a:r>
+              <a:rPr lang="en-US" smtClean="0"/>
+              <a:t>Refactor</a:t>
+            </a:r>
+            <a:endParaRPr lang="en-US" dirty="0"/>
+          </a:p>
+        </p:txBody>
+      </p:sp>
+      <p:cxnSp>
+        <p:nvCxnSpPr>
+          <p:cNvPr id="13" name="Elbow Connector 12"/>
+          <p:cNvCxnSpPr/>
+          <p:nvPr/>
+        </p:nvCxnSpPr>
+        <p:spPr>
+          <a:xfrm flipV="1">
+            <a:off x="11792593" y="276080"/>
+            <a:ext cx="57166" cy="2829216"/>
+          </a:xfrm>
+          <a:prstGeom prst="bentConnector3">
+            <a:avLst>
+              <a:gd name="adj1" fmla="val 499888"/>
+            </a:avLst>
+          </a:prstGeom>
+          <a:ln>
+            <a:tailEnd type="triangle"/>
+          </a:ln>
+        </p:spPr>
+        <p:style>
+          <a:lnRef idx="1">
+            <a:schemeClr val="accent1"/>
+          </a:lnRef>
+          <a:fillRef idx="0">
+            <a:schemeClr val="accent1"/>
+          </a:fillRef>
+          <a:effectRef idx="0">
+            <a:schemeClr val="accent1"/>
+          </a:effectRef>
+          <a:fontRef idx="minor">
+            <a:schemeClr val="tx1"/>
+          </a:fontRef>
+        </p:style>
+      </p:cxnSp>
+      <p:cxnSp>
+        <p:nvCxnSpPr>
+          <p:cNvPr id="14" name="Elbow Connector 13"/>
+          <p:cNvCxnSpPr/>
+          <p:nvPr/>
+        </p:nvCxnSpPr>
+        <p:spPr>
+          <a:xfrm rot="10800000" flipH="1">
+            <a:off x="10821812" y="1685366"/>
+            <a:ext cx="81787" cy="1419931"/>
+          </a:xfrm>
+          <a:prstGeom prst="bentConnector3">
+            <a:avLst>
+              <a:gd name="adj1" fmla="val -279507"/>
+            </a:avLst>
+          </a:prstGeom>
+          <a:ln>
+            <a:tailEnd type="triangle"/>
+          </a:ln>
+        </p:spPr>
+        <p:style>
+          <a:lnRef idx="1">
+            <a:schemeClr val="accent1"/>
+          </a:lnRef>
+          <a:fillRef idx="0">
+            <a:schemeClr val="accent1"/>
+          </a:fillRef>
+          <a:effectRef idx="0">
+            <a:schemeClr val="accent1"/>
+          </a:effectRef>
+          <a:fontRef idx="minor">
+            <a:schemeClr val="tx1"/>
+          </a:fontRef>
+        </p:style>
+      </p:cxnSp>
+    </p:spTree>
+    <p:extLst>
+      <p:ext uri="{BB962C8B-B14F-4D97-AF65-F5344CB8AC3E}">
+        <p14:creationId xmlns:p14="http://schemas.microsoft.com/office/powerpoint/2010/main" val="1748476474"/>
+      </p:ext>
+    </p:extLst>
+  </p:cSld>
+  <p:clrMapOvr>
+    <a:masterClrMapping/>
+  </p:clrMapOvr>
+</p:sld>
+</file>
+
+<file path=ppt/slides/slide17.xml><?xml version="1.0" encoding="utf-8"?>
+<p:sld xmlns:a="http://schemas.openxmlformats.org/drawingml/2006/main" xmlns:r="http://schemas.openxmlformats.org/officeDocument/2006/relationships" xmlns:p="http://schemas.openxmlformats.org/presentationml/2006/main">
+  <p:cSld>
+    <p:spTree>
+      <p:nvGrpSpPr>
+        <p:cNvPr id="1" name=""/>
+        <p:cNvGrpSpPr/>
+        <p:nvPr/>
+      </p:nvGrpSpPr>
+      <p:grpSpPr>
+        <a:xfrm>
+          <a:off x="0" y="0"/>
+          <a:ext cx="0" cy="0"/>
+          <a:chOff x="0" y="0"/>
+          <a:chExt cx="0" cy="0"/>
+        </a:xfrm>
+      </p:grpSpPr>
+      <p:sp>
+        <p:nvSpPr>
+          <p:cNvPr id="2" name="Title 1"/>
+          <p:cNvSpPr>
+            <a:spLocks noGrp="1"/>
+          </p:cNvSpPr>
+          <p:nvPr>
+            <p:ph type="title"/>
+          </p:nvPr>
+        </p:nvSpPr>
+        <p:spPr/>
+        <p:txBody>
+          <a:bodyPr/>
+          <a:lstStyle/>
+          <a:p>
+            <a:r>
+              <a:rPr lang="en-US" dirty="0" smtClean="0"/>
+              <a:t>Commit</a:t>
+            </a:r>
+            <a:endParaRPr lang="en-US" dirty="0"/>
+          </a:p>
+        </p:txBody>
+      </p:sp>
+      <p:sp>
+        <p:nvSpPr>
+          <p:cNvPr id="3" name="Content Placeholder 2"/>
+          <p:cNvSpPr>
+            <a:spLocks noGrp="1"/>
+          </p:cNvSpPr>
+          <p:nvPr>
+            <p:ph idx="1"/>
+          </p:nvPr>
+        </p:nvSpPr>
+        <p:spPr>
+          <a:xfrm>
+            <a:off x="838200" y="1825625"/>
+            <a:ext cx="9612882" cy="4351338"/>
+          </a:xfrm>
+        </p:spPr>
+        <p:txBody>
+          <a:bodyPr/>
+          <a:lstStyle/>
+          <a:p>
+            <a:endParaRPr lang="en-US" dirty="0" smtClean="0"/>
+          </a:p>
+          <a:p>
+            <a:endParaRPr lang="en-US" dirty="0"/>
+          </a:p>
+          <a:p>
+            <a:endParaRPr lang="en-US" dirty="0" smtClean="0"/>
+          </a:p>
+          <a:p>
+            <a:r>
+              <a:rPr lang="en-US" dirty="0" smtClean="0"/>
+              <a:t>Check the passing test into version control</a:t>
+            </a:r>
+          </a:p>
+          <a:p>
+            <a:r>
+              <a:rPr lang="en-US" dirty="0" smtClean="0"/>
+              <a:t>Frequent, small commits reduce likelihood work is lost if newly added functionality does not work</a:t>
+            </a:r>
+          </a:p>
+        </p:txBody>
+      </p:sp>
+      <p:sp>
+        <p:nvSpPr>
+          <p:cNvPr id="4" name="TextBox 3"/>
+          <p:cNvSpPr txBox="1"/>
+          <p:nvPr/>
+        </p:nvSpPr>
+        <p:spPr>
+          <a:xfrm>
+            <a:off x="10717782" y="91414"/>
+            <a:ext cx="1131977" cy="369332"/>
+          </a:xfrm>
+          <a:prstGeom prst="rect">
+            <a:avLst/>
+          </a:prstGeom>
+          <a:noFill/>
+          <a:ln>
+            <a:solidFill>
+              <a:schemeClr val="accent1"/>
+            </a:solidFill>
+          </a:ln>
+        </p:spPr>
+        <p:txBody>
+          <a:bodyPr wrap="none" rtlCol="0">
+            <a:spAutoFit/>
+          </a:bodyPr>
+          <a:lstStyle/>
+          <a:p>
+            <a:pPr algn="ctr"/>
+            <a:r>
+              <a:rPr lang="en-US" dirty="0" smtClean="0"/>
+              <a:t>Add a test</a:t>
+            </a:r>
+            <a:endParaRPr lang="en-US" dirty="0" smtClean="0"/>
+          </a:p>
+        </p:txBody>
+      </p:sp>
+      <p:sp>
+        <p:nvSpPr>
+          <p:cNvPr id="5" name="TextBox 4"/>
+          <p:cNvSpPr txBox="1"/>
+          <p:nvPr/>
+        </p:nvSpPr>
+        <p:spPr>
+          <a:xfrm>
+            <a:off x="11012250" y="799272"/>
+            <a:ext cx="543034" cy="369332"/>
+          </a:xfrm>
+          <a:prstGeom prst="rect">
+            <a:avLst/>
+          </a:prstGeom>
+          <a:noFill/>
+          <a:ln>
+            <a:solidFill>
+              <a:schemeClr val="accent1"/>
+            </a:solidFill>
+          </a:ln>
+        </p:spPr>
+        <p:txBody>
+          <a:bodyPr wrap="none" rtlCol="0">
+            <a:spAutoFit/>
+          </a:bodyPr>
+          <a:lstStyle/>
+          <a:p>
+            <a:pPr algn="ctr"/>
+            <a:r>
+              <a:rPr lang="en-US" dirty="0" smtClean="0"/>
+              <a:t>Red</a:t>
+            </a:r>
+            <a:endParaRPr lang="en-US" dirty="0"/>
+          </a:p>
+        </p:txBody>
+      </p:sp>
+      <p:sp>
+        <p:nvSpPr>
+          <p:cNvPr id="6" name="TextBox 5"/>
+          <p:cNvSpPr txBox="1"/>
+          <p:nvPr/>
+        </p:nvSpPr>
+        <p:spPr>
+          <a:xfrm>
+            <a:off x="10903600" y="1500699"/>
+            <a:ext cx="760337" cy="369332"/>
+          </a:xfrm>
+          <a:prstGeom prst="rect">
+            <a:avLst/>
+          </a:prstGeom>
+          <a:noFill/>
+          <a:ln>
+            <a:solidFill>
+              <a:schemeClr val="accent1"/>
+            </a:solidFill>
+          </a:ln>
+        </p:spPr>
+        <p:txBody>
+          <a:bodyPr wrap="none" rtlCol="0">
+            <a:spAutoFit/>
+          </a:bodyPr>
+          <a:lstStyle/>
+          <a:p>
+            <a:pPr algn="ctr"/>
+            <a:r>
+              <a:rPr lang="en-US" dirty="0" smtClean="0"/>
+              <a:t>Green</a:t>
+            </a:r>
+            <a:endParaRPr lang="en-US" dirty="0" smtClean="0"/>
+          </a:p>
+        </p:txBody>
+      </p:sp>
+      <p:sp>
+        <p:nvSpPr>
+          <p:cNvPr id="7" name="TextBox 6"/>
+          <p:cNvSpPr txBox="1"/>
+          <p:nvPr/>
+        </p:nvSpPr>
+        <p:spPr>
+          <a:xfrm>
+            <a:off x="10819543" y="2224061"/>
+            <a:ext cx="928460" cy="369332"/>
+          </a:xfrm>
+          <a:prstGeom prst="rect">
+            <a:avLst/>
+          </a:prstGeom>
+          <a:solidFill>
+            <a:schemeClr val="accent4">
+              <a:lumMod val="20000"/>
+              <a:lumOff val="80000"/>
+            </a:schemeClr>
+          </a:solidFill>
+          <a:ln>
+            <a:solidFill>
+              <a:schemeClr val="accent1"/>
+            </a:solidFill>
+          </a:ln>
+        </p:spPr>
+        <p:txBody>
+          <a:bodyPr wrap="none" rtlCol="0">
+            <a:spAutoFit/>
+          </a:bodyPr>
+          <a:lstStyle/>
+          <a:p>
+            <a:pPr algn="ctr"/>
+            <a:r>
+              <a:rPr lang="en-US" dirty="0" smtClean="0"/>
+              <a:t>Commit</a:t>
+            </a:r>
+            <a:endParaRPr lang="en-US" dirty="0"/>
+          </a:p>
+        </p:txBody>
+      </p:sp>
+      <p:cxnSp>
+        <p:nvCxnSpPr>
+          <p:cNvPr id="8" name="Straight Arrow Connector 7"/>
+          <p:cNvCxnSpPr/>
+          <p:nvPr/>
+        </p:nvCxnSpPr>
+        <p:spPr>
+          <a:xfrm flipH="1">
+            <a:off x="11283767" y="460746"/>
+            <a:ext cx="4" cy="338526"/>
+          </a:xfrm>
+          <a:prstGeom prst="straightConnector1">
+            <a:avLst/>
+          </a:prstGeom>
+          <a:ln>
+            <a:tailEnd type="triangle"/>
+          </a:ln>
+        </p:spPr>
+        <p:style>
+          <a:lnRef idx="1">
+            <a:schemeClr val="accent1"/>
+          </a:lnRef>
+          <a:fillRef idx="0">
+            <a:schemeClr val="accent1"/>
+          </a:fillRef>
+          <a:effectRef idx="0">
+            <a:schemeClr val="accent1"/>
+          </a:effectRef>
+          <a:fontRef idx="minor">
+            <a:schemeClr val="tx1"/>
+          </a:fontRef>
+        </p:style>
+      </p:cxnSp>
+      <p:cxnSp>
+        <p:nvCxnSpPr>
+          <p:cNvPr id="9" name="Straight Arrow Connector 8"/>
+          <p:cNvCxnSpPr/>
+          <p:nvPr/>
+        </p:nvCxnSpPr>
+        <p:spPr>
+          <a:xfrm flipH="1">
+            <a:off x="11283761" y="1165539"/>
+            <a:ext cx="4" cy="338526"/>
+          </a:xfrm>
+          <a:prstGeom prst="straightConnector1">
+            <a:avLst/>
+          </a:prstGeom>
+          <a:ln>
+            <a:tailEnd type="triangle"/>
+          </a:ln>
+        </p:spPr>
+        <p:style>
+          <a:lnRef idx="1">
+            <a:schemeClr val="accent1"/>
+          </a:lnRef>
+          <a:fillRef idx="0">
+            <a:schemeClr val="accent1"/>
+          </a:fillRef>
+          <a:effectRef idx="0">
+            <a:schemeClr val="accent1"/>
+          </a:effectRef>
+          <a:fontRef idx="minor">
+            <a:schemeClr val="tx1"/>
+          </a:fontRef>
+        </p:style>
+      </p:cxnSp>
+      <p:cxnSp>
+        <p:nvCxnSpPr>
+          <p:cNvPr id="10" name="Straight Arrow Connector 9"/>
+          <p:cNvCxnSpPr/>
+          <p:nvPr/>
+        </p:nvCxnSpPr>
+        <p:spPr>
+          <a:xfrm flipH="1">
+            <a:off x="11283757" y="1876673"/>
+            <a:ext cx="4" cy="338526"/>
+          </a:xfrm>
+          <a:prstGeom prst="straightConnector1">
+            <a:avLst/>
+          </a:prstGeom>
+          <a:ln>
+            <a:tailEnd type="triangle"/>
+          </a:ln>
+        </p:spPr>
+        <p:style>
+          <a:lnRef idx="1">
+            <a:schemeClr val="accent1"/>
+          </a:lnRef>
+          <a:fillRef idx="0">
+            <a:schemeClr val="accent1"/>
+          </a:fillRef>
+          <a:effectRef idx="0">
+            <a:schemeClr val="accent1"/>
+          </a:effectRef>
+          <a:fontRef idx="minor">
+            <a:schemeClr val="tx1"/>
+          </a:fontRef>
+        </p:style>
+      </p:cxnSp>
+      <p:cxnSp>
+        <p:nvCxnSpPr>
+          <p:cNvPr id="11" name="Straight Arrow Connector 10"/>
+          <p:cNvCxnSpPr/>
+          <p:nvPr/>
+        </p:nvCxnSpPr>
+        <p:spPr>
+          <a:xfrm flipH="1">
+            <a:off x="11295481" y="2591777"/>
+            <a:ext cx="4" cy="338526"/>
+          </a:xfrm>
+          <a:prstGeom prst="straightConnector1">
+            <a:avLst/>
+          </a:prstGeom>
+          <a:ln>
+            <a:tailEnd type="triangle"/>
+          </a:ln>
+        </p:spPr>
+        <p:style>
+          <a:lnRef idx="1">
+            <a:schemeClr val="accent1"/>
+          </a:lnRef>
+          <a:fillRef idx="0">
+            <a:schemeClr val="accent1"/>
+          </a:fillRef>
+          <a:effectRef idx="0">
+            <a:schemeClr val="accent1"/>
+          </a:effectRef>
+          <a:fontRef idx="minor">
+            <a:schemeClr val="tx1"/>
+          </a:fontRef>
+        </p:style>
+      </p:cxnSp>
+      <p:sp>
+        <p:nvSpPr>
+          <p:cNvPr id="12" name="TextBox 11"/>
+          <p:cNvSpPr txBox="1"/>
+          <p:nvPr/>
+        </p:nvSpPr>
+        <p:spPr>
+          <a:xfrm>
+            <a:off x="10821813" y="2920630"/>
+            <a:ext cx="970780" cy="369332"/>
+          </a:xfrm>
+          <a:prstGeom prst="rect">
+            <a:avLst/>
+          </a:prstGeom>
+          <a:noFill/>
+          <a:ln>
+            <a:solidFill>
+              <a:schemeClr val="accent1"/>
+            </a:solidFill>
+          </a:ln>
+        </p:spPr>
+        <p:txBody>
+          <a:bodyPr wrap="none" rtlCol="0">
+            <a:spAutoFit/>
+          </a:bodyPr>
+          <a:lstStyle/>
+          <a:p>
+            <a:pPr algn="ctr"/>
+            <a:r>
+              <a:rPr lang="en-US" smtClean="0"/>
+              <a:t>Refactor</a:t>
+            </a:r>
+            <a:endParaRPr lang="en-US" dirty="0"/>
+          </a:p>
+        </p:txBody>
+      </p:sp>
+      <p:cxnSp>
+        <p:nvCxnSpPr>
+          <p:cNvPr id="13" name="Elbow Connector 12"/>
+          <p:cNvCxnSpPr/>
+          <p:nvPr/>
+        </p:nvCxnSpPr>
+        <p:spPr>
+          <a:xfrm flipV="1">
+            <a:off x="11792593" y="276080"/>
+            <a:ext cx="57166" cy="2829216"/>
+          </a:xfrm>
+          <a:prstGeom prst="bentConnector3">
+            <a:avLst>
+              <a:gd name="adj1" fmla="val 499888"/>
+            </a:avLst>
+          </a:prstGeom>
+          <a:ln>
+            <a:tailEnd type="triangle"/>
+          </a:ln>
+        </p:spPr>
+        <p:style>
+          <a:lnRef idx="1">
+            <a:schemeClr val="accent1"/>
+          </a:lnRef>
+          <a:fillRef idx="0">
+            <a:schemeClr val="accent1"/>
+          </a:fillRef>
+          <a:effectRef idx="0">
+            <a:schemeClr val="accent1"/>
+          </a:effectRef>
+          <a:fontRef idx="minor">
+            <a:schemeClr val="tx1"/>
+          </a:fontRef>
+        </p:style>
+      </p:cxnSp>
+      <p:cxnSp>
+        <p:nvCxnSpPr>
+          <p:cNvPr id="14" name="Elbow Connector 13"/>
+          <p:cNvCxnSpPr/>
+          <p:nvPr/>
+        </p:nvCxnSpPr>
+        <p:spPr>
+          <a:xfrm rot="10800000" flipH="1">
+            <a:off x="10821812" y="1685366"/>
+            <a:ext cx="81787" cy="1419931"/>
+          </a:xfrm>
+          <a:prstGeom prst="bentConnector3">
+            <a:avLst>
+              <a:gd name="adj1" fmla="val -279507"/>
+            </a:avLst>
+          </a:prstGeom>
+          <a:ln>
+            <a:tailEnd type="triangle"/>
+          </a:ln>
+        </p:spPr>
+        <p:style>
+          <a:lnRef idx="1">
+            <a:schemeClr val="accent1"/>
+          </a:lnRef>
+          <a:fillRef idx="0">
+            <a:schemeClr val="accent1"/>
+          </a:fillRef>
+          <a:effectRef idx="0">
+            <a:schemeClr val="accent1"/>
+          </a:effectRef>
+          <a:fontRef idx="minor">
+            <a:schemeClr val="tx1"/>
+          </a:fontRef>
+        </p:style>
+      </p:cxnSp>
+    </p:spTree>
+    <p:extLst>
+      <p:ext uri="{BB962C8B-B14F-4D97-AF65-F5344CB8AC3E}">
+        <p14:creationId xmlns:p14="http://schemas.microsoft.com/office/powerpoint/2010/main" val="477872970"/>
+      </p:ext>
+    </p:extLst>
+  </p:cSld>
+  <p:clrMapOvr>
+    <a:masterClrMapping/>
+  </p:clrMapOvr>
+</p:sld>
+</file>
+
+<file path=ppt/slides/slide18.xml><?xml version="1.0" encoding="utf-8"?>
+<p:sld xmlns:a="http://schemas.openxmlformats.org/drawingml/2006/main" xmlns:r="http://schemas.openxmlformats.org/officeDocument/2006/relationships" xmlns:p="http://schemas.openxmlformats.org/presentationml/2006/main">
+  <p:cSld>
+    <p:spTree>
+      <p:nvGrpSpPr>
+        <p:cNvPr id="1" name=""/>
+        <p:cNvGrpSpPr/>
+        <p:nvPr/>
+      </p:nvGrpSpPr>
+      <p:grpSpPr>
+        <a:xfrm>
+          <a:off x="0" y="0"/>
+          <a:ext cx="0" cy="0"/>
+          <a:chOff x="0" y="0"/>
+          <a:chExt cx="0" cy="0"/>
+        </a:xfrm>
+      </p:grpSpPr>
+      <p:sp>
+        <p:nvSpPr>
+          <p:cNvPr id="2" name="Title 1"/>
+          <p:cNvSpPr>
+            <a:spLocks noGrp="1"/>
+          </p:cNvSpPr>
+          <p:nvPr>
+            <p:ph type="title"/>
+          </p:nvPr>
+        </p:nvSpPr>
+        <p:spPr/>
+        <p:txBody>
+          <a:bodyPr/>
+          <a:lstStyle/>
+          <a:p>
+            <a:r>
+              <a:rPr lang="en-US" dirty="0" smtClean="0"/>
+              <a:t>Refactor</a:t>
+            </a:r>
+            <a:endParaRPr lang="en-US" dirty="0"/>
+          </a:p>
+        </p:txBody>
+      </p:sp>
+      <p:sp>
+        <p:nvSpPr>
+          <p:cNvPr id="3" name="Content Placeholder 2"/>
+          <p:cNvSpPr>
+            <a:spLocks noGrp="1"/>
+          </p:cNvSpPr>
+          <p:nvPr>
+            <p:ph idx="1"/>
+          </p:nvPr>
+        </p:nvSpPr>
+        <p:spPr>
+          <a:xfrm>
+            <a:off x="838200" y="1825625"/>
+            <a:ext cx="9612882" cy="4351338"/>
+          </a:xfrm>
+        </p:spPr>
+        <p:txBody>
+          <a:bodyPr/>
+          <a:lstStyle/>
+          <a:p>
+            <a:endParaRPr lang="en-US" dirty="0" smtClean="0"/>
+          </a:p>
+          <a:p>
+            <a:endParaRPr lang="en-US" dirty="0"/>
+          </a:p>
+          <a:p>
+            <a:endParaRPr lang="en-US" dirty="0" smtClean="0"/>
+          </a:p>
+          <a:p>
+            <a:r>
+              <a:rPr lang="en-US" dirty="0" smtClean="0"/>
+              <a:t>When starting out there will be little refactoring to do</a:t>
+            </a:r>
+          </a:p>
+          <a:p>
+            <a:r>
+              <a:rPr lang="en-US" dirty="0" smtClean="0"/>
+              <a:t>For the time being we will skip this step, be aware of its existence</a:t>
+            </a:r>
+          </a:p>
+        </p:txBody>
+      </p:sp>
+      <p:sp>
+        <p:nvSpPr>
+          <p:cNvPr id="4" name="TextBox 3"/>
+          <p:cNvSpPr txBox="1"/>
+          <p:nvPr/>
+        </p:nvSpPr>
+        <p:spPr>
+          <a:xfrm>
+            <a:off x="10717782" y="91414"/>
+            <a:ext cx="1131977" cy="369332"/>
+          </a:xfrm>
+          <a:prstGeom prst="rect">
+            <a:avLst/>
+          </a:prstGeom>
+          <a:noFill/>
+          <a:ln>
+            <a:solidFill>
+              <a:schemeClr val="accent1"/>
+            </a:solidFill>
+          </a:ln>
+        </p:spPr>
+        <p:txBody>
+          <a:bodyPr wrap="none" rtlCol="0">
+            <a:spAutoFit/>
+          </a:bodyPr>
+          <a:lstStyle/>
+          <a:p>
+            <a:pPr algn="ctr"/>
+            <a:r>
+              <a:rPr lang="en-US" dirty="0" smtClean="0"/>
+              <a:t>Add a test</a:t>
+            </a:r>
+            <a:endParaRPr lang="en-US" dirty="0" smtClean="0"/>
+          </a:p>
+        </p:txBody>
+      </p:sp>
+      <p:sp>
+        <p:nvSpPr>
+          <p:cNvPr id="5" name="TextBox 4"/>
+          <p:cNvSpPr txBox="1"/>
+          <p:nvPr/>
+        </p:nvSpPr>
+        <p:spPr>
+          <a:xfrm>
+            <a:off x="11012250" y="799272"/>
+            <a:ext cx="543034" cy="369332"/>
+          </a:xfrm>
+          <a:prstGeom prst="rect">
+            <a:avLst/>
+          </a:prstGeom>
+          <a:noFill/>
+          <a:ln>
+            <a:solidFill>
+              <a:schemeClr val="accent1"/>
+            </a:solidFill>
+          </a:ln>
+        </p:spPr>
+        <p:txBody>
+          <a:bodyPr wrap="none" rtlCol="0">
+            <a:spAutoFit/>
+          </a:bodyPr>
+          <a:lstStyle/>
+          <a:p>
+            <a:pPr algn="ctr"/>
+            <a:r>
+              <a:rPr lang="en-US" dirty="0" smtClean="0"/>
+              <a:t>Red</a:t>
+            </a:r>
+            <a:endParaRPr lang="en-US" dirty="0"/>
+          </a:p>
+        </p:txBody>
+      </p:sp>
+      <p:sp>
+        <p:nvSpPr>
+          <p:cNvPr id="6" name="TextBox 5"/>
+          <p:cNvSpPr txBox="1"/>
+          <p:nvPr/>
+        </p:nvSpPr>
+        <p:spPr>
+          <a:xfrm>
+            <a:off x="10903600" y="1500699"/>
+            <a:ext cx="760337" cy="369332"/>
+          </a:xfrm>
+          <a:prstGeom prst="rect">
+            <a:avLst/>
+          </a:prstGeom>
+          <a:noFill/>
+          <a:ln>
+            <a:solidFill>
+              <a:schemeClr val="accent1"/>
+            </a:solidFill>
+          </a:ln>
+        </p:spPr>
+        <p:txBody>
+          <a:bodyPr wrap="none" rtlCol="0">
+            <a:spAutoFit/>
+          </a:bodyPr>
+          <a:lstStyle/>
+          <a:p>
+            <a:pPr algn="ctr"/>
+            <a:r>
+              <a:rPr lang="en-US" dirty="0" smtClean="0"/>
+              <a:t>Green</a:t>
+            </a:r>
+            <a:endParaRPr lang="en-US" dirty="0" smtClean="0"/>
+          </a:p>
+        </p:txBody>
+      </p:sp>
+      <p:sp>
+        <p:nvSpPr>
+          <p:cNvPr id="7" name="TextBox 6"/>
+          <p:cNvSpPr txBox="1"/>
+          <p:nvPr/>
+        </p:nvSpPr>
+        <p:spPr>
+          <a:xfrm>
+            <a:off x="10819543" y="2224061"/>
+            <a:ext cx="928460" cy="369332"/>
+          </a:xfrm>
+          <a:prstGeom prst="rect">
+            <a:avLst/>
+          </a:prstGeom>
+          <a:noFill/>
+          <a:ln>
+            <a:solidFill>
+              <a:schemeClr val="accent1"/>
+            </a:solidFill>
+          </a:ln>
+        </p:spPr>
+        <p:txBody>
+          <a:bodyPr wrap="none" rtlCol="0">
+            <a:spAutoFit/>
+          </a:bodyPr>
+          <a:lstStyle/>
+          <a:p>
+            <a:pPr algn="ctr"/>
+            <a:r>
+              <a:rPr lang="en-US" dirty="0" smtClean="0"/>
+              <a:t>Commit</a:t>
+            </a:r>
+            <a:endParaRPr lang="en-US" dirty="0"/>
+          </a:p>
+        </p:txBody>
+      </p:sp>
+      <p:cxnSp>
+        <p:nvCxnSpPr>
+          <p:cNvPr id="8" name="Straight Arrow Connector 7"/>
+          <p:cNvCxnSpPr/>
+          <p:nvPr/>
+        </p:nvCxnSpPr>
+        <p:spPr>
+          <a:xfrm flipH="1">
+            <a:off x="11283767" y="460746"/>
+            <a:ext cx="4" cy="338526"/>
+          </a:xfrm>
+          <a:prstGeom prst="straightConnector1">
+            <a:avLst/>
+          </a:prstGeom>
+          <a:ln>
+            <a:tailEnd type="triangle"/>
+          </a:ln>
+        </p:spPr>
+        <p:style>
+          <a:lnRef idx="1">
+            <a:schemeClr val="accent1"/>
+          </a:lnRef>
+          <a:fillRef idx="0">
+            <a:schemeClr val="accent1"/>
+          </a:fillRef>
+          <a:effectRef idx="0">
+            <a:schemeClr val="accent1"/>
+          </a:effectRef>
+          <a:fontRef idx="minor">
+            <a:schemeClr val="tx1"/>
+          </a:fontRef>
+        </p:style>
+      </p:cxnSp>
+      <p:cxnSp>
+        <p:nvCxnSpPr>
+          <p:cNvPr id="9" name="Straight Arrow Connector 8"/>
+          <p:cNvCxnSpPr/>
+          <p:nvPr/>
+        </p:nvCxnSpPr>
+        <p:spPr>
+          <a:xfrm flipH="1">
+            <a:off x="11283761" y="1165539"/>
+            <a:ext cx="4" cy="338526"/>
+          </a:xfrm>
+          <a:prstGeom prst="straightConnector1">
+            <a:avLst/>
+          </a:prstGeom>
+          <a:ln>
+            <a:tailEnd type="triangle"/>
+          </a:ln>
+        </p:spPr>
+        <p:style>
+          <a:lnRef idx="1">
+            <a:schemeClr val="accent1"/>
+          </a:lnRef>
+          <a:fillRef idx="0">
+            <a:schemeClr val="accent1"/>
+          </a:fillRef>
+          <a:effectRef idx="0">
+            <a:schemeClr val="accent1"/>
+          </a:effectRef>
+          <a:fontRef idx="minor">
+            <a:schemeClr val="tx1"/>
+          </a:fontRef>
+        </p:style>
+      </p:cxnSp>
+      <p:cxnSp>
+        <p:nvCxnSpPr>
+          <p:cNvPr id="10" name="Straight Arrow Connector 9"/>
+          <p:cNvCxnSpPr/>
+          <p:nvPr/>
+        </p:nvCxnSpPr>
+        <p:spPr>
+          <a:xfrm flipH="1">
+            <a:off x="11283757" y="1876673"/>
+            <a:ext cx="4" cy="338526"/>
+          </a:xfrm>
+          <a:prstGeom prst="straightConnector1">
+            <a:avLst/>
+          </a:prstGeom>
+          <a:ln>
+            <a:tailEnd type="triangle"/>
+          </a:ln>
+        </p:spPr>
+        <p:style>
+          <a:lnRef idx="1">
+            <a:schemeClr val="accent1"/>
+          </a:lnRef>
+          <a:fillRef idx="0">
+            <a:schemeClr val="accent1"/>
+          </a:fillRef>
+          <a:effectRef idx="0">
+            <a:schemeClr val="accent1"/>
+          </a:effectRef>
+          <a:fontRef idx="minor">
+            <a:schemeClr val="tx1"/>
+          </a:fontRef>
+        </p:style>
+      </p:cxnSp>
+      <p:cxnSp>
+        <p:nvCxnSpPr>
+          <p:cNvPr id="11" name="Straight Arrow Connector 10"/>
+          <p:cNvCxnSpPr/>
+          <p:nvPr/>
+        </p:nvCxnSpPr>
+        <p:spPr>
+          <a:xfrm flipH="1">
+            <a:off x="11295481" y="2591777"/>
+            <a:ext cx="4" cy="338526"/>
+          </a:xfrm>
+          <a:prstGeom prst="straightConnector1">
+            <a:avLst/>
+          </a:prstGeom>
+          <a:ln>
+            <a:tailEnd type="triangle"/>
+          </a:ln>
+        </p:spPr>
+        <p:style>
+          <a:lnRef idx="1">
+            <a:schemeClr val="accent1"/>
+          </a:lnRef>
+          <a:fillRef idx="0">
+            <a:schemeClr val="accent1"/>
+          </a:fillRef>
+          <a:effectRef idx="0">
+            <a:schemeClr val="accent1"/>
+          </a:effectRef>
+          <a:fontRef idx="minor">
+            <a:schemeClr val="tx1"/>
+          </a:fontRef>
+        </p:style>
+      </p:cxnSp>
+      <p:sp>
+        <p:nvSpPr>
+          <p:cNvPr id="12" name="TextBox 11"/>
+          <p:cNvSpPr txBox="1"/>
+          <p:nvPr/>
+        </p:nvSpPr>
+        <p:spPr>
+          <a:xfrm>
+            <a:off x="10821813" y="2920630"/>
+            <a:ext cx="970780" cy="369332"/>
+          </a:xfrm>
+          <a:prstGeom prst="rect">
+            <a:avLst/>
+          </a:prstGeom>
+          <a:solidFill>
+            <a:schemeClr val="accent4">
+              <a:lumMod val="20000"/>
+              <a:lumOff val="80000"/>
+            </a:schemeClr>
+          </a:solidFill>
+          <a:ln>
+            <a:solidFill>
+              <a:schemeClr val="accent1"/>
+            </a:solidFill>
+          </a:ln>
+        </p:spPr>
+        <p:txBody>
+          <a:bodyPr wrap="none" rtlCol="0">
+            <a:spAutoFit/>
+          </a:bodyPr>
+          <a:lstStyle/>
+          <a:p>
+            <a:pPr algn="ctr"/>
+            <a:r>
+              <a:rPr lang="en-US" dirty="0" smtClean="0"/>
+              <a:t>Refactor</a:t>
+            </a:r>
+            <a:endParaRPr lang="en-US" dirty="0"/>
+          </a:p>
+        </p:txBody>
+      </p:sp>
+      <p:cxnSp>
+        <p:nvCxnSpPr>
+          <p:cNvPr id="13" name="Elbow Connector 12"/>
+          <p:cNvCxnSpPr/>
+          <p:nvPr/>
+        </p:nvCxnSpPr>
+        <p:spPr>
+          <a:xfrm flipV="1">
+            <a:off x="11792593" y="276080"/>
+            <a:ext cx="57166" cy="2829216"/>
+          </a:xfrm>
+          <a:prstGeom prst="bentConnector3">
+            <a:avLst>
+              <a:gd name="adj1" fmla="val 499888"/>
+            </a:avLst>
+          </a:prstGeom>
+          <a:ln>
+            <a:tailEnd type="triangle"/>
+          </a:ln>
+        </p:spPr>
+        <p:style>
+          <a:lnRef idx="1">
+            <a:schemeClr val="accent1"/>
+          </a:lnRef>
+          <a:fillRef idx="0">
+            <a:schemeClr val="accent1"/>
+          </a:fillRef>
+          <a:effectRef idx="0">
+            <a:schemeClr val="accent1"/>
+          </a:effectRef>
+          <a:fontRef idx="minor">
+            <a:schemeClr val="tx1"/>
+          </a:fontRef>
+        </p:style>
+      </p:cxnSp>
+      <p:cxnSp>
+        <p:nvCxnSpPr>
+          <p:cNvPr id="14" name="Elbow Connector 13"/>
+          <p:cNvCxnSpPr/>
+          <p:nvPr/>
+        </p:nvCxnSpPr>
+        <p:spPr>
+          <a:xfrm rot="10800000" flipH="1">
+            <a:off x="10821812" y="1685366"/>
+            <a:ext cx="81787" cy="1419931"/>
+          </a:xfrm>
+          <a:prstGeom prst="bentConnector3">
+            <a:avLst>
+              <a:gd name="adj1" fmla="val -279507"/>
+            </a:avLst>
+          </a:prstGeom>
+          <a:ln>
+            <a:tailEnd type="triangle"/>
+          </a:ln>
+        </p:spPr>
+        <p:style>
+          <a:lnRef idx="1">
+            <a:schemeClr val="accent1"/>
+          </a:lnRef>
+          <a:fillRef idx="0">
+            <a:schemeClr val="accent1"/>
+          </a:fillRef>
+          <a:effectRef idx="0">
+            <a:schemeClr val="accent1"/>
+          </a:effectRef>
+          <a:fontRef idx="minor">
+            <a:schemeClr val="tx1"/>
+          </a:fontRef>
+        </p:style>
+      </p:cxnSp>
+    </p:spTree>
+    <p:extLst>
+      <p:ext uri="{BB962C8B-B14F-4D97-AF65-F5344CB8AC3E}">
+        <p14:creationId xmlns:p14="http://schemas.microsoft.com/office/powerpoint/2010/main" val="22167010"/>
       </p:ext>
     </p:extLst>
   </p:cSld>
@@ -3060,7 +7120,7 @@
           <a:p>
             <a:r>
               <a:rPr lang="en-US" dirty="0" smtClean="0"/>
-              <a:t>Task the functionality out</a:t>
+              <a:t>Why TDD?</a:t>
             </a:r>
             <a:endParaRPr lang="en-US" dirty="0"/>
           </a:p>
@@ -3085,75 +7145,57 @@
           <a:p>
             <a:r>
               <a:rPr lang="en-US" dirty="0" smtClean="0"/>
-              <a:t>On index cards create a list of tasks needed to complete the exercise</a:t>
-            </a:r>
-          </a:p>
-          <a:p>
-            <a:r>
-              <a:rPr lang="en-US" dirty="0" smtClean="0"/>
-              <a:t>Tasks to consider:</a:t>
-            </a:r>
-          </a:p>
-          <a:p>
-            <a:pPr lvl="1"/>
-            <a:r>
-              <a:rPr lang="en-US" dirty="0" smtClean="0"/>
-              <a:t>Boundary cases:</a:t>
-            </a:r>
-          </a:p>
-          <a:p>
-            <a:pPr lvl="2"/>
-            <a:r>
-              <a:rPr lang="en-US" dirty="0" smtClean="0"/>
-              <a:t>Null inputs</a:t>
-            </a:r>
-          </a:p>
-          <a:p>
-            <a:pPr lvl="2"/>
-            <a:r>
-              <a:rPr lang="en-US" dirty="0" smtClean="0"/>
-              <a:t>Empty strings</a:t>
-            </a:r>
-          </a:p>
-          <a:p>
-            <a:pPr lvl="2"/>
-            <a:r>
-              <a:rPr lang="en-US" dirty="0" smtClean="0"/>
-              <a:t>Invalid strings</a:t>
-            </a:r>
-          </a:p>
-          <a:p>
-            <a:pPr lvl="2"/>
-            <a:r>
-              <a:rPr lang="en-US" dirty="0" smtClean="0"/>
-              <a:t>Values above or below a certain amount (e.g. is -50 miles per hour valid)</a:t>
-            </a:r>
-          </a:p>
-          <a:p>
-            <a:pPr lvl="1"/>
-            <a:r>
-              <a:rPr lang="en-US" dirty="0" smtClean="0"/>
-              <a:t>Tasks required for completion</a:t>
-            </a:r>
-          </a:p>
-          <a:p>
-            <a:r>
-              <a:rPr lang="en-US" dirty="0" smtClean="0"/>
-              <a:t>Does not have to be exhaustive</a:t>
-            </a:r>
-          </a:p>
-          <a:p>
-            <a:r>
-              <a:rPr lang="en-US" dirty="0" smtClean="0"/>
-              <a:t>Create new tasks as you proceed</a:t>
-            </a:r>
+              <a:t>Guard against regression</a:t>
+            </a:r>
+          </a:p>
+          <a:p>
+            <a:r>
+              <a:rPr lang="en-US" dirty="0" smtClean="0"/>
+              <a:t>Enable fearless refactoring</a:t>
+            </a:r>
+          </a:p>
+          <a:p>
+            <a:r>
+              <a:rPr lang="en-US" dirty="0" smtClean="0"/>
+              <a:t>Executable documentation</a:t>
+            </a:r>
+          </a:p>
+          <a:p>
+            <a:r>
+              <a:rPr lang="en-US" dirty="0" smtClean="0"/>
+              <a:t>Short feedback loops</a:t>
+            </a:r>
+          </a:p>
+          <a:p>
+            <a:r>
+              <a:rPr lang="en-US" dirty="0" smtClean="0"/>
+              <a:t>Avoid scope creep – identifies when work is complete</a:t>
+            </a:r>
+          </a:p>
+          <a:p>
+            <a:r>
+              <a:rPr lang="en-US" dirty="0" smtClean="0"/>
+              <a:t>Reduced use of the debugger</a:t>
+            </a:r>
+          </a:p>
+          <a:p>
+            <a:r>
+              <a:rPr lang="en-US" dirty="0" smtClean="0"/>
+              <a:t>Facilitates team members to work on code simultaneously</a:t>
+            </a:r>
+          </a:p>
+          <a:p>
+            <a:endParaRPr lang="en-US" dirty="0" smtClean="0"/>
+          </a:p>
+          <a:p>
+            <a:endParaRPr lang="en-US" dirty="0"/>
           </a:p>
         </p:txBody>
       </p:sp>
     </p:spTree>
     <p:extLst>
       <p:ext uri="{BB962C8B-B14F-4D97-AF65-F5344CB8AC3E}">
-        <p14:creationId xmlns:p14="http://schemas.microsoft.com/office/powerpoint/2010/main" val="794357935"/>
+        <p14:creationId xmlns:p14="http://schemas.microsoft.com/office/powerpoint/2010/main" val="753159939"/>
       </p:ext>
     </p:extLst>
   </p:cSld>
@@ -3197,7 +7239,7 @@
           <a:p>
             <a:r>
               <a:rPr lang="en-US" dirty="0" smtClean="0"/>
-              <a:t>Test Driven Development Cycle</a:t>
+              <a:t>TDD Encourages Simple Code</a:t>
             </a:r>
             <a:endParaRPr lang="en-US" dirty="0"/>
           </a:p>
@@ -3205,458 +7247,56 @@
       </p:sp>
       <p:sp>
         <p:nvSpPr>
-          <p:cNvPr id="4" name="TextBox 3"/>
-          <p:cNvSpPr txBox="1"/>
-          <p:nvPr/>
-        </p:nvSpPr>
-        <p:spPr>
-          <a:xfrm>
-            <a:off x="4085617" y="2055974"/>
-            <a:ext cx="1149225" cy="369332"/>
-          </a:xfrm>
-          <a:prstGeom prst="rect">
-            <a:avLst/>
-          </a:prstGeom>
-          <a:noFill/>
-        </p:spPr>
-        <p:txBody>
-          <a:bodyPr wrap="none" rtlCol="0">
-            <a:spAutoFit/>
-          </a:bodyPr>
-          <a:lstStyle/>
-          <a:p>
-            <a:pPr algn="ctr"/>
-            <a:r>
-              <a:rPr lang="en-US" dirty="0" smtClean="0"/>
-              <a:t>Add a Test</a:t>
-            </a:r>
-          </a:p>
-        </p:txBody>
-      </p:sp>
-      <p:sp>
-        <p:nvSpPr>
-          <p:cNvPr id="5" name="TextBox 4"/>
-          <p:cNvSpPr txBox="1"/>
-          <p:nvPr/>
-        </p:nvSpPr>
-        <p:spPr>
-          <a:xfrm>
-            <a:off x="3987833" y="2928382"/>
-            <a:ext cx="1344792" cy="369332"/>
-          </a:xfrm>
-          <a:prstGeom prst="rect">
-            <a:avLst/>
-          </a:prstGeom>
-          <a:noFill/>
-        </p:spPr>
-        <p:txBody>
-          <a:bodyPr wrap="none" rtlCol="0">
-            <a:spAutoFit/>
-          </a:bodyPr>
-          <a:lstStyle/>
-          <a:p>
-            <a:pPr algn="ctr"/>
-            <a:r>
-              <a:rPr lang="en-US" dirty="0" smtClean="0"/>
-              <a:t>Run the Test</a:t>
-            </a:r>
-            <a:endParaRPr lang="en-US" dirty="0"/>
-          </a:p>
-        </p:txBody>
-      </p:sp>
-      <p:sp>
-        <p:nvSpPr>
-          <p:cNvPr id="6" name="TextBox 5"/>
-          <p:cNvSpPr txBox="1"/>
-          <p:nvPr/>
-        </p:nvSpPr>
-        <p:spPr>
-          <a:xfrm>
-            <a:off x="3588269" y="3800790"/>
-            <a:ext cx="2143920" cy="369332"/>
-          </a:xfrm>
-          <a:prstGeom prst="rect">
-            <a:avLst/>
-          </a:prstGeom>
-          <a:noFill/>
-        </p:spPr>
-        <p:txBody>
-          <a:bodyPr wrap="none" rtlCol="0">
-            <a:spAutoFit/>
-          </a:bodyPr>
-          <a:lstStyle/>
-          <a:p>
-            <a:pPr algn="ctr"/>
-            <a:r>
-              <a:rPr lang="en-US" dirty="0" smtClean="0"/>
-              <a:t>Make a Little Change</a:t>
-            </a:r>
-          </a:p>
-        </p:txBody>
-      </p:sp>
-      <p:sp>
-        <p:nvSpPr>
-          <p:cNvPr id="7" name="TextBox 6"/>
-          <p:cNvSpPr txBox="1"/>
-          <p:nvPr/>
-        </p:nvSpPr>
-        <p:spPr>
-          <a:xfrm>
-            <a:off x="3987833" y="4868555"/>
-            <a:ext cx="1344792" cy="369332"/>
-          </a:xfrm>
-          <a:prstGeom prst="rect">
-            <a:avLst/>
-          </a:prstGeom>
-          <a:noFill/>
-        </p:spPr>
-        <p:txBody>
-          <a:bodyPr wrap="none" rtlCol="0">
-            <a:spAutoFit/>
-          </a:bodyPr>
-          <a:lstStyle/>
-          <a:p>
-            <a:pPr algn="ctr"/>
-            <a:r>
-              <a:rPr lang="en-US" dirty="0" smtClean="0"/>
-              <a:t>Run the Test</a:t>
-            </a:r>
-            <a:endParaRPr lang="en-US" dirty="0"/>
-          </a:p>
-        </p:txBody>
-      </p:sp>
-      <p:sp>
-        <p:nvSpPr>
-          <p:cNvPr id="9" name="TextBox 8"/>
-          <p:cNvSpPr txBox="1"/>
-          <p:nvPr/>
-        </p:nvSpPr>
-        <p:spPr>
-          <a:xfrm>
-            <a:off x="4105752" y="5936320"/>
-            <a:ext cx="1108953" cy="369651"/>
-          </a:xfrm>
-          <a:prstGeom prst="rect">
-            <a:avLst/>
-          </a:prstGeom>
-          <a:noFill/>
-        </p:spPr>
-        <p:txBody>
-          <a:bodyPr wrap="square" rtlCol="0">
-            <a:spAutoFit/>
-          </a:bodyPr>
-          <a:lstStyle/>
-          <a:p>
-            <a:pPr algn="ctr"/>
-            <a:r>
-              <a:rPr lang="en-US" smtClean="0"/>
-              <a:t>Refactor</a:t>
-            </a:r>
-            <a:endParaRPr lang="en-US"/>
-          </a:p>
-        </p:txBody>
-      </p:sp>
-      <p:cxnSp>
-        <p:nvCxnSpPr>
-          <p:cNvPr id="11" name="Straight Arrow Connector 10"/>
-          <p:cNvCxnSpPr>
-            <a:stCxn id="4" idx="2"/>
-            <a:endCxn id="5" idx="0"/>
-          </p:cNvCxnSpPr>
-          <p:nvPr/>
-        </p:nvCxnSpPr>
-        <p:spPr>
-          <a:xfrm flipH="1">
-            <a:off x="4660229" y="2425306"/>
-            <a:ext cx="1" cy="503076"/>
-          </a:xfrm>
-          <a:prstGeom prst="straightConnector1">
-            <a:avLst/>
-          </a:prstGeom>
-          <a:ln>
-            <a:tailEnd type="triangle"/>
-          </a:ln>
-        </p:spPr>
-        <p:style>
-          <a:lnRef idx="1">
-            <a:schemeClr val="accent1"/>
-          </a:lnRef>
-          <a:fillRef idx="0">
-            <a:schemeClr val="accent1"/>
-          </a:fillRef>
-          <a:effectRef idx="0">
-            <a:schemeClr val="accent1"/>
-          </a:effectRef>
-          <a:fontRef idx="minor">
-            <a:schemeClr val="tx1"/>
-          </a:fontRef>
-        </p:style>
-      </p:cxnSp>
-      <p:cxnSp>
-        <p:nvCxnSpPr>
-          <p:cNvPr id="13" name="Straight Arrow Connector 12"/>
-          <p:cNvCxnSpPr>
-            <a:stCxn id="5" idx="2"/>
-            <a:endCxn id="6" idx="0"/>
-          </p:cNvCxnSpPr>
-          <p:nvPr/>
-        </p:nvCxnSpPr>
-        <p:spPr>
-          <a:xfrm>
-            <a:off x="4660229" y="3297714"/>
-            <a:ext cx="0" cy="503076"/>
-          </a:xfrm>
-          <a:prstGeom prst="straightConnector1">
-            <a:avLst/>
-          </a:prstGeom>
-          <a:ln>
-            <a:tailEnd type="triangle"/>
-          </a:ln>
-        </p:spPr>
-        <p:style>
-          <a:lnRef idx="1">
-            <a:schemeClr val="accent1"/>
-          </a:lnRef>
-          <a:fillRef idx="0">
-            <a:schemeClr val="accent1"/>
-          </a:fillRef>
-          <a:effectRef idx="0">
-            <a:schemeClr val="accent1"/>
-          </a:effectRef>
-          <a:fontRef idx="minor">
-            <a:schemeClr val="tx1"/>
-          </a:fontRef>
-        </p:style>
-      </p:cxnSp>
-      <p:cxnSp>
-        <p:nvCxnSpPr>
-          <p:cNvPr id="15" name="Straight Arrow Connector 14"/>
-          <p:cNvCxnSpPr>
-            <a:stCxn id="6" idx="2"/>
-            <a:endCxn id="7" idx="0"/>
-          </p:cNvCxnSpPr>
-          <p:nvPr/>
-        </p:nvCxnSpPr>
-        <p:spPr>
-          <a:xfrm>
-            <a:off x="4660229" y="4170122"/>
-            <a:ext cx="0" cy="698433"/>
-          </a:xfrm>
-          <a:prstGeom prst="straightConnector1">
-            <a:avLst/>
-          </a:prstGeom>
-          <a:ln>
-            <a:tailEnd type="triangle"/>
-          </a:ln>
-        </p:spPr>
-        <p:style>
-          <a:lnRef idx="1">
-            <a:schemeClr val="accent1"/>
-          </a:lnRef>
-          <a:fillRef idx="0">
-            <a:schemeClr val="accent1"/>
-          </a:fillRef>
-          <a:effectRef idx="0">
-            <a:schemeClr val="accent1"/>
-          </a:effectRef>
-          <a:fontRef idx="minor">
-            <a:schemeClr val="tx1"/>
-          </a:fontRef>
-        </p:style>
-      </p:cxnSp>
-      <p:cxnSp>
-        <p:nvCxnSpPr>
-          <p:cNvPr id="17" name="Straight Arrow Connector 16"/>
-          <p:cNvCxnSpPr>
-            <a:stCxn id="7" idx="2"/>
-            <a:endCxn id="9" idx="0"/>
-          </p:cNvCxnSpPr>
-          <p:nvPr/>
-        </p:nvCxnSpPr>
-        <p:spPr>
-          <a:xfrm>
-            <a:off x="4660229" y="5237887"/>
-            <a:ext cx="0" cy="698433"/>
-          </a:xfrm>
-          <a:prstGeom prst="straightConnector1">
-            <a:avLst/>
-          </a:prstGeom>
-          <a:ln>
-            <a:tailEnd type="triangle"/>
-          </a:ln>
-        </p:spPr>
-        <p:style>
-          <a:lnRef idx="1">
-            <a:schemeClr val="accent1"/>
-          </a:lnRef>
-          <a:fillRef idx="0">
-            <a:schemeClr val="accent1"/>
-          </a:fillRef>
-          <a:effectRef idx="0">
-            <a:schemeClr val="accent1"/>
-          </a:effectRef>
-          <a:fontRef idx="minor">
-            <a:schemeClr val="tx1"/>
-          </a:fontRef>
-        </p:style>
-      </p:cxnSp>
-      <p:cxnSp>
-        <p:nvCxnSpPr>
-          <p:cNvPr id="19" name="Elbow Connector 18"/>
-          <p:cNvCxnSpPr>
-            <a:endCxn id="4" idx="0"/>
-          </p:cNvCxnSpPr>
-          <p:nvPr/>
-        </p:nvCxnSpPr>
-        <p:spPr>
-          <a:xfrm rot="16200000" flipV="1">
-            <a:off x="2558716" y="4157489"/>
-            <a:ext cx="4206239" cy="3210"/>
-          </a:xfrm>
-          <a:prstGeom prst="bentConnector5">
-            <a:avLst>
-              <a:gd name="adj1" fmla="val -7066"/>
-              <a:gd name="adj2" fmla="val -54503769"/>
-              <a:gd name="adj3" fmla="val 105435"/>
-            </a:avLst>
-          </a:prstGeom>
-          <a:ln>
-            <a:tailEnd type="triangle"/>
-          </a:ln>
-        </p:spPr>
-        <p:style>
-          <a:lnRef idx="1">
-            <a:schemeClr val="accent1"/>
-          </a:lnRef>
-          <a:fillRef idx="0">
-            <a:schemeClr val="accent1"/>
-          </a:fillRef>
-          <a:effectRef idx="0">
-            <a:schemeClr val="accent1"/>
-          </a:effectRef>
-          <a:fontRef idx="minor">
-            <a:schemeClr val="tx1"/>
-          </a:fontRef>
-        </p:style>
-      </p:cxnSp>
-      <p:cxnSp>
-        <p:nvCxnSpPr>
-          <p:cNvPr id="35" name="Elbow Connector 34"/>
-          <p:cNvCxnSpPr>
-            <a:stCxn id="5" idx="1"/>
-            <a:endCxn id="4" idx="1"/>
-          </p:cNvCxnSpPr>
-          <p:nvPr/>
-        </p:nvCxnSpPr>
-        <p:spPr>
-          <a:xfrm rot="10800000" flipH="1">
-            <a:off x="3987833" y="2240640"/>
-            <a:ext cx="97784" cy="872408"/>
-          </a:xfrm>
-          <a:prstGeom prst="bentConnector3">
-            <a:avLst>
-              <a:gd name="adj1" fmla="val -233781"/>
-            </a:avLst>
-          </a:prstGeom>
-          <a:ln>
-            <a:tailEnd type="triangle"/>
-          </a:ln>
-        </p:spPr>
-        <p:style>
-          <a:lnRef idx="1">
-            <a:schemeClr val="accent1"/>
-          </a:lnRef>
-          <a:fillRef idx="0">
-            <a:schemeClr val="accent1"/>
-          </a:fillRef>
-          <a:effectRef idx="0">
-            <a:schemeClr val="accent1"/>
-          </a:effectRef>
-          <a:fontRef idx="minor">
-            <a:schemeClr val="tx1"/>
-          </a:fontRef>
-        </p:style>
-      </p:cxnSp>
-      <p:cxnSp>
-        <p:nvCxnSpPr>
-          <p:cNvPr id="37" name="Elbow Connector 36"/>
-          <p:cNvCxnSpPr>
-            <a:stCxn id="9" idx="1"/>
-            <a:endCxn id="7" idx="1"/>
-          </p:cNvCxnSpPr>
-          <p:nvPr/>
-        </p:nvCxnSpPr>
-        <p:spPr>
-          <a:xfrm rot="10800000">
-            <a:off x="3987834" y="5053222"/>
-            <a:ext cx="117919" cy="1067925"/>
-          </a:xfrm>
-          <a:prstGeom prst="bentConnector3">
-            <a:avLst>
-              <a:gd name="adj1" fmla="val 293862"/>
-            </a:avLst>
-          </a:prstGeom>
-          <a:ln>
-            <a:tailEnd type="triangle"/>
-          </a:ln>
-        </p:spPr>
-        <p:style>
-          <a:lnRef idx="1">
-            <a:schemeClr val="accent1"/>
-          </a:lnRef>
-          <a:fillRef idx="0">
-            <a:schemeClr val="accent1"/>
-          </a:fillRef>
-          <a:effectRef idx="0">
-            <a:schemeClr val="accent1"/>
-          </a:effectRef>
-          <a:fontRef idx="minor">
-            <a:schemeClr val="tx1"/>
-          </a:fontRef>
-        </p:style>
-      </p:cxnSp>
-      <p:cxnSp>
-        <p:nvCxnSpPr>
-          <p:cNvPr id="39" name="Elbow Connector 38"/>
-          <p:cNvCxnSpPr>
-            <a:stCxn id="7" idx="3"/>
-            <a:endCxn id="6" idx="3"/>
-          </p:cNvCxnSpPr>
-          <p:nvPr/>
-        </p:nvCxnSpPr>
-        <p:spPr>
-          <a:xfrm flipV="1">
-            <a:off x="5332625" y="3985456"/>
-            <a:ext cx="399564" cy="1067765"/>
-          </a:xfrm>
-          <a:prstGeom prst="bentConnector3">
-            <a:avLst>
-              <a:gd name="adj1" fmla="val 157212"/>
-            </a:avLst>
-          </a:prstGeom>
-          <a:ln>
-            <a:tailEnd type="triangle"/>
-          </a:ln>
-        </p:spPr>
-        <p:style>
-          <a:lnRef idx="1">
-            <a:schemeClr val="accent1"/>
-          </a:lnRef>
-          <a:fillRef idx="0">
-            <a:schemeClr val="accent1"/>
-          </a:fillRef>
-          <a:effectRef idx="0">
-            <a:schemeClr val="accent1"/>
-          </a:effectRef>
-          <a:fontRef idx="minor">
-            <a:schemeClr val="tx1"/>
-          </a:fontRef>
-        </p:style>
-      </p:cxnSp>
+          <p:cNvPr id="3" name="Content Placeholder 2"/>
+          <p:cNvSpPr>
+            <a:spLocks noGrp="1"/>
+          </p:cNvSpPr>
+          <p:nvPr>
+            <p:ph idx="1"/>
+          </p:nvPr>
+        </p:nvSpPr>
+        <p:spPr/>
+        <p:txBody>
+          <a:bodyPr/>
+          <a:lstStyle/>
+          <a:p>
+            <a:r>
+              <a:rPr lang="en-US" dirty="0"/>
+              <a:t>Small classes focused on one thing</a:t>
+            </a:r>
+          </a:p>
+          <a:p>
+            <a:r>
+              <a:rPr lang="en-US" dirty="0"/>
+              <a:t>Test small increments of code</a:t>
+            </a:r>
+          </a:p>
+          <a:p>
+            <a:r>
+              <a:rPr lang="en-US" dirty="0" smtClean="0"/>
+              <a:t>Encourages:</a:t>
+            </a:r>
+          </a:p>
+          <a:p>
+            <a:pPr lvl="1"/>
+            <a:r>
+              <a:rPr lang="en-US" dirty="0" smtClean="0"/>
+              <a:t>Low coupling</a:t>
+            </a:r>
+          </a:p>
+          <a:p>
+            <a:pPr lvl="1"/>
+            <a:r>
+              <a:rPr lang="en-US" dirty="0" smtClean="0"/>
+              <a:t>High cohesion</a:t>
+            </a:r>
+          </a:p>
+        </p:txBody>
+      </p:sp>
     </p:spTree>
     <p:extLst>
       <p:ext uri="{BB962C8B-B14F-4D97-AF65-F5344CB8AC3E}">
-        <p14:creationId xmlns:p14="http://schemas.microsoft.com/office/powerpoint/2010/main" val="1740341565"/>
+        <p14:creationId xmlns:p14="http://schemas.microsoft.com/office/powerpoint/2010/main" val="1169972784"/>
       </p:ext>
     </p:extLst>
   </p:cSld>
@@ -3700,7 +7340,7 @@
           <a:p>
             <a:r>
               <a:rPr lang="en-US" dirty="0" smtClean="0"/>
-              <a:t>Writing your first test</a:t>
+              <a:t>Task the functionality out</a:t>
             </a:r>
             <a:endParaRPr lang="en-US" dirty="0"/>
           </a:p>
@@ -3725,53 +7365,76 @@
           <a:p>
             <a:r>
               <a:rPr lang="en-US" dirty="0" smtClean="0"/>
-              <a:t>Begin with the simplest test case possible</a:t>
-            </a:r>
-          </a:p>
-          <a:p>
-            <a:r>
-              <a:rPr lang="en-US" dirty="0" smtClean="0"/>
-              <a:t>Write the test code first</a:t>
-            </a:r>
-          </a:p>
-          <a:p>
-            <a:r>
-              <a:rPr lang="en-US" dirty="0" smtClean="0"/>
-              <a:t>Complete the test first, then create necessary production code</a:t>
-            </a:r>
-          </a:p>
-          <a:p>
-            <a:r>
-              <a:rPr lang="en-US" dirty="0" smtClean="0"/>
-              <a:t>Get the test to a state where it can run:</a:t>
+              <a:t>On index cards create a list of tasks needed to complete the exercise</a:t>
+            </a:r>
+          </a:p>
+          <a:p>
+            <a:r>
+              <a:rPr lang="en-US" dirty="0" smtClean="0"/>
+              <a:t>Tasks to consider:</a:t>
             </a:r>
           </a:p>
           <a:p>
             <a:pPr lvl="1"/>
             <a:r>
               <a:rPr lang="en-US" dirty="0" smtClean="0"/>
-              <a:t>For static languages you’ll need to ensure the tests compile</a:t>
+              <a:t>Boundary cases:</a:t>
+            </a:r>
+          </a:p>
+          <a:p>
+            <a:pPr lvl="2"/>
+            <a:r>
+              <a:rPr lang="en-US" dirty="0" smtClean="0"/>
+              <a:t>Null inputs</a:t>
+            </a:r>
+          </a:p>
+          <a:p>
+            <a:pPr lvl="2"/>
+            <a:r>
+              <a:rPr lang="en-US" dirty="0" smtClean="0"/>
+              <a:t>Empty strings</a:t>
+            </a:r>
+          </a:p>
+          <a:p>
+            <a:pPr lvl="2"/>
+            <a:r>
+              <a:rPr lang="en-US" dirty="0" smtClean="0"/>
+              <a:t>Invalid strings</a:t>
+            </a:r>
+          </a:p>
+          <a:p>
+            <a:pPr lvl="2"/>
+            <a:r>
+              <a:rPr lang="en-US" dirty="0" smtClean="0"/>
+              <a:t>Values above or below a certain amount (e.g. is -50 miles per hour valid)</a:t>
             </a:r>
           </a:p>
           <a:p>
             <a:pPr lvl="1"/>
             <a:r>
               <a:rPr lang="en-US" dirty="0" smtClean="0"/>
-              <a:t>Dynamic languages don’t require production code before they run</a:t>
-            </a:r>
-          </a:p>
-          <a:p>
-            <a:r>
-              <a:rPr lang="en-US" dirty="0" smtClean="0"/>
-              <a:t>Run the test and ensure you see it fail</a:t>
-            </a:r>
+              <a:t>Tasks required for completion</a:t>
+            </a:r>
+          </a:p>
+          <a:p>
+            <a:r>
+              <a:rPr lang="en-US" dirty="0" smtClean="0"/>
+              <a:t>Need not be exhaustive yet</a:t>
+            </a:r>
+          </a:p>
+          <a:p>
+            <a:r>
+              <a:rPr lang="en-US" dirty="0" smtClean="0"/>
+              <a:t>Create new tasks as work continues</a:t>
+            </a:r>
+            <a:endParaRPr lang="en-US" dirty="0" smtClean="0"/>
           </a:p>
         </p:txBody>
       </p:sp>
     </p:spTree>
     <p:extLst>
       <p:ext uri="{BB962C8B-B14F-4D97-AF65-F5344CB8AC3E}">
-        <p14:creationId xmlns:p14="http://schemas.microsoft.com/office/powerpoint/2010/main" val="1831453230"/>
+        <p14:creationId xmlns:p14="http://schemas.microsoft.com/office/powerpoint/2010/main" val="794357935"/>
       </p:ext>
     </p:extLst>
   </p:cSld>
@@ -3815,7 +7478,7 @@
           <a:p>
             <a:r>
               <a:rPr lang="en-US" dirty="0" smtClean="0"/>
-              <a:t>Making your first test pass</a:t>
+              <a:t>Test Driven Development Cycle</a:t>
             </a:r>
             <a:endParaRPr lang="en-US" dirty="0"/>
           </a:p>
@@ -3823,64 +7486,390 @@
       </p:sp>
       <p:sp>
         <p:nvSpPr>
-          <p:cNvPr id="3" name="Content Placeholder 2"/>
-          <p:cNvSpPr>
-            <a:spLocks noGrp="1"/>
-          </p:cNvSpPr>
-          <p:nvPr>
-            <p:ph idx="1"/>
-          </p:nvPr>
-        </p:nvSpPr>
-        <p:spPr/>
-        <p:txBody>
-          <a:bodyPr/>
-          <a:lstStyle/>
-          <a:p>
-            <a:r>
-              <a:rPr lang="en-US" dirty="0" smtClean="0"/>
-              <a:t>Before making the test pass, ensure it fails</a:t>
-            </a:r>
-          </a:p>
-          <a:p>
-            <a:pPr lvl="1"/>
-            <a:r>
-              <a:rPr lang="en-US" dirty="0" smtClean="0"/>
-              <a:t>Without doing so it becomes impossible to know if a test is correctly implemented</a:t>
-            </a:r>
-          </a:p>
-          <a:p>
-            <a:r>
-              <a:rPr lang="en-US" dirty="0" smtClean="0"/>
-              <a:t>Do the least work possible to make the test pass</a:t>
-            </a:r>
-          </a:p>
-          <a:p>
-            <a:pPr lvl="1"/>
-            <a:r>
-              <a:rPr lang="en-US" dirty="0" smtClean="0"/>
-              <a:t>Hard coding the result if necessary</a:t>
-            </a:r>
-          </a:p>
-          <a:p>
-            <a:r>
-              <a:rPr lang="en-US" dirty="0" smtClean="0"/>
-              <a:t>Run the test and see it pass (go green)</a:t>
-            </a:r>
-          </a:p>
-          <a:p>
-            <a:pPr lvl="1"/>
-            <a:r>
-              <a:rPr lang="en-US" dirty="0" smtClean="0"/>
-              <a:t>If the test doesn’t pass change something so it does</a:t>
+          <p:cNvPr id="45" name="TextBox 44"/>
+          <p:cNvSpPr txBox="1"/>
+          <p:nvPr/>
+        </p:nvSpPr>
+        <p:spPr>
+          <a:xfrm>
+            <a:off x="4832797" y="2161482"/>
+            <a:ext cx="1131977" cy="369332"/>
+          </a:xfrm>
+          <a:prstGeom prst="rect">
+            <a:avLst/>
+          </a:prstGeom>
+          <a:noFill/>
+          <a:ln>
+            <a:solidFill>
+              <a:schemeClr val="accent1"/>
+            </a:solidFill>
+          </a:ln>
+        </p:spPr>
+        <p:txBody>
+          <a:bodyPr wrap="none" rtlCol="0">
+            <a:spAutoFit/>
+          </a:bodyPr>
+          <a:lstStyle/>
+          <a:p>
+            <a:pPr algn="ctr"/>
+            <a:r>
+              <a:rPr lang="en-US" dirty="0" smtClean="0"/>
+              <a:t>Add a test</a:t>
             </a:r>
             <a:endParaRPr lang="en-US" dirty="0" smtClean="0"/>
           </a:p>
         </p:txBody>
       </p:sp>
+      <p:sp>
+        <p:nvSpPr>
+          <p:cNvPr id="46" name="TextBox 45"/>
+          <p:cNvSpPr txBox="1"/>
+          <p:nvPr/>
+        </p:nvSpPr>
+        <p:spPr>
+          <a:xfrm>
+            <a:off x="5127265" y="2869340"/>
+            <a:ext cx="543034" cy="369332"/>
+          </a:xfrm>
+          <a:prstGeom prst="rect">
+            <a:avLst/>
+          </a:prstGeom>
+          <a:noFill/>
+          <a:ln>
+            <a:solidFill>
+              <a:schemeClr val="accent1"/>
+            </a:solidFill>
+          </a:ln>
+        </p:spPr>
+        <p:txBody>
+          <a:bodyPr wrap="none" rtlCol="0">
+            <a:spAutoFit/>
+          </a:bodyPr>
+          <a:lstStyle/>
+          <a:p>
+            <a:pPr algn="ctr"/>
+            <a:r>
+              <a:rPr lang="en-US" dirty="0" smtClean="0"/>
+              <a:t>Red</a:t>
+            </a:r>
+            <a:endParaRPr lang="en-US" dirty="0"/>
+          </a:p>
+        </p:txBody>
+      </p:sp>
+      <p:sp>
+        <p:nvSpPr>
+          <p:cNvPr id="47" name="TextBox 46"/>
+          <p:cNvSpPr txBox="1"/>
+          <p:nvPr/>
+        </p:nvSpPr>
+        <p:spPr>
+          <a:xfrm>
+            <a:off x="5018615" y="3570767"/>
+            <a:ext cx="760337" cy="369332"/>
+          </a:xfrm>
+          <a:prstGeom prst="rect">
+            <a:avLst/>
+          </a:prstGeom>
+          <a:noFill/>
+          <a:ln>
+            <a:solidFill>
+              <a:schemeClr val="accent1"/>
+            </a:solidFill>
+          </a:ln>
+        </p:spPr>
+        <p:txBody>
+          <a:bodyPr wrap="none" rtlCol="0">
+            <a:spAutoFit/>
+          </a:bodyPr>
+          <a:lstStyle/>
+          <a:p>
+            <a:pPr algn="ctr"/>
+            <a:r>
+              <a:rPr lang="en-US" dirty="0" smtClean="0"/>
+              <a:t>Green</a:t>
+            </a:r>
+            <a:endParaRPr lang="en-US" dirty="0" smtClean="0"/>
+          </a:p>
+        </p:txBody>
+      </p:sp>
+      <p:sp>
+        <p:nvSpPr>
+          <p:cNvPr id="48" name="TextBox 47"/>
+          <p:cNvSpPr txBox="1"/>
+          <p:nvPr/>
+        </p:nvSpPr>
+        <p:spPr>
+          <a:xfrm>
+            <a:off x="4934558" y="4294129"/>
+            <a:ext cx="928460" cy="369332"/>
+          </a:xfrm>
+          <a:prstGeom prst="rect">
+            <a:avLst/>
+          </a:prstGeom>
+          <a:noFill/>
+          <a:ln>
+            <a:solidFill>
+              <a:schemeClr val="accent1"/>
+            </a:solidFill>
+          </a:ln>
+        </p:spPr>
+        <p:txBody>
+          <a:bodyPr wrap="none" rtlCol="0">
+            <a:spAutoFit/>
+          </a:bodyPr>
+          <a:lstStyle/>
+          <a:p>
+            <a:pPr algn="ctr"/>
+            <a:r>
+              <a:rPr lang="en-US" dirty="0" smtClean="0"/>
+              <a:t>Commit</a:t>
+            </a:r>
+            <a:endParaRPr lang="en-US" dirty="0"/>
+          </a:p>
+        </p:txBody>
+      </p:sp>
+      <p:cxnSp>
+        <p:nvCxnSpPr>
+          <p:cNvPr id="49" name="Straight Arrow Connector 48"/>
+          <p:cNvCxnSpPr/>
+          <p:nvPr/>
+        </p:nvCxnSpPr>
+        <p:spPr>
+          <a:xfrm flipH="1">
+            <a:off x="5398782" y="2530814"/>
+            <a:ext cx="4" cy="338526"/>
+          </a:xfrm>
+          <a:prstGeom prst="straightConnector1">
+            <a:avLst/>
+          </a:prstGeom>
+          <a:ln>
+            <a:tailEnd type="triangle"/>
+          </a:ln>
+        </p:spPr>
+        <p:style>
+          <a:lnRef idx="1">
+            <a:schemeClr val="accent1"/>
+          </a:lnRef>
+          <a:fillRef idx="0">
+            <a:schemeClr val="accent1"/>
+          </a:fillRef>
+          <a:effectRef idx="0">
+            <a:schemeClr val="accent1"/>
+          </a:effectRef>
+          <a:fontRef idx="minor">
+            <a:schemeClr val="tx1"/>
+          </a:fontRef>
+        </p:style>
+      </p:cxnSp>
+      <p:cxnSp>
+        <p:nvCxnSpPr>
+          <p:cNvPr id="50" name="Straight Arrow Connector 49"/>
+          <p:cNvCxnSpPr/>
+          <p:nvPr/>
+        </p:nvCxnSpPr>
+        <p:spPr>
+          <a:xfrm flipH="1">
+            <a:off x="5398776" y="3235607"/>
+            <a:ext cx="4" cy="338526"/>
+          </a:xfrm>
+          <a:prstGeom prst="straightConnector1">
+            <a:avLst/>
+          </a:prstGeom>
+          <a:ln>
+            <a:tailEnd type="triangle"/>
+          </a:ln>
+        </p:spPr>
+        <p:style>
+          <a:lnRef idx="1">
+            <a:schemeClr val="accent1"/>
+          </a:lnRef>
+          <a:fillRef idx="0">
+            <a:schemeClr val="accent1"/>
+          </a:fillRef>
+          <a:effectRef idx="0">
+            <a:schemeClr val="accent1"/>
+          </a:effectRef>
+          <a:fontRef idx="minor">
+            <a:schemeClr val="tx1"/>
+          </a:fontRef>
+        </p:style>
+      </p:cxnSp>
+      <p:cxnSp>
+        <p:nvCxnSpPr>
+          <p:cNvPr id="51" name="Straight Arrow Connector 50"/>
+          <p:cNvCxnSpPr/>
+          <p:nvPr/>
+        </p:nvCxnSpPr>
+        <p:spPr>
+          <a:xfrm flipH="1">
+            <a:off x="5398772" y="3946741"/>
+            <a:ext cx="4" cy="338526"/>
+          </a:xfrm>
+          <a:prstGeom prst="straightConnector1">
+            <a:avLst/>
+          </a:prstGeom>
+          <a:ln>
+            <a:tailEnd type="triangle"/>
+          </a:ln>
+        </p:spPr>
+        <p:style>
+          <a:lnRef idx="1">
+            <a:schemeClr val="accent1"/>
+          </a:lnRef>
+          <a:fillRef idx="0">
+            <a:schemeClr val="accent1"/>
+          </a:fillRef>
+          <a:effectRef idx="0">
+            <a:schemeClr val="accent1"/>
+          </a:effectRef>
+          <a:fontRef idx="minor">
+            <a:schemeClr val="tx1"/>
+          </a:fontRef>
+        </p:style>
+      </p:cxnSp>
+      <p:cxnSp>
+        <p:nvCxnSpPr>
+          <p:cNvPr id="52" name="Straight Arrow Connector 51"/>
+          <p:cNvCxnSpPr/>
+          <p:nvPr/>
+        </p:nvCxnSpPr>
+        <p:spPr>
+          <a:xfrm flipH="1">
+            <a:off x="5410496" y="4661845"/>
+            <a:ext cx="4" cy="338526"/>
+          </a:xfrm>
+          <a:prstGeom prst="straightConnector1">
+            <a:avLst/>
+          </a:prstGeom>
+          <a:ln>
+            <a:tailEnd type="triangle"/>
+          </a:ln>
+        </p:spPr>
+        <p:style>
+          <a:lnRef idx="1">
+            <a:schemeClr val="accent1"/>
+          </a:lnRef>
+          <a:fillRef idx="0">
+            <a:schemeClr val="accent1"/>
+          </a:fillRef>
+          <a:effectRef idx="0">
+            <a:schemeClr val="accent1"/>
+          </a:effectRef>
+          <a:fontRef idx="minor">
+            <a:schemeClr val="tx1"/>
+          </a:fontRef>
+        </p:style>
+      </p:cxnSp>
+      <p:sp>
+        <p:nvSpPr>
+          <p:cNvPr id="53" name="TextBox 52"/>
+          <p:cNvSpPr txBox="1"/>
+          <p:nvPr/>
+        </p:nvSpPr>
+        <p:spPr>
+          <a:xfrm>
+            <a:off x="4936828" y="4990698"/>
+            <a:ext cx="970780" cy="369332"/>
+          </a:xfrm>
+          <a:prstGeom prst="rect">
+            <a:avLst/>
+          </a:prstGeom>
+          <a:noFill/>
+          <a:ln>
+            <a:solidFill>
+              <a:schemeClr val="accent1"/>
+            </a:solidFill>
+          </a:ln>
+        </p:spPr>
+        <p:txBody>
+          <a:bodyPr wrap="none" rtlCol="0">
+            <a:spAutoFit/>
+          </a:bodyPr>
+          <a:lstStyle/>
+          <a:p>
+            <a:pPr algn="ctr"/>
+            <a:r>
+              <a:rPr lang="en-US" smtClean="0"/>
+              <a:t>Refactor</a:t>
+            </a:r>
+            <a:endParaRPr lang="en-US" dirty="0"/>
+          </a:p>
+        </p:txBody>
+      </p:sp>
+      <p:cxnSp>
+        <p:nvCxnSpPr>
+          <p:cNvPr id="54" name="Elbow Connector 53"/>
+          <p:cNvCxnSpPr/>
+          <p:nvPr/>
+        </p:nvCxnSpPr>
+        <p:spPr>
+          <a:xfrm flipV="1">
+            <a:off x="5907608" y="2346148"/>
+            <a:ext cx="57166" cy="2829216"/>
+          </a:xfrm>
+          <a:prstGeom prst="bentConnector3">
+            <a:avLst>
+              <a:gd name="adj1" fmla="val 499888"/>
+            </a:avLst>
+          </a:prstGeom>
+          <a:ln>
+            <a:tailEnd type="triangle"/>
+          </a:ln>
+        </p:spPr>
+        <p:style>
+          <a:lnRef idx="1">
+            <a:schemeClr val="accent1"/>
+          </a:lnRef>
+          <a:fillRef idx="0">
+            <a:schemeClr val="accent1"/>
+          </a:fillRef>
+          <a:effectRef idx="0">
+            <a:schemeClr val="accent1"/>
+          </a:effectRef>
+          <a:fontRef idx="minor">
+            <a:schemeClr val="tx1"/>
+          </a:fontRef>
+        </p:style>
+      </p:cxnSp>
+      <p:cxnSp>
+        <p:nvCxnSpPr>
+          <p:cNvPr id="55" name="Elbow Connector 54"/>
+          <p:cNvCxnSpPr/>
+          <p:nvPr/>
+        </p:nvCxnSpPr>
+        <p:spPr>
+          <a:xfrm rot="10800000" flipH="1">
+            <a:off x="4936827" y="3755434"/>
+            <a:ext cx="81787" cy="1419931"/>
+          </a:xfrm>
+          <a:prstGeom prst="bentConnector3">
+            <a:avLst>
+              <a:gd name="adj1" fmla="val -279507"/>
+            </a:avLst>
+          </a:prstGeom>
+          <a:ln>
+            <a:tailEnd type="triangle"/>
+          </a:ln>
+        </p:spPr>
+        <p:style>
+          <a:lnRef idx="1">
+            <a:schemeClr val="accent1"/>
+          </a:lnRef>
+          <a:fillRef idx="0">
+            <a:schemeClr val="accent1"/>
+          </a:fillRef>
+          <a:effectRef idx="0">
+            <a:schemeClr val="accent1"/>
+          </a:effectRef>
+          <a:fontRef idx="minor">
+            <a:schemeClr val="tx1"/>
+          </a:fontRef>
+        </p:style>
+      </p:cxnSp>
     </p:spTree>
     <p:extLst>
       <p:ext uri="{BB962C8B-B14F-4D97-AF65-F5344CB8AC3E}">
-        <p14:creationId xmlns:p14="http://schemas.microsoft.com/office/powerpoint/2010/main" val="459009621"/>
+        <p14:creationId xmlns:p14="http://schemas.microsoft.com/office/powerpoint/2010/main" val="1740341565"/>
       </p:ext>
     </p:extLst>
   </p:cSld>
@@ -3924,7 +7913,7 @@
           <a:p>
             <a:r>
               <a:rPr lang="en-US" dirty="0" smtClean="0"/>
-              <a:t>Work in small increments</a:t>
+              <a:t>Add a test</a:t>
             </a:r>
             <a:endParaRPr lang="en-US" dirty="0"/>
           </a:p>
@@ -3942,33 +7931,450 @@
         </p:nvSpPr>
         <p:spPr/>
         <p:txBody>
-          <a:bodyPr/>
-          <a:lstStyle/>
-          <a:p>
-            <a:r>
-              <a:rPr lang="en-US" dirty="0" smtClean="0"/>
-              <a:t>Aim for small, concise commits</a:t>
-            </a:r>
-          </a:p>
-          <a:p>
-            <a:r>
-              <a:rPr lang="en-US" dirty="0" smtClean="0"/>
-              <a:t>Check in after having done small amounts of work</a:t>
-            </a:r>
-          </a:p>
-          <a:p>
-            <a:r>
-              <a:rPr lang="en-US" dirty="0" smtClean="0"/>
-              <a:t>Small commits result in less lost code when new functionality breaks existing tests unexpectedly</a:t>
+          <a:bodyPr>
+            <a:normAutofit/>
+          </a:bodyPr>
+          <a:lstStyle/>
+          <a:p>
+            <a:r>
+              <a:rPr lang="en-US" dirty="0" smtClean="0"/>
+              <a:t>From your list of tasks choose a simple task</a:t>
+            </a:r>
+          </a:p>
+          <a:p>
+            <a:r>
+              <a:rPr lang="en-US" dirty="0" smtClean="0"/>
+              <a:t>Write the simplest, </a:t>
+            </a:r>
+            <a:r>
+              <a:rPr lang="en-US" dirty="0" err="1" smtClean="0"/>
+              <a:t>tinyest</a:t>
+            </a:r>
+            <a:r>
+              <a:rPr lang="en-US" dirty="0" smtClean="0"/>
+              <a:t>, test possible</a:t>
+            </a:r>
+          </a:p>
+          <a:p>
+            <a:r>
+              <a:rPr lang="en-US" dirty="0" smtClean="0"/>
+              <a:t>Choose a descriptive name</a:t>
+            </a:r>
+            <a:endParaRPr lang="en-US" dirty="0" smtClean="0"/>
+          </a:p>
+          <a:p>
+            <a:r>
+              <a:rPr lang="en-US" dirty="0" smtClean="0"/>
+              <a:t>Prior to running the test, make the code runnable:</a:t>
+            </a:r>
+          </a:p>
+          <a:p>
+            <a:pPr lvl="1"/>
+            <a:r>
+              <a:rPr lang="en-US" dirty="0" smtClean="0"/>
+              <a:t>Static languages: ensure the tests compile</a:t>
+            </a:r>
+          </a:p>
+          <a:p>
+            <a:pPr lvl="1"/>
+            <a:r>
+              <a:rPr lang="en-US" dirty="0" smtClean="0"/>
+              <a:t>Dynamic languages: you can likely just run the test</a:t>
+            </a:r>
+          </a:p>
+        </p:txBody>
+      </p:sp>
+      <p:sp>
+        <p:nvSpPr>
+          <p:cNvPr id="28" name="TextBox 27"/>
+          <p:cNvSpPr txBox="1"/>
+          <p:nvPr/>
+        </p:nvSpPr>
+        <p:spPr>
+          <a:xfrm>
+            <a:off x="10717781" y="91414"/>
+            <a:ext cx="1131977" cy="369332"/>
+          </a:xfrm>
+          <a:prstGeom prst="rect">
+            <a:avLst/>
+          </a:prstGeom>
+          <a:solidFill>
+            <a:schemeClr val="accent4">
+              <a:lumMod val="20000"/>
+              <a:lumOff val="80000"/>
+            </a:schemeClr>
+          </a:solidFill>
+          <a:ln>
+            <a:solidFill>
+              <a:schemeClr val="accent1"/>
+            </a:solidFill>
+          </a:ln>
+        </p:spPr>
+        <p:txBody>
+          <a:bodyPr wrap="none" rtlCol="0">
+            <a:spAutoFit/>
+          </a:bodyPr>
+          <a:lstStyle/>
+          <a:p>
+            <a:pPr algn="ctr"/>
+            <a:r>
+              <a:rPr lang="en-US" dirty="0" smtClean="0"/>
+              <a:t>Add a test</a:t>
+            </a:r>
+            <a:endParaRPr lang="en-US" dirty="0" smtClean="0"/>
+          </a:p>
+        </p:txBody>
+      </p:sp>
+      <p:sp>
+        <p:nvSpPr>
+          <p:cNvPr id="29" name="TextBox 28"/>
+          <p:cNvSpPr txBox="1"/>
+          <p:nvPr/>
+        </p:nvSpPr>
+        <p:spPr>
+          <a:xfrm>
+            <a:off x="11012249" y="799272"/>
+            <a:ext cx="543034" cy="369332"/>
+          </a:xfrm>
+          <a:prstGeom prst="rect">
+            <a:avLst/>
+          </a:prstGeom>
+          <a:noFill/>
+          <a:ln>
+            <a:solidFill>
+              <a:schemeClr val="accent1"/>
+            </a:solidFill>
+          </a:ln>
+        </p:spPr>
+        <p:txBody>
+          <a:bodyPr wrap="none" rtlCol="0">
+            <a:spAutoFit/>
+          </a:bodyPr>
+          <a:lstStyle/>
+          <a:p>
+            <a:pPr algn="ctr"/>
+            <a:r>
+              <a:rPr lang="en-US" dirty="0" smtClean="0"/>
+              <a:t>Red</a:t>
             </a:r>
             <a:endParaRPr lang="en-US" dirty="0"/>
           </a:p>
         </p:txBody>
       </p:sp>
+      <p:sp>
+        <p:nvSpPr>
+          <p:cNvPr id="30" name="TextBox 29"/>
+          <p:cNvSpPr txBox="1"/>
+          <p:nvPr/>
+        </p:nvSpPr>
+        <p:spPr>
+          <a:xfrm>
+            <a:off x="10903599" y="1500699"/>
+            <a:ext cx="760337" cy="369332"/>
+          </a:xfrm>
+          <a:prstGeom prst="rect">
+            <a:avLst/>
+          </a:prstGeom>
+          <a:noFill/>
+          <a:ln>
+            <a:solidFill>
+              <a:schemeClr val="accent1"/>
+            </a:solidFill>
+          </a:ln>
+        </p:spPr>
+        <p:txBody>
+          <a:bodyPr wrap="none" rtlCol="0">
+            <a:spAutoFit/>
+          </a:bodyPr>
+          <a:lstStyle/>
+          <a:p>
+            <a:pPr algn="ctr"/>
+            <a:r>
+              <a:rPr lang="en-US" dirty="0" smtClean="0"/>
+              <a:t>Green</a:t>
+            </a:r>
+            <a:endParaRPr lang="en-US" dirty="0" smtClean="0"/>
+          </a:p>
+        </p:txBody>
+      </p:sp>
+      <p:sp>
+        <p:nvSpPr>
+          <p:cNvPr id="31" name="TextBox 30"/>
+          <p:cNvSpPr txBox="1"/>
+          <p:nvPr/>
+        </p:nvSpPr>
+        <p:spPr>
+          <a:xfrm>
+            <a:off x="10819542" y="2224061"/>
+            <a:ext cx="928460" cy="369332"/>
+          </a:xfrm>
+          <a:prstGeom prst="rect">
+            <a:avLst/>
+          </a:prstGeom>
+          <a:noFill/>
+          <a:ln>
+            <a:solidFill>
+              <a:schemeClr val="accent1"/>
+            </a:solidFill>
+          </a:ln>
+        </p:spPr>
+        <p:txBody>
+          <a:bodyPr wrap="none" rtlCol="0">
+            <a:spAutoFit/>
+          </a:bodyPr>
+          <a:lstStyle/>
+          <a:p>
+            <a:pPr algn="ctr"/>
+            <a:r>
+              <a:rPr lang="en-US" dirty="0" smtClean="0"/>
+              <a:t>Commit</a:t>
+            </a:r>
+            <a:endParaRPr lang="en-US" dirty="0"/>
+          </a:p>
+        </p:txBody>
+      </p:sp>
+      <p:cxnSp>
+        <p:nvCxnSpPr>
+          <p:cNvPr id="32" name="Straight Arrow Connector 31"/>
+          <p:cNvCxnSpPr/>
+          <p:nvPr/>
+        </p:nvCxnSpPr>
+        <p:spPr>
+          <a:xfrm flipH="1">
+            <a:off x="11283766" y="460746"/>
+            <a:ext cx="4" cy="338526"/>
+          </a:xfrm>
+          <a:prstGeom prst="straightConnector1">
+            <a:avLst/>
+          </a:prstGeom>
+          <a:ln>
+            <a:tailEnd type="triangle"/>
+          </a:ln>
+        </p:spPr>
+        <p:style>
+          <a:lnRef idx="1">
+            <a:schemeClr val="accent1"/>
+          </a:lnRef>
+          <a:fillRef idx="0">
+            <a:schemeClr val="accent1"/>
+          </a:fillRef>
+          <a:effectRef idx="0">
+            <a:schemeClr val="accent1"/>
+          </a:effectRef>
+          <a:fontRef idx="minor">
+            <a:schemeClr val="tx1"/>
+          </a:fontRef>
+        </p:style>
+      </p:cxnSp>
+      <p:cxnSp>
+        <p:nvCxnSpPr>
+          <p:cNvPr id="33" name="Straight Arrow Connector 32"/>
+          <p:cNvCxnSpPr/>
+          <p:nvPr/>
+        </p:nvCxnSpPr>
+        <p:spPr>
+          <a:xfrm flipH="1">
+            <a:off x="11283760" y="1165539"/>
+            <a:ext cx="4" cy="338526"/>
+          </a:xfrm>
+          <a:prstGeom prst="straightConnector1">
+            <a:avLst/>
+          </a:prstGeom>
+          <a:ln>
+            <a:tailEnd type="triangle"/>
+          </a:ln>
+        </p:spPr>
+        <p:style>
+          <a:lnRef idx="1">
+            <a:schemeClr val="accent1"/>
+          </a:lnRef>
+          <a:fillRef idx="0">
+            <a:schemeClr val="accent1"/>
+          </a:fillRef>
+          <a:effectRef idx="0">
+            <a:schemeClr val="accent1"/>
+          </a:effectRef>
+          <a:fontRef idx="minor">
+            <a:schemeClr val="tx1"/>
+          </a:fontRef>
+        </p:style>
+      </p:cxnSp>
+      <p:cxnSp>
+        <p:nvCxnSpPr>
+          <p:cNvPr id="34" name="Straight Arrow Connector 33"/>
+          <p:cNvCxnSpPr/>
+          <p:nvPr/>
+        </p:nvCxnSpPr>
+        <p:spPr>
+          <a:xfrm flipH="1">
+            <a:off x="11283756" y="1876673"/>
+            <a:ext cx="4" cy="338526"/>
+          </a:xfrm>
+          <a:prstGeom prst="straightConnector1">
+            <a:avLst/>
+          </a:prstGeom>
+          <a:ln>
+            <a:tailEnd type="triangle"/>
+          </a:ln>
+        </p:spPr>
+        <p:style>
+          <a:lnRef idx="1">
+            <a:schemeClr val="accent1"/>
+          </a:lnRef>
+          <a:fillRef idx="0">
+            <a:schemeClr val="accent1"/>
+          </a:fillRef>
+          <a:effectRef idx="0">
+            <a:schemeClr val="accent1"/>
+          </a:effectRef>
+          <a:fontRef idx="minor">
+            <a:schemeClr val="tx1"/>
+          </a:fontRef>
+        </p:style>
+      </p:cxnSp>
+      <p:cxnSp>
+        <p:nvCxnSpPr>
+          <p:cNvPr id="35" name="Straight Arrow Connector 34"/>
+          <p:cNvCxnSpPr/>
+          <p:nvPr/>
+        </p:nvCxnSpPr>
+        <p:spPr>
+          <a:xfrm flipH="1">
+            <a:off x="11295480" y="2591777"/>
+            <a:ext cx="4" cy="338526"/>
+          </a:xfrm>
+          <a:prstGeom prst="straightConnector1">
+            <a:avLst/>
+          </a:prstGeom>
+          <a:ln>
+            <a:tailEnd type="triangle"/>
+          </a:ln>
+        </p:spPr>
+        <p:style>
+          <a:lnRef idx="1">
+            <a:schemeClr val="accent1"/>
+          </a:lnRef>
+          <a:fillRef idx="0">
+            <a:schemeClr val="accent1"/>
+          </a:fillRef>
+          <a:effectRef idx="0">
+            <a:schemeClr val="accent1"/>
+          </a:effectRef>
+          <a:fontRef idx="minor">
+            <a:schemeClr val="tx1"/>
+          </a:fontRef>
+        </p:style>
+      </p:cxnSp>
+      <p:sp>
+        <p:nvSpPr>
+          <p:cNvPr id="36" name="TextBox 35"/>
+          <p:cNvSpPr txBox="1"/>
+          <p:nvPr/>
+        </p:nvSpPr>
+        <p:spPr>
+          <a:xfrm>
+            <a:off x="10821812" y="2920630"/>
+            <a:ext cx="970780" cy="369332"/>
+          </a:xfrm>
+          <a:prstGeom prst="rect">
+            <a:avLst/>
+          </a:prstGeom>
+          <a:noFill/>
+          <a:ln>
+            <a:solidFill>
+              <a:schemeClr val="accent1"/>
+            </a:solidFill>
+          </a:ln>
+        </p:spPr>
+        <p:txBody>
+          <a:bodyPr wrap="none" rtlCol="0">
+            <a:spAutoFit/>
+          </a:bodyPr>
+          <a:lstStyle/>
+          <a:p>
+            <a:pPr algn="ctr"/>
+            <a:r>
+              <a:rPr lang="en-US" smtClean="0"/>
+              <a:t>Refactor</a:t>
+            </a:r>
+            <a:endParaRPr lang="en-US" dirty="0"/>
+          </a:p>
+        </p:txBody>
+      </p:sp>
+      <p:cxnSp>
+        <p:nvCxnSpPr>
+          <p:cNvPr id="37" name="Elbow Connector 36"/>
+          <p:cNvCxnSpPr/>
+          <p:nvPr/>
+        </p:nvCxnSpPr>
+        <p:spPr>
+          <a:xfrm flipV="1">
+            <a:off x="11792592" y="276080"/>
+            <a:ext cx="57166" cy="2829216"/>
+          </a:xfrm>
+          <a:prstGeom prst="bentConnector3">
+            <a:avLst>
+              <a:gd name="adj1" fmla="val 499888"/>
+            </a:avLst>
+          </a:prstGeom>
+          <a:ln>
+            <a:tailEnd type="triangle"/>
+          </a:ln>
+        </p:spPr>
+        <p:style>
+          <a:lnRef idx="1">
+            <a:schemeClr val="accent1"/>
+          </a:lnRef>
+          <a:fillRef idx="0">
+            <a:schemeClr val="accent1"/>
+          </a:fillRef>
+          <a:effectRef idx="0">
+            <a:schemeClr val="accent1"/>
+          </a:effectRef>
+          <a:fontRef idx="minor">
+            <a:schemeClr val="tx1"/>
+          </a:fontRef>
+        </p:style>
+      </p:cxnSp>
+      <p:cxnSp>
+        <p:nvCxnSpPr>
+          <p:cNvPr id="38" name="Elbow Connector 37"/>
+          <p:cNvCxnSpPr/>
+          <p:nvPr/>
+        </p:nvCxnSpPr>
+        <p:spPr>
+          <a:xfrm rot="10800000" flipH="1">
+            <a:off x="10821811" y="1685366"/>
+            <a:ext cx="81787" cy="1419931"/>
+          </a:xfrm>
+          <a:prstGeom prst="bentConnector3">
+            <a:avLst>
+              <a:gd name="adj1" fmla="val -279507"/>
+            </a:avLst>
+          </a:prstGeom>
+          <a:ln>
+            <a:tailEnd type="triangle"/>
+          </a:ln>
+        </p:spPr>
+        <p:style>
+          <a:lnRef idx="1">
+            <a:schemeClr val="accent1"/>
+          </a:lnRef>
+          <a:fillRef idx="0">
+            <a:schemeClr val="accent1"/>
+          </a:fillRef>
+          <a:effectRef idx="0">
+            <a:schemeClr val="accent1"/>
+          </a:effectRef>
+          <a:fontRef idx="minor">
+            <a:schemeClr val="tx1"/>
+          </a:fontRef>
+        </p:style>
+      </p:cxnSp>
     </p:spTree>
     <p:extLst>
       <p:ext uri="{BB962C8B-B14F-4D97-AF65-F5344CB8AC3E}">
-        <p14:creationId xmlns:p14="http://schemas.microsoft.com/office/powerpoint/2010/main" val="1636712731"/>
+        <p14:creationId xmlns:p14="http://schemas.microsoft.com/office/powerpoint/2010/main" val="1831453230"/>
       </p:ext>
     </p:extLst>
   </p:cSld>
@@ -4012,7 +8418,7 @@
           <a:p>
             <a:r>
               <a:rPr lang="en-US" dirty="0" smtClean="0"/>
-              <a:t>Completing a task</a:t>
+              <a:t>Red</a:t>
             </a:r>
             <a:endParaRPr lang="en-US" dirty="0"/>
           </a:p>
@@ -4035,33 +8441,415 @@
           <a:p>
             <a:r>
               <a:rPr lang="en-US" dirty="0" smtClean="0"/>
-              <a:t>Add enough tests to ensure the test is well tested</a:t>
-            </a:r>
-          </a:p>
-          <a:p>
-            <a:r>
-              <a:rPr lang="en-US" dirty="0" smtClean="0"/>
-              <a:t>It is entirely possible that a single test is enough to test a task entirely</a:t>
-            </a:r>
-          </a:p>
-          <a:p>
-            <a:r>
-              <a:rPr lang="en-US" dirty="0" smtClean="0"/>
-              <a:t>When the task is complete, tear up the respective index card</a:t>
-            </a:r>
-          </a:p>
-          <a:p>
-            <a:r>
-              <a:rPr lang="en-US" dirty="0" smtClean="0"/>
-              <a:t>For now don’t refactor the tests</a:t>
-            </a:r>
-          </a:p>
-        </p:txBody>
-      </p:sp>
+              <a:t>Run the test, ensure it fails</a:t>
+            </a:r>
+          </a:p>
+          <a:p>
+            <a:r>
+              <a:rPr lang="en-US" dirty="0" smtClean="0"/>
+              <a:t>At this stage a failing test is good</a:t>
+            </a:r>
+          </a:p>
+          <a:p>
+            <a:r>
+              <a:rPr lang="en-US" dirty="0" smtClean="0"/>
+              <a:t>Ensures there exists a test that can be made to pass</a:t>
+            </a:r>
+            <a:endParaRPr lang="en-US" dirty="0" smtClean="0"/>
+          </a:p>
+        </p:txBody>
+      </p:sp>
+      <p:sp>
+        <p:nvSpPr>
+          <p:cNvPr id="35" name="TextBox 34"/>
+          <p:cNvSpPr txBox="1"/>
+          <p:nvPr/>
+        </p:nvSpPr>
+        <p:spPr>
+          <a:xfrm>
+            <a:off x="10717782" y="91414"/>
+            <a:ext cx="1131977" cy="369332"/>
+          </a:xfrm>
+          <a:prstGeom prst="rect">
+            <a:avLst/>
+          </a:prstGeom>
+          <a:noFill/>
+          <a:ln>
+            <a:solidFill>
+              <a:schemeClr val="accent1"/>
+            </a:solidFill>
+          </a:ln>
+        </p:spPr>
+        <p:txBody>
+          <a:bodyPr wrap="none" rtlCol="0">
+            <a:spAutoFit/>
+          </a:bodyPr>
+          <a:lstStyle/>
+          <a:p>
+            <a:pPr algn="ctr"/>
+            <a:r>
+              <a:rPr lang="en-US" dirty="0" smtClean="0"/>
+              <a:t>Add a test</a:t>
+            </a:r>
+            <a:endParaRPr lang="en-US" dirty="0" smtClean="0"/>
+          </a:p>
+        </p:txBody>
+      </p:sp>
+      <p:sp>
+        <p:nvSpPr>
+          <p:cNvPr id="36" name="TextBox 35"/>
+          <p:cNvSpPr txBox="1"/>
+          <p:nvPr/>
+        </p:nvSpPr>
+        <p:spPr>
+          <a:xfrm>
+            <a:off x="11012250" y="799272"/>
+            <a:ext cx="543034" cy="369332"/>
+          </a:xfrm>
+          <a:prstGeom prst="rect">
+            <a:avLst/>
+          </a:prstGeom>
+          <a:solidFill>
+            <a:schemeClr val="accent4">
+              <a:lumMod val="20000"/>
+              <a:lumOff val="80000"/>
+            </a:schemeClr>
+          </a:solidFill>
+          <a:ln>
+            <a:solidFill>
+              <a:schemeClr val="accent1"/>
+            </a:solidFill>
+          </a:ln>
+        </p:spPr>
+        <p:txBody>
+          <a:bodyPr wrap="none" rtlCol="0">
+            <a:spAutoFit/>
+          </a:bodyPr>
+          <a:lstStyle/>
+          <a:p>
+            <a:pPr algn="ctr"/>
+            <a:r>
+              <a:rPr lang="en-US" dirty="0" smtClean="0"/>
+              <a:t>Red</a:t>
+            </a:r>
+            <a:endParaRPr lang="en-US" dirty="0"/>
+          </a:p>
+        </p:txBody>
+      </p:sp>
+      <p:sp>
+        <p:nvSpPr>
+          <p:cNvPr id="37" name="TextBox 36"/>
+          <p:cNvSpPr txBox="1"/>
+          <p:nvPr/>
+        </p:nvSpPr>
+        <p:spPr>
+          <a:xfrm>
+            <a:off x="10903600" y="1500699"/>
+            <a:ext cx="760337" cy="369332"/>
+          </a:xfrm>
+          <a:prstGeom prst="rect">
+            <a:avLst/>
+          </a:prstGeom>
+          <a:noFill/>
+          <a:ln>
+            <a:solidFill>
+              <a:schemeClr val="accent1"/>
+            </a:solidFill>
+          </a:ln>
+        </p:spPr>
+        <p:txBody>
+          <a:bodyPr wrap="none" rtlCol="0">
+            <a:spAutoFit/>
+          </a:bodyPr>
+          <a:lstStyle/>
+          <a:p>
+            <a:pPr algn="ctr"/>
+            <a:r>
+              <a:rPr lang="en-US" dirty="0" smtClean="0"/>
+              <a:t>Green</a:t>
+            </a:r>
+            <a:endParaRPr lang="en-US" dirty="0" smtClean="0"/>
+          </a:p>
+        </p:txBody>
+      </p:sp>
+      <p:sp>
+        <p:nvSpPr>
+          <p:cNvPr id="38" name="TextBox 37"/>
+          <p:cNvSpPr txBox="1"/>
+          <p:nvPr/>
+        </p:nvSpPr>
+        <p:spPr>
+          <a:xfrm>
+            <a:off x="10819543" y="2224061"/>
+            <a:ext cx="928460" cy="369332"/>
+          </a:xfrm>
+          <a:prstGeom prst="rect">
+            <a:avLst/>
+          </a:prstGeom>
+          <a:noFill/>
+          <a:ln>
+            <a:solidFill>
+              <a:schemeClr val="accent1"/>
+            </a:solidFill>
+          </a:ln>
+        </p:spPr>
+        <p:txBody>
+          <a:bodyPr wrap="none" rtlCol="0">
+            <a:spAutoFit/>
+          </a:bodyPr>
+          <a:lstStyle/>
+          <a:p>
+            <a:pPr algn="ctr"/>
+            <a:r>
+              <a:rPr lang="en-US" dirty="0" smtClean="0"/>
+              <a:t>Commit</a:t>
+            </a:r>
+            <a:endParaRPr lang="en-US" dirty="0"/>
+          </a:p>
+        </p:txBody>
+      </p:sp>
+      <p:cxnSp>
+        <p:nvCxnSpPr>
+          <p:cNvPr id="39" name="Straight Arrow Connector 38"/>
+          <p:cNvCxnSpPr/>
+          <p:nvPr/>
+        </p:nvCxnSpPr>
+        <p:spPr>
+          <a:xfrm flipH="1">
+            <a:off x="11283767" y="460746"/>
+            <a:ext cx="4" cy="338526"/>
+          </a:xfrm>
+          <a:prstGeom prst="straightConnector1">
+            <a:avLst/>
+          </a:prstGeom>
+          <a:ln>
+            <a:tailEnd type="triangle"/>
+          </a:ln>
+        </p:spPr>
+        <p:style>
+          <a:lnRef idx="1">
+            <a:schemeClr val="accent1"/>
+          </a:lnRef>
+          <a:fillRef idx="0">
+            <a:schemeClr val="accent1"/>
+          </a:fillRef>
+          <a:effectRef idx="0">
+            <a:schemeClr val="accent1"/>
+          </a:effectRef>
+          <a:fontRef idx="minor">
+            <a:schemeClr val="tx1"/>
+          </a:fontRef>
+        </p:style>
+      </p:cxnSp>
+      <p:cxnSp>
+        <p:nvCxnSpPr>
+          <p:cNvPr id="40" name="Straight Arrow Connector 39"/>
+          <p:cNvCxnSpPr/>
+          <p:nvPr/>
+        </p:nvCxnSpPr>
+        <p:spPr>
+          <a:xfrm flipH="1">
+            <a:off x="11283761" y="1165539"/>
+            <a:ext cx="4" cy="338526"/>
+          </a:xfrm>
+          <a:prstGeom prst="straightConnector1">
+            <a:avLst/>
+          </a:prstGeom>
+          <a:ln>
+            <a:tailEnd type="triangle"/>
+          </a:ln>
+        </p:spPr>
+        <p:style>
+          <a:lnRef idx="1">
+            <a:schemeClr val="accent1"/>
+          </a:lnRef>
+          <a:fillRef idx="0">
+            <a:schemeClr val="accent1"/>
+          </a:fillRef>
+          <a:effectRef idx="0">
+            <a:schemeClr val="accent1"/>
+          </a:effectRef>
+          <a:fontRef idx="minor">
+            <a:schemeClr val="tx1"/>
+          </a:fontRef>
+        </p:style>
+      </p:cxnSp>
+      <p:cxnSp>
+        <p:nvCxnSpPr>
+          <p:cNvPr id="41" name="Straight Arrow Connector 40"/>
+          <p:cNvCxnSpPr/>
+          <p:nvPr/>
+        </p:nvCxnSpPr>
+        <p:spPr>
+          <a:xfrm flipH="1">
+            <a:off x="11283757" y="1876673"/>
+            <a:ext cx="4" cy="338526"/>
+          </a:xfrm>
+          <a:prstGeom prst="straightConnector1">
+            <a:avLst/>
+          </a:prstGeom>
+          <a:ln>
+            <a:tailEnd type="triangle"/>
+          </a:ln>
+        </p:spPr>
+        <p:style>
+          <a:lnRef idx="1">
+            <a:schemeClr val="accent1"/>
+          </a:lnRef>
+          <a:fillRef idx="0">
+            <a:schemeClr val="accent1"/>
+          </a:fillRef>
+          <a:effectRef idx="0">
+            <a:schemeClr val="accent1"/>
+          </a:effectRef>
+          <a:fontRef idx="minor">
+            <a:schemeClr val="tx1"/>
+          </a:fontRef>
+        </p:style>
+      </p:cxnSp>
+      <p:cxnSp>
+        <p:nvCxnSpPr>
+          <p:cNvPr id="42" name="Straight Arrow Connector 41"/>
+          <p:cNvCxnSpPr/>
+          <p:nvPr/>
+        </p:nvCxnSpPr>
+        <p:spPr>
+          <a:xfrm flipH="1">
+            <a:off x="11295481" y="2591777"/>
+            <a:ext cx="4" cy="338526"/>
+          </a:xfrm>
+          <a:prstGeom prst="straightConnector1">
+            <a:avLst/>
+          </a:prstGeom>
+          <a:ln>
+            <a:tailEnd type="triangle"/>
+          </a:ln>
+        </p:spPr>
+        <p:style>
+          <a:lnRef idx="1">
+            <a:schemeClr val="accent1"/>
+          </a:lnRef>
+          <a:fillRef idx="0">
+            <a:schemeClr val="accent1"/>
+          </a:fillRef>
+          <a:effectRef idx="0">
+            <a:schemeClr val="accent1"/>
+          </a:effectRef>
+          <a:fontRef idx="minor">
+            <a:schemeClr val="tx1"/>
+          </a:fontRef>
+        </p:style>
+      </p:cxnSp>
+      <p:sp>
+        <p:nvSpPr>
+          <p:cNvPr id="43" name="TextBox 42"/>
+          <p:cNvSpPr txBox="1"/>
+          <p:nvPr/>
+        </p:nvSpPr>
+        <p:spPr>
+          <a:xfrm>
+            <a:off x="10821813" y="2920630"/>
+            <a:ext cx="970780" cy="369332"/>
+          </a:xfrm>
+          <a:prstGeom prst="rect">
+            <a:avLst/>
+          </a:prstGeom>
+          <a:noFill/>
+          <a:ln>
+            <a:solidFill>
+              <a:schemeClr val="accent1"/>
+            </a:solidFill>
+          </a:ln>
+        </p:spPr>
+        <p:txBody>
+          <a:bodyPr wrap="none" rtlCol="0">
+            <a:spAutoFit/>
+          </a:bodyPr>
+          <a:lstStyle/>
+          <a:p>
+            <a:pPr algn="ctr"/>
+            <a:r>
+              <a:rPr lang="en-US" smtClean="0"/>
+              <a:t>Refactor</a:t>
+            </a:r>
+            <a:endParaRPr lang="en-US" dirty="0"/>
+          </a:p>
+        </p:txBody>
+      </p:sp>
+      <p:cxnSp>
+        <p:nvCxnSpPr>
+          <p:cNvPr id="44" name="Elbow Connector 43"/>
+          <p:cNvCxnSpPr/>
+          <p:nvPr/>
+        </p:nvCxnSpPr>
+        <p:spPr>
+          <a:xfrm flipV="1">
+            <a:off x="11792593" y="276080"/>
+            <a:ext cx="57166" cy="2829216"/>
+          </a:xfrm>
+          <a:prstGeom prst="bentConnector3">
+            <a:avLst>
+              <a:gd name="adj1" fmla="val 499888"/>
+            </a:avLst>
+          </a:prstGeom>
+          <a:ln>
+            <a:tailEnd type="triangle"/>
+          </a:ln>
+        </p:spPr>
+        <p:style>
+          <a:lnRef idx="1">
+            <a:schemeClr val="accent1"/>
+          </a:lnRef>
+          <a:fillRef idx="0">
+            <a:schemeClr val="accent1"/>
+          </a:fillRef>
+          <a:effectRef idx="0">
+            <a:schemeClr val="accent1"/>
+          </a:effectRef>
+          <a:fontRef idx="minor">
+            <a:schemeClr val="tx1"/>
+          </a:fontRef>
+        </p:style>
+      </p:cxnSp>
+      <p:cxnSp>
+        <p:nvCxnSpPr>
+          <p:cNvPr id="45" name="Elbow Connector 44"/>
+          <p:cNvCxnSpPr/>
+          <p:nvPr/>
+        </p:nvCxnSpPr>
+        <p:spPr>
+          <a:xfrm rot="10800000" flipH="1">
+            <a:off x="10821812" y="1685366"/>
+            <a:ext cx="81787" cy="1419931"/>
+          </a:xfrm>
+          <a:prstGeom prst="bentConnector3">
+            <a:avLst>
+              <a:gd name="adj1" fmla="val -279507"/>
+            </a:avLst>
+          </a:prstGeom>
+          <a:ln>
+            <a:tailEnd type="triangle"/>
+          </a:ln>
+        </p:spPr>
+        <p:style>
+          <a:lnRef idx="1">
+            <a:schemeClr val="accent1"/>
+          </a:lnRef>
+          <a:fillRef idx="0">
+            <a:schemeClr val="accent1"/>
+          </a:fillRef>
+          <a:effectRef idx="0">
+            <a:schemeClr val="accent1"/>
+          </a:effectRef>
+          <a:fontRef idx="minor">
+            <a:schemeClr val="tx1"/>
+          </a:fontRef>
+        </p:style>
+      </p:cxnSp>
     </p:spTree>
     <p:extLst>
       <p:ext uri="{BB962C8B-B14F-4D97-AF65-F5344CB8AC3E}">
-        <p14:creationId xmlns:p14="http://schemas.microsoft.com/office/powerpoint/2010/main" val="1773368376"/>
+        <p14:creationId xmlns:p14="http://schemas.microsoft.com/office/powerpoint/2010/main" val="459009621"/>
       </p:ext>
     </p:extLst>
   </p:cSld>
@@ -4105,7 +8893,7 @@
           <a:p>
             <a:r>
               <a:rPr lang="en-US" dirty="0" smtClean="0"/>
-              <a:t>Red-Green-Refactor</a:t>
+              <a:t>Green</a:t>
             </a:r>
             <a:endParaRPr lang="en-US" dirty="0"/>
           </a:p>
@@ -4123,43 +8911,905 @@
         </p:nvSpPr>
         <p:spPr/>
         <p:txBody>
-          <a:bodyPr/>
-          <a:lstStyle/>
-          <a:p>
-            <a:r>
-              <a:rPr lang="en-US" dirty="0" smtClean="0"/>
-              <a:t>Red: make a newly written test fail</a:t>
-            </a:r>
-          </a:p>
-          <a:p>
-            <a:r>
-              <a:rPr lang="en-US" dirty="0" smtClean="0"/>
-              <a:t>Green: add just enough code to make the test pass</a:t>
-            </a:r>
-          </a:p>
-          <a:p>
-            <a:r>
-              <a:rPr lang="en-US" dirty="0" smtClean="0"/>
-              <a:t>Refactor: clean the code</a:t>
-            </a:r>
-          </a:p>
-          <a:p>
-            <a:pPr lvl="1"/>
-            <a:r>
-              <a:rPr lang="en-US" dirty="0" smtClean="0"/>
-              <a:t>Remove duplication</a:t>
-            </a:r>
-          </a:p>
-          <a:p>
-            <a:pPr lvl="1"/>
+          <a:bodyPr>
+            <a:normAutofit/>
+          </a:bodyPr>
+          <a:lstStyle/>
+          <a:p>
+            <a:r>
+              <a:rPr lang="en-US" dirty="0" smtClean="0"/>
+              <a:t>Write the obvious implementation</a:t>
+            </a:r>
+          </a:p>
+          <a:p>
+            <a:r>
+              <a:rPr lang="en-US" dirty="0" smtClean="0"/>
+              <a:t>At this stage production ready code is unnecessary</a:t>
+            </a:r>
+          </a:p>
+          <a:p>
+            <a:r>
+              <a:rPr lang="en-US" dirty="0"/>
+              <a:t>If possible, consider a hard coded </a:t>
+            </a:r>
+            <a:r>
+              <a:rPr lang="en-US" dirty="0" smtClean="0"/>
+              <a:t>value</a:t>
+            </a:r>
+          </a:p>
+          <a:p>
+            <a:r>
+              <a:rPr lang="en-US" dirty="0" smtClean="0"/>
+              <a:t>Put the future off for now and solve the problem at hand</a:t>
+            </a:r>
             <a:endParaRPr lang="en-US" dirty="0"/>
           </a:p>
         </p:txBody>
       </p:sp>
+      <p:sp>
+        <p:nvSpPr>
+          <p:cNvPr id="4" name="TextBox 3"/>
+          <p:cNvSpPr txBox="1"/>
+          <p:nvPr/>
+        </p:nvSpPr>
+        <p:spPr>
+          <a:xfrm>
+            <a:off x="10717782" y="91414"/>
+            <a:ext cx="1131977" cy="369332"/>
+          </a:xfrm>
+          <a:prstGeom prst="rect">
+            <a:avLst/>
+          </a:prstGeom>
+          <a:noFill/>
+          <a:ln>
+            <a:solidFill>
+              <a:schemeClr val="accent1"/>
+            </a:solidFill>
+          </a:ln>
+        </p:spPr>
+        <p:txBody>
+          <a:bodyPr wrap="none" rtlCol="0">
+            <a:spAutoFit/>
+          </a:bodyPr>
+          <a:lstStyle/>
+          <a:p>
+            <a:pPr algn="ctr"/>
+            <a:r>
+              <a:rPr lang="en-US" dirty="0" smtClean="0"/>
+              <a:t>Add a test</a:t>
+            </a:r>
+            <a:endParaRPr lang="en-US" dirty="0" smtClean="0"/>
+          </a:p>
+        </p:txBody>
+      </p:sp>
+      <p:sp>
+        <p:nvSpPr>
+          <p:cNvPr id="5" name="TextBox 4"/>
+          <p:cNvSpPr txBox="1"/>
+          <p:nvPr/>
+        </p:nvSpPr>
+        <p:spPr>
+          <a:xfrm>
+            <a:off x="11012250" y="799272"/>
+            <a:ext cx="543034" cy="369332"/>
+          </a:xfrm>
+          <a:prstGeom prst="rect">
+            <a:avLst/>
+          </a:prstGeom>
+          <a:noFill/>
+          <a:ln>
+            <a:solidFill>
+              <a:schemeClr val="accent1"/>
+            </a:solidFill>
+          </a:ln>
+        </p:spPr>
+        <p:txBody>
+          <a:bodyPr wrap="none" rtlCol="0">
+            <a:spAutoFit/>
+          </a:bodyPr>
+          <a:lstStyle/>
+          <a:p>
+            <a:pPr algn="ctr"/>
+            <a:r>
+              <a:rPr lang="en-US" dirty="0" smtClean="0"/>
+              <a:t>Red</a:t>
+            </a:r>
+            <a:endParaRPr lang="en-US" dirty="0"/>
+          </a:p>
+        </p:txBody>
+      </p:sp>
+      <p:sp>
+        <p:nvSpPr>
+          <p:cNvPr id="6" name="TextBox 5"/>
+          <p:cNvSpPr txBox="1"/>
+          <p:nvPr/>
+        </p:nvSpPr>
+        <p:spPr>
+          <a:xfrm>
+            <a:off x="10903600" y="1500699"/>
+            <a:ext cx="760337" cy="369332"/>
+          </a:xfrm>
+          <a:prstGeom prst="rect">
+            <a:avLst/>
+          </a:prstGeom>
+          <a:solidFill>
+            <a:schemeClr val="accent4">
+              <a:lumMod val="20000"/>
+              <a:lumOff val="80000"/>
+            </a:schemeClr>
+          </a:solidFill>
+          <a:ln>
+            <a:solidFill>
+              <a:schemeClr val="accent1"/>
+            </a:solidFill>
+          </a:ln>
+        </p:spPr>
+        <p:txBody>
+          <a:bodyPr wrap="none" rtlCol="0">
+            <a:spAutoFit/>
+          </a:bodyPr>
+          <a:lstStyle/>
+          <a:p>
+            <a:pPr algn="ctr"/>
+            <a:r>
+              <a:rPr lang="en-US" dirty="0" smtClean="0"/>
+              <a:t>Green</a:t>
+            </a:r>
+            <a:endParaRPr lang="en-US" dirty="0" smtClean="0"/>
+          </a:p>
+        </p:txBody>
+      </p:sp>
+      <p:sp>
+        <p:nvSpPr>
+          <p:cNvPr id="7" name="TextBox 6"/>
+          <p:cNvSpPr txBox="1"/>
+          <p:nvPr/>
+        </p:nvSpPr>
+        <p:spPr>
+          <a:xfrm>
+            <a:off x="10819543" y="2224061"/>
+            <a:ext cx="928460" cy="369332"/>
+          </a:xfrm>
+          <a:prstGeom prst="rect">
+            <a:avLst/>
+          </a:prstGeom>
+          <a:noFill/>
+          <a:ln>
+            <a:solidFill>
+              <a:schemeClr val="accent1"/>
+            </a:solidFill>
+          </a:ln>
+        </p:spPr>
+        <p:txBody>
+          <a:bodyPr wrap="none" rtlCol="0">
+            <a:spAutoFit/>
+          </a:bodyPr>
+          <a:lstStyle/>
+          <a:p>
+            <a:pPr algn="ctr"/>
+            <a:r>
+              <a:rPr lang="en-US" dirty="0" smtClean="0"/>
+              <a:t>Commit</a:t>
+            </a:r>
+            <a:endParaRPr lang="en-US" dirty="0"/>
+          </a:p>
+        </p:txBody>
+      </p:sp>
+      <p:cxnSp>
+        <p:nvCxnSpPr>
+          <p:cNvPr id="8" name="Straight Arrow Connector 7"/>
+          <p:cNvCxnSpPr/>
+          <p:nvPr/>
+        </p:nvCxnSpPr>
+        <p:spPr>
+          <a:xfrm flipH="1">
+            <a:off x="11283767" y="460746"/>
+            <a:ext cx="4" cy="338526"/>
+          </a:xfrm>
+          <a:prstGeom prst="straightConnector1">
+            <a:avLst/>
+          </a:prstGeom>
+          <a:ln>
+            <a:tailEnd type="triangle"/>
+          </a:ln>
+        </p:spPr>
+        <p:style>
+          <a:lnRef idx="1">
+            <a:schemeClr val="accent1"/>
+          </a:lnRef>
+          <a:fillRef idx="0">
+            <a:schemeClr val="accent1"/>
+          </a:fillRef>
+          <a:effectRef idx="0">
+            <a:schemeClr val="accent1"/>
+          </a:effectRef>
+          <a:fontRef idx="minor">
+            <a:schemeClr val="tx1"/>
+          </a:fontRef>
+        </p:style>
+      </p:cxnSp>
+      <p:cxnSp>
+        <p:nvCxnSpPr>
+          <p:cNvPr id="9" name="Straight Arrow Connector 8"/>
+          <p:cNvCxnSpPr/>
+          <p:nvPr/>
+        </p:nvCxnSpPr>
+        <p:spPr>
+          <a:xfrm flipH="1">
+            <a:off x="11283761" y="1165539"/>
+            <a:ext cx="4" cy="338526"/>
+          </a:xfrm>
+          <a:prstGeom prst="straightConnector1">
+            <a:avLst/>
+          </a:prstGeom>
+          <a:ln>
+            <a:tailEnd type="triangle"/>
+          </a:ln>
+        </p:spPr>
+        <p:style>
+          <a:lnRef idx="1">
+            <a:schemeClr val="accent1"/>
+          </a:lnRef>
+          <a:fillRef idx="0">
+            <a:schemeClr val="accent1"/>
+          </a:fillRef>
+          <a:effectRef idx="0">
+            <a:schemeClr val="accent1"/>
+          </a:effectRef>
+          <a:fontRef idx="minor">
+            <a:schemeClr val="tx1"/>
+          </a:fontRef>
+        </p:style>
+      </p:cxnSp>
+      <p:cxnSp>
+        <p:nvCxnSpPr>
+          <p:cNvPr id="10" name="Straight Arrow Connector 9"/>
+          <p:cNvCxnSpPr/>
+          <p:nvPr/>
+        </p:nvCxnSpPr>
+        <p:spPr>
+          <a:xfrm flipH="1">
+            <a:off x="11283757" y="1876673"/>
+            <a:ext cx="4" cy="338526"/>
+          </a:xfrm>
+          <a:prstGeom prst="straightConnector1">
+            <a:avLst/>
+          </a:prstGeom>
+          <a:ln>
+            <a:tailEnd type="triangle"/>
+          </a:ln>
+        </p:spPr>
+        <p:style>
+          <a:lnRef idx="1">
+            <a:schemeClr val="accent1"/>
+          </a:lnRef>
+          <a:fillRef idx="0">
+            <a:schemeClr val="accent1"/>
+          </a:fillRef>
+          <a:effectRef idx="0">
+            <a:schemeClr val="accent1"/>
+          </a:effectRef>
+          <a:fontRef idx="minor">
+            <a:schemeClr val="tx1"/>
+          </a:fontRef>
+        </p:style>
+      </p:cxnSp>
+      <p:cxnSp>
+        <p:nvCxnSpPr>
+          <p:cNvPr id="11" name="Straight Arrow Connector 10"/>
+          <p:cNvCxnSpPr/>
+          <p:nvPr/>
+        </p:nvCxnSpPr>
+        <p:spPr>
+          <a:xfrm flipH="1">
+            <a:off x="11295481" y="2591777"/>
+            <a:ext cx="4" cy="338526"/>
+          </a:xfrm>
+          <a:prstGeom prst="straightConnector1">
+            <a:avLst/>
+          </a:prstGeom>
+          <a:ln>
+            <a:tailEnd type="triangle"/>
+          </a:ln>
+        </p:spPr>
+        <p:style>
+          <a:lnRef idx="1">
+            <a:schemeClr val="accent1"/>
+          </a:lnRef>
+          <a:fillRef idx="0">
+            <a:schemeClr val="accent1"/>
+          </a:fillRef>
+          <a:effectRef idx="0">
+            <a:schemeClr val="accent1"/>
+          </a:effectRef>
+          <a:fontRef idx="minor">
+            <a:schemeClr val="tx1"/>
+          </a:fontRef>
+        </p:style>
+      </p:cxnSp>
+      <p:sp>
+        <p:nvSpPr>
+          <p:cNvPr id="12" name="TextBox 11"/>
+          <p:cNvSpPr txBox="1"/>
+          <p:nvPr/>
+        </p:nvSpPr>
+        <p:spPr>
+          <a:xfrm>
+            <a:off x="10821813" y="2920630"/>
+            <a:ext cx="970780" cy="369332"/>
+          </a:xfrm>
+          <a:prstGeom prst="rect">
+            <a:avLst/>
+          </a:prstGeom>
+          <a:noFill/>
+          <a:ln>
+            <a:solidFill>
+              <a:schemeClr val="accent1"/>
+            </a:solidFill>
+          </a:ln>
+        </p:spPr>
+        <p:txBody>
+          <a:bodyPr wrap="none" rtlCol="0">
+            <a:spAutoFit/>
+          </a:bodyPr>
+          <a:lstStyle/>
+          <a:p>
+            <a:pPr algn="ctr"/>
+            <a:r>
+              <a:rPr lang="en-US" smtClean="0"/>
+              <a:t>Refactor</a:t>
+            </a:r>
+            <a:endParaRPr lang="en-US" dirty="0"/>
+          </a:p>
+        </p:txBody>
+      </p:sp>
+      <p:cxnSp>
+        <p:nvCxnSpPr>
+          <p:cNvPr id="13" name="Elbow Connector 12"/>
+          <p:cNvCxnSpPr/>
+          <p:nvPr/>
+        </p:nvCxnSpPr>
+        <p:spPr>
+          <a:xfrm flipV="1">
+            <a:off x="11792593" y="276080"/>
+            <a:ext cx="57166" cy="2829216"/>
+          </a:xfrm>
+          <a:prstGeom prst="bentConnector3">
+            <a:avLst>
+              <a:gd name="adj1" fmla="val 499888"/>
+            </a:avLst>
+          </a:prstGeom>
+          <a:ln>
+            <a:tailEnd type="triangle"/>
+          </a:ln>
+        </p:spPr>
+        <p:style>
+          <a:lnRef idx="1">
+            <a:schemeClr val="accent1"/>
+          </a:lnRef>
+          <a:fillRef idx="0">
+            <a:schemeClr val="accent1"/>
+          </a:fillRef>
+          <a:effectRef idx="0">
+            <a:schemeClr val="accent1"/>
+          </a:effectRef>
+          <a:fontRef idx="minor">
+            <a:schemeClr val="tx1"/>
+          </a:fontRef>
+        </p:style>
+      </p:cxnSp>
+      <p:cxnSp>
+        <p:nvCxnSpPr>
+          <p:cNvPr id="14" name="Elbow Connector 13"/>
+          <p:cNvCxnSpPr/>
+          <p:nvPr/>
+        </p:nvCxnSpPr>
+        <p:spPr>
+          <a:xfrm rot="10800000" flipH="1">
+            <a:off x="10821812" y="1685366"/>
+            <a:ext cx="81787" cy="1419931"/>
+          </a:xfrm>
+          <a:prstGeom prst="bentConnector3">
+            <a:avLst>
+              <a:gd name="adj1" fmla="val -279507"/>
+            </a:avLst>
+          </a:prstGeom>
+          <a:ln>
+            <a:tailEnd type="triangle"/>
+          </a:ln>
+        </p:spPr>
+        <p:style>
+          <a:lnRef idx="1">
+            <a:schemeClr val="accent1"/>
+          </a:lnRef>
+          <a:fillRef idx="0">
+            <a:schemeClr val="accent1"/>
+          </a:fillRef>
+          <a:effectRef idx="0">
+            <a:schemeClr val="accent1"/>
+          </a:effectRef>
+          <a:fontRef idx="minor">
+            <a:schemeClr val="tx1"/>
+          </a:fontRef>
+        </p:style>
+      </p:cxnSp>
     </p:spTree>
     <p:extLst>
       <p:ext uri="{BB962C8B-B14F-4D97-AF65-F5344CB8AC3E}">
-        <p14:creationId xmlns:p14="http://schemas.microsoft.com/office/powerpoint/2010/main" val="1777416559"/>
+        <p14:creationId xmlns:p14="http://schemas.microsoft.com/office/powerpoint/2010/main" val="1636712731"/>
+      </p:ext>
+    </p:extLst>
+  </p:cSld>
+  <p:clrMapOvr>
+    <a:masterClrMapping/>
+  </p:clrMapOvr>
+</p:sld>
+</file>
+
+<file path=ppt/slides/slide9.xml><?xml version="1.0" encoding="utf-8"?>
+<p:sld xmlns:a="http://schemas.openxmlformats.org/drawingml/2006/main" xmlns:r="http://schemas.openxmlformats.org/officeDocument/2006/relationships" xmlns:p="http://schemas.openxmlformats.org/presentationml/2006/main">
+  <p:cSld>
+    <p:spTree>
+      <p:nvGrpSpPr>
+        <p:cNvPr id="1" name=""/>
+        <p:cNvGrpSpPr/>
+        <p:nvPr/>
+      </p:nvGrpSpPr>
+      <p:grpSpPr>
+        <a:xfrm>
+          <a:off x="0" y="0"/>
+          <a:ext cx="0" cy="0"/>
+          <a:chOff x="0" y="0"/>
+          <a:chExt cx="0" cy="0"/>
+        </a:xfrm>
+      </p:grpSpPr>
+      <p:sp>
+        <p:nvSpPr>
+          <p:cNvPr id="2" name="Title 1"/>
+          <p:cNvSpPr>
+            <a:spLocks noGrp="1"/>
+          </p:cNvSpPr>
+          <p:nvPr>
+            <p:ph type="title"/>
+          </p:nvPr>
+        </p:nvSpPr>
+        <p:spPr/>
+        <p:txBody>
+          <a:bodyPr/>
+          <a:lstStyle/>
+          <a:p>
+            <a:r>
+              <a:rPr lang="en-US" dirty="0" smtClean="0"/>
+              <a:t>Commit</a:t>
+            </a:r>
+            <a:endParaRPr lang="en-US" dirty="0"/>
+          </a:p>
+        </p:txBody>
+      </p:sp>
+      <p:sp>
+        <p:nvSpPr>
+          <p:cNvPr id="3" name="Content Placeholder 2"/>
+          <p:cNvSpPr>
+            <a:spLocks noGrp="1"/>
+          </p:cNvSpPr>
+          <p:nvPr>
+            <p:ph idx="1"/>
+          </p:nvPr>
+        </p:nvSpPr>
+        <p:spPr>
+          <a:xfrm>
+            <a:off x="838200" y="1825625"/>
+            <a:ext cx="9612882" cy="4351338"/>
+          </a:xfrm>
+        </p:spPr>
+        <p:txBody>
+          <a:bodyPr/>
+          <a:lstStyle/>
+          <a:p>
+            <a:r>
+              <a:rPr lang="en-US" dirty="0" smtClean="0"/>
+              <a:t>Check the passing test into version control</a:t>
+            </a:r>
+          </a:p>
+          <a:p>
+            <a:r>
+              <a:rPr lang="en-US" dirty="0" smtClean="0"/>
+              <a:t>Frequent, small commits reduce likelihood work is lost if newly added functionality does not work</a:t>
+            </a:r>
+          </a:p>
+        </p:txBody>
+      </p:sp>
+      <p:sp>
+        <p:nvSpPr>
+          <p:cNvPr id="4" name="TextBox 3"/>
+          <p:cNvSpPr txBox="1"/>
+          <p:nvPr/>
+        </p:nvSpPr>
+        <p:spPr>
+          <a:xfrm>
+            <a:off x="10717782" y="91414"/>
+            <a:ext cx="1131977" cy="369332"/>
+          </a:xfrm>
+          <a:prstGeom prst="rect">
+            <a:avLst/>
+          </a:prstGeom>
+          <a:noFill/>
+          <a:ln>
+            <a:solidFill>
+              <a:schemeClr val="accent1"/>
+            </a:solidFill>
+          </a:ln>
+        </p:spPr>
+        <p:txBody>
+          <a:bodyPr wrap="none" rtlCol="0">
+            <a:spAutoFit/>
+          </a:bodyPr>
+          <a:lstStyle/>
+          <a:p>
+            <a:pPr algn="ctr"/>
+            <a:r>
+              <a:rPr lang="en-US" dirty="0" smtClean="0"/>
+              <a:t>Add a test</a:t>
+            </a:r>
+            <a:endParaRPr lang="en-US" dirty="0" smtClean="0"/>
+          </a:p>
+        </p:txBody>
+      </p:sp>
+      <p:sp>
+        <p:nvSpPr>
+          <p:cNvPr id="5" name="TextBox 4"/>
+          <p:cNvSpPr txBox="1"/>
+          <p:nvPr/>
+        </p:nvSpPr>
+        <p:spPr>
+          <a:xfrm>
+            <a:off x="11012250" y="799272"/>
+            <a:ext cx="543034" cy="369332"/>
+          </a:xfrm>
+          <a:prstGeom prst="rect">
+            <a:avLst/>
+          </a:prstGeom>
+          <a:noFill/>
+          <a:ln>
+            <a:solidFill>
+              <a:schemeClr val="accent1"/>
+            </a:solidFill>
+          </a:ln>
+        </p:spPr>
+        <p:txBody>
+          <a:bodyPr wrap="none" rtlCol="0">
+            <a:spAutoFit/>
+          </a:bodyPr>
+          <a:lstStyle/>
+          <a:p>
+            <a:pPr algn="ctr"/>
+            <a:r>
+              <a:rPr lang="en-US" dirty="0" smtClean="0"/>
+              <a:t>Red</a:t>
+            </a:r>
+            <a:endParaRPr lang="en-US" dirty="0"/>
+          </a:p>
+        </p:txBody>
+      </p:sp>
+      <p:sp>
+        <p:nvSpPr>
+          <p:cNvPr id="6" name="TextBox 5"/>
+          <p:cNvSpPr txBox="1"/>
+          <p:nvPr/>
+        </p:nvSpPr>
+        <p:spPr>
+          <a:xfrm>
+            <a:off x="10903600" y="1500699"/>
+            <a:ext cx="760337" cy="369332"/>
+          </a:xfrm>
+          <a:prstGeom prst="rect">
+            <a:avLst/>
+          </a:prstGeom>
+          <a:noFill/>
+          <a:ln>
+            <a:solidFill>
+              <a:schemeClr val="accent1"/>
+            </a:solidFill>
+          </a:ln>
+        </p:spPr>
+        <p:txBody>
+          <a:bodyPr wrap="none" rtlCol="0">
+            <a:spAutoFit/>
+          </a:bodyPr>
+          <a:lstStyle/>
+          <a:p>
+            <a:pPr algn="ctr"/>
+            <a:r>
+              <a:rPr lang="en-US" dirty="0" smtClean="0"/>
+              <a:t>Green</a:t>
+            </a:r>
+            <a:endParaRPr lang="en-US" dirty="0" smtClean="0"/>
+          </a:p>
+        </p:txBody>
+      </p:sp>
+      <p:sp>
+        <p:nvSpPr>
+          <p:cNvPr id="7" name="TextBox 6"/>
+          <p:cNvSpPr txBox="1"/>
+          <p:nvPr/>
+        </p:nvSpPr>
+        <p:spPr>
+          <a:xfrm>
+            <a:off x="10819543" y="2224061"/>
+            <a:ext cx="928460" cy="369332"/>
+          </a:xfrm>
+          <a:prstGeom prst="rect">
+            <a:avLst/>
+          </a:prstGeom>
+          <a:solidFill>
+            <a:schemeClr val="accent4">
+              <a:lumMod val="20000"/>
+              <a:lumOff val="80000"/>
+            </a:schemeClr>
+          </a:solidFill>
+          <a:ln>
+            <a:solidFill>
+              <a:schemeClr val="accent1"/>
+            </a:solidFill>
+          </a:ln>
+        </p:spPr>
+        <p:txBody>
+          <a:bodyPr wrap="none" rtlCol="0">
+            <a:spAutoFit/>
+          </a:bodyPr>
+          <a:lstStyle/>
+          <a:p>
+            <a:pPr algn="ctr"/>
+            <a:r>
+              <a:rPr lang="en-US" dirty="0" smtClean="0"/>
+              <a:t>Commit</a:t>
+            </a:r>
+            <a:endParaRPr lang="en-US" dirty="0"/>
+          </a:p>
+        </p:txBody>
+      </p:sp>
+      <p:cxnSp>
+        <p:nvCxnSpPr>
+          <p:cNvPr id="8" name="Straight Arrow Connector 7"/>
+          <p:cNvCxnSpPr/>
+          <p:nvPr/>
+        </p:nvCxnSpPr>
+        <p:spPr>
+          <a:xfrm flipH="1">
+            <a:off x="11283767" y="460746"/>
+            <a:ext cx="4" cy="338526"/>
+          </a:xfrm>
+          <a:prstGeom prst="straightConnector1">
+            <a:avLst/>
+          </a:prstGeom>
+          <a:ln>
+            <a:tailEnd type="triangle"/>
+          </a:ln>
+        </p:spPr>
+        <p:style>
+          <a:lnRef idx="1">
+            <a:schemeClr val="accent1"/>
+          </a:lnRef>
+          <a:fillRef idx="0">
+            <a:schemeClr val="accent1"/>
+          </a:fillRef>
+          <a:effectRef idx="0">
+            <a:schemeClr val="accent1"/>
+          </a:effectRef>
+          <a:fontRef idx="minor">
+            <a:schemeClr val="tx1"/>
+          </a:fontRef>
+        </p:style>
+      </p:cxnSp>
+      <p:cxnSp>
+        <p:nvCxnSpPr>
+          <p:cNvPr id="9" name="Straight Arrow Connector 8"/>
+          <p:cNvCxnSpPr/>
+          <p:nvPr/>
+        </p:nvCxnSpPr>
+        <p:spPr>
+          <a:xfrm flipH="1">
+            <a:off x="11283761" y="1165539"/>
+            <a:ext cx="4" cy="338526"/>
+          </a:xfrm>
+          <a:prstGeom prst="straightConnector1">
+            <a:avLst/>
+          </a:prstGeom>
+          <a:ln>
+            <a:tailEnd type="triangle"/>
+          </a:ln>
+        </p:spPr>
+        <p:style>
+          <a:lnRef idx="1">
+            <a:schemeClr val="accent1"/>
+          </a:lnRef>
+          <a:fillRef idx="0">
+            <a:schemeClr val="accent1"/>
+          </a:fillRef>
+          <a:effectRef idx="0">
+            <a:schemeClr val="accent1"/>
+          </a:effectRef>
+          <a:fontRef idx="minor">
+            <a:schemeClr val="tx1"/>
+          </a:fontRef>
+        </p:style>
+      </p:cxnSp>
+      <p:cxnSp>
+        <p:nvCxnSpPr>
+          <p:cNvPr id="10" name="Straight Arrow Connector 9"/>
+          <p:cNvCxnSpPr/>
+          <p:nvPr/>
+        </p:nvCxnSpPr>
+        <p:spPr>
+          <a:xfrm flipH="1">
+            <a:off x="11283757" y="1876673"/>
+            <a:ext cx="4" cy="338526"/>
+          </a:xfrm>
+          <a:prstGeom prst="straightConnector1">
+            <a:avLst/>
+          </a:prstGeom>
+          <a:ln>
+            <a:tailEnd type="triangle"/>
+          </a:ln>
+        </p:spPr>
+        <p:style>
+          <a:lnRef idx="1">
+            <a:schemeClr val="accent1"/>
+          </a:lnRef>
+          <a:fillRef idx="0">
+            <a:schemeClr val="accent1"/>
+          </a:fillRef>
+          <a:effectRef idx="0">
+            <a:schemeClr val="accent1"/>
+          </a:effectRef>
+          <a:fontRef idx="minor">
+            <a:schemeClr val="tx1"/>
+          </a:fontRef>
+        </p:style>
+      </p:cxnSp>
+      <p:cxnSp>
+        <p:nvCxnSpPr>
+          <p:cNvPr id="11" name="Straight Arrow Connector 10"/>
+          <p:cNvCxnSpPr/>
+          <p:nvPr/>
+        </p:nvCxnSpPr>
+        <p:spPr>
+          <a:xfrm flipH="1">
+            <a:off x="11295481" y="2591777"/>
+            <a:ext cx="4" cy="338526"/>
+          </a:xfrm>
+          <a:prstGeom prst="straightConnector1">
+            <a:avLst/>
+          </a:prstGeom>
+          <a:ln>
+            <a:tailEnd type="triangle"/>
+          </a:ln>
+        </p:spPr>
+        <p:style>
+          <a:lnRef idx="1">
+            <a:schemeClr val="accent1"/>
+          </a:lnRef>
+          <a:fillRef idx="0">
+            <a:schemeClr val="accent1"/>
+          </a:fillRef>
+          <a:effectRef idx="0">
+            <a:schemeClr val="accent1"/>
+          </a:effectRef>
+          <a:fontRef idx="minor">
+            <a:schemeClr val="tx1"/>
+          </a:fontRef>
+        </p:style>
+      </p:cxnSp>
+      <p:sp>
+        <p:nvSpPr>
+          <p:cNvPr id="12" name="TextBox 11"/>
+          <p:cNvSpPr txBox="1"/>
+          <p:nvPr/>
+        </p:nvSpPr>
+        <p:spPr>
+          <a:xfrm>
+            <a:off x="10821813" y="2920630"/>
+            <a:ext cx="970780" cy="369332"/>
+          </a:xfrm>
+          <a:prstGeom prst="rect">
+            <a:avLst/>
+          </a:prstGeom>
+          <a:noFill/>
+          <a:ln>
+            <a:solidFill>
+              <a:schemeClr val="accent1"/>
+            </a:solidFill>
+          </a:ln>
+        </p:spPr>
+        <p:txBody>
+          <a:bodyPr wrap="none" rtlCol="0">
+            <a:spAutoFit/>
+          </a:bodyPr>
+          <a:lstStyle/>
+          <a:p>
+            <a:pPr algn="ctr"/>
+            <a:r>
+              <a:rPr lang="en-US" smtClean="0"/>
+              <a:t>Refactor</a:t>
+            </a:r>
+            <a:endParaRPr lang="en-US" dirty="0"/>
+          </a:p>
+        </p:txBody>
+      </p:sp>
+      <p:cxnSp>
+        <p:nvCxnSpPr>
+          <p:cNvPr id="13" name="Elbow Connector 12"/>
+          <p:cNvCxnSpPr/>
+          <p:nvPr/>
+        </p:nvCxnSpPr>
+        <p:spPr>
+          <a:xfrm flipV="1">
+            <a:off x="11792593" y="276080"/>
+            <a:ext cx="57166" cy="2829216"/>
+          </a:xfrm>
+          <a:prstGeom prst="bentConnector3">
+            <a:avLst>
+              <a:gd name="adj1" fmla="val 499888"/>
+            </a:avLst>
+          </a:prstGeom>
+          <a:ln>
+            <a:tailEnd type="triangle"/>
+          </a:ln>
+        </p:spPr>
+        <p:style>
+          <a:lnRef idx="1">
+            <a:schemeClr val="accent1"/>
+          </a:lnRef>
+          <a:fillRef idx="0">
+            <a:schemeClr val="accent1"/>
+          </a:fillRef>
+          <a:effectRef idx="0">
+            <a:schemeClr val="accent1"/>
+          </a:effectRef>
+          <a:fontRef idx="minor">
+            <a:schemeClr val="tx1"/>
+          </a:fontRef>
+        </p:style>
+      </p:cxnSp>
+      <p:cxnSp>
+        <p:nvCxnSpPr>
+          <p:cNvPr id="14" name="Elbow Connector 13"/>
+          <p:cNvCxnSpPr/>
+          <p:nvPr/>
+        </p:nvCxnSpPr>
+        <p:spPr>
+          <a:xfrm rot="10800000" flipH="1">
+            <a:off x="10821812" y="1685366"/>
+            <a:ext cx="81787" cy="1419931"/>
+          </a:xfrm>
+          <a:prstGeom prst="bentConnector3">
+            <a:avLst>
+              <a:gd name="adj1" fmla="val -279507"/>
+            </a:avLst>
+          </a:prstGeom>
+          <a:ln>
+            <a:tailEnd type="triangle"/>
+          </a:ln>
+        </p:spPr>
+        <p:style>
+          <a:lnRef idx="1">
+            <a:schemeClr val="accent1"/>
+          </a:lnRef>
+          <a:fillRef idx="0">
+            <a:schemeClr val="accent1"/>
+          </a:fillRef>
+          <a:effectRef idx="0">
+            <a:schemeClr val="accent1"/>
+          </a:effectRef>
+          <a:fontRef idx="minor">
+            <a:schemeClr val="tx1"/>
+          </a:fontRef>
+        </p:style>
+      </p:cxnSp>
+    </p:spTree>
+    <p:extLst>
+      <p:ext uri="{BB962C8B-B14F-4D97-AF65-F5344CB8AC3E}">
+        <p14:creationId xmlns:p14="http://schemas.microsoft.com/office/powerpoint/2010/main" val="1773368376"/>
       </p:ext>
     </p:extLst>
   </p:cSld>
@@ -4428,4 +10078,265 @@
     </a:ext>
   </a:extLst>
 </a:theme>
+</file>
+
+<file path=ppt/theme/theme2.xml><?xml version="1.0" encoding="utf-8"?>
+<a:theme xmlns:a="http://schemas.openxmlformats.org/drawingml/2006/main" name="Office Theme">
+  <a:themeElements>
+    <a:clrScheme name="Office">
+      <a:dk1>
+        <a:sysClr val="windowText" lastClr="000000"/>
+      </a:dk1>
+      <a:lt1>
+        <a:sysClr val="window" lastClr="FFFFFF"/>
+      </a:lt1>
+      <a:dk2>
+        <a:srgbClr val="44546A"/>
+      </a:dk2>
+      <a:lt2>
+        <a:srgbClr val="E7E6E6"/>
+      </a:lt2>
+      <a:accent1>
+        <a:srgbClr val="5B9BD5"/>
+      </a:accent1>
+      <a:accent2>
+        <a:srgbClr val="ED7D31"/>
+      </a:accent2>
+      <a:accent3>
+        <a:srgbClr val="A5A5A5"/>
+      </a:accent3>
+      <a:accent4>
+        <a:srgbClr val="FFC000"/>
+      </a:accent4>
+      <a:accent5>
+        <a:srgbClr val="4472C4"/>
+      </a:accent5>
+      <a:accent6>
+        <a:srgbClr val="70AD47"/>
+      </a:accent6>
+      <a:hlink>
+        <a:srgbClr val="0563C1"/>
+      </a:hlink>
+      <a:folHlink>
+        <a:srgbClr val="954F72"/>
+      </a:folHlink>
+    </a:clrScheme>
+    <a:fontScheme name="Office">
+      <a:majorFont>
+        <a:latin typeface="Calibri Light" panose="020F0302020204030204"/>
+        <a:ea typeface=""/>
+        <a:cs typeface=""/>
+        <a:font script="Jpan" typeface="Yu Gothic Light"/>
+        <a:font script="Hang" typeface="맑은 고딕"/>
+        <a:font script="Hans" typeface="DengXian Light"/>
+        <a:font script="Hant" typeface="新細明體"/>
+        <a:font script="Arab" typeface="Times New Roman"/>
+        <a:font script="Hebr" typeface="Times New Roman"/>
+        <a:font script="Thai" typeface="Angsana New"/>
+        <a:font script="Ethi" typeface="Nyala"/>
+        <a:font script="Beng" typeface="Vrinda"/>
+        <a:font script="Gujr" typeface="Shruti"/>
+        <a:font script="Khmr" typeface="MoolBoran"/>
+        <a:font script="Knda" typeface="Tunga"/>
+        <a:font script="Guru" typeface="Raavi"/>
+        <a:font script="Cans" typeface="Euphemia"/>
+        <a:font script="Cher" typeface="Plantagenet Cherokee"/>
+        <a:font script="Yiii" typeface="Microsoft Yi Baiti"/>
+        <a:font script="Tibt" typeface="Microsoft Himalaya"/>
+        <a:font script="Thaa" typeface="MV Boli"/>
+        <a:font script="Deva" typeface="Mangal"/>
+        <a:font script="Telu" typeface="Gautami"/>
+        <a:font script="Taml" typeface="Latha"/>
+        <a:font script="Syrc" typeface="Estrangelo Edessa"/>
+        <a:font script="Orya" typeface="Kalinga"/>
+        <a:font script="Mlym" typeface="Kartika"/>
+        <a:font script="Laoo" typeface="DokChampa"/>
+        <a:font script="Sinh" typeface="Iskoola Pota"/>
+        <a:font script="Mong" typeface="Mongolian Baiti"/>
+        <a:font script="Viet" typeface="Times New Roman"/>
+        <a:font script="Uigh" typeface="Microsoft Uighur"/>
+        <a:font script="Geor" typeface="Sylfaen"/>
+      </a:majorFont>
+      <a:minorFont>
+        <a:latin typeface="Calibri" panose="020F0502020204030204"/>
+        <a:ea typeface=""/>
+        <a:cs typeface=""/>
+        <a:font script="Jpan" typeface="Yu Gothic"/>
+        <a:font script="Hang" typeface="맑은 고딕"/>
+        <a:font script="Hans" typeface="DengXian"/>
+        <a:font script="Hant" typeface="新細明體"/>
+        <a:font script="Arab" typeface="Arial"/>
+        <a:font script="Hebr" typeface="Arial"/>
+        <a:font script="Thai" typeface="Cordia New"/>
+        <a:font script="Ethi" typeface="Nyala"/>
+        <a:font script="Beng" typeface="Vrinda"/>
+        <a:font script="Gujr" typeface="Shruti"/>
+        <a:font script="Khmr" typeface="DaunPenh"/>
+        <a:font script="Knda" typeface="Tunga"/>
+        <a:font script="Guru" typeface="Raavi"/>
+        <a:font script="Cans" typeface="Euphemia"/>
+        <a:font script="Cher" typeface="Plantagenet Cherokee"/>
+        <a:font script="Yiii" typeface="Microsoft Yi Baiti"/>
+        <a:font script="Tibt" typeface="Microsoft Himalaya"/>
+        <a:font script="Thaa" typeface="MV Boli"/>
+        <a:font script="Deva" typeface="Mangal"/>
+        <a:font script="Telu" typeface="Gautami"/>
+        <a:font script="Taml" typeface="Latha"/>
+        <a:font script="Syrc" typeface="Estrangelo Edessa"/>
+        <a:font script="Orya" typeface="Kalinga"/>
+        <a:font script="Mlym" typeface="Kartika"/>
+        <a:font script="Laoo" typeface="DokChampa"/>
+        <a:font script="Sinh" typeface="Iskoola Pota"/>
+        <a:font script="Mong" typeface="Mongolian Baiti"/>
+        <a:font script="Viet" typeface="Arial"/>
+        <a:font script="Uigh" typeface="Microsoft Uighur"/>
+        <a:font script="Geor" typeface="Sylfaen"/>
+      </a:minorFont>
+    </a:fontScheme>
+    <a:fmtScheme name="Office">
+      <a:fillStyleLst>
+        <a:solidFill>
+          <a:schemeClr val="phClr"/>
+        </a:solidFill>
+        <a:gradFill rotWithShape="1">
+          <a:gsLst>
+            <a:gs pos="0">
+              <a:schemeClr val="phClr">
+                <a:lumMod val="110000"/>
+                <a:satMod val="105000"/>
+                <a:tint val="67000"/>
+              </a:schemeClr>
+            </a:gs>
+            <a:gs pos="50000">
+              <a:schemeClr val="phClr">
+                <a:lumMod val="105000"/>
+                <a:satMod val="103000"/>
+                <a:tint val="73000"/>
+              </a:schemeClr>
+            </a:gs>
+            <a:gs pos="100000">
+              <a:schemeClr val="phClr">
+                <a:lumMod val="105000"/>
+                <a:satMod val="109000"/>
+                <a:tint val="81000"/>
+              </a:schemeClr>
+            </a:gs>
+          </a:gsLst>
+          <a:lin ang="5400000" scaled="0"/>
+        </a:gradFill>
+        <a:gradFill rotWithShape="1">
+          <a:gsLst>
+            <a:gs pos="0">
+              <a:schemeClr val="phClr">
+                <a:satMod val="103000"/>
+                <a:lumMod val="102000"/>
+                <a:tint val="94000"/>
+              </a:schemeClr>
+            </a:gs>
+            <a:gs pos="50000">
+              <a:schemeClr val="phClr">
+                <a:satMod val="110000"/>
+                <a:lumMod val="100000"/>
+                <a:shade val="100000"/>
+              </a:schemeClr>
+            </a:gs>
+            <a:gs pos="100000">
+              <a:schemeClr val="phClr">
+                <a:lumMod val="99000"/>
+                <a:satMod val="120000"/>
+                <a:shade val="78000"/>
+              </a:schemeClr>
+            </a:gs>
+          </a:gsLst>
+          <a:lin ang="5400000" scaled="0"/>
+        </a:gradFill>
+      </a:fillStyleLst>
+      <a:lnStyleLst>
+        <a:ln w="6350" cap="flat" cmpd="sng" algn="ctr">
+          <a:solidFill>
+            <a:schemeClr val="phClr"/>
+          </a:solidFill>
+          <a:prstDash val="solid"/>
+          <a:miter lim="800000"/>
+        </a:ln>
+        <a:ln w="12700" cap="flat" cmpd="sng" algn="ctr">
+          <a:solidFill>
+            <a:schemeClr val="phClr"/>
+          </a:solidFill>
+          <a:prstDash val="solid"/>
+          <a:miter lim="800000"/>
+        </a:ln>
+        <a:ln w="19050" cap="flat" cmpd="sng" algn="ctr">
+          <a:solidFill>
+            <a:schemeClr val="phClr"/>
+          </a:solidFill>
+          <a:prstDash val="solid"/>
+          <a:miter lim="800000"/>
+        </a:ln>
+      </a:lnStyleLst>
+      <a:effectStyleLst>
+        <a:effectStyle>
+          <a:effectLst/>
+        </a:effectStyle>
+        <a:effectStyle>
+          <a:effectLst/>
+        </a:effectStyle>
+        <a:effectStyle>
+          <a:effectLst>
+            <a:outerShdw blurRad="57150" dist="19050" dir="5400000" algn="ctr" rotWithShape="0">
+              <a:srgbClr val="000000">
+                <a:alpha val="63000"/>
+              </a:srgbClr>
+            </a:outerShdw>
+          </a:effectLst>
+        </a:effectStyle>
+      </a:effectStyleLst>
+      <a:bgFillStyleLst>
+        <a:solidFill>
+          <a:schemeClr val="phClr"/>
+        </a:solidFill>
+        <a:solidFill>
+          <a:schemeClr val="phClr">
+            <a:tint val="95000"/>
+            <a:satMod val="170000"/>
+          </a:schemeClr>
+        </a:solidFill>
+        <a:gradFill rotWithShape="1">
+          <a:gsLst>
+            <a:gs pos="0">
+              <a:schemeClr val="phClr">
+                <a:tint val="93000"/>
+                <a:satMod val="150000"/>
+                <a:shade val="98000"/>
+                <a:lumMod val="102000"/>
+              </a:schemeClr>
+            </a:gs>
+            <a:gs pos="50000">
+              <a:schemeClr val="phClr">
+                <a:tint val="98000"/>
+                <a:satMod val="130000"/>
+                <a:shade val="90000"/>
+                <a:lumMod val="103000"/>
+              </a:schemeClr>
+            </a:gs>
+            <a:gs pos="100000">
+              <a:schemeClr val="phClr">
+                <a:shade val="63000"/>
+                <a:satMod val="120000"/>
+              </a:schemeClr>
+            </a:gs>
+          </a:gsLst>
+          <a:lin ang="5400000" scaled="0"/>
+        </a:gradFill>
+      </a:bgFillStyleLst>
+    </a:fmtScheme>
+  </a:themeElements>
+  <a:objectDefaults/>
+  <a:extraClrSchemeLst/>
+  <a:extLst>
+    <a:ext uri="{05A4C25C-085E-4340-85A3-A5531E510DB2}">
+      <thm15:themeFamily xmlns:thm15="http://schemas.microsoft.com/office/thememl/2012/main" name="Office Theme" id="{62F939B6-93AF-4DB8-9C6B-D6C7DFDC589F}" vid="{4A3C46E8-61CC-4603-A589-7422A47A8E4A}"/>
+    </a:ext>
+  </a:extLst>
+</a:theme>
 </file>
--- a/curriculum.pptx
+++ b/curriculum.pptx
@@ -5,7 +5,7 @@
     <p:sldMasterId id="2147483648" r:id="rId1"/>
   </p:sldMasterIdLst>
   <p:notesMasterIdLst>
-    <p:notesMasterId r:id="rId20"/>
+    <p:notesMasterId r:id="rId21"/>
   </p:notesMasterIdLst>
   <p:sldIdLst>
     <p:sldId id="256" r:id="rId2"/>
@@ -22,10 +22,11 @@
     <p:sldId id="269" r:id="rId13"/>
     <p:sldId id="270" r:id="rId14"/>
     <p:sldId id="276" r:id="rId15"/>
-    <p:sldId id="271" r:id="rId16"/>
-    <p:sldId id="272" r:id="rId17"/>
-    <p:sldId id="273" r:id="rId18"/>
-    <p:sldId id="274" r:id="rId19"/>
+    <p:sldId id="277" r:id="rId16"/>
+    <p:sldId id="271" r:id="rId17"/>
+    <p:sldId id="272" r:id="rId18"/>
+    <p:sldId id="273" r:id="rId19"/>
+    <p:sldId id="274" r:id="rId20"/>
   </p:sldIdLst>
   <p:sldSz cx="12192000" cy="6858000"/>
   <p:notesSz cx="6858000" cy="9144000"/>
@@ -4742,12 +4743,22 @@
           <a:p>
             <a:r>
               <a:rPr lang="en-US" dirty="0" smtClean="0"/>
-              <a:t>Follow up with a </a:t>
-            </a:r>
-            <a:r>
-              <a:rPr lang="en-US" smtClean="0"/>
-              <a:t>general implementation</a:t>
-            </a:r>
+              <a:t>Follow up with a general implementation</a:t>
+            </a:r>
+          </a:p>
+          <a:p>
+            <a:r>
+              <a:rPr lang="en-US" dirty="0" smtClean="0"/>
+              <a:t>Pushes previous implementation toward production quality code</a:t>
+            </a:r>
+          </a:p>
+          <a:p>
+            <a:r>
+              <a:rPr lang="en-US" dirty="0" smtClean="0"/>
+              <a:t>Potentially monotonous, useful for ambiguous implementations</a:t>
+            </a:r>
+          </a:p>
+          <a:p>
             <a:endParaRPr lang="en-US" dirty="0" smtClean="0"/>
           </a:p>
         </p:txBody>
@@ -5186,7 +5197,7 @@
           <a:p>
             <a:r>
               <a:rPr lang="en-US" dirty="0" smtClean="0"/>
-              <a:t>Red</a:t>
+              <a:t>Add a test</a:t>
             </a:r>
             <a:endParaRPr lang="en-US" dirty="0"/>
           </a:p>
@@ -5204,84 +5215,34 @@
         </p:nvSpPr>
         <p:spPr/>
         <p:txBody>
-          <a:bodyPr/>
-          <a:lstStyle/>
-          <a:p>
-            <a:endParaRPr lang="en-US" dirty="0" smtClean="0"/>
-          </a:p>
-          <a:p>
-            <a:endParaRPr lang="en-US" dirty="0"/>
-          </a:p>
-          <a:p>
-            <a:endParaRPr lang="en-US" dirty="0" smtClean="0"/>
-          </a:p>
-          <a:p>
-            <a:r>
-              <a:rPr lang="en-US" dirty="0" smtClean="0"/>
-              <a:t>Run the test, ensure it fails</a:t>
-            </a:r>
-          </a:p>
-          <a:p>
-            <a:r>
-              <a:rPr lang="en-US" dirty="0" smtClean="0"/>
-              <a:t>At this stage a failing test is good</a:t>
-            </a:r>
-          </a:p>
-          <a:p>
-            <a:r>
-              <a:rPr lang="en-US" dirty="0" smtClean="0"/>
-              <a:t>Ensures there exists a test that can be made to pass</a:t>
-            </a:r>
-            <a:endParaRPr lang="en-US" dirty="0" smtClean="0"/>
-          </a:p>
-        </p:txBody>
-      </p:sp>
-      <p:sp>
-        <p:nvSpPr>
-          <p:cNvPr id="35" name="TextBox 34"/>
+          <a:bodyPr>
+            <a:normAutofit/>
+          </a:bodyPr>
+          <a:lstStyle/>
+          <a:p>
+            <a:r>
+              <a:rPr lang="en-US" dirty="0" smtClean="0"/>
+              <a:t>Add another small test</a:t>
+            </a:r>
+          </a:p>
+          <a:p>
+            <a:r>
+              <a:rPr lang="en-US" dirty="0" smtClean="0"/>
+              <a:t>Make the new test runnable</a:t>
+            </a:r>
+          </a:p>
+        </p:txBody>
+      </p:sp>
+      <p:sp>
+        <p:nvSpPr>
+          <p:cNvPr id="28" name="TextBox 27"/>
           <p:cNvSpPr txBox="1"/>
           <p:nvPr/>
         </p:nvSpPr>
         <p:spPr>
           <a:xfrm>
-            <a:off x="10717782" y="91414"/>
+            <a:off x="10717781" y="91414"/>
             <a:ext cx="1131977" cy="369332"/>
-          </a:xfrm>
-          <a:prstGeom prst="rect">
-            <a:avLst/>
-          </a:prstGeom>
-          <a:noFill/>
-          <a:ln>
-            <a:solidFill>
-              <a:schemeClr val="accent1"/>
-            </a:solidFill>
-          </a:ln>
-        </p:spPr>
-        <p:txBody>
-          <a:bodyPr wrap="none" rtlCol="0">
-            <a:spAutoFit/>
-          </a:bodyPr>
-          <a:lstStyle/>
-          <a:p>
-            <a:pPr algn="ctr"/>
-            <a:r>
-              <a:rPr lang="en-US" dirty="0" smtClean="0"/>
-              <a:t>Add a test</a:t>
-            </a:r>
-            <a:endParaRPr lang="en-US" dirty="0" smtClean="0"/>
-          </a:p>
-        </p:txBody>
-      </p:sp>
-      <p:sp>
-        <p:nvSpPr>
-          <p:cNvPr id="36" name="TextBox 35"/>
-          <p:cNvSpPr txBox="1"/>
-          <p:nvPr/>
-        </p:nvSpPr>
-        <p:spPr>
-          <a:xfrm>
-            <a:off x="11012250" y="799272"/>
-            <a:ext cx="543034" cy="369332"/>
           </a:xfrm>
           <a:prstGeom prst="rect">
             <a:avLst/>
@@ -5307,22 +5268,22 @@
             <a:pPr algn="ctr"/>
             <a:r>
               <a:rPr lang="en-US" dirty="0" smtClean="0"/>
-              <a:t>Red</a:t>
-            </a:r>
-            <a:endParaRPr lang="en-US" dirty="0"/>
-          </a:p>
-        </p:txBody>
-      </p:sp>
-      <p:sp>
-        <p:nvSpPr>
-          <p:cNvPr id="37" name="TextBox 36"/>
+              <a:t>Add a test</a:t>
+            </a:r>
+            <a:endParaRPr lang="en-US" dirty="0" smtClean="0"/>
+          </a:p>
+        </p:txBody>
+      </p:sp>
+      <p:sp>
+        <p:nvSpPr>
+          <p:cNvPr id="29" name="TextBox 28"/>
           <p:cNvSpPr txBox="1"/>
           <p:nvPr/>
         </p:nvSpPr>
         <p:spPr>
           <a:xfrm>
-            <a:off x="10903600" y="1500699"/>
-            <a:ext cx="760337" cy="369332"/>
+            <a:off x="11012249" y="799272"/>
+            <a:ext cx="543034" cy="369332"/>
           </a:xfrm>
           <a:prstGeom prst="rect">
             <a:avLst/>
@@ -5343,22 +5304,22 @@
             <a:pPr algn="ctr"/>
             <a:r>
               <a:rPr lang="en-US" dirty="0" smtClean="0"/>
-              <a:t>Green</a:t>
-            </a:r>
-            <a:endParaRPr lang="en-US" dirty="0" smtClean="0"/>
-          </a:p>
-        </p:txBody>
-      </p:sp>
-      <p:sp>
-        <p:nvSpPr>
-          <p:cNvPr id="38" name="TextBox 37"/>
+              <a:t>Red</a:t>
+            </a:r>
+            <a:endParaRPr lang="en-US" dirty="0"/>
+          </a:p>
+        </p:txBody>
+      </p:sp>
+      <p:sp>
+        <p:nvSpPr>
+          <p:cNvPr id="30" name="TextBox 29"/>
           <p:cNvSpPr txBox="1"/>
           <p:nvPr/>
         </p:nvSpPr>
         <p:spPr>
           <a:xfrm>
-            <a:off x="10819543" y="2224061"/>
-            <a:ext cx="928460" cy="369332"/>
+            <a:off x="10903599" y="1500699"/>
+            <a:ext cx="760337" cy="369332"/>
           </a:xfrm>
           <a:prstGeom prst="rect">
             <a:avLst/>
@@ -5379,6 +5340,42 @@
             <a:pPr algn="ctr"/>
             <a:r>
               <a:rPr lang="en-US" dirty="0" smtClean="0"/>
+              <a:t>Green</a:t>
+            </a:r>
+            <a:endParaRPr lang="en-US" dirty="0" smtClean="0"/>
+          </a:p>
+        </p:txBody>
+      </p:sp>
+      <p:sp>
+        <p:nvSpPr>
+          <p:cNvPr id="31" name="TextBox 30"/>
+          <p:cNvSpPr txBox="1"/>
+          <p:nvPr/>
+        </p:nvSpPr>
+        <p:spPr>
+          <a:xfrm>
+            <a:off x="10819542" y="2224061"/>
+            <a:ext cx="928460" cy="369332"/>
+          </a:xfrm>
+          <a:prstGeom prst="rect">
+            <a:avLst/>
+          </a:prstGeom>
+          <a:noFill/>
+          <a:ln>
+            <a:solidFill>
+              <a:schemeClr val="accent1"/>
+            </a:solidFill>
+          </a:ln>
+        </p:spPr>
+        <p:txBody>
+          <a:bodyPr wrap="none" rtlCol="0">
+            <a:spAutoFit/>
+          </a:bodyPr>
+          <a:lstStyle/>
+          <a:p>
+            <a:pPr algn="ctr"/>
+            <a:r>
+              <a:rPr lang="en-US" dirty="0" smtClean="0"/>
               <a:t>Commit</a:t>
             </a:r>
             <a:endParaRPr lang="en-US" dirty="0"/>
@@ -5387,13 +5384,13 @@
       </p:sp>
       <p:cxnSp>
         <p:nvCxnSpPr>
-          <p:cNvPr id="39" name="Straight Arrow Connector 38"/>
+          <p:cNvPr id="32" name="Straight Arrow Connector 31"/>
           <p:cNvCxnSpPr/>
           <p:nvPr/>
         </p:nvCxnSpPr>
         <p:spPr>
           <a:xfrm flipH="1">
-            <a:off x="11283767" y="460746"/>
+            <a:off x="11283766" y="460746"/>
             <a:ext cx="4" cy="338526"/>
           </a:xfrm>
           <a:prstGeom prst="straightConnector1">
@@ -5420,13 +5417,13 @@
       </p:cxnSp>
       <p:cxnSp>
         <p:nvCxnSpPr>
-          <p:cNvPr id="40" name="Straight Arrow Connector 39"/>
+          <p:cNvPr id="33" name="Straight Arrow Connector 32"/>
           <p:cNvCxnSpPr/>
           <p:nvPr/>
         </p:nvCxnSpPr>
         <p:spPr>
           <a:xfrm flipH="1">
-            <a:off x="11283761" y="1165539"/>
+            <a:off x="11283760" y="1165539"/>
             <a:ext cx="4" cy="338526"/>
           </a:xfrm>
           <a:prstGeom prst="straightConnector1">
@@ -5453,13 +5450,13 @@
       </p:cxnSp>
       <p:cxnSp>
         <p:nvCxnSpPr>
-          <p:cNvPr id="41" name="Straight Arrow Connector 40"/>
+          <p:cNvPr id="34" name="Straight Arrow Connector 33"/>
           <p:cNvCxnSpPr/>
           <p:nvPr/>
         </p:nvCxnSpPr>
         <p:spPr>
           <a:xfrm flipH="1">
-            <a:off x="11283757" y="1876673"/>
+            <a:off x="11283756" y="1876673"/>
             <a:ext cx="4" cy="338526"/>
           </a:xfrm>
           <a:prstGeom prst="straightConnector1">
@@ -5486,13 +5483,13 @@
       </p:cxnSp>
       <p:cxnSp>
         <p:nvCxnSpPr>
-          <p:cNvPr id="42" name="Straight Arrow Connector 41"/>
+          <p:cNvPr id="35" name="Straight Arrow Connector 34"/>
           <p:cNvCxnSpPr/>
           <p:nvPr/>
         </p:nvCxnSpPr>
         <p:spPr>
           <a:xfrm flipH="1">
-            <a:off x="11295481" y="2591777"/>
+            <a:off x="11295480" y="2591777"/>
             <a:ext cx="4" cy="338526"/>
           </a:xfrm>
           <a:prstGeom prst="straightConnector1">
@@ -5519,13 +5516,13 @@
       </p:cxnSp>
       <p:sp>
         <p:nvSpPr>
-          <p:cNvPr id="43" name="TextBox 42"/>
+          <p:cNvPr id="36" name="TextBox 35"/>
           <p:cNvSpPr txBox="1"/>
           <p:nvPr/>
         </p:nvSpPr>
         <p:spPr>
           <a:xfrm>
-            <a:off x="10821813" y="2920630"/>
+            <a:off x="10821812" y="2920630"/>
             <a:ext cx="970780" cy="369332"/>
           </a:xfrm>
           <a:prstGeom prst="rect">
@@ -5555,13 +5552,13 @@
       </p:sp>
       <p:cxnSp>
         <p:nvCxnSpPr>
-          <p:cNvPr id="44" name="Elbow Connector 43"/>
+          <p:cNvPr id="37" name="Elbow Connector 36"/>
           <p:cNvCxnSpPr/>
           <p:nvPr/>
         </p:nvCxnSpPr>
         <p:spPr>
           <a:xfrm flipV="1">
-            <a:off x="11792593" y="276080"/>
+            <a:off x="11792592" y="276080"/>
             <a:ext cx="57166" cy="2829216"/>
           </a:xfrm>
           <a:prstGeom prst="bentConnector3">
@@ -5590,13 +5587,13 @@
       </p:cxnSp>
       <p:cxnSp>
         <p:nvCxnSpPr>
-          <p:cNvPr id="45" name="Elbow Connector 44"/>
+          <p:cNvPr id="38" name="Elbow Connector 37"/>
           <p:cNvCxnSpPr/>
           <p:nvPr/>
         </p:nvCxnSpPr>
         <p:spPr>
           <a:xfrm rot="10800000" flipH="1">
-            <a:off x="10821812" y="1685366"/>
+            <a:off x="10821811" y="1685366"/>
             <a:ext cx="81787" cy="1419931"/>
           </a:xfrm>
           <a:prstGeom prst="bentConnector3">
@@ -5626,7 +5623,7 @@
     </p:spTree>
     <p:extLst>
       <p:ext uri="{BB962C8B-B14F-4D97-AF65-F5344CB8AC3E}">
-        <p14:creationId xmlns:p14="http://schemas.microsoft.com/office/powerpoint/2010/main" val="176814325"/>
+        <p14:creationId xmlns:p14="http://schemas.microsoft.com/office/powerpoint/2010/main" val="327678577"/>
       </p:ext>
     </p:extLst>
   </p:cSld>
@@ -5670,7 +5667,7 @@
           <a:p>
             <a:r>
               <a:rPr lang="en-US" dirty="0" smtClean="0"/>
-              <a:t>Green</a:t>
+              <a:t>Red</a:t>
             </a:r>
             <a:endParaRPr lang="en-US" dirty="0"/>
           </a:p>
@@ -5688,43 +5685,44 @@
         </p:nvSpPr>
         <p:spPr/>
         <p:txBody>
-          <a:bodyPr>
-            <a:normAutofit/>
-          </a:bodyPr>
-          <a:lstStyle/>
-          <a:p>
+          <a:bodyPr/>
+          <a:lstStyle/>
+          <a:p>
+            <a:r>
+              <a:rPr lang="en-US" dirty="0" smtClean="0"/>
+              <a:t>Run the test, ensuring it fails</a:t>
+            </a:r>
+          </a:p>
+          <a:p>
+            <a:r>
+              <a:rPr lang="en-US" dirty="0" smtClean="0"/>
+              <a:t>If it doesn’t fail, change it so it does</a:t>
+            </a:r>
+          </a:p>
+          <a:p>
+            <a:r>
+              <a:rPr lang="en-US" dirty="0" smtClean="0"/>
+              <a:t>If you’re still unable to: identify what you’re trying to test</a:t>
+            </a:r>
+          </a:p>
+          <a:p>
+            <a:r>
+              <a:rPr lang="en-US" dirty="0" smtClean="0"/>
+              <a:t>Devise a new test that does fail</a:t>
+            </a:r>
+          </a:p>
+          <a:p>
+            <a:r>
+              <a:rPr lang="en-US" dirty="0" smtClean="0"/>
+              <a:t>New tests are to result in a small increment of new functionality</a:t>
+            </a:r>
             <a:endParaRPr lang="en-US" dirty="0" smtClean="0"/>
           </a:p>
-          <a:p>
-            <a:endParaRPr lang="en-US" dirty="0"/>
-          </a:p>
-          <a:p>
-            <a:endParaRPr lang="en-US" dirty="0" smtClean="0"/>
-          </a:p>
-          <a:p>
-            <a:r>
-              <a:rPr lang="en-US" dirty="0" smtClean="0"/>
-              <a:t>Make the test pass by adding the least amount of code possible</a:t>
-            </a:r>
-          </a:p>
-          <a:p>
-            <a:r>
-              <a:rPr lang="en-US" dirty="0" smtClean="0"/>
-              <a:t>If possible, consider a hard coded value</a:t>
-            </a:r>
-            <a:endParaRPr lang="en-US" dirty="0"/>
-          </a:p>
-          <a:p>
-            <a:r>
-              <a:rPr lang="en-US" dirty="0" smtClean="0"/>
-              <a:t>Don’t worry about the future too much</a:t>
-            </a:r>
-          </a:p>
-        </p:txBody>
-      </p:sp>
-      <p:sp>
-        <p:nvSpPr>
-          <p:cNvPr id="4" name="TextBox 3"/>
+        </p:txBody>
+      </p:sp>
+      <p:sp>
+        <p:nvSpPr>
+          <p:cNvPr id="35" name="TextBox 34"/>
           <p:cNvSpPr txBox="1"/>
           <p:nvPr/>
         </p:nvSpPr>
@@ -5760,7 +5758,7 @@
       </p:sp>
       <p:sp>
         <p:nvSpPr>
-          <p:cNvPr id="5" name="TextBox 4"/>
+          <p:cNvPr id="36" name="TextBox 35"/>
           <p:cNvSpPr txBox="1"/>
           <p:nvPr/>
         </p:nvSpPr>
@@ -5768,42 +5766,6 @@
           <a:xfrm>
             <a:off x="11012250" y="799272"/>
             <a:ext cx="543034" cy="369332"/>
-          </a:xfrm>
-          <a:prstGeom prst="rect">
-            <a:avLst/>
-          </a:prstGeom>
-          <a:noFill/>
-          <a:ln>
-            <a:solidFill>
-              <a:schemeClr val="accent1"/>
-            </a:solidFill>
-          </a:ln>
-        </p:spPr>
-        <p:txBody>
-          <a:bodyPr wrap="none" rtlCol="0">
-            <a:spAutoFit/>
-          </a:bodyPr>
-          <a:lstStyle/>
-          <a:p>
-            <a:pPr algn="ctr"/>
-            <a:r>
-              <a:rPr lang="en-US" dirty="0" smtClean="0"/>
-              <a:t>Red</a:t>
-            </a:r>
-            <a:endParaRPr lang="en-US" dirty="0"/>
-          </a:p>
-        </p:txBody>
-      </p:sp>
-      <p:sp>
-        <p:nvSpPr>
-          <p:cNvPr id="6" name="TextBox 5"/>
-          <p:cNvSpPr txBox="1"/>
-          <p:nvPr/>
-        </p:nvSpPr>
-        <p:spPr>
-          <a:xfrm>
-            <a:off x="10903600" y="1500699"/>
-            <a:ext cx="760337" cy="369332"/>
           </a:xfrm>
           <a:prstGeom prst="rect">
             <a:avLst/>
@@ -5829,6 +5791,42 @@
             <a:pPr algn="ctr"/>
             <a:r>
               <a:rPr lang="en-US" dirty="0" smtClean="0"/>
+              <a:t>Red</a:t>
+            </a:r>
+            <a:endParaRPr lang="en-US" dirty="0"/>
+          </a:p>
+        </p:txBody>
+      </p:sp>
+      <p:sp>
+        <p:nvSpPr>
+          <p:cNvPr id="37" name="TextBox 36"/>
+          <p:cNvSpPr txBox="1"/>
+          <p:nvPr/>
+        </p:nvSpPr>
+        <p:spPr>
+          <a:xfrm>
+            <a:off x="10903600" y="1500699"/>
+            <a:ext cx="760337" cy="369332"/>
+          </a:xfrm>
+          <a:prstGeom prst="rect">
+            <a:avLst/>
+          </a:prstGeom>
+          <a:noFill/>
+          <a:ln>
+            <a:solidFill>
+              <a:schemeClr val="accent1"/>
+            </a:solidFill>
+          </a:ln>
+        </p:spPr>
+        <p:txBody>
+          <a:bodyPr wrap="none" rtlCol="0">
+            <a:spAutoFit/>
+          </a:bodyPr>
+          <a:lstStyle/>
+          <a:p>
+            <a:pPr algn="ctr"/>
+            <a:r>
+              <a:rPr lang="en-US" dirty="0" smtClean="0"/>
               <a:t>Green</a:t>
             </a:r>
             <a:endParaRPr lang="en-US" dirty="0" smtClean="0"/>
@@ -5837,7 +5835,7 @@
       </p:sp>
       <p:sp>
         <p:nvSpPr>
-          <p:cNvPr id="7" name="TextBox 6"/>
+          <p:cNvPr id="38" name="TextBox 37"/>
           <p:cNvSpPr txBox="1"/>
           <p:nvPr/>
         </p:nvSpPr>
@@ -5873,7 +5871,7 @@
       </p:sp>
       <p:cxnSp>
         <p:nvCxnSpPr>
-          <p:cNvPr id="8" name="Straight Arrow Connector 7"/>
+          <p:cNvPr id="39" name="Straight Arrow Connector 38"/>
           <p:cNvCxnSpPr/>
           <p:nvPr/>
         </p:nvCxnSpPr>
@@ -5906,7 +5904,7 @@
       </p:cxnSp>
       <p:cxnSp>
         <p:nvCxnSpPr>
-          <p:cNvPr id="9" name="Straight Arrow Connector 8"/>
+          <p:cNvPr id="40" name="Straight Arrow Connector 39"/>
           <p:cNvCxnSpPr/>
           <p:nvPr/>
         </p:nvCxnSpPr>
@@ -5939,7 +5937,7 @@
       </p:cxnSp>
       <p:cxnSp>
         <p:nvCxnSpPr>
-          <p:cNvPr id="10" name="Straight Arrow Connector 9"/>
+          <p:cNvPr id="41" name="Straight Arrow Connector 40"/>
           <p:cNvCxnSpPr/>
           <p:nvPr/>
         </p:nvCxnSpPr>
@@ -5972,7 +5970,7 @@
       </p:cxnSp>
       <p:cxnSp>
         <p:nvCxnSpPr>
-          <p:cNvPr id="11" name="Straight Arrow Connector 10"/>
+          <p:cNvPr id="42" name="Straight Arrow Connector 41"/>
           <p:cNvCxnSpPr/>
           <p:nvPr/>
         </p:nvCxnSpPr>
@@ -6005,7 +6003,7 @@
       </p:cxnSp>
       <p:sp>
         <p:nvSpPr>
-          <p:cNvPr id="12" name="TextBox 11"/>
+          <p:cNvPr id="43" name="TextBox 42"/>
           <p:cNvSpPr txBox="1"/>
           <p:nvPr/>
         </p:nvSpPr>
@@ -6041,7 +6039,7 @@
       </p:sp>
       <p:cxnSp>
         <p:nvCxnSpPr>
-          <p:cNvPr id="13" name="Elbow Connector 12"/>
+          <p:cNvPr id="44" name="Elbow Connector 43"/>
           <p:cNvCxnSpPr/>
           <p:nvPr/>
         </p:nvCxnSpPr>
@@ -6076,7 +6074,7 @@
       </p:cxnSp>
       <p:cxnSp>
         <p:nvCxnSpPr>
-          <p:cNvPr id="14" name="Elbow Connector 13"/>
+          <p:cNvPr id="45" name="Elbow Connector 44"/>
           <p:cNvCxnSpPr/>
           <p:nvPr/>
         </p:nvCxnSpPr>
@@ -6112,7 +6110,7 @@
     </p:spTree>
     <p:extLst>
       <p:ext uri="{BB962C8B-B14F-4D97-AF65-F5344CB8AC3E}">
-        <p14:creationId xmlns:p14="http://schemas.microsoft.com/office/powerpoint/2010/main" val="1748476474"/>
+        <p14:creationId xmlns:p14="http://schemas.microsoft.com/office/powerpoint/2010/main" val="176814325"/>
       </p:ext>
     </p:extLst>
   </p:cSld>
@@ -6156,6 +6154,481 @@
           <a:p>
             <a:r>
               <a:rPr lang="en-US" dirty="0" smtClean="0"/>
+              <a:t>Green</a:t>
+            </a:r>
+            <a:endParaRPr lang="en-US" dirty="0"/>
+          </a:p>
+        </p:txBody>
+      </p:sp>
+      <p:sp>
+        <p:nvSpPr>
+          <p:cNvPr id="3" name="Content Placeholder 2"/>
+          <p:cNvSpPr>
+            <a:spLocks noGrp="1"/>
+          </p:cNvSpPr>
+          <p:nvPr>
+            <p:ph idx="1"/>
+          </p:nvPr>
+        </p:nvSpPr>
+        <p:spPr/>
+        <p:txBody>
+          <a:bodyPr>
+            <a:normAutofit/>
+          </a:bodyPr>
+          <a:lstStyle/>
+          <a:p>
+            <a:r>
+              <a:rPr lang="en-US" dirty="0" smtClean="0"/>
+              <a:t>Make the test pass with the least amount of code</a:t>
+            </a:r>
+          </a:p>
+          <a:p>
+            <a:r>
+              <a:rPr lang="en-US" dirty="0" smtClean="0"/>
+              <a:t>If triangulating</a:t>
+            </a:r>
+            <a:r>
+              <a:rPr lang="en-US" smtClean="0"/>
+              <a:t>, you’ll likely remove previous hard coding</a:t>
+            </a:r>
+            <a:endParaRPr lang="en-US" dirty="0" smtClean="0"/>
+          </a:p>
+        </p:txBody>
+      </p:sp>
+      <p:sp>
+        <p:nvSpPr>
+          <p:cNvPr id="4" name="TextBox 3"/>
+          <p:cNvSpPr txBox="1"/>
+          <p:nvPr/>
+        </p:nvSpPr>
+        <p:spPr>
+          <a:xfrm>
+            <a:off x="10717782" y="91414"/>
+            <a:ext cx="1131977" cy="369332"/>
+          </a:xfrm>
+          <a:prstGeom prst="rect">
+            <a:avLst/>
+          </a:prstGeom>
+          <a:noFill/>
+          <a:ln>
+            <a:solidFill>
+              <a:schemeClr val="accent1"/>
+            </a:solidFill>
+          </a:ln>
+        </p:spPr>
+        <p:txBody>
+          <a:bodyPr wrap="none" rtlCol="0">
+            <a:spAutoFit/>
+          </a:bodyPr>
+          <a:lstStyle/>
+          <a:p>
+            <a:pPr algn="ctr"/>
+            <a:r>
+              <a:rPr lang="en-US" dirty="0" smtClean="0"/>
+              <a:t>Add a test</a:t>
+            </a:r>
+            <a:endParaRPr lang="en-US" dirty="0" smtClean="0"/>
+          </a:p>
+        </p:txBody>
+      </p:sp>
+      <p:sp>
+        <p:nvSpPr>
+          <p:cNvPr id="5" name="TextBox 4"/>
+          <p:cNvSpPr txBox="1"/>
+          <p:nvPr/>
+        </p:nvSpPr>
+        <p:spPr>
+          <a:xfrm>
+            <a:off x="11012250" y="799272"/>
+            <a:ext cx="543034" cy="369332"/>
+          </a:xfrm>
+          <a:prstGeom prst="rect">
+            <a:avLst/>
+          </a:prstGeom>
+          <a:noFill/>
+          <a:ln>
+            <a:solidFill>
+              <a:schemeClr val="accent1"/>
+            </a:solidFill>
+          </a:ln>
+        </p:spPr>
+        <p:txBody>
+          <a:bodyPr wrap="none" rtlCol="0">
+            <a:spAutoFit/>
+          </a:bodyPr>
+          <a:lstStyle/>
+          <a:p>
+            <a:pPr algn="ctr"/>
+            <a:r>
+              <a:rPr lang="en-US" dirty="0" smtClean="0"/>
+              <a:t>Red</a:t>
+            </a:r>
+            <a:endParaRPr lang="en-US" dirty="0"/>
+          </a:p>
+        </p:txBody>
+      </p:sp>
+      <p:sp>
+        <p:nvSpPr>
+          <p:cNvPr id="6" name="TextBox 5"/>
+          <p:cNvSpPr txBox="1"/>
+          <p:nvPr/>
+        </p:nvSpPr>
+        <p:spPr>
+          <a:xfrm>
+            <a:off x="10903600" y="1500699"/>
+            <a:ext cx="760337" cy="369332"/>
+          </a:xfrm>
+          <a:prstGeom prst="rect">
+            <a:avLst/>
+          </a:prstGeom>
+          <a:solidFill>
+            <a:schemeClr val="accent4">
+              <a:lumMod val="20000"/>
+              <a:lumOff val="80000"/>
+            </a:schemeClr>
+          </a:solidFill>
+          <a:ln>
+            <a:solidFill>
+              <a:schemeClr val="accent1"/>
+            </a:solidFill>
+          </a:ln>
+        </p:spPr>
+        <p:txBody>
+          <a:bodyPr wrap="none" rtlCol="0">
+            <a:spAutoFit/>
+          </a:bodyPr>
+          <a:lstStyle/>
+          <a:p>
+            <a:pPr algn="ctr"/>
+            <a:r>
+              <a:rPr lang="en-US" dirty="0" smtClean="0"/>
+              <a:t>Green</a:t>
+            </a:r>
+            <a:endParaRPr lang="en-US" dirty="0" smtClean="0"/>
+          </a:p>
+        </p:txBody>
+      </p:sp>
+      <p:sp>
+        <p:nvSpPr>
+          <p:cNvPr id="7" name="TextBox 6"/>
+          <p:cNvSpPr txBox="1"/>
+          <p:nvPr/>
+        </p:nvSpPr>
+        <p:spPr>
+          <a:xfrm>
+            <a:off x="10819543" y="2224061"/>
+            <a:ext cx="928460" cy="369332"/>
+          </a:xfrm>
+          <a:prstGeom prst="rect">
+            <a:avLst/>
+          </a:prstGeom>
+          <a:noFill/>
+          <a:ln>
+            <a:solidFill>
+              <a:schemeClr val="accent1"/>
+            </a:solidFill>
+          </a:ln>
+        </p:spPr>
+        <p:txBody>
+          <a:bodyPr wrap="none" rtlCol="0">
+            <a:spAutoFit/>
+          </a:bodyPr>
+          <a:lstStyle/>
+          <a:p>
+            <a:pPr algn="ctr"/>
+            <a:r>
+              <a:rPr lang="en-US" dirty="0" smtClean="0"/>
+              <a:t>Commit</a:t>
+            </a:r>
+            <a:endParaRPr lang="en-US" dirty="0"/>
+          </a:p>
+        </p:txBody>
+      </p:sp>
+      <p:cxnSp>
+        <p:nvCxnSpPr>
+          <p:cNvPr id="8" name="Straight Arrow Connector 7"/>
+          <p:cNvCxnSpPr/>
+          <p:nvPr/>
+        </p:nvCxnSpPr>
+        <p:spPr>
+          <a:xfrm flipH="1">
+            <a:off x="11283767" y="460746"/>
+            <a:ext cx="4" cy="338526"/>
+          </a:xfrm>
+          <a:prstGeom prst="straightConnector1">
+            <a:avLst/>
+          </a:prstGeom>
+          <a:ln>
+            <a:tailEnd type="triangle"/>
+          </a:ln>
+        </p:spPr>
+        <p:style>
+          <a:lnRef idx="1">
+            <a:schemeClr val="accent1"/>
+          </a:lnRef>
+          <a:fillRef idx="0">
+            <a:schemeClr val="accent1"/>
+          </a:fillRef>
+          <a:effectRef idx="0">
+            <a:schemeClr val="accent1"/>
+          </a:effectRef>
+          <a:fontRef idx="minor">
+            <a:schemeClr val="tx1"/>
+          </a:fontRef>
+        </p:style>
+      </p:cxnSp>
+      <p:cxnSp>
+        <p:nvCxnSpPr>
+          <p:cNvPr id="9" name="Straight Arrow Connector 8"/>
+          <p:cNvCxnSpPr/>
+          <p:nvPr/>
+        </p:nvCxnSpPr>
+        <p:spPr>
+          <a:xfrm flipH="1">
+            <a:off x="11283761" y="1165539"/>
+            <a:ext cx="4" cy="338526"/>
+          </a:xfrm>
+          <a:prstGeom prst="straightConnector1">
+            <a:avLst/>
+          </a:prstGeom>
+          <a:ln>
+            <a:tailEnd type="triangle"/>
+          </a:ln>
+        </p:spPr>
+        <p:style>
+          <a:lnRef idx="1">
+            <a:schemeClr val="accent1"/>
+          </a:lnRef>
+          <a:fillRef idx="0">
+            <a:schemeClr val="accent1"/>
+          </a:fillRef>
+          <a:effectRef idx="0">
+            <a:schemeClr val="accent1"/>
+          </a:effectRef>
+          <a:fontRef idx="minor">
+            <a:schemeClr val="tx1"/>
+          </a:fontRef>
+        </p:style>
+      </p:cxnSp>
+      <p:cxnSp>
+        <p:nvCxnSpPr>
+          <p:cNvPr id="10" name="Straight Arrow Connector 9"/>
+          <p:cNvCxnSpPr/>
+          <p:nvPr/>
+        </p:nvCxnSpPr>
+        <p:spPr>
+          <a:xfrm flipH="1">
+            <a:off x="11283757" y="1876673"/>
+            <a:ext cx="4" cy="338526"/>
+          </a:xfrm>
+          <a:prstGeom prst="straightConnector1">
+            <a:avLst/>
+          </a:prstGeom>
+          <a:ln>
+            <a:tailEnd type="triangle"/>
+          </a:ln>
+        </p:spPr>
+        <p:style>
+          <a:lnRef idx="1">
+            <a:schemeClr val="accent1"/>
+          </a:lnRef>
+          <a:fillRef idx="0">
+            <a:schemeClr val="accent1"/>
+          </a:fillRef>
+          <a:effectRef idx="0">
+            <a:schemeClr val="accent1"/>
+          </a:effectRef>
+          <a:fontRef idx="minor">
+            <a:schemeClr val="tx1"/>
+          </a:fontRef>
+        </p:style>
+      </p:cxnSp>
+      <p:cxnSp>
+        <p:nvCxnSpPr>
+          <p:cNvPr id="11" name="Straight Arrow Connector 10"/>
+          <p:cNvCxnSpPr/>
+          <p:nvPr/>
+        </p:nvCxnSpPr>
+        <p:spPr>
+          <a:xfrm flipH="1">
+            <a:off x="11295481" y="2591777"/>
+            <a:ext cx="4" cy="338526"/>
+          </a:xfrm>
+          <a:prstGeom prst="straightConnector1">
+            <a:avLst/>
+          </a:prstGeom>
+          <a:ln>
+            <a:tailEnd type="triangle"/>
+          </a:ln>
+        </p:spPr>
+        <p:style>
+          <a:lnRef idx="1">
+            <a:schemeClr val="accent1"/>
+          </a:lnRef>
+          <a:fillRef idx="0">
+            <a:schemeClr val="accent1"/>
+          </a:fillRef>
+          <a:effectRef idx="0">
+            <a:schemeClr val="accent1"/>
+          </a:effectRef>
+          <a:fontRef idx="minor">
+            <a:schemeClr val="tx1"/>
+          </a:fontRef>
+        </p:style>
+      </p:cxnSp>
+      <p:sp>
+        <p:nvSpPr>
+          <p:cNvPr id="12" name="TextBox 11"/>
+          <p:cNvSpPr txBox="1"/>
+          <p:nvPr/>
+        </p:nvSpPr>
+        <p:spPr>
+          <a:xfrm>
+            <a:off x="10821813" y="2920630"/>
+            <a:ext cx="970780" cy="369332"/>
+          </a:xfrm>
+          <a:prstGeom prst="rect">
+            <a:avLst/>
+          </a:prstGeom>
+          <a:noFill/>
+          <a:ln>
+            <a:solidFill>
+              <a:schemeClr val="accent1"/>
+            </a:solidFill>
+          </a:ln>
+        </p:spPr>
+        <p:txBody>
+          <a:bodyPr wrap="none" rtlCol="0">
+            <a:spAutoFit/>
+          </a:bodyPr>
+          <a:lstStyle/>
+          <a:p>
+            <a:pPr algn="ctr"/>
+            <a:r>
+              <a:rPr lang="en-US" smtClean="0"/>
+              <a:t>Refactor</a:t>
+            </a:r>
+            <a:endParaRPr lang="en-US" dirty="0"/>
+          </a:p>
+        </p:txBody>
+      </p:sp>
+      <p:cxnSp>
+        <p:nvCxnSpPr>
+          <p:cNvPr id="13" name="Elbow Connector 12"/>
+          <p:cNvCxnSpPr/>
+          <p:nvPr/>
+        </p:nvCxnSpPr>
+        <p:spPr>
+          <a:xfrm flipV="1">
+            <a:off x="11792593" y="276080"/>
+            <a:ext cx="57166" cy="2829216"/>
+          </a:xfrm>
+          <a:prstGeom prst="bentConnector3">
+            <a:avLst>
+              <a:gd name="adj1" fmla="val 499888"/>
+            </a:avLst>
+          </a:prstGeom>
+          <a:ln>
+            <a:tailEnd type="triangle"/>
+          </a:ln>
+        </p:spPr>
+        <p:style>
+          <a:lnRef idx="1">
+            <a:schemeClr val="accent1"/>
+          </a:lnRef>
+          <a:fillRef idx="0">
+            <a:schemeClr val="accent1"/>
+          </a:fillRef>
+          <a:effectRef idx="0">
+            <a:schemeClr val="accent1"/>
+          </a:effectRef>
+          <a:fontRef idx="minor">
+            <a:schemeClr val="tx1"/>
+          </a:fontRef>
+        </p:style>
+      </p:cxnSp>
+      <p:cxnSp>
+        <p:nvCxnSpPr>
+          <p:cNvPr id="14" name="Elbow Connector 13"/>
+          <p:cNvCxnSpPr/>
+          <p:nvPr/>
+        </p:nvCxnSpPr>
+        <p:spPr>
+          <a:xfrm rot="10800000" flipH="1">
+            <a:off x="10821812" y="1685366"/>
+            <a:ext cx="81787" cy="1419931"/>
+          </a:xfrm>
+          <a:prstGeom prst="bentConnector3">
+            <a:avLst>
+              <a:gd name="adj1" fmla="val -279507"/>
+            </a:avLst>
+          </a:prstGeom>
+          <a:ln>
+            <a:tailEnd type="triangle"/>
+          </a:ln>
+        </p:spPr>
+        <p:style>
+          <a:lnRef idx="1">
+            <a:schemeClr val="accent1"/>
+          </a:lnRef>
+          <a:fillRef idx="0">
+            <a:schemeClr val="accent1"/>
+          </a:fillRef>
+          <a:effectRef idx="0">
+            <a:schemeClr val="accent1"/>
+          </a:effectRef>
+          <a:fontRef idx="minor">
+            <a:schemeClr val="tx1"/>
+          </a:fontRef>
+        </p:style>
+      </p:cxnSp>
+    </p:spTree>
+    <p:extLst>
+      <p:ext uri="{BB962C8B-B14F-4D97-AF65-F5344CB8AC3E}">
+        <p14:creationId xmlns:p14="http://schemas.microsoft.com/office/powerpoint/2010/main" val="1748476474"/>
+      </p:ext>
+    </p:extLst>
+  </p:cSld>
+  <p:clrMapOvr>
+    <a:masterClrMapping/>
+  </p:clrMapOvr>
+</p:sld>
+</file>
+
+<file path=ppt/slides/slide18.xml><?xml version="1.0" encoding="utf-8"?>
+<p:sld xmlns:a="http://schemas.openxmlformats.org/drawingml/2006/main" xmlns:r="http://schemas.openxmlformats.org/officeDocument/2006/relationships" xmlns:p="http://schemas.openxmlformats.org/presentationml/2006/main">
+  <p:cSld>
+    <p:spTree>
+      <p:nvGrpSpPr>
+        <p:cNvPr id="1" name=""/>
+        <p:cNvGrpSpPr/>
+        <p:nvPr/>
+      </p:nvGrpSpPr>
+      <p:grpSpPr>
+        <a:xfrm>
+          <a:off x="0" y="0"/>
+          <a:ext cx="0" cy="0"/>
+          <a:chOff x="0" y="0"/>
+          <a:chExt cx="0" cy="0"/>
+        </a:xfrm>
+      </p:grpSpPr>
+      <p:sp>
+        <p:nvSpPr>
+          <p:cNvPr id="2" name="Title 1"/>
+          <p:cNvSpPr>
+            <a:spLocks noGrp="1"/>
+          </p:cNvSpPr>
+          <p:nvPr>
+            <p:ph type="title"/>
+          </p:nvPr>
+        </p:nvSpPr>
+        <p:spPr/>
+        <p:txBody>
+          <a:bodyPr/>
+          <a:lstStyle/>
+          <a:p>
+            <a:r>
+              <a:rPr lang="en-US" dirty="0" smtClean="0"/>
               <a:t>Commit</a:t>
             </a:r>
             <a:endParaRPr lang="en-US" dirty="0"/>
@@ -6604,7 +7077,7 @@
 </p:sld>
 </file>
 
-<file path=ppt/slides/slide18.xml><?xml version="1.0" encoding="utf-8"?>
+<file path=ppt/slides/slide19.xml><?xml version="1.0" encoding="utf-8"?>
 <p:sld xmlns:a="http://schemas.openxmlformats.org/drawingml/2006/main" xmlns:r="http://schemas.openxmlformats.org/officeDocument/2006/relationships" xmlns:p="http://schemas.openxmlformats.org/presentationml/2006/main">
   <p:cSld>
     <p:spTree>

--- a/curriculum.pptx
+++ b/curriculum.pptx
@@ -227,7 +227,7 @@
           <a:p>
             <a:fld id="{7747C2EB-1C02-BB41-B2A0-F35794E62498}" type="datetimeFigureOut">
               <a:rPr lang="en-US" smtClean="0"/>
-              <a:t>6/21/16</a:t>
+              <a:t>7/6/16</a:t>
             </a:fld>
             <a:endParaRPr lang="en-US"/>
           </a:p>
@@ -626,7 +626,7 @@
           <a:p>
             <a:fld id="{0D50D4C8-D66A-4A43-95BB-6CDF8ACF7EFD}" type="datetimeFigureOut">
               <a:rPr lang="en-US" smtClean="0"/>
-              <a:t>6/21/16</a:t>
+              <a:t>7/6/16</a:t>
             </a:fld>
             <a:endParaRPr lang="en-US"/>
           </a:p>
@@ -796,7 +796,7 @@
           <a:p>
             <a:fld id="{0D50D4C8-D66A-4A43-95BB-6CDF8ACF7EFD}" type="datetimeFigureOut">
               <a:rPr lang="en-US" smtClean="0"/>
-              <a:t>6/21/16</a:t>
+              <a:t>7/6/16</a:t>
             </a:fld>
             <a:endParaRPr lang="en-US"/>
           </a:p>
@@ -976,7 +976,7 @@
           <a:p>
             <a:fld id="{0D50D4C8-D66A-4A43-95BB-6CDF8ACF7EFD}" type="datetimeFigureOut">
               <a:rPr lang="en-US" smtClean="0"/>
-              <a:t>6/21/16</a:t>
+              <a:t>7/6/16</a:t>
             </a:fld>
             <a:endParaRPr lang="en-US"/>
           </a:p>
@@ -1146,7 +1146,7 @@
           <a:p>
             <a:fld id="{0D50D4C8-D66A-4A43-95BB-6CDF8ACF7EFD}" type="datetimeFigureOut">
               <a:rPr lang="en-US" smtClean="0"/>
-              <a:t>6/21/16</a:t>
+              <a:t>7/6/16</a:t>
             </a:fld>
             <a:endParaRPr lang="en-US"/>
           </a:p>
@@ -1392,7 +1392,7 @@
           <a:p>
             <a:fld id="{0D50D4C8-D66A-4A43-95BB-6CDF8ACF7EFD}" type="datetimeFigureOut">
               <a:rPr lang="en-US" smtClean="0"/>
-              <a:t>6/21/16</a:t>
+              <a:t>7/6/16</a:t>
             </a:fld>
             <a:endParaRPr lang="en-US"/>
           </a:p>
@@ -1624,7 +1624,7 @@
           <a:p>
             <a:fld id="{0D50D4C8-D66A-4A43-95BB-6CDF8ACF7EFD}" type="datetimeFigureOut">
               <a:rPr lang="en-US" smtClean="0"/>
-              <a:t>6/21/16</a:t>
+              <a:t>7/6/16</a:t>
             </a:fld>
             <a:endParaRPr lang="en-US"/>
           </a:p>
@@ -1991,7 +1991,7 @@
           <a:p>
             <a:fld id="{0D50D4C8-D66A-4A43-95BB-6CDF8ACF7EFD}" type="datetimeFigureOut">
               <a:rPr lang="en-US" smtClean="0"/>
-              <a:t>6/21/16</a:t>
+              <a:t>7/6/16</a:t>
             </a:fld>
             <a:endParaRPr lang="en-US"/>
           </a:p>
@@ -2109,7 +2109,7 @@
           <a:p>
             <a:fld id="{0D50D4C8-D66A-4A43-95BB-6CDF8ACF7EFD}" type="datetimeFigureOut">
               <a:rPr lang="en-US" smtClean="0"/>
-              <a:t>6/21/16</a:t>
+              <a:t>7/6/16</a:t>
             </a:fld>
             <a:endParaRPr lang="en-US"/>
           </a:p>
@@ -2204,7 +2204,7 @@
           <a:p>
             <a:fld id="{0D50D4C8-D66A-4A43-95BB-6CDF8ACF7EFD}" type="datetimeFigureOut">
               <a:rPr lang="en-US" smtClean="0"/>
-              <a:t>6/21/16</a:t>
+              <a:t>7/6/16</a:t>
             </a:fld>
             <a:endParaRPr lang="en-US"/>
           </a:p>
@@ -2481,7 +2481,7 @@
           <a:p>
             <a:fld id="{0D50D4C8-D66A-4A43-95BB-6CDF8ACF7EFD}" type="datetimeFigureOut">
               <a:rPr lang="en-US" smtClean="0"/>
-              <a:t>6/21/16</a:t>
+              <a:t>7/6/16</a:t>
             </a:fld>
             <a:endParaRPr lang="en-US"/>
           </a:p>
@@ -2734,7 +2734,7 @@
           <a:p>
             <a:fld id="{0D50D4C8-D66A-4A43-95BB-6CDF8ACF7EFD}" type="datetimeFigureOut">
               <a:rPr lang="en-US" smtClean="0"/>
-              <a:t>6/21/16</a:t>
+              <a:t>7/6/16</a:t>
             </a:fld>
             <a:endParaRPr lang="en-US"/>
           </a:p>
@@ -2947,7 +2947,7 @@
           <a:p>
             <a:fld id="{0D50D4C8-D66A-4A43-95BB-6CDF8ACF7EFD}" type="datetimeFigureOut">
               <a:rPr lang="en-US" smtClean="0"/>
-              <a:t>6/21/16</a:t>
+              <a:t>7/6/16</a:t>
             </a:fld>
             <a:endParaRPr lang="en-US"/>
           </a:p>
@@ -3462,14 +3462,19 @@
         <p:spPr/>
         <p:txBody>
           <a:bodyPr>
-            <a:normAutofit/>
+            <a:normAutofit fontScale="92500" lnSpcReduction="20000"/>
           </a:bodyPr>
           <a:lstStyle/>
           <a:p>
             <a:r>
               <a:rPr lang="en-US" dirty="0" smtClean="0"/>
-              <a:t>From your list of tasks choose a simple task</a:t>
-            </a:r>
+              <a:t>From your list of tasks choose </a:t>
+            </a:r>
+            <a:r>
+              <a:rPr lang="en-US" dirty="0" smtClean="0"/>
+              <a:t>the simplest task</a:t>
+            </a:r>
+            <a:endParaRPr lang="en-US" dirty="0" smtClean="0"/>
           </a:p>
           <a:p>
             <a:r>
@@ -3480,8 +3485,50 @@
           <a:p>
             <a:r>
               <a:rPr lang="en-US" dirty="0" smtClean="0"/>
-              <a:t>Use a descriptive test name</a:t>
-            </a:r>
+              <a:t>Test naming</a:t>
+            </a:r>
+          </a:p>
+          <a:p>
+            <a:pPr lvl="1"/>
+            <a:r>
+              <a:rPr lang="en-US" dirty="0" smtClean="0"/>
+              <a:t>Name tests from perspective of business functionality</a:t>
+            </a:r>
+          </a:p>
+          <a:p>
+            <a:pPr lvl="1"/>
+            <a:r>
+              <a:rPr lang="en-US" dirty="0" smtClean="0"/>
+              <a:t>Avoid restating in words the body of the test</a:t>
+            </a:r>
+          </a:p>
+          <a:p>
+            <a:pPr lvl="1"/>
+            <a:r>
+              <a:rPr lang="en-US" dirty="0" smtClean="0"/>
+              <a:t>Prefer: “Require An Umbrella When There Is Rain” instead of:</a:t>
+            </a:r>
+            <a:br>
+              <a:rPr lang="en-US" dirty="0" smtClean="0"/>
+            </a:br>
+            <a:r>
+              <a:rPr lang="en-US" dirty="0" smtClean="0"/>
+              <a:t>	“Return True When Rain Is”</a:t>
+            </a:r>
+          </a:p>
+          <a:p>
+            <a:pPr lvl="1"/>
+            <a:endParaRPr lang="en-US" dirty="0"/>
+          </a:p>
+          <a:p>
+            <a:pPr lvl="1"/>
+            <a:r>
+              <a:rPr lang="en-US" dirty="0" smtClean="0"/>
+              <a:t>Make a note that test names should be refactored too</a:t>
+            </a:r>
+          </a:p>
+          <a:p>
+            <a:pPr lvl="1"/>
             <a:endParaRPr lang="en-US" dirty="0" smtClean="0"/>
           </a:p>
           <a:p>
@@ -3543,7 +3590,6 @@
               <a:rPr lang="en-US" dirty="0" smtClean="0"/>
               <a:t>Add a test</a:t>
             </a:r>
-            <a:endParaRPr lang="en-US" dirty="0" smtClean="0"/>
           </a:p>
         </p:txBody>
       </p:sp>
@@ -3615,7 +3661,6 @@
               <a:rPr lang="en-US" dirty="0" smtClean="0"/>
               <a:t>Green</a:t>
             </a:r>
-            <a:endParaRPr lang="en-US" dirty="0" smtClean="0"/>
           </a:p>
         </p:txBody>
       </p:sp>
@@ -3977,7 +4022,6 @@
               <a:rPr lang="en-US" dirty="0" smtClean="0"/>
               <a:t>Ensures there exists a test that can be made to pass</a:t>
             </a:r>
-            <a:endParaRPr lang="en-US" dirty="0" smtClean="0"/>
           </a:p>
         </p:txBody>
       </p:sp>
@@ -4013,7 +4057,6 @@
               <a:rPr lang="en-US" dirty="0" smtClean="0"/>
               <a:t>Add a test</a:t>
             </a:r>
-            <a:endParaRPr lang="en-US" dirty="0" smtClean="0"/>
           </a:p>
         </p:txBody>
       </p:sp>
@@ -4090,7 +4133,6 @@
               <a:rPr lang="en-US" dirty="0" smtClean="0"/>
               <a:t>Green</a:t>
             </a:r>
-            <a:endParaRPr lang="en-US" dirty="0" smtClean="0"/>
           </a:p>
         </p:txBody>
       </p:sp>
@@ -4144,7 +4186,12 @@
           <a:prstGeom prst="straightConnector1">
             <a:avLst/>
           </a:prstGeom>
-          <a:ln>
+          <a:ln w="31750">
+            <a:solidFill>
+              <a:schemeClr val="accent6">
+                <a:lumMod val="75000"/>
+              </a:schemeClr>
+            </a:solidFill>
             <a:tailEnd type="triangle"/>
           </a:ln>
         </p:spPr>
@@ -4504,7 +4551,6 @@
               <a:rPr lang="en-US" dirty="0" smtClean="0"/>
               <a:t>Add a test</a:t>
             </a:r>
-            <a:endParaRPr lang="en-US" dirty="0" smtClean="0"/>
           </a:p>
         </p:txBody>
       </p:sp>
@@ -4581,7 +4627,6 @@
               <a:rPr lang="en-US" dirty="0" smtClean="0"/>
               <a:t>Green</a:t>
             </a:r>
-            <a:endParaRPr lang="en-US" dirty="0" smtClean="0"/>
           </a:p>
         </p:txBody>
       </p:sp>
@@ -4668,7 +4713,12 @@
           <a:prstGeom prst="straightConnector1">
             <a:avLst/>
           </a:prstGeom>
-          <a:ln>
+          <a:ln w="31750">
+            <a:solidFill>
+              <a:schemeClr val="accent6">
+                <a:lumMod val="75000"/>
+              </a:schemeClr>
+            </a:solidFill>
             <a:tailEnd type="triangle"/>
           </a:ln>
         </p:spPr>
@@ -4933,14 +4983,30 @@
           <a:lstStyle/>
           <a:p>
             <a:r>
+              <a:rPr lang="en-US" dirty="0"/>
+              <a:t>Frequent, small commits reduce lost effort when new functionality does not work and code needs reverting</a:t>
+            </a:r>
+          </a:p>
+          <a:p>
+            <a:r>
+              <a:rPr lang="en-US" dirty="0" smtClean="0"/>
+              <a:t>Review the diff of all work before committing</a:t>
+            </a:r>
+          </a:p>
+          <a:p>
+            <a:r>
+              <a:rPr lang="en-US" smtClean="0"/>
+              <a:t>Commit all files, not </a:t>
+            </a:r>
+            <a:r>
+              <a:rPr lang="en-US" dirty="0" smtClean="0"/>
+              <a:t>doing so runs the risk of build/test failures</a:t>
+            </a:r>
+          </a:p>
+          <a:p>
+            <a:r>
               <a:rPr lang="en-US" dirty="0" smtClean="0"/>
               <a:t>Check the passing test into version control</a:t>
-            </a:r>
-          </a:p>
-          <a:p>
-            <a:r>
-              <a:rPr lang="en-US" dirty="0" smtClean="0"/>
-              <a:t>Frequent, small commits reduce lost effort when new functionality does not work and code needs reverting</a:t>
             </a:r>
           </a:p>
           <a:p>
@@ -4983,7 +5049,6 @@
               <a:rPr lang="en-US" dirty="0" smtClean="0"/>
               <a:t>Add a test</a:t>
             </a:r>
-            <a:endParaRPr lang="en-US" dirty="0" smtClean="0"/>
           </a:p>
         </p:txBody>
       </p:sp>
@@ -5055,7 +5120,6 @@
               <a:rPr lang="en-US" dirty="0" smtClean="0"/>
               <a:t>Green</a:t>
             </a:r>
-            <a:endParaRPr lang="en-US" dirty="0" smtClean="0"/>
           </a:p>
         </p:txBody>
       </p:sp>
@@ -5174,13 +5238,18 @@
         </p:nvCxnSpPr>
         <p:spPr>
           <a:xfrm flipH="1">
-            <a:off x="11283757" y="1876673"/>
+            <a:off x="11283757" y="1885535"/>
             <a:ext cx="4" cy="338526"/>
           </a:xfrm>
           <a:prstGeom prst="straightConnector1">
             <a:avLst/>
           </a:prstGeom>
-          <a:ln>
+          <a:ln w="31750">
+            <a:solidFill>
+              <a:schemeClr val="accent6">
+                <a:lumMod val="75000"/>
+              </a:schemeClr>
+            </a:solidFill>
             <a:tailEnd type="triangle"/>
           </a:ln>
         </p:spPr>
@@ -5485,7 +5554,6 @@
               <a:rPr lang="en-US" dirty="0" smtClean="0"/>
               <a:t>Add a test</a:t>
             </a:r>
-            <a:endParaRPr lang="en-US" dirty="0" smtClean="0"/>
           </a:p>
         </p:txBody>
       </p:sp>
@@ -5557,7 +5625,6 @@
               <a:rPr lang="en-US" dirty="0" smtClean="0"/>
               <a:t>Green</a:t>
             </a:r>
-            <a:endParaRPr lang="en-US" dirty="0" smtClean="0"/>
           </a:p>
         </p:txBody>
       </p:sp>
@@ -5710,7 +5777,12 @@
           <a:prstGeom prst="straightConnector1">
             <a:avLst/>
           </a:prstGeom>
-          <a:ln>
+          <a:ln w="31750">
+            <a:solidFill>
+              <a:schemeClr val="accent6">
+                <a:lumMod val="75000"/>
+              </a:schemeClr>
+            </a:solidFill>
             <a:tailEnd type="triangle"/>
           </a:ln>
         </p:spPr>
@@ -6254,7 +6326,6 @@
               <a:rPr lang="en-US" dirty="0" smtClean="0"/>
               <a:t>Add a test</a:t>
             </a:r>
-            <a:endParaRPr lang="en-US" dirty="0" smtClean="0"/>
           </a:p>
         </p:txBody>
       </p:sp>
@@ -6326,7 +6397,6 @@
               <a:rPr lang="en-US" dirty="0" smtClean="0"/>
               <a:t>Green</a:t>
             </a:r>
-            <a:endParaRPr lang="en-US" dirty="0" smtClean="0"/>
           </a:p>
         </p:txBody>
       </p:sp>
@@ -6550,7 +6620,12 @@
               <a:gd name="adj1" fmla="val 499888"/>
             </a:avLst>
           </a:prstGeom>
-          <a:ln>
+          <a:ln w="31750">
+            <a:solidFill>
+              <a:schemeClr val="accent6">
+                <a:lumMod val="75000"/>
+              </a:schemeClr>
+            </a:solidFill>
             <a:tailEnd type="triangle"/>
           </a:ln>
         </p:spPr>
@@ -6700,7 +6775,6 @@
               <a:rPr lang="en-US" dirty="0" smtClean="0"/>
               <a:t>Test is to result in a small increment of new functionality</a:t>
             </a:r>
-            <a:endParaRPr lang="en-US" dirty="0" smtClean="0"/>
           </a:p>
         </p:txBody>
       </p:sp>
@@ -6736,7 +6810,6 @@
               <a:rPr lang="en-US" dirty="0" smtClean="0"/>
               <a:t>Add a test</a:t>
             </a:r>
-            <a:endParaRPr lang="en-US" dirty="0" smtClean="0"/>
           </a:p>
         </p:txBody>
       </p:sp>
@@ -6813,7 +6886,6 @@
               <a:rPr lang="en-US" dirty="0" smtClean="0"/>
               <a:t>Green</a:t>
             </a:r>
-            <a:endParaRPr lang="en-US" dirty="0" smtClean="0"/>
           </a:p>
         </p:txBody>
       </p:sp>
@@ -6867,7 +6939,12 @@
           <a:prstGeom prst="straightConnector1">
             <a:avLst/>
           </a:prstGeom>
-          <a:ln>
+          <a:ln w="31750">
+            <a:solidFill>
+              <a:schemeClr val="accent6">
+                <a:lumMod val="75000"/>
+              </a:schemeClr>
+            </a:solidFill>
             <a:tailEnd type="triangle"/>
           </a:ln>
         </p:spPr>
@@ -7206,7 +7283,6 @@
               <a:rPr lang="en-US" dirty="0" smtClean="0"/>
               <a:t>Add a test</a:t>
             </a:r>
-            <a:endParaRPr lang="en-US" dirty="0" smtClean="0"/>
           </a:p>
         </p:txBody>
       </p:sp>
@@ -7283,7 +7359,6 @@
               <a:rPr lang="en-US" dirty="0" smtClean="0"/>
               <a:t>Green</a:t>
             </a:r>
-            <a:endParaRPr lang="en-US" dirty="0" smtClean="0"/>
           </a:p>
         </p:txBody>
       </p:sp>
@@ -7370,7 +7445,12 @@
           <a:prstGeom prst="straightConnector1">
             <a:avLst/>
           </a:prstGeom>
-          <a:ln>
+          <a:ln w="31750">
+            <a:solidFill>
+              <a:schemeClr val="accent6">
+                <a:lumMod val="75000"/>
+              </a:schemeClr>
+            </a:solidFill>
             <a:tailEnd type="triangle"/>
           </a:ln>
         </p:spPr>
@@ -7627,61 +7707,67 @@
         <p:spPr/>
         <p:txBody>
           <a:bodyPr>
-            <a:normAutofit fontScale="85000" lnSpcReduction="20000"/>
+            <a:normAutofit/>
           </a:bodyPr>
           <a:lstStyle/>
           <a:p>
             <a:r>
               <a:rPr lang="en-US" dirty="0" smtClean="0"/>
-              <a:t>Understand the justifications for TDD</a:t>
-            </a:r>
-          </a:p>
-          <a:p>
-            <a:r>
-              <a:rPr lang="en-US" dirty="0" smtClean="0"/>
-              <a:t>Understand the fundamentals of TDD</a:t>
-            </a:r>
-          </a:p>
-          <a:p>
-            <a:r>
-              <a:rPr lang="en-US" dirty="0" smtClean="0"/>
-              <a:t>Write maintainable code</a:t>
-            </a:r>
-          </a:p>
-          <a:p>
-            <a:r>
-              <a:rPr lang="en-US" dirty="0" smtClean="0"/>
-              <a:t>Write self documenting code</a:t>
-            </a:r>
-          </a:p>
-          <a:p>
-            <a:r>
-              <a:rPr lang="en-US" dirty="0" smtClean="0"/>
-              <a:t>Reduce reliance on the debugger</a:t>
-            </a:r>
-          </a:p>
-          <a:p>
-            <a:r>
-              <a:rPr lang="en-US" dirty="0" smtClean="0"/>
-              <a:t>Understand how TDD aids in software design</a:t>
-            </a:r>
-          </a:p>
-          <a:p>
-            <a:r>
-              <a:rPr lang="en-US" dirty="0" smtClean="0"/>
-              <a:t>Learn how to build a system from the top to the bottom</a:t>
-            </a:r>
-          </a:p>
-          <a:p>
-            <a:r>
-              <a:rPr lang="en-US" dirty="0" smtClean="0"/>
-              <a:t>How to create a fast test suite</a:t>
-            </a:r>
-          </a:p>
-          <a:p>
-            <a:r>
-              <a:rPr lang="en-US" dirty="0" smtClean="0"/>
-              <a:t>Learn how to grow the design of a system organically</a:t>
+              <a:t>Be able to justify TDD</a:t>
+            </a:r>
+            <a:endParaRPr lang="en-US" dirty="0" smtClean="0"/>
+          </a:p>
+          <a:p>
+            <a:r>
+              <a:rPr lang="en-US" dirty="0" smtClean="0"/>
+              <a:t>Understand the fundamentals </a:t>
+            </a:r>
+            <a:r>
+              <a:rPr lang="en-US" dirty="0" smtClean="0"/>
+              <a:t>of TDD</a:t>
+            </a:r>
+          </a:p>
+          <a:p>
+            <a:r>
+              <a:rPr lang="en-US" dirty="0" smtClean="0"/>
+              <a:t>Use TDD to write maintainable and self documenting code</a:t>
+            </a:r>
+            <a:endParaRPr lang="en-US" dirty="0"/>
+          </a:p>
+          <a:p>
+            <a:r>
+              <a:rPr lang="en-US" dirty="0"/>
+              <a:t>Understand how TDD aids in software </a:t>
+            </a:r>
+            <a:r>
+              <a:rPr lang="en-US" dirty="0" smtClean="0"/>
+              <a:t>design</a:t>
+            </a:r>
+            <a:endParaRPr lang="en-US" dirty="0" smtClean="0"/>
+          </a:p>
+          <a:p>
+            <a:r>
+              <a:rPr lang="en-US" dirty="0" smtClean="0"/>
+              <a:t>Learn </a:t>
+            </a:r>
+            <a:r>
+              <a:rPr lang="en-US" dirty="0" smtClean="0"/>
+              <a:t>how to build a system from the </a:t>
+            </a:r>
+            <a:r>
+              <a:rPr lang="en-US" dirty="0" smtClean="0"/>
+              <a:t>top, downwards</a:t>
+            </a:r>
+            <a:endParaRPr lang="en-US" dirty="0" smtClean="0"/>
+          </a:p>
+          <a:p>
+            <a:r>
+              <a:rPr lang="en-US" dirty="0" smtClean="0"/>
+              <a:t>Use TDD to </a:t>
+            </a:r>
+            <a:r>
+              <a:rPr lang="en-US" dirty="0" smtClean="0"/>
+              <a:t>grow the design of a system organically</a:t>
             </a:r>
           </a:p>
           <a:p>
@@ -7817,7 +7903,6 @@
               <a:rPr lang="en-US" dirty="0" smtClean="0"/>
               <a:t>Add a test</a:t>
             </a:r>
-            <a:endParaRPr lang="en-US" dirty="0" smtClean="0"/>
           </a:p>
         </p:txBody>
       </p:sp>
@@ -7889,7 +7974,6 @@
               <a:rPr lang="en-US" dirty="0" smtClean="0"/>
               <a:t>Green</a:t>
             </a:r>
-            <a:endParaRPr lang="en-US" dirty="0" smtClean="0"/>
           </a:p>
         </p:txBody>
       </p:sp>
@@ -8014,7 +8098,12 @@
           <a:prstGeom prst="straightConnector1">
             <a:avLst/>
           </a:prstGeom>
-          <a:ln>
+          <a:ln w="31750">
+            <a:solidFill>
+              <a:schemeClr val="accent6">
+                <a:lumMod val="75000"/>
+              </a:schemeClr>
+            </a:solidFill>
             <a:tailEnd type="triangle"/>
           </a:ln>
         </p:spPr>
@@ -8246,12 +8335,19 @@
           <a:lstStyle/>
           <a:p>
             <a:r>
-              <a:rPr lang="en-US" dirty="0" smtClean="0"/>
-              <a:t>Will skip for now as there’s unlikely any duplication</a:t>
-            </a:r>
-          </a:p>
-          <a:p>
-            <a:endParaRPr lang="en-US" dirty="0" smtClean="0"/>
+              <a:rPr lang="en-US" dirty="0"/>
+              <a:t>As a system </a:t>
+            </a:r>
+            <a:r>
+              <a:rPr lang="en-US" dirty="0" smtClean="0"/>
+              <a:t>evolves, test semantics may change, such tests require renaming</a:t>
+            </a:r>
+          </a:p>
+          <a:p>
+            <a:r>
+              <a:rPr lang="en-US" dirty="0" smtClean="0"/>
+              <a:t>At this point there is likely to be little code to refactor</a:t>
+            </a:r>
           </a:p>
         </p:txBody>
       </p:sp>
@@ -8287,7 +8383,6 @@
               <a:rPr lang="en-US" dirty="0" smtClean="0"/>
               <a:t>Add a test</a:t>
             </a:r>
-            <a:endParaRPr lang="en-US" dirty="0" smtClean="0"/>
           </a:p>
         </p:txBody>
       </p:sp>
@@ -8359,7 +8454,6 @@
               <a:rPr lang="en-US" dirty="0" smtClean="0"/>
               <a:t>Green</a:t>
             </a:r>
-            <a:endParaRPr lang="en-US" dirty="0" smtClean="0"/>
           </a:p>
         </p:txBody>
       </p:sp>
@@ -8512,7 +8606,12 @@
           <a:prstGeom prst="straightConnector1">
             <a:avLst/>
           </a:prstGeom>
-          <a:ln>
+          <a:ln w="31750">
+            <a:solidFill>
+              <a:schemeClr val="accent6">
+                <a:lumMod val="75000"/>
+              </a:schemeClr>
+            </a:solidFill>
             <a:tailEnd type="triangle"/>
           </a:ln>
         </p:spPr>
@@ -8776,7 +8875,6 @@
               <a:rPr lang="en-US" dirty="0" smtClean="0"/>
               <a:t>Add a test</a:t>
             </a:r>
-            <a:endParaRPr lang="en-US" dirty="0" smtClean="0"/>
           </a:p>
         </p:txBody>
       </p:sp>
@@ -8848,7 +8946,6 @@
               <a:rPr lang="en-US" dirty="0" smtClean="0"/>
               <a:t>Green</a:t>
             </a:r>
-            <a:endParaRPr lang="en-US" dirty="0" smtClean="0"/>
           </a:p>
         </p:txBody>
       </p:sp>
@@ -9072,7 +9169,12 @@
               <a:gd name="adj1" fmla="val 499888"/>
             </a:avLst>
           </a:prstGeom>
-          <a:ln>
+          <a:ln w="31750">
+            <a:solidFill>
+              <a:schemeClr val="accent6">
+                <a:lumMod val="75000"/>
+              </a:schemeClr>
+            </a:solidFill>
             <a:tailEnd type="triangle"/>
           </a:ln>
         </p:spPr>
@@ -9198,7 +9300,6 @@
               <a:rPr lang="en-US" dirty="0" smtClean="0"/>
               <a:t>Ensure the test fails</a:t>
             </a:r>
-            <a:endParaRPr lang="en-US" dirty="0" smtClean="0"/>
           </a:p>
         </p:txBody>
       </p:sp>
@@ -9234,7 +9335,6 @@
               <a:rPr lang="en-US" dirty="0" smtClean="0"/>
               <a:t>Add a test</a:t>
             </a:r>
-            <a:endParaRPr lang="en-US" dirty="0" smtClean="0"/>
           </a:p>
         </p:txBody>
       </p:sp>
@@ -9311,7 +9411,6 @@
               <a:rPr lang="en-US" dirty="0" smtClean="0"/>
               <a:t>Green</a:t>
             </a:r>
-            <a:endParaRPr lang="en-US" dirty="0" smtClean="0"/>
           </a:p>
         </p:txBody>
       </p:sp>
@@ -9365,7 +9464,12 @@
           <a:prstGeom prst="straightConnector1">
             <a:avLst/>
           </a:prstGeom>
-          <a:ln>
+          <a:ln w="31750">
+            <a:solidFill>
+              <a:schemeClr val="accent6">
+                <a:lumMod val="75000"/>
+              </a:schemeClr>
+            </a:solidFill>
             <a:tailEnd type="triangle"/>
           </a:ln>
         </p:spPr>
@@ -9663,7 +9767,6 @@
               <a:rPr lang="en-US" dirty="0" smtClean="0"/>
               <a:t>Make the test pass</a:t>
             </a:r>
-            <a:endParaRPr lang="en-US" dirty="0" smtClean="0"/>
           </a:p>
         </p:txBody>
       </p:sp>
@@ -9699,7 +9802,6 @@
               <a:rPr lang="en-US" dirty="0" smtClean="0"/>
               <a:t>Add a test</a:t>
             </a:r>
-            <a:endParaRPr lang="en-US" dirty="0" smtClean="0"/>
           </a:p>
         </p:txBody>
       </p:sp>
@@ -9776,7 +9878,6 @@
               <a:rPr lang="en-US" dirty="0" smtClean="0"/>
               <a:t>Green</a:t>
             </a:r>
-            <a:endParaRPr lang="en-US" dirty="0" smtClean="0"/>
           </a:p>
         </p:txBody>
       </p:sp>
@@ -9863,7 +9964,12 @@
           <a:prstGeom prst="straightConnector1">
             <a:avLst/>
           </a:prstGeom>
-          <a:ln>
+          <a:ln w="31750">
+            <a:solidFill>
+              <a:schemeClr val="accent6">
+                <a:lumMod val="75000"/>
+              </a:schemeClr>
+            </a:solidFill>
             <a:tailEnd type="triangle"/>
           </a:ln>
         </p:spPr>
@@ -10134,8 +10240,16 @@
           </a:p>
           <a:p>
             <a:r>
-              <a:rPr lang="en-US" dirty="0" smtClean="0"/>
-              <a:t>Potentially destroy the task card</a:t>
+              <a:rPr lang="en-US" smtClean="0"/>
+              <a:t>Destroy </a:t>
+            </a:r>
+            <a:r>
+              <a:rPr lang="en-US" dirty="0" smtClean="0"/>
+              <a:t>the </a:t>
+            </a:r>
+            <a:r>
+              <a:rPr lang="en-US" smtClean="0"/>
+              <a:t>task card if the task is complete</a:t>
             </a:r>
             <a:endParaRPr lang="en-US" dirty="0" smtClean="0"/>
           </a:p>
@@ -10173,7 +10287,6 @@
               <a:rPr lang="en-US" dirty="0" smtClean="0"/>
               <a:t>Add a test</a:t>
             </a:r>
-            <a:endParaRPr lang="en-US" dirty="0" smtClean="0"/>
           </a:p>
         </p:txBody>
       </p:sp>
@@ -10245,7 +10358,6 @@
               <a:rPr lang="en-US" dirty="0" smtClean="0"/>
               <a:t>Green</a:t>
             </a:r>
-            <a:endParaRPr lang="en-US" dirty="0" smtClean="0"/>
           </a:p>
         </p:txBody>
       </p:sp>
@@ -10370,7 +10482,12 @@
           <a:prstGeom prst="straightConnector1">
             <a:avLst/>
           </a:prstGeom>
-          <a:ln>
+          <a:ln w="31750">
+            <a:solidFill>
+              <a:schemeClr val="accent6">
+                <a:lumMod val="75000"/>
+              </a:schemeClr>
+            </a:solidFill>
             <a:tailEnd type="triangle"/>
           </a:ln>
         </p:spPr>
@@ -10611,7 +10728,7 @@
           <a:p>
             <a:r>
               <a:rPr lang="en-US" dirty="0" smtClean="0"/>
-              <a:t>Two types:</a:t>
+              <a:t>Two types of duplication:</a:t>
             </a:r>
           </a:p>
           <a:p>
@@ -10662,7 +10779,6 @@
               <a:rPr lang="en-US" dirty="0" smtClean="0"/>
               <a:t>Add a test</a:t>
             </a:r>
-            <a:endParaRPr lang="en-US" dirty="0" smtClean="0"/>
           </a:p>
         </p:txBody>
       </p:sp>
@@ -10734,7 +10850,6 @@
               <a:rPr lang="en-US" dirty="0" smtClean="0"/>
               <a:t>Green</a:t>
             </a:r>
-            <a:endParaRPr lang="en-US" dirty="0" smtClean="0"/>
           </a:p>
         </p:txBody>
       </p:sp>
@@ -10887,7 +11002,12 @@
           <a:prstGeom prst="straightConnector1">
             <a:avLst/>
           </a:prstGeom>
-          <a:ln>
+          <a:ln w="31750">
+            <a:solidFill>
+              <a:schemeClr val="accent6">
+                <a:lumMod val="75000"/>
+              </a:schemeClr>
+            </a:solidFill>
             <a:tailEnd type="triangle"/>
           </a:ln>
         </p:spPr>
@@ -11140,7 +11260,6 @@
               <a:rPr lang="en-US" dirty="0" smtClean="0"/>
               <a:t>Add a test</a:t>
             </a:r>
-            <a:endParaRPr lang="en-US" dirty="0" smtClean="0"/>
           </a:p>
         </p:txBody>
       </p:sp>
@@ -11212,7 +11331,6 @@
               <a:rPr lang="en-US" dirty="0" smtClean="0"/>
               <a:t>Green</a:t>
             </a:r>
-            <a:endParaRPr lang="en-US" dirty="0" smtClean="0"/>
           </a:p>
         </p:txBody>
       </p:sp>
@@ -11702,7 +11820,6 @@
               <a:rPr lang="en-US" dirty="0" smtClean="0"/>
               <a:t>Add a test</a:t>
             </a:r>
-            <a:endParaRPr lang="en-US" dirty="0" smtClean="0"/>
           </a:p>
         </p:txBody>
       </p:sp>
@@ -11774,7 +11891,6 @@
               <a:rPr lang="en-US" dirty="0" smtClean="0"/>
               <a:t>Green</a:t>
             </a:r>
-            <a:endParaRPr lang="en-US" dirty="0" smtClean="0"/>
           </a:p>
         </p:txBody>
       </p:sp>
@@ -12225,7 +12341,6 @@
               <a:rPr lang="en-US" dirty="0" smtClean="0"/>
               <a:t>No matter how small the refactoring, ensure all tests pass</a:t>
             </a:r>
-            <a:endParaRPr lang="en-US" dirty="0" smtClean="0"/>
           </a:p>
           <a:p>
             <a:endParaRPr lang="en-US" dirty="0" smtClean="0"/>
@@ -12264,7 +12379,6 @@
               <a:rPr lang="en-US" dirty="0" smtClean="0"/>
               <a:t>Add a test</a:t>
             </a:r>
-            <a:endParaRPr lang="en-US" dirty="0" smtClean="0"/>
           </a:p>
         </p:txBody>
       </p:sp>
@@ -12341,7 +12455,6 @@
               <a:rPr lang="en-US" dirty="0" smtClean="0"/>
               <a:t>Green</a:t>
             </a:r>
-            <a:endParaRPr lang="en-US" dirty="0" smtClean="0"/>
           </a:p>
         </p:txBody>
       </p:sp>
@@ -12600,7 +12713,12 @@
               <a:gd name="adj1" fmla="val -279507"/>
             </a:avLst>
           </a:prstGeom>
-          <a:ln>
+          <a:ln w="31750">
+            <a:solidFill>
+              <a:schemeClr val="accent6">
+                <a:lumMod val="75000"/>
+              </a:schemeClr>
+            </a:solidFill>
             <a:tailEnd type="triangle"/>
           </a:ln>
         </p:spPr>
@@ -12715,7 +12833,15 @@
           <a:p>
             <a:r>
               <a:rPr lang="en-US" dirty="0" smtClean="0"/>
-              <a:t>Avoid scope creep – identifies when work is complete</a:t>
+              <a:t>Avoid scope creep – </a:t>
+            </a:r>
+            <a:r>
+              <a:rPr lang="en-US" dirty="0" smtClean="0"/>
+              <a:t>identify </a:t>
+            </a:r>
+            <a:r>
+              <a:rPr lang="en-US" dirty="0" smtClean="0"/>
+              <a:t>when work is complete</a:t>
             </a:r>
           </a:p>
           <a:p>
@@ -12822,7 +12948,6 @@
               <a:rPr lang="en-US" dirty="0" smtClean="0"/>
               <a:t>Destroy the card of the task you are presently working on</a:t>
             </a:r>
-            <a:endParaRPr lang="en-US" dirty="0" smtClean="0"/>
           </a:p>
         </p:txBody>
       </p:sp>
@@ -12858,7 +12983,6 @@
               <a:rPr lang="en-US" dirty="0" smtClean="0"/>
               <a:t>Add a test</a:t>
             </a:r>
-            <a:endParaRPr lang="en-US" dirty="0" smtClean="0"/>
           </a:p>
         </p:txBody>
       </p:sp>
@@ -12930,7 +13054,6 @@
               <a:rPr lang="en-US" dirty="0" smtClean="0"/>
               <a:t>Green</a:t>
             </a:r>
-            <a:endParaRPr lang="en-US" dirty="0" smtClean="0"/>
           </a:p>
         </p:txBody>
       </p:sp>
@@ -13055,7 +13178,12 @@
           <a:prstGeom prst="straightConnector1">
             <a:avLst/>
           </a:prstGeom>
-          <a:ln>
+          <a:ln w="31750">
+            <a:solidFill>
+              <a:schemeClr val="accent6">
+                <a:lumMod val="75000"/>
+              </a:schemeClr>
+            </a:solidFill>
             <a:tailEnd type="triangle"/>
           </a:ln>
         </p:spPr>
@@ -13298,7 +13426,6 @@
               <a:rPr lang="en-US" dirty="0" smtClean="0"/>
               <a:t>Add a test</a:t>
             </a:r>
-            <a:endParaRPr lang="en-US" dirty="0" smtClean="0"/>
           </a:p>
         </p:txBody>
       </p:sp>
@@ -13370,7 +13497,6 @@
               <a:rPr lang="en-US" dirty="0" smtClean="0"/>
               <a:t>Green</a:t>
             </a:r>
-            <a:endParaRPr lang="en-US" dirty="0" smtClean="0"/>
           </a:p>
         </p:txBody>
       </p:sp>
@@ -13737,8 +13863,27 @@
             <a:pPr lvl="1"/>
             <a:r>
               <a:rPr lang="en-US" dirty="0" smtClean="0"/>
-              <a:t>Low coupling</a:t>
-            </a:r>
+              <a:t>Low </a:t>
+            </a:r>
+            <a:r>
+              <a:rPr lang="en-US" dirty="0" smtClean="0"/>
+              <a:t>coupling</a:t>
+            </a:r>
+          </a:p>
+          <a:p>
+            <a:pPr lvl="2"/>
+            <a:r>
+              <a:rPr lang="en-US" dirty="0" smtClean="0"/>
+              <a:t>Tightly coupled systems are difficult to evolve</a:t>
+            </a:r>
+          </a:p>
+          <a:p>
+            <a:pPr lvl="2"/>
+            <a:r>
+              <a:rPr lang="en-US" dirty="0" smtClean="0"/>
+              <a:t>A change in one area often triggers undesired changes in a different area</a:t>
+            </a:r>
+            <a:endParaRPr lang="en-US" dirty="0" smtClean="0"/>
           </a:p>
           <a:p>
             <a:pPr lvl="1"/>
@@ -13746,6 +13891,28 @@
               <a:rPr lang="en-US" dirty="0" smtClean="0"/>
               <a:t>High cohesion</a:t>
             </a:r>
+          </a:p>
+          <a:p>
+            <a:pPr lvl="2"/>
+            <a:r>
+              <a:rPr lang="en-US" dirty="0" smtClean="0"/>
+              <a:t>Placing related concepts and components near each other</a:t>
+            </a:r>
+          </a:p>
+          <a:p>
+            <a:pPr lvl="2"/>
+            <a:r>
+              <a:rPr lang="en-US" dirty="0" smtClean="0"/>
+              <a:t>Aids in the readability of the design</a:t>
+            </a:r>
+          </a:p>
+          <a:p>
+            <a:pPr lvl="2"/>
+            <a:r>
+              <a:rPr lang="en-US" dirty="0" smtClean="0"/>
+              <a:t>Reduces error because it aids in readability </a:t>
+            </a:r>
+            <a:endParaRPr lang="en-US" dirty="0" smtClean="0"/>
           </a:p>
         </p:txBody>
       </p:sp>
@@ -13970,7 +14137,7 @@
           <a:p>
             <a:r>
               <a:rPr lang="en-US" dirty="0" smtClean="0"/>
-              <a:t>One class per file</a:t>
+              <a:t>One production class per file</a:t>
             </a:r>
             <a:endParaRPr lang="en-US" dirty="0"/>
           </a:p>
@@ -14029,9 +14196,68 @@
           </a:p>
         </p:txBody>
       </p:sp>
+      <p:sp>
+        <p:nvSpPr>
+          <p:cNvPr id="8" name="TextBox 7"/>
+          <p:cNvSpPr txBox="1"/>
+          <p:nvPr/>
+        </p:nvSpPr>
+        <p:spPr>
+          <a:xfrm>
+            <a:off x="1618557" y="1402487"/>
+            <a:ext cx="669222" cy="369332"/>
+          </a:xfrm>
+          <a:prstGeom prst="rect">
+            <a:avLst/>
+          </a:prstGeom>
+          <a:noFill/>
+        </p:spPr>
+        <p:txBody>
+          <a:bodyPr wrap="none" rtlCol="0">
+            <a:spAutoFit/>
+          </a:bodyPr>
+          <a:lstStyle/>
+          <a:p>
+            <a:r>
+              <a:rPr lang="en-US" b="1" dirty="0" smtClean="0"/>
+              <a:t>Ruby</a:t>
+            </a:r>
+          </a:p>
+        </p:txBody>
+      </p:sp>
+      <p:sp>
+        <p:nvSpPr>
+          <p:cNvPr id="9" name="TextBox 8"/>
+          <p:cNvSpPr txBox="1"/>
+          <p:nvPr/>
+        </p:nvSpPr>
+        <p:spPr>
+          <a:xfrm>
+            <a:off x="5924550" y="1448615"/>
+            <a:ext cx="3313023" cy="369332"/>
+          </a:xfrm>
+          <a:prstGeom prst="rect">
+            <a:avLst/>
+          </a:prstGeom>
+          <a:noFill/>
+        </p:spPr>
+        <p:txBody>
+          <a:bodyPr wrap="none" rtlCol="0">
+            <a:spAutoFit/>
+          </a:bodyPr>
+          <a:lstStyle/>
+          <a:p>
+            <a:r>
+              <a:rPr lang="en-US" b="1" dirty="0" smtClean="0"/>
+              <a:t>Apache Maven Standard for Java</a:t>
+            </a:r>
+            <a:endParaRPr lang="en-US" b="1" dirty="0"/>
+          </a:p>
+        </p:txBody>
+      </p:sp>
       <p:pic>
         <p:nvPicPr>
-          <p:cNvPr id="4" name="Content Placeholder 3"/>
+          <p:cNvPr id="12" name="Picture 11"/>
           <p:cNvPicPr>
             <a:picLocks noChangeAspect="1"/>
           </p:cNvPicPr>
@@ -14045,66 +14271,17 @@
         </p:blipFill>
         <p:spPr>
           <a:xfrm>
-            <a:off x="3288607" y="4646971"/>
-            <a:ext cx="4406900" cy="1562100"/>
+            <a:off x="5924550" y="1816677"/>
+            <a:ext cx="4406900" cy="2438400"/>
           </a:xfrm>
           <a:prstGeom prst="rect">
             <a:avLst/>
           </a:prstGeom>
         </p:spPr>
       </p:pic>
-      <p:sp>
-        <p:nvSpPr>
-          <p:cNvPr id="5" name="&quot;No&quot; Symbol 4"/>
-          <p:cNvSpPr/>
-          <p:nvPr/>
-        </p:nvSpPr>
-        <p:spPr>
-          <a:xfrm>
-            <a:off x="4231067" y="4646971"/>
-            <a:ext cx="1989397" cy="1967706"/>
-          </a:xfrm>
-          <a:prstGeom prst="noSmoking">
-            <a:avLst/>
-          </a:prstGeom>
-          <a:solidFill>
-            <a:srgbClr val="FF2600">
-              <a:alpha val="16000"/>
-            </a:srgbClr>
-          </a:solidFill>
-        </p:spPr>
-        <p:style>
-          <a:lnRef idx="2">
-            <a:schemeClr val="accent1">
-              <a:shade val="50000"/>
-            </a:schemeClr>
-          </a:lnRef>
-          <a:fillRef idx="1">
-            <a:schemeClr val="accent1"/>
-          </a:fillRef>
-          <a:effectRef idx="0">
-            <a:schemeClr val="accent1"/>
-          </a:effectRef>
-          <a:fontRef idx="minor">
-            <a:schemeClr val="lt1"/>
-          </a:fontRef>
-        </p:style>
-        <p:txBody>
-          <a:bodyPr rtlCol="0" anchor="ctr"/>
-          <a:lstStyle/>
-          <a:p>
-            <a:pPr algn="ctr"/>
-            <a:endParaRPr lang="en-US">
-              <a:solidFill>
-                <a:schemeClr val="tx1"/>
-              </a:solidFill>
-            </a:endParaRPr>
-          </a:p>
-        </p:txBody>
-      </p:sp>
       <p:pic>
         <p:nvPicPr>
-          <p:cNvPr id="6" name="Picture 5"/>
+          <p:cNvPr id="3" name="Picture 2"/>
           <p:cNvPicPr>
             <a:picLocks noChangeAspect="1"/>
           </p:cNvPicPr>
@@ -14118,97 +14295,14 @@
         </p:blipFill>
         <p:spPr>
           <a:xfrm>
-            <a:off x="5924550" y="1919348"/>
-            <a:ext cx="4102100" cy="2273300"/>
+            <a:off x="1618557" y="1816677"/>
+            <a:ext cx="3403600" cy="2222500"/>
           </a:xfrm>
           <a:prstGeom prst="rect">
             <a:avLst/>
           </a:prstGeom>
         </p:spPr>
       </p:pic>
-      <p:pic>
-        <p:nvPicPr>
-          <p:cNvPr id="7" name="Picture 6"/>
-          <p:cNvPicPr>
-            <a:picLocks noChangeAspect="1"/>
-          </p:cNvPicPr>
-          <p:nvPr/>
-        </p:nvPicPr>
-        <p:blipFill>
-          <a:blip r:embed="rId4"/>
-          <a:stretch>
-            <a:fillRect/>
-          </a:stretch>
-        </p:blipFill>
-        <p:spPr>
-          <a:xfrm>
-            <a:off x="1618557" y="1816677"/>
-            <a:ext cx="3340100" cy="2298700"/>
-          </a:xfrm>
-          <a:prstGeom prst="rect">
-            <a:avLst/>
-          </a:prstGeom>
-        </p:spPr>
-      </p:pic>
-      <p:sp>
-        <p:nvSpPr>
-          <p:cNvPr id="8" name="TextBox 7"/>
-          <p:cNvSpPr txBox="1"/>
-          <p:nvPr/>
-        </p:nvSpPr>
-        <p:spPr>
-          <a:xfrm>
-            <a:off x="1618557" y="1402487"/>
-            <a:ext cx="669222" cy="369332"/>
-          </a:xfrm>
-          <a:prstGeom prst="rect">
-            <a:avLst/>
-          </a:prstGeom>
-          <a:noFill/>
-        </p:spPr>
-        <p:txBody>
-          <a:bodyPr wrap="none" rtlCol="0">
-            <a:spAutoFit/>
-          </a:bodyPr>
-          <a:lstStyle/>
-          <a:p>
-            <a:r>
-              <a:rPr lang="en-US" b="1" dirty="0" smtClean="0"/>
-              <a:t>Ruby</a:t>
-            </a:r>
-          </a:p>
-        </p:txBody>
-      </p:sp>
-      <p:sp>
-        <p:nvSpPr>
-          <p:cNvPr id="9" name="TextBox 8"/>
-          <p:cNvSpPr txBox="1"/>
-          <p:nvPr/>
-        </p:nvSpPr>
-        <p:spPr>
-          <a:xfrm>
-            <a:off x="5924550" y="1448615"/>
-            <a:ext cx="591829" cy="369332"/>
-          </a:xfrm>
-          <a:prstGeom prst="rect">
-            <a:avLst/>
-          </a:prstGeom>
-          <a:noFill/>
-        </p:spPr>
-        <p:txBody>
-          <a:bodyPr wrap="none" rtlCol="0">
-            <a:spAutoFit/>
-          </a:bodyPr>
-          <a:lstStyle/>
-          <a:p>
-            <a:r>
-              <a:rPr lang="en-US" b="1" dirty="0" smtClean="0"/>
-              <a:t>Java</a:t>
-            </a:r>
-            <a:endParaRPr lang="en-US" b="1" dirty="0"/>
-          </a:p>
-        </p:txBody>
-      </p:sp>
     </p:spTree>
     <p:extLst>
       <p:ext uri="{BB962C8B-B14F-4D97-AF65-F5344CB8AC3E}">
@@ -14343,7 +14437,6 @@
               <a:rPr lang="en-US" dirty="0" smtClean="0"/>
               <a:t>Create new tasks as work continues</a:t>
             </a:r>
-            <a:endParaRPr lang="en-US" dirty="0" smtClean="0"/>
           </a:p>
         </p:txBody>
       </p:sp>
@@ -14432,7 +14525,6 @@
               <a:rPr lang="en-US" dirty="0" smtClean="0"/>
               <a:t>Add a test</a:t>
             </a:r>
-            <a:endParaRPr lang="en-US" dirty="0" smtClean="0"/>
           </a:p>
         </p:txBody>
       </p:sp>
@@ -14504,7 +14596,6 @@
               <a:rPr lang="en-US" dirty="0" smtClean="0"/>
               <a:t>Green</a:t>
             </a:r>
-            <a:endParaRPr lang="en-US" dirty="0" smtClean="0"/>
           </a:p>
         </p:txBody>
       </p:sp>
